--- a/BuildRubberBandGunSoftware.pptx
+++ b/BuildRubberBandGunSoftware.pptx
@@ -8,6 +8,7 @@
     <p:sldId id="256" r:id="rId2"/>
     <p:sldId id="260" r:id="rId3"/>
     <p:sldId id="259" r:id="rId4"/>
+    <p:sldId id="261" r:id="rId5"/>
   </p:sldIdLst>
   <p:sldSz cx="12192000" cy="6858000"/>
   <p:notesSz cx="6858000" cy="9144000"/>
@@ -106,6 +107,11 @@
       </a:defRPr>
     </a:lvl9pPr>
   </p:defaultTextStyle>
+  <p:extLst>
+    <p:ext uri="{EFAFB233-063F-42B5-8137-9DF3F51BA10A}">
+      <p15:sldGuideLst xmlns:p15="http://schemas.microsoft.com/office/powerpoint/2012/main"/>
+    </p:ext>
+  </p:extLst>
 </p:presentation>
 </file>
 
@@ -6679,7 +6685,7 @@
         <p:spPr>
           <a:xfrm>
             <a:off x="8825150" y="2709749"/>
-            <a:ext cx="1124539" cy="369332"/>
+            <a:ext cx="2423227" cy="369332"/>
           </a:xfrm>
           <a:prstGeom prst="rect">
             <a:avLst/>
@@ -6698,8 +6704,21 @@
                   <a:schemeClr val="bg1"/>
                 </a:solidFill>
               </a:rPr>
-              <a:t>bash.exe</a:t>
-            </a:r>
+              <a:t>bash.exe and </a:t>
+            </a:r>
+            <a:r>
+              <a:rPr lang="en-US" dirty="0" err="1">
+                <a:solidFill>
+                  <a:schemeClr val="bg1"/>
+                </a:solidFill>
+              </a:rPr>
+              <a:t>eSpeak</a:t>
+            </a:r>
+            <a:endParaRPr lang="en-US" dirty="0">
+              <a:solidFill>
+                <a:schemeClr val="bg1"/>
+              </a:solidFill>
+            </a:endParaRPr>
           </a:p>
         </p:txBody>
       </p:sp>
@@ -7006,7 +7025,7 @@
         </p:nvSpPr>
         <p:spPr>
           <a:xfrm>
-            <a:off x="4752485" y="5075864"/>
+            <a:off x="4770533" y="5075864"/>
             <a:ext cx="1880939" cy="461665"/>
           </a:xfrm>
           <a:prstGeom prst="rightArrow">
@@ -7111,8 +7130,8 @@
         </p:nvSpPr>
         <p:spPr>
           <a:xfrm>
-            <a:off x="7010400" y="4886369"/>
-            <a:ext cx="1351383" cy="751974"/>
+            <a:off x="6805863" y="4936688"/>
+            <a:ext cx="2019287" cy="751974"/>
           </a:xfrm>
           <a:prstGeom prst="roundRect">
             <a:avLst/>
@@ -7141,14 +7160,14 @@
             <a:pPr algn="ctr"/>
             <a:r>
               <a:rPr lang="en-US" dirty="0"/>
-              <a:t>Insert</a:t>
+              <a:t>Insert SD Card</a:t>
             </a:r>
           </a:p>
           <a:p>
             <a:pPr algn="ctr"/>
             <a:r>
               <a:rPr lang="en-US" dirty="0"/>
-              <a:t>SD Card</a:t>
+              <a:t>in YX5200</a:t>
             </a:r>
           </a:p>
         </p:txBody>
@@ -7157,6 +7176,724 @@
     <p:extLst>
       <p:ext uri="{BB962C8B-B14F-4D97-AF65-F5344CB8AC3E}">
         <p14:creationId xmlns:p14="http://schemas.microsoft.com/office/powerpoint/2010/main" val="2177157387"/>
+      </p:ext>
+    </p:extLst>
+  </p:cSld>
+  <p:clrMapOvr>
+    <a:masterClrMapping/>
+  </p:clrMapOvr>
+</p:sld>
+</file>
+
+<file path=ppt/slides/slide4.xml><?xml version="1.0" encoding="utf-8"?>
+<p:sld xmlns:a="http://schemas.openxmlformats.org/drawingml/2006/main" xmlns:r="http://schemas.openxmlformats.org/officeDocument/2006/relationships" xmlns:p="http://schemas.openxmlformats.org/presentationml/2006/main">
+  <p:cSld>
+    <p:spTree>
+      <p:nvGrpSpPr>
+        <p:cNvPr id="1" name=""/>
+        <p:cNvGrpSpPr/>
+        <p:nvPr/>
+      </p:nvGrpSpPr>
+      <p:grpSpPr>
+        <a:xfrm>
+          <a:off x="0" y="0"/>
+          <a:ext cx="0" cy="0"/>
+          <a:chOff x="0" y="0"/>
+          <a:chExt cx="0" cy="0"/>
+        </a:xfrm>
+      </p:grpSpPr>
+      <p:sp>
+        <p:nvSpPr>
+          <p:cNvPr id="2" name="Title 1">
+            <a:extLst>
+              <a:ext uri="{FF2B5EF4-FFF2-40B4-BE49-F238E27FC236}">
+                <a16:creationId xmlns:a16="http://schemas.microsoft.com/office/drawing/2014/main" id="{CA8AE72C-C061-49D1-9B33-021B547895B2}"/>
+              </a:ext>
+            </a:extLst>
+          </p:cNvPr>
+          <p:cNvSpPr>
+            <a:spLocks noGrp="1"/>
+          </p:cNvSpPr>
+          <p:nvPr>
+            <p:ph type="title"/>
+          </p:nvPr>
+        </p:nvSpPr>
+        <p:spPr/>
+        <p:txBody>
+          <a:bodyPr>
+            <a:normAutofit fontScale="90000"/>
+          </a:bodyPr>
+          <a:lstStyle/>
+          <a:p>
+            <a:pPr algn="ctr"/>
+            <a:r>
+              <a:rPr lang="en-US" b="1" dirty="0"/>
+              <a:t>FOOF Rubber Band Gun</a:t>
+            </a:r>
+            <a:br>
+              <a:rPr lang="en-US" b="1" dirty="0"/>
+            </a:br>
+            <a:r>
+              <a:rPr lang="en-US" b="1" dirty="0"/>
+              <a:t>Debug Tools</a:t>
+            </a:r>
+            <a:endParaRPr lang="en-US" dirty="0"/>
+          </a:p>
+        </p:txBody>
+      </p:sp>
+      <p:sp>
+        <p:nvSpPr>
+          <p:cNvPr id="6" name="Rectangle 5">
+            <a:extLst>
+              <a:ext uri="{FF2B5EF4-FFF2-40B4-BE49-F238E27FC236}">
+                <a16:creationId xmlns:a16="http://schemas.microsoft.com/office/drawing/2014/main" id="{00DC7B1E-75A1-4AA2-A88E-E04AEA42C08E}"/>
+              </a:ext>
+            </a:extLst>
+          </p:cNvPr>
+          <p:cNvSpPr/>
+          <p:nvPr/>
+        </p:nvSpPr>
+        <p:spPr>
+          <a:xfrm>
+            <a:off x="545858" y="2371542"/>
+            <a:ext cx="1992805" cy="1298090"/>
+          </a:xfrm>
+          <a:prstGeom prst="rect">
+            <a:avLst/>
+          </a:prstGeom>
+        </p:spPr>
+        <p:style>
+          <a:lnRef idx="2">
+            <a:schemeClr val="accent1">
+              <a:shade val="50000"/>
+            </a:schemeClr>
+          </a:lnRef>
+          <a:fillRef idx="1">
+            <a:schemeClr val="accent1"/>
+          </a:fillRef>
+          <a:effectRef idx="0">
+            <a:schemeClr val="accent1"/>
+          </a:effectRef>
+          <a:fontRef idx="minor">
+            <a:schemeClr val="lt1"/>
+          </a:fontRef>
+        </p:style>
+        <p:txBody>
+          <a:bodyPr rtlCol="0" anchor="ctr"/>
+          <a:lstStyle/>
+          <a:p>
+            <a:r>
+              <a:rPr lang="en-US" dirty="0" err="1"/>
+              <a:t>RBG_SciFi_StatesAndInputs.h</a:t>
+            </a:r>
+            <a:endParaRPr lang="en-US" dirty="0"/>
+          </a:p>
+          <a:p>
+            <a:endParaRPr lang="en-US" dirty="0"/>
+          </a:p>
+          <a:p>
+            <a:r>
+              <a:rPr lang="en-US" dirty="0" err="1"/>
+              <a:t>RBG_SciFi.ino</a:t>
+            </a:r>
+            <a:endParaRPr lang="en-US" dirty="0"/>
+          </a:p>
+        </p:txBody>
+      </p:sp>
+      <p:sp>
+        <p:nvSpPr>
+          <p:cNvPr id="7" name="Arrow: Right 6">
+            <a:extLst>
+              <a:ext uri="{FF2B5EF4-FFF2-40B4-BE49-F238E27FC236}">
+                <a16:creationId xmlns:a16="http://schemas.microsoft.com/office/drawing/2014/main" id="{BA6BB023-6ACB-4C9C-976B-5D7E334BC41E}"/>
+              </a:ext>
+            </a:extLst>
+          </p:cNvPr>
+          <p:cNvSpPr/>
+          <p:nvPr/>
+        </p:nvSpPr>
+        <p:spPr>
+          <a:xfrm>
+            <a:off x="2646946" y="2789754"/>
+            <a:ext cx="2556712" cy="461665"/>
+          </a:xfrm>
+          <a:prstGeom prst="rightArrow">
+            <a:avLst/>
+          </a:prstGeom>
+        </p:spPr>
+        <p:style>
+          <a:lnRef idx="2">
+            <a:schemeClr val="accent3">
+              <a:shade val="50000"/>
+            </a:schemeClr>
+          </a:lnRef>
+          <a:fillRef idx="1">
+            <a:schemeClr val="accent3"/>
+          </a:fillRef>
+          <a:effectRef idx="0">
+            <a:schemeClr val="accent3"/>
+          </a:effectRef>
+          <a:fontRef idx="minor">
+            <a:schemeClr val="lt1"/>
+          </a:fontRef>
+        </p:style>
+        <p:txBody>
+          <a:bodyPr rtlCol="0" anchor="ctr"/>
+          <a:lstStyle/>
+          <a:p>
+            <a:pPr algn="ctr"/>
+            <a:r>
+              <a:rPr lang="en-US" dirty="0"/>
+              <a:t>RBG_debuggable.py</a:t>
+            </a:r>
+          </a:p>
+        </p:txBody>
+      </p:sp>
+      <p:sp>
+        <p:nvSpPr>
+          <p:cNvPr id="9" name="Rectangle 8">
+            <a:extLst>
+              <a:ext uri="{FF2B5EF4-FFF2-40B4-BE49-F238E27FC236}">
+                <a16:creationId xmlns:a16="http://schemas.microsoft.com/office/drawing/2014/main" id="{F1A328B7-9712-4840-B9BC-31382EDB7B30}"/>
+              </a:ext>
+            </a:extLst>
+          </p:cNvPr>
+          <p:cNvSpPr/>
+          <p:nvPr/>
+        </p:nvSpPr>
+        <p:spPr>
+          <a:xfrm>
+            <a:off x="5276274" y="2725812"/>
+            <a:ext cx="1407268" cy="589548"/>
+          </a:xfrm>
+          <a:prstGeom prst="rect">
+            <a:avLst/>
+          </a:prstGeom>
+        </p:spPr>
+        <p:style>
+          <a:lnRef idx="2">
+            <a:schemeClr val="accent1">
+              <a:shade val="50000"/>
+            </a:schemeClr>
+          </a:lnRef>
+          <a:fillRef idx="1">
+            <a:schemeClr val="accent1"/>
+          </a:fillRef>
+          <a:effectRef idx="0">
+            <a:schemeClr val="accent1"/>
+          </a:effectRef>
+          <a:fontRef idx="minor">
+            <a:schemeClr val="lt1"/>
+          </a:fontRef>
+        </p:style>
+        <p:txBody>
+          <a:bodyPr rtlCol="0" anchor="ctr"/>
+          <a:lstStyle/>
+          <a:p>
+            <a:r>
+              <a:rPr lang="en-US" dirty="0"/>
+              <a:t>*.</a:t>
+            </a:r>
+            <a:r>
+              <a:rPr lang="en-US" dirty="0" err="1"/>
+              <a:t>cpp</a:t>
+            </a:r>
+            <a:r>
+              <a:rPr lang="en-US" dirty="0"/>
+              <a:t> code</a:t>
+            </a:r>
+          </a:p>
+        </p:txBody>
+      </p:sp>
+      <p:sp>
+        <p:nvSpPr>
+          <p:cNvPr id="10" name="Arrow: Right 9">
+            <a:extLst>
+              <a:ext uri="{FF2B5EF4-FFF2-40B4-BE49-F238E27FC236}">
+                <a16:creationId xmlns:a16="http://schemas.microsoft.com/office/drawing/2014/main" id="{B2AE6991-7A07-4063-B417-44808C024C46}"/>
+              </a:ext>
+            </a:extLst>
+          </p:cNvPr>
+          <p:cNvSpPr/>
+          <p:nvPr/>
+        </p:nvSpPr>
+        <p:spPr>
+          <a:xfrm>
+            <a:off x="6866021" y="2485846"/>
+            <a:ext cx="2783306" cy="1105583"/>
+          </a:xfrm>
+          <a:prstGeom prst="rightArrow">
+            <a:avLst/>
+          </a:prstGeom>
+        </p:spPr>
+        <p:style>
+          <a:lnRef idx="2">
+            <a:schemeClr val="accent3">
+              <a:shade val="50000"/>
+            </a:schemeClr>
+          </a:lnRef>
+          <a:fillRef idx="1">
+            <a:schemeClr val="accent3"/>
+          </a:fillRef>
+          <a:effectRef idx="0">
+            <a:schemeClr val="accent3"/>
+          </a:effectRef>
+          <a:fontRef idx="minor">
+            <a:schemeClr val="lt1"/>
+          </a:fontRef>
+        </p:style>
+        <p:txBody>
+          <a:bodyPr rtlCol="0" anchor="ctr"/>
+          <a:lstStyle/>
+          <a:p>
+            <a:pPr algn="ctr"/>
+            <a:r>
+              <a:rPr lang="en-US" dirty="0"/>
+              <a:t>Visual Studio 2019</a:t>
+            </a:r>
+          </a:p>
+          <a:p>
+            <a:pPr algn="ctr"/>
+            <a:r>
+              <a:rPr lang="en-US" dirty="0"/>
+              <a:t>Console App</a:t>
+            </a:r>
+          </a:p>
+        </p:txBody>
+      </p:sp>
+      <p:sp>
+        <p:nvSpPr>
+          <p:cNvPr id="12" name="Rectangle: Rounded Corners 11">
+            <a:extLst>
+              <a:ext uri="{FF2B5EF4-FFF2-40B4-BE49-F238E27FC236}">
+                <a16:creationId xmlns:a16="http://schemas.microsoft.com/office/drawing/2014/main" id="{E339DAB7-75E2-43DA-8CE0-CECD0E75482E}"/>
+              </a:ext>
+            </a:extLst>
+          </p:cNvPr>
+          <p:cNvSpPr/>
+          <p:nvPr/>
+        </p:nvSpPr>
+        <p:spPr>
+          <a:xfrm>
+            <a:off x="9879933" y="2662650"/>
+            <a:ext cx="1766210" cy="751974"/>
+          </a:xfrm>
+          <a:prstGeom prst="roundRect">
+            <a:avLst/>
+          </a:prstGeom>
+        </p:spPr>
+        <p:style>
+          <a:lnRef idx="2">
+            <a:schemeClr val="accent2">
+              <a:shade val="50000"/>
+            </a:schemeClr>
+          </a:lnRef>
+          <a:fillRef idx="1">
+            <a:schemeClr val="accent2"/>
+          </a:fillRef>
+          <a:effectRef idx="0">
+            <a:schemeClr val="accent2"/>
+          </a:effectRef>
+          <a:fontRef idx="minor">
+            <a:schemeClr val="lt1"/>
+          </a:fontRef>
+        </p:style>
+        <p:txBody>
+          <a:bodyPr rtlCol="0" anchor="ctr"/>
+          <a:lstStyle/>
+          <a:p>
+            <a:pPr algn="ctr"/>
+            <a:r>
+              <a:rPr lang="en-US" dirty="0"/>
+              <a:t>Debug State Transitions</a:t>
+            </a:r>
+          </a:p>
+        </p:txBody>
+      </p:sp>
+      <p:sp>
+        <p:nvSpPr>
+          <p:cNvPr id="13" name="Rectangle: Rounded Corners 12">
+            <a:extLst>
+              <a:ext uri="{FF2B5EF4-FFF2-40B4-BE49-F238E27FC236}">
+                <a16:creationId xmlns:a16="http://schemas.microsoft.com/office/drawing/2014/main" id="{00B6A0C4-65BE-46E0-A3AB-4843F76C461D}"/>
+              </a:ext>
+            </a:extLst>
+          </p:cNvPr>
+          <p:cNvSpPr/>
+          <p:nvPr/>
+        </p:nvSpPr>
+        <p:spPr>
+          <a:xfrm>
+            <a:off x="545858" y="4234776"/>
+            <a:ext cx="1766210" cy="842550"/>
+          </a:xfrm>
+          <a:prstGeom prst="roundRect">
+            <a:avLst/>
+          </a:prstGeom>
+        </p:spPr>
+        <p:style>
+          <a:lnRef idx="2">
+            <a:schemeClr val="accent2">
+              <a:shade val="50000"/>
+            </a:schemeClr>
+          </a:lnRef>
+          <a:fillRef idx="1">
+            <a:schemeClr val="accent2"/>
+          </a:fillRef>
+          <a:effectRef idx="0">
+            <a:schemeClr val="accent2"/>
+          </a:effectRef>
+          <a:fontRef idx="minor">
+            <a:schemeClr val="lt1"/>
+          </a:fontRef>
+        </p:style>
+        <p:txBody>
+          <a:bodyPr rtlCol="0" anchor="ctr"/>
+          <a:lstStyle/>
+          <a:p>
+            <a:pPr algn="ctr"/>
+            <a:r>
+              <a:rPr lang="en-US" dirty="0"/>
+              <a:t>Run RBG with Debug Options</a:t>
+            </a:r>
+          </a:p>
+        </p:txBody>
+      </p:sp>
+      <p:sp>
+        <p:nvSpPr>
+          <p:cNvPr id="14" name="Arrow: Right 13">
+            <a:extLst>
+              <a:ext uri="{FF2B5EF4-FFF2-40B4-BE49-F238E27FC236}">
+                <a16:creationId xmlns:a16="http://schemas.microsoft.com/office/drawing/2014/main" id="{3C3FB1BD-D306-4289-BF7E-F4F8C9510538}"/>
+              </a:ext>
+            </a:extLst>
+          </p:cNvPr>
+          <p:cNvSpPr/>
+          <p:nvPr/>
+        </p:nvSpPr>
+        <p:spPr>
+          <a:xfrm>
+            <a:off x="2470481" y="4092373"/>
+            <a:ext cx="2636924" cy="1127356"/>
+          </a:xfrm>
+          <a:prstGeom prst="rightArrow">
+            <a:avLst/>
+          </a:prstGeom>
+        </p:spPr>
+        <p:style>
+          <a:lnRef idx="2">
+            <a:schemeClr val="accent3">
+              <a:shade val="50000"/>
+            </a:schemeClr>
+          </a:lnRef>
+          <a:fillRef idx="1">
+            <a:schemeClr val="accent3"/>
+          </a:fillRef>
+          <a:effectRef idx="0">
+            <a:schemeClr val="accent3"/>
+          </a:effectRef>
+          <a:fontRef idx="minor">
+            <a:schemeClr val="lt1"/>
+          </a:fontRef>
+        </p:style>
+        <p:txBody>
+          <a:bodyPr rtlCol="0" anchor="ctr"/>
+          <a:lstStyle/>
+          <a:p>
+            <a:pPr algn="ctr"/>
+            <a:r>
+              <a:rPr lang="en-US" dirty="0"/>
+              <a:t>Copy “COM” output</a:t>
+            </a:r>
+          </a:p>
+          <a:p>
+            <a:pPr algn="ctr"/>
+            <a:r>
+              <a:rPr lang="en-US" dirty="0"/>
+              <a:t>To debug2.txt</a:t>
+            </a:r>
+          </a:p>
+        </p:txBody>
+      </p:sp>
+      <p:sp>
+        <p:nvSpPr>
+          <p:cNvPr id="16" name="Rectangle 15">
+            <a:extLst>
+              <a:ext uri="{FF2B5EF4-FFF2-40B4-BE49-F238E27FC236}">
+                <a16:creationId xmlns:a16="http://schemas.microsoft.com/office/drawing/2014/main" id="{14DDD364-9BD0-41D5-8702-06BB9A514447}"/>
+              </a:ext>
+            </a:extLst>
+          </p:cNvPr>
+          <p:cNvSpPr/>
+          <p:nvPr/>
+        </p:nvSpPr>
+        <p:spPr>
+          <a:xfrm>
+            <a:off x="2945730" y="5404679"/>
+            <a:ext cx="2150431" cy="1127356"/>
+          </a:xfrm>
+          <a:prstGeom prst="rect">
+            <a:avLst/>
+          </a:prstGeom>
+        </p:spPr>
+        <p:style>
+          <a:lnRef idx="2">
+            <a:schemeClr val="accent1">
+              <a:shade val="50000"/>
+            </a:schemeClr>
+          </a:lnRef>
+          <a:fillRef idx="1">
+            <a:schemeClr val="accent1"/>
+          </a:fillRef>
+          <a:effectRef idx="0">
+            <a:schemeClr val="accent1"/>
+          </a:effectRef>
+          <a:fontRef idx="minor">
+            <a:schemeClr val="lt1"/>
+          </a:fontRef>
+        </p:style>
+        <p:txBody>
+          <a:bodyPr rtlCol="0" anchor="ctr"/>
+          <a:lstStyle/>
+          <a:p>
+            <a:pPr algn="ctr"/>
+            <a:r>
+              <a:rPr lang="en-US" dirty="0"/>
+              <a:t>Tab ‘debugging’</a:t>
+            </a:r>
+          </a:p>
+          <a:p>
+            <a:pPr algn="ctr"/>
+            <a:r>
+              <a:rPr lang="en-US" dirty="0"/>
+              <a:t>In Spreadsheet</a:t>
+            </a:r>
+          </a:p>
+          <a:p>
+            <a:pPr algn="ctr"/>
+            <a:r>
+              <a:rPr lang="en-US" dirty="0"/>
+              <a:t>“grep” statements</a:t>
+            </a:r>
+          </a:p>
+        </p:txBody>
+      </p:sp>
+      <p:sp>
+        <p:nvSpPr>
+          <p:cNvPr id="17" name="Right Brace 16">
+            <a:extLst>
+              <a:ext uri="{FF2B5EF4-FFF2-40B4-BE49-F238E27FC236}">
+                <a16:creationId xmlns:a16="http://schemas.microsoft.com/office/drawing/2014/main" id="{19BC42A2-853D-4EEC-A2EB-BF6B62A297B2}"/>
+              </a:ext>
+            </a:extLst>
+          </p:cNvPr>
+          <p:cNvSpPr/>
+          <p:nvPr/>
+        </p:nvSpPr>
+        <p:spPr>
+          <a:xfrm>
+            <a:off x="5271836" y="4385167"/>
+            <a:ext cx="403058" cy="1888638"/>
+          </a:xfrm>
+          <a:prstGeom prst="rightBrace">
+            <a:avLst/>
+          </a:prstGeom>
+        </p:spPr>
+        <p:style>
+          <a:lnRef idx="1">
+            <a:schemeClr val="dk1"/>
+          </a:lnRef>
+          <a:fillRef idx="0">
+            <a:schemeClr val="dk1"/>
+          </a:fillRef>
+          <a:effectRef idx="0">
+            <a:schemeClr val="dk1"/>
+          </a:effectRef>
+          <a:fontRef idx="minor">
+            <a:schemeClr val="tx1"/>
+          </a:fontRef>
+        </p:style>
+        <p:txBody>
+          <a:bodyPr rtlCol="0" anchor="ctr"/>
+          <a:lstStyle/>
+          <a:p>
+            <a:pPr algn="ctr"/>
+            <a:endParaRPr lang="en-US"/>
+          </a:p>
+        </p:txBody>
+      </p:sp>
+      <p:sp>
+        <p:nvSpPr>
+          <p:cNvPr id="18" name="Arrow: Right 17">
+            <a:extLst>
+              <a:ext uri="{FF2B5EF4-FFF2-40B4-BE49-F238E27FC236}">
+                <a16:creationId xmlns:a16="http://schemas.microsoft.com/office/drawing/2014/main" id="{BD7F26A4-8B51-41D2-AF80-B0DDE9F3D942}"/>
+              </a:ext>
+            </a:extLst>
+          </p:cNvPr>
+          <p:cNvSpPr/>
+          <p:nvPr/>
+        </p:nvSpPr>
+        <p:spPr>
+          <a:xfrm>
+            <a:off x="5801225" y="5098653"/>
+            <a:ext cx="1331496" cy="461665"/>
+          </a:xfrm>
+          <a:prstGeom prst="rightArrow">
+            <a:avLst/>
+          </a:prstGeom>
+        </p:spPr>
+        <p:style>
+          <a:lnRef idx="2">
+            <a:schemeClr val="accent3">
+              <a:shade val="50000"/>
+            </a:schemeClr>
+          </a:lnRef>
+          <a:fillRef idx="1">
+            <a:schemeClr val="accent3"/>
+          </a:fillRef>
+          <a:effectRef idx="0">
+            <a:schemeClr val="accent3"/>
+          </a:effectRef>
+          <a:fontRef idx="minor">
+            <a:schemeClr val="lt1"/>
+          </a:fontRef>
+        </p:style>
+        <p:txBody>
+          <a:bodyPr rtlCol="0" anchor="ctr"/>
+          <a:lstStyle/>
+          <a:p>
+            <a:pPr algn="ctr"/>
+            <a:r>
+              <a:rPr lang="en-US" dirty="0"/>
+              <a:t>bash.exe</a:t>
+            </a:r>
+          </a:p>
+        </p:txBody>
+      </p:sp>
+      <p:sp>
+        <p:nvSpPr>
+          <p:cNvPr id="19" name="Rectangle 18">
+            <a:extLst>
+              <a:ext uri="{FF2B5EF4-FFF2-40B4-BE49-F238E27FC236}">
+                <a16:creationId xmlns:a16="http://schemas.microsoft.com/office/drawing/2014/main" id="{727B8244-C715-48A5-91A7-F9E5F02EB905}"/>
+              </a:ext>
+            </a:extLst>
+          </p:cNvPr>
+          <p:cNvSpPr/>
+          <p:nvPr/>
+        </p:nvSpPr>
+        <p:spPr>
+          <a:xfrm>
+            <a:off x="7345277" y="4921566"/>
+            <a:ext cx="2150431" cy="815837"/>
+          </a:xfrm>
+          <a:prstGeom prst="rect">
+            <a:avLst/>
+          </a:prstGeom>
+        </p:spPr>
+        <p:style>
+          <a:lnRef idx="2">
+            <a:schemeClr val="accent1">
+              <a:shade val="50000"/>
+            </a:schemeClr>
+          </a:lnRef>
+          <a:fillRef idx="1">
+            <a:schemeClr val="accent1"/>
+          </a:fillRef>
+          <a:effectRef idx="0">
+            <a:schemeClr val="accent1"/>
+          </a:effectRef>
+          <a:fontRef idx="minor">
+            <a:schemeClr val="lt1"/>
+          </a:fontRef>
+        </p:style>
+        <p:txBody>
+          <a:bodyPr rtlCol="0" anchor="ctr"/>
+          <a:lstStyle/>
+          <a:p>
+            <a:pPr algn="ctr"/>
+            <a:r>
+              <a:rPr lang="en-US" dirty="0"/>
+              <a:t>Tab ‘debugging’</a:t>
+            </a:r>
+          </a:p>
+          <a:p>
+            <a:pPr algn="ctr"/>
+            <a:r>
+              <a:rPr lang="en-US" dirty="0"/>
+              <a:t>In Spreadsheet</a:t>
+            </a:r>
+          </a:p>
+        </p:txBody>
+      </p:sp>
+      <p:sp>
+        <p:nvSpPr>
+          <p:cNvPr id="20" name="Rectangle: Rounded Corners 19">
+            <a:extLst>
+              <a:ext uri="{FF2B5EF4-FFF2-40B4-BE49-F238E27FC236}">
+                <a16:creationId xmlns:a16="http://schemas.microsoft.com/office/drawing/2014/main" id="{D2CDEEE1-E57C-4B5C-A288-79DC9CC24ED7}"/>
+              </a:ext>
+            </a:extLst>
+          </p:cNvPr>
+          <p:cNvSpPr/>
+          <p:nvPr/>
+        </p:nvSpPr>
+        <p:spPr>
+          <a:xfrm>
+            <a:off x="9781247" y="4872610"/>
+            <a:ext cx="1864895" cy="913748"/>
+          </a:xfrm>
+          <a:prstGeom prst="roundRect">
+            <a:avLst/>
+          </a:prstGeom>
+        </p:spPr>
+        <p:style>
+          <a:lnRef idx="2">
+            <a:schemeClr val="accent2">
+              <a:shade val="50000"/>
+            </a:schemeClr>
+          </a:lnRef>
+          <a:fillRef idx="1">
+            <a:schemeClr val="accent2"/>
+          </a:fillRef>
+          <a:effectRef idx="0">
+            <a:schemeClr val="accent2"/>
+          </a:effectRef>
+          <a:fontRef idx="minor">
+            <a:schemeClr val="lt1"/>
+          </a:fontRef>
+        </p:style>
+        <p:txBody>
+          <a:bodyPr rtlCol="0" anchor="ctr"/>
+          <a:lstStyle/>
+          <a:p>
+            <a:pPr algn="ctr"/>
+            <a:r>
+              <a:rPr lang="en-US" dirty="0"/>
+              <a:t>Sort, </a:t>
+            </a:r>
+          </a:p>
+          <a:p>
+            <a:pPr algn="ctr"/>
+            <a:r>
+              <a:rPr lang="en-US" dirty="0"/>
+              <a:t>Remove dups,</a:t>
+            </a:r>
+          </a:p>
+          <a:p>
+            <a:pPr algn="ctr"/>
+            <a:r>
+              <a:rPr lang="en-US" dirty="0"/>
+              <a:t>Debug</a:t>
+            </a:r>
+          </a:p>
+        </p:txBody>
+      </p:sp>
+    </p:spTree>
+    <p:extLst>
+      <p:ext uri="{BB962C8B-B14F-4D97-AF65-F5344CB8AC3E}">
+        <p14:creationId xmlns:p14="http://schemas.microsoft.com/office/powerpoint/2010/main" val="2320899638"/>
       </p:ext>
     </p:extLst>
   </p:cSld>

--- a/BuildRubberBandGunSoftware.pptx
+++ b/BuildRubberBandGunSoftware.pptx
@@ -5413,6 +5413,41 @@
           </a:p>
         </p:txBody>
       </p:sp>
+      <p:pic>
+        <p:nvPicPr>
+          <p:cNvPr id="6" name="Picture 5">
+            <a:extLst>
+              <a:ext uri="{FF2B5EF4-FFF2-40B4-BE49-F238E27FC236}">
+                <a16:creationId xmlns:a16="http://schemas.microsoft.com/office/drawing/2014/main" id="{8E66F70C-7E42-4613-9195-A954A8C3645A}"/>
+              </a:ext>
+            </a:extLst>
+          </p:cNvPr>
+          <p:cNvPicPr>
+            <a:picLocks noChangeAspect="1"/>
+          </p:cNvPicPr>
+          <p:nvPr/>
+        </p:nvPicPr>
+        <p:blipFill rotWithShape="1">
+          <a:blip r:embed="rId3" cstate="screen">
+            <a:extLst>
+              <a:ext uri="{28A0092B-C50C-407E-A947-70E740481C1C}">
+                <a14:useLocalDpi xmlns:a14="http://schemas.microsoft.com/office/drawing/2010/main"/>
+              </a:ext>
+            </a:extLst>
+          </a:blip>
+          <a:srcRect/>
+          <a:stretch/>
+        </p:blipFill>
+        <p:spPr>
+          <a:xfrm flipH="1">
+            <a:off x="11175311" y="0"/>
+            <a:ext cx="1016669" cy="1034716"/>
+          </a:xfrm>
+          <a:prstGeom prst="rect">
+            <a:avLst/>
+          </a:prstGeom>
+        </p:spPr>
+      </p:pic>
     </p:spTree>
     <p:extLst>
       <p:ext uri="{BB962C8B-B14F-4D97-AF65-F5344CB8AC3E}">

--- a/BuildRubberBandGunSoftware.pptx
+++ b/BuildRubberBandGunSoftware.pptx
@@ -6,9 +6,10 @@
   </p:sldMasterIdLst>
   <p:sldIdLst>
     <p:sldId id="256" r:id="rId2"/>
-    <p:sldId id="260" r:id="rId3"/>
-    <p:sldId id="259" r:id="rId4"/>
-    <p:sldId id="261" r:id="rId5"/>
+    <p:sldId id="262" r:id="rId3"/>
+    <p:sldId id="260" r:id="rId4"/>
+    <p:sldId id="259" r:id="rId5"/>
+    <p:sldId id="261" r:id="rId6"/>
   </p:sldIdLst>
   <p:sldSz cx="12192000" cy="6858000"/>
   <p:notesSz cx="6858000" cy="9144000"/>
@@ -5483,7 +5484,7 @@
           <p:cNvPr id="2" name="Title 1">
             <a:extLst>
               <a:ext uri="{FF2B5EF4-FFF2-40B4-BE49-F238E27FC236}">
-                <a16:creationId xmlns:a16="http://schemas.microsoft.com/office/drawing/2014/main" id="{E0EB8384-1F64-48D3-9D6E-6D21BE20E1FB}"/>
+                <a16:creationId xmlns:a16="http://schemas.microsoft.com/office/drawing/2014/main" id="{8E92FE68-54F0-4B6A-BBFC-7815E231DCF8}"/>
               </a:ext>
             </a:extLst>
           </p:cNvPr>
@@ -5494,12 +5495,7 @@
             <p:ph type="title"/>
           </p:nvPr>
         </p:nvSpPr>
-        <p:spPr>
-          <a:xfrm>
-            <a:off x="1115568" y="530592"/>
-            <a:ext cx="10168128" cy="1179576"/>
-          </a:xfrm>
-        </p:spPr>
+        <p:spPr/>
         <p:txBody>
           <a:bodyPr>
             <a:normAutofit fontScale="90000"/>
@@ -5507,33 +5503,26 @@
           <a:lstStyle/>
           <a:p>
             <a:pPr algn="ctr"/>
+            <a:r>
+              <a:rPr lang="en-US" dirty="0"/>
+              <a:t>FOOF Rubber Band Gun</a:t>
+            </a:r>
             <a:br>
-              <a:rPr lang="en-US" b="1" dirty="0"/>
+              <a:rPr lang="en-US" dirty="0"/>
             </a:br>
             <a:r>
-              <a:rPr lang="en-US" b="1" dirty="0"/>
-              <a:t>FOOF Rubber Band Gun</a:t>
-            </a:r>
-            <a:br>
-              <a:rPr lang="en-US" b="1" dirty="0"/>
-            </a:br>
-            <a:r>
-              <a:rPr lang="en-US" b="1" dirty="0"/>
-              <a:t>State Machine and Factory Settings</a:t>
-            </a:r>
-            <a:br>
-              <a:rPr lang="en-US" b="1" dirty="0"/>
-            </a:br>
-            <a:endParaRPr lang="en-US" dirty="0"/>
-          </a:p>
-        </p:txBody>
-      </p:sp>
-      <p:sp>
-        <p:nvSpPr>
-          <p:cNvPr id="4" name="Rectangle 3">
-            <a:extLst>
-              <a:ext uri="{FF2B5EF4-FFF2-40B4-BE49-F238E27FC236}">
-                <a16:creationId xmlns:a16="http://schemas.microsoft.com/office/drawing/2014/main" id="{69D75D05-ED83-4E3F-A2AB-A3A8E93F1CD5}"/>
+              <a:rPr lang="en-US" dirty="0"/>
+              <a:t>Operation</a:t>
+            </a:r>
+          </a:p>
+        </p:txBody>
+      </p:sp>
+      <p:sp>
+        <p:nvSpPr>
+          <p:cNvPr id="4" name="Oval 3">
+            <a:extLst>
+              <a:ext uri="{FF2B5EF4-FFF2-40B4-BE49-F238E27FC236}">
+                <a16:creationId xmlns:a16="http://schemas.microsoft.com/office/drawing/2014/main" id="{F2EA31C0-23EB-4D98-9C2A-CF128B8A0A01}"/>
               </a:ext>
             </a:extLst>
           </p:cNvPr>
@@ -5542,600 +5531,10 @@
         </p:nvSpPr>
         <p:spPr>
           <a:xfrm>
-            <a:off x="655721" y="2111543"/>
-            <a:ext cx="1864895" cy="751974"/>
-          </a:xfrm>
-          <a:prstGeom prst="rect">
-            <a:avLst/>
-          </a:prstGeom>
-        </p:spPr>
-        <p:style>
-          <a:lnRef idx="2">
-            <a:schemeClr val="accent1">
-              <a:shade val="50000"/>
-            </a:schemeClr>
-          </a:lnRef>
-          <a:fillRef idx="1">
-            <a:schemeClr val="accent1"/>
-          </a:fillRef>
-          <a:effectRef idx="0">
-            <a:schemeClr val="accent1"/>
-          </a:effectRef>
-          <a:fontRef idx="minor">
-            <a:schemeClr val="lt1"/>
-          </a:fontRef>
-        </p:style>
-        <p:txBody>
-          <a:bodyPr rtlCol="0" anchor="ctr"/>
-          <a:lstStyle/>
-          <a:p>
-            <a:pPr algn="ctr"/>
-            <a:r>
-              <a:rPr lang="en-US" dirty="0"/>
-              <a:t>Tab ‘</a:t>
-            </a:r>
-            <a:r>
-              <a:rPr lang="en-US" dirty="0" err="1"/>
-              <a:t>StateTable</a:t>
-            </a:r>
-            <a:r>
-              <a:rPr lang="en-US" dirty="0"/>
-              <a:t>’</a:t>
-            </a:r>
-          </a:p>
-          <a:p>
-            <a:pPr algn="ctr"/>
-            <a:r>
-              <a:rPr lang="en-US" dirty="0"/>
-              <a:t>In Spreadsheet</a:t>
-            </a:r>
-          </a:p>
-        </p:txBody>
-      </p:sp>
-      <p:sp>
-        <p:nvSpPr>
-          <p:cNvPr id="5" name="Arrow: Right 4">
-            <a:extLst>
-              <a:ext uri="{FF2B5EF4-FFF2-40B4-BE49-F238E27FC236}">
-                <a16:creationId xmlns:a16="http://schemas.microsoft.com/office/drawing/2014/main" id="{1A848AC7-F224-4801-908A-5F09C075F52F}"/>
-              </a:ext>
-            </a:extLst>
-          </p:cNvPr>
-          <p:cNvSpPr/>
-          <p:nvPr/>
-        </p:nvSpPr>
-        <p:spPr>
-          <a:xfrm>
-            <a:off x="3194383" y="2630454"/>
-            <a:ext cx="2322097" cy="461665"/>
-          </a:xfrm>
-          <a:prstGeom prst="rightArrow">
-            <a:avLst/>
-          </a:prstGeom>
-        </p:spPr>
-        <p:style>
-          <a:lnRef idx="2">
-            <a:schemeClr val="accent3">
-              <a:shade val="50000"/>
-            </a:schemeClr>
-          </a:lnRef>
-          <a:fillRef idx="1">
-            <a:schemeClr val="accent3"/>
-          </a:fillRef>
-          <a:effectRef idx="0">
-            <a:schemeClr val="accent3"/>
-          </a:effectRef>
-          <a:fontRef idx="minor">
-            <a:schemeClr val="lt1"/>
-          </a:fontRef>
-        </p:style>
-        <p:txBody>
-          <a:bodyPr rtlCol="0" anchor="ctr"/>
-          <a:lstStyle/>
-          <a:p>
-            <a:pPr algn="ctr"/>
-            <a:r>
-              <a:rPr lang="en-US" dirty="0"/>
-              <a:t>makeStateTable.py</a:t>
-            </a:r>
-          </a:p>
-        </p:txBody>
-      </p:sp>
-      <p:sp>
-        <p:nvSpPr>
-          <p:cNvPr id="6" name="Rectangle 5">
-            <a:extLst>
-              <a:ext uri="{FF2B5EF4-FFF2-40B4-BE49-F238E27FC236}">
-                <a16:creationId xmlns:a16="http://schemas.microsoft.com/office/drawing/2014/main" id="{5AA21A8B-89E7-4A0A-B86A-2B49D8F3B2AC}"/>
-              </a:ext>
-            </a:extLst>
-          </p:cNvPr>
-          <p:cNvSpPr/>
-          <p:nvPr/>
-        </p:nvSpPr>
-        <p:spPr>
-          <a:xfrm>
-            <a:off x="5745080" y="2526635"/>
-            <a:ext cx="1702468" cy="751974"/>
-          </a:xfrm>
-          <a:prstGeom prst="rect">
-            <a:avLst/>
-          </a:prstGeom>
-        </p:spPr>
-        <p:style>
-          <a:lnRef idx="2">
-            <a:schemeClr val="accent1">
-              <a:shade val="50000"/>
-            </a:schemeClr>
-          </a:lnRef>
-          <a:fillRef idx="1">
-            <a:schemeClr val="accent1"/>
-          </a:fillRef>
-          <a:effectRef idx="0">
-            <a:schemeClr val="accent1"/>
-          </a:effectRef>
-          <a:fontRef idx="minor">
-            <a:schemeClr val="lt1"/>
-          </a:fontRef>
-        </p:style>
-        <p:txBody>
-          <a:bodyPr rtlCol="0" anchor="ctr"/>
-          <a:lstStyle/>
-          <a:p>
-            <a:pPr algn="ctr"/>
-            <a:r>
-              <a:rPr lang="en-US" dirty="0"/>
-              <a:t>State Table Code</a:t>
-            </a:r>
-          </a:p>
-        </p:txBody>
-      </p:sp>
-      <p:sp>
-        <p:nvSpPr>
-          <p:cNvPr id="7" name="Arrow: Right 6">
-            <a:extLst>
-              <a:ext uri="{FF2B5EF4-FFF2-40B4-BE49-F238E27FC236}">
-                <a16:creationId xmlns:a16="http://schemas.microsoft.com/office/drawing/2014/main" id="{2B716964-E7A8-4F2F-B22F-50045D6DB9B4}"/>
-              </a:ext>
-            </a:extLst>
-          </p:cNvPr>
-          <p:cNvSpPr/>
-          <p:nvPr/>
-        </p:nvSpPr>
-        <p:spPr>
-          <a:xfrm>
-            <a:off x="7676147" y="2630453"/>
-            <a:ext cx="1317461" cy="461665"/>
-          </a:xfrm>
-          <a:prstGeom prst="rightArrow">
-            <a:avLst/>
-          </a:prstGeom>
-        </p:spPr>
-        <p:style>
-          <a:lnRef idx="2">
-            <a:schemeClr val="accent3">
-              <a:shade val="50000"/>
-            </a:schemeClr>
-          </a:lnRef>
-          <a:fillRef idx="1">
-            <a:schemeClr val="accent3"/>
-          </a:fillRef>
-          <a:effectRef idx="0">
-            <a:schemeClr val="accent3"/>
-          </a:effectRef>
-          <a:fontRef idx="minor">
-            <a:schemeClr val="lt1"/>
-          </a:fontRef>
-        </p:style>
-        <p:txBody>
-          <a:bodyPr rtlCol="0" anchor="ctr"/>
-          <a:lstStyle/>
-          <a:p>
-            <a:pPr algn="ctr"/>
-            <a:r>
-              <a:rPr lang="en-US" dirty="0"/>
-              <a:t>editor</a:t>
-            </a:r>
-          </a:p>
-        </p:txBody>
-      </p:sp>
-      <p:sp>
-        <p:nvSpPr>
-          <p:cNvPr id="8" name="Rectangle 7">
-            <a:extLst>
-              <a:ext uri="{FF2B5EF4-FFF2-40B4-BE49-F238E27FC236}">
-                <a16:creationId xmlns:a16="http://schemas.microsoft.com/office/drawing/2014/main" id="{E3147BAF-D87A-472D-9A96-FBAF426C9787}"/>
-              </a:ext>
-            </a:extLst>
-          </p:cNvPr>
-          <p:cNvSpPr/>
-          <p:nvPr/>
-        </p:nvSpPr>
-        <p:spPr>
-          <a:xfrm>
-            <a:off x="9117933" y="2528640"/>
-            <a:ext cx="2017295" cy="751974"/>
-          </a:xfrm>
-          <a:prstGeom prst="rect">
-            <a:avLst/>
-          </a:prstGeom>
-        </p:spPr>
-        <p:style>
-          <a:lnRef idx="2">
-            <a:schemeClr val="accent1">
-              <a:shade val="50000"/>
-            </a:schemeClr>
-          </a:lnRef>
-          <a:fillRef idx="1">
-            <a:schemeClr val="accent1"/>
-          </a:fillRef>
-          <a:effectRef idx="0">
-            <a:schemeClr val="accent1"/>
-          </a:effectRef>
-          <a:fontRef idx="minor">
-            <a:schemeClr val="lt1"/>
-          </a:fontRef>
-        </p:style>
-        <p:txBody>
-          <a:bodyPr rtlCol="0" anchor="ctr"/>
-          <a:lstStyle/>
-          <a:p>
-            <a:pPr algn="ctr"/>
-            <a:r>
-              <a:rPr lang="en-US" dirty="0" err="1"/>
-              <a:t>RBG_SciFi_StatesAndInputs.h</a:t>
-            </a:r>
-            <a:endParaRPr lang="en-US" dirty="0"/>
-          </a:p>
-        </p:txBody>
-      </p:sp>
-      <p:sp>
-        <p:nvSpPr>
-          <p:cNvPr id="9" name="Arrow: Bent 8">
-            <a:extLst>
-              <a:ext uri="{FF2B5EF4-FFF2-40B4-BE49-F238E27FC236}">
-                <a16:creationId xmlns:a16="http://schemas.microsoft.com/office/drawing/2014/main" id="{EFAC33EA-DEF3-4FC0-943A-A271959ED89C}"/>
-              </a:ext>
-            </a:extLst>
-          </p:cNvPr>
-          <p:cNvSpPr/>
-          <p:nvPr/>
-        </p:nvSpPr>
-        <p:spPr>
-          <a:xfrm flipV="1">
-            <a:off x="6412833" y="3549320"/>
-            <a:ext cx="1167062" cy="962526"/>
-          </a:xfrm>
-          <a:prstGeom prst="bentArrow">
-            <a:avLst/>
-          </a:prstGeom>
-        </p:spPr>
-        <p:style>
-          <a:lnRef idx="2">
-            <a:schemeClr val="accent3">
-              <a:shade val="50000"/>
-            </a:schemeClr>
-          </a:lnRef>
-          <a:fillRef idx="1">
-            <a:schemeClr val="accent3"/>
-          </a:fillRef>
-          <a:effectRef idx="0">
-            <a:schemeClr val="accent3"/>
-          </a:effectRef>
-          <a:fontRef idx="minor">
-            <a:schemeClr val="lt1"/>
-          </a:fontRef>
-        </p:style>
-        <p:txBody>
-          <a:bodyPr rtlCol="0" anchor="ctr"/>
-          <a:lstStyle/>
-          <a:p>
-            <a:pPr algn="ctr"/>
-            <a:endParaRPr lang="en-US">
-              <a:solidFill>
-                <a:schemeClr val="tx1"/>
-              </a:solidFill>
-            </a:endParaRPr>
-          </a:p>
-        </p:txBody>
-      </p:sp>
-      <p:sp>
-        <p:nvSpPr>
-          <p:cNvPr id="10" name="TextBox 9">
-            <a:extLst>
-              <a:ext uri="{FF2B5EF4-FFF2-40B4-BE49-F238E27FC236}">
-                <a16:creationId xmlns:a16="http://schemas.microsoft.com/office/drawing/2014/main" id="{767AA117-326D-4966-A2DB-1EA558477DE1}"/>
-              </a:ext>
-            </a:extLst>
-          </p:cNvPr>
-          <p:cNvSpPr txBox="1"/>
-          <p:nvPr/>
-        </p:nvSpPr>
-        <p:spPr>
-          <a:xfrm>
-            <a:off x="6555003" y="4072695"/>
-            <a:ext cx="1024896" cy="369332"/>
-          </a:xfrm>
-          <a:prstGeom prst="rect">
-            <a:avLst/>
-          </a:prstGeom>
-          <a:noFill/>
-        </p:spPr>
-        <p:txBody>
-          <a:bodyPr wrap="none" rtlCol="0">
-            <a:spAutoFit/>
-          </a:bodyPr>
-          <a:lstStyle/>
-          <a:p>
-            <a:r>
-              <a:rPr lang="en-US" dirty="0">
-                <a:solidFill>
-                  <a:schemeClr val="bg1"/>
-                </a:solidFill>
-              </a:rPr>
-              <a:t>Excel ™</a:t>
-            </a:r>
-          </a:p>
-        </p:txBody>
-      </p:sp>
-      <p:sp>
-        <p:nvSpPr>
-          <p:cNvPr id="11" name="Rectangle 10">
-            <a:extLst>
-              <a:ext uri="{FF2B5EF4-FFF2-40B4-BE49-F238E27FC236}">
-                <a16:creationId xmlns:a16="http://schemas.microsoft.com/office/drawing/2014/main" id="{A7158E3B-6AAF-4C22-8602-5DADB609CEC8}"/>
-              </a:ext>
-            </a:extLst>
-          </p:cNvPr>
-          <p:cNvSpPr/>
-          <p:nvPr/>
-        </p:nvSpPr>
-        <p:spPr>
-          <a:xfrm>
-            <a:off x="7802480" y="3749619"/>
-            <a:ext cx="1864895" cy="1015484"/>
-          </a:xfrm>
-          <a:prstGeom prst="rect">
-            <a:avLst/>
-          </a:prstGeom>
-        </p:spPr>
-        <p:style>
-          <a:lnRef idx="2">
-            <a:schemeClr val="accent1">
-              <a:shade val="50000"/>
-            </a:schemeClr>
-          </a:lnRef>
-          <a:fillRef idx="1">
-            <a:schemeClr val="accent1"/>
-          </a:fillRef>
-          <a:effectRef idx="0">
-            <a:schemeClr val="accent1"/>
-          </a:effectRef>
-          <a:fontRef idx="minor">
-            <a:schemeClr val="lt1"/>
-          </a:fontRef>
-        </p:style>
-        <p:txBody>
-          <a:bodyPr rtlCol="0" anchor="ctr"/>
-          <a:lstStyle/>
-          <a:p>
-            <a:pPr algn="ctr"/>
-            <a:r>
-              <a:rPr lang="en-US" dirty="0"/>
-              <a:t>Annotated</a:t>
-            </a:r>
-          </a:p>
-          <a:p>
-            <a:pPr algn="ctr"/>
-            <a:r>
-              <a:rPr lang="en-US" dirty="0"/>
-              <a:t>Tab ‘</a:t>
-            </a:r>
-            <a:r>
-              <a:rPr lang="en-US" dirty="0" err="1"/>
-              <a:t>StateTable</a:t>
-            </a:r>
-            <a:r>
-              <a:rPr lang="en-US" dirty="0"/>
-              <a:t>’</a:t>
-            </a:r>
-          </a:p>
-          <a:p>
-            <a:pPr algn="ctr"/>
-            <a:r>
-              <a:rPr lang="en-US" dirty="0"/>
-              <a:t>In Spreadsheet</a:t>
-            </a:r>
-          </a:p>
-        </p:txBody>
-      </p:sp>
-      <p:sp>
-        <p:nvSpPr>
-          <p:cNvPr id="12" name="Rectangle 11">
-            <a:extLst>
-              <a:ext uri="{FF2B5EF4-FFF2-40B4-BE49-F238E27FC236}">
-                <a16:creationId xmlns:a16="http://schemas.microsoft.com/office/drawing/2014/main" id="{8F7A11A4-0F96-4243-AC19-1C91F393921A}"/>
-              </a:ext>
-            </a:extLst>
-          </p:cNvPr>
-          <p:cNvSpPr/>
-          <p:nvPr/>
-        </p:nvSpPr>
-        <p:spPr>
-          <a:xfrm>
-            <a:off x="4870785" y="5350520"/>
-            <a:ext cx="2021302" cy="834875"/>
-          </a:xfrm>
-          <a:prstGeom prst="rect">
-            <a:avLst/>
-          </a:prstGeom>
-        </p:spPr>
-        <p:style>
-          <a:lnRef idx="2">
-            <a:schemeClr val="accent1">
-              <a:shade val="50000"/>
-            </a:schemeClr>
-          </a:lnRef>
-          <a:fillRef idx="1">
-            <a:schemeClr val="accent1"/>
-          </a:fillRef>
-          <a:effectRef idx="0">
-            <a:schemeClr val="accent1"/>
-          </a:effectRef>
-          <a:fontRef idx="minor">
-            <a:schemeClr val="lt1"/>
-          </a:fontRef>
-        </p:style>
-        <p:txBody>
-          <a:bodyPr rtlCol="0" anchor="ctr"/>
-          <a:lstStyle/>
-          <a:p>
-            <a:pPr algn="ctr"/>
-            <a:r>
-              <a:rPr lang="en-US" dirty="0"/>
-              <a:t>Tab ‘</a:t>
-            </a:r>
-            <a:r>
-              <a:rPr lang="en-US" dirty="0" err="1"/>
-              <a:t>FactorySettings</a:t>
-            </a:r>
-            <a:r>
-              <a:rPr lang="en-US" dirty="0"/>
-              <a:t>’</a:t>
-            </a:r>
-          </a:p>
-          <a:p>
-            <a:pPr algn="ctr"/>
-            <a:r>
-              <a:rPr lang="en-US" dirty="0"/>
-              <a:t>In Spreadsheet</a:t>
-            </a:r>
-          </a:p>
-        </p:txBody>
-      </p:sp>
-      <p:sp>
-        <p:nvSpPr>
-          <p:cNvPr id="13" name="Rectangle 12">
-            <a:extLst>
-              <a:ext uri="{FF2B5EF4-FFF2-40B4-BE49-F238E27FC236}">
-                <a16:creationId xmlns:a16="http://schemas.microsoft.com/office/drawing/2014/main" id="{D4CFEFEF-95C7-48F2-83E4-F403A2C423F5}"/>
-              </a:ext>
-            </a:extLst>
-          </p:cNvPr>
-          <p:cNvSpPr/>
-          <p:nvPr/>
-        </p:nvSpPr>
-        <p:spPr>
-          <a:xfrm>
-            <a:off x="655721" y="4862081"/>
-            <a:ext cx="1804739" cy="751974"/>
-          </a:xfrm>
-          <a:prstGeom prst="rect">
-            <a:avLst/>
-          </a:prstGeom>
-        </p:spPr>
-        <p:style>
-          <a:lnRef idx="2">
-            <a:schemeClr val="accent1">
-              <a:shade val="50000"/>
-            </a:schemeClr>
-          </a:lnRef>
-          <a:fillRef idx="1">
-            <a:schemeClr val="accent1"/>
-          </a:fillRef>
-          <a:effectRef idx="0">
-            <a:schemeClr val="accent1"/>
-          </a:effectRef>
-          <a:fontRef idx="minor">
-            <a:schemeClr val="lt1"/>
-          </a:fontRef>
-        </p:style>
-        <p:txBody>
-          <a:bodyPr rtlCol="0" anchor="ctr"/>
-          <a:lstStyle/>
-          <a:p>
-            <a:pPr algn="ctr"/>
-            <a:r>
-              <a:rPr lang="en-US" dirty="0"/>
-              <a:t>Tab ‘Sounds’</a:t>
-            </a:r>
-          </a:p>
-          <a:p>
-            <a:pPr algn="ctr"/>
-            <a:r>
-              <a:rPr lang="en-US" dirty="0"/>
-              <a:t>In Spreadsheet</a:t>
-            </a:r>
-          </a:p>
-        </p:txBody>
-      </p:sp>
-      <p:sp>
-        <p:nvSpPr>
-          <p:cNvPr id="14" name="Arrow: Right 13">
-            <a:extLst>
-              <a:ext uri="{FF2B5EF4-FFF2-40B4-BE49-F238E27FC236}">
-                <a16:creationId xmlns:a16="http://schemas.microsoft.com/office/drawing/2014/main" id="{CB015D6E-E8F0-4014-8A24-D928D75C0313}"/>
-              </a:ext>
-            </a:extLst>
-          </p:cNvPr>
-          <p:cNvSpPr/>
-          <p:nvPr/>
-        </p:nvSpPr>
-        <p:spPr>
-          <a:xfrm>
-            <a:off x="3276598" y="5533147"/>
-            <a:ext cx="1317461" cy="461665"/>
-          </a:xfrm>
-          <a:prstGeom prst="rightArrow">
-            <a:avLst/>
-          </a:prstGeom>
-        </p:spPr>
-        <p:style>
-          <a:lnRef idx="2">
-            <a:schemeClr val="accent3">
-              <a:shade val="50000"/>
-            </a:schemeClr>
-          </a:lnRef>
-          <a:fillRef idx="1">
-            <a:schemeClr val="accent3"/>
-          </a:fillRef>
-          <a:effectRef idx="0">
-            <a:schemeClr val="accent3"/>
-          </a:effectRef>
-          <a:fontRef idx="minor">
-            <a:schemeClr val="lt1"/>
-          </a:fontRef>
-        </p:style>
-        <p:txBody>
-          <a:bodyPr rtlCol="0" anchor="ctr"/>
-          <a:lstStyle/>
-          <a:p>
-            <a:pPr algn="ctr"/>
-            <a:r>
-              <a:rPr lang="en-US" dirty="0"/>
-              <a:t>Excel ™</a:t>
-            </a:r>
-          </a:p>
-        </p:txBody>
-      </p:sp>
-      <p:sp>
-        <p:nvSpPr>
-          <p:cNvPr id="15" name="Rectangle: Rounded Corners 14">
-            <a:extLst>
-              <a:ext uri="{FF2B5EF4-FFF2-40B4-BE49-F238E27FC236}">
-                <a16:creationId xmlns:a16="http://schemas.microsoft.com/office/drawing/2014/main" id="{4F129755-6FEF-4170-B219-60CFBB88B471}"/>
-              </a:ext>
-            </a:extLst>
-          </p:cNvPr>
-          <p:cNvSpPr/>
-          <p:nvPr/>
-        </p:nvSpPr>
-        <p:spPr>
-          <a:xfrm>
-            <a:off x="655721" y="2958540"/>
-            <a:ext cx="1804739" cy="751974"/>
-          </a:xfrm>
-          <a:prstGeom prst="roundRect">
+            <a:off x="782053" y="2911645"/>
+            <a:ext cx="878305" cy="926432"/>
+          </a:xfrm>
+          <a:prstGeom prst="ellipse">
             <a:avLst/>
           </a:prstGeom>
         </p:spPr>
@@ -6161,18 +5560,110 @@
           <a:p>
             <a:pPr algn="ctr"/>
             <a:r>
-              <a:rPr lang="en-US" dirty="0"/>
-              <a:t>Tab ‘Rules’ in Spreadsheet</a:t>
-            </a:r>
-          </a:p>
-        </p:txBody>
-      </p:sp>
-      <p:sp>
-        <p:nvSpPr>
-          <p:cNvPr id="16" name="Rectangle 15">
-            <a:extLst>
-              <a:ext uri="{FF2B5EF4-FFF2-40B4-BE49-F238E27FC236}">
-                <a16:creationId xmlns:a16="http://schemas.microsoft.com/office/drawing/2014/main" id="{94DCBA9E-F930-4889-9AD6-1440EBEA0E64}"/>
+              <a:rPr lang="en-US" dirty="0" err="1"/>
+              <a:t>Pwr</a:t>
+            </a:r>
+            <a:endParaRPr lang="en-US" dirty="0"/>
+          </a:p>
+          <a:p>
+            <a:pPr algn="ctr"/>
+            <a:r>
+              <a:rPr lang="en-US" dirty="0"/>
+              <a:t>On</a:t>
+            </a:r>
+          </a:p>
+        </p:txBody>
+      </p:sp>
+      <p:cxnSp>
+        <p:nvCxnSpPr>
+          <p:cNvPr id="6" name="Connector: Curved 5">
+            <a:extLst>
+              <a:ext uri="{FF2B5EF4-FFF2-40B4-BE49-F238E27FC236}">
+                <a16:creationId xmlns:a16="http://schemas.microsoft.com/office/drawing/2014/main" id="{0E3FA327-4CE7-40DA-9491-45D57CE76856}"/>
+              </a:ext>
+            </a:extLst>
+          </p:cNvPr>
+          <p:cNvCxnSpPr>
+            <a:cxnSpLocks/>
+            <a:stCxn id="4" idx="6"/>
+            <a:endCxn id="8" idx="2"/>
+          </p:cNvCxnSpPr>
+          <p:nvPr/>
+        </p:nvCxnSpPr>
+        <p:spPr>
+          <a:xfrm>
+            <a:off x="1660358" y="3374861"/>
+            <a:ext cx="890335" cy="11275"/>
+          </a:xfrm>
+          <a:prstGeom prst="curvedConnector3">
+            <a:avLst/>
+          </a:prstGeom>
+          <a:ln>
+            <a:tailEnd type="triangle"/>
+          </a:ln>
+        </p:spPr>
+        <p:style>
+          <a:lnRef idx="1">
+            <a:schemeClr val="accent1"/>
+          </a:lnRef>
+          <a:fillRef idx="0">
+            <a:schemeClr val="accent1"/>
+          </a:fillRef>
+          <a:effectRef idx="0">
+            <a:schemeClr val="accent1"/>
+          </a:effectRef>
+          <a:fontRef idx="minor">
+            <a:schemeClr val="tx1"/>
+          </a:fontRef>
+        </p:style>
+      </p:cxnSp>
+      <p:sp>
+        <p:nvSpPr>
+          <p:cNvPr id="7" name="TextBox 6">
+            <a:extLst>
+              <a:ext uri="{FF2B5EF4-FFF2-40B4-BE49-F238E27FC236}">
+                <a16:creationId xmlns:a16="http://schemas.microsoft.com/office/drawing/2014/main" id="{42CEF1F5-F159-468C-A23E-A4995C7F7A72}"/>
+              </a:ext>
+            </a:extLst>
+          </p:cNvPr>
+          <p:cNvSpPr txBox="1"/>
+          <p:nvPr/>
+        </p:nvSpPr>
+        <p:spPr>
+          <a:xfrm>
+            <a:off x="1607869" y="3195499"/>
+            <a:ext cx="965329" cy="400110"/>
+          </a:xfrm>
+          <a:prstGeom prst="rect">
+            <a:avLst/>
+          </a:prstGeom>
+          <a:noFill/>
+        </p:spPr>
+        <p:txBody>
+          <a:bodyPr wrap="none" rtlCol="0">
+            <a:spAutoFit/>
+          </a:bodyPr>
+          <a:lstStyle/>
+          <a:p>
+            <a:r>
+              <a:rPr lang="en-US" sz="1000" dirty="0"/>
+              <a:t>This is the</a:t>
+            </a:r>
+          </a:p>
+          <a:p>
+            <a:r>
+              <a:rPr lang="en-US" sz="1000" dirty="0"/>
+              <a:t>FOOF RBG…</a:t>
+            </a:r>
+          </a:p>
+        </p:txBody>
+      </p:sp>
+      <p:sp>
+        <p:nvSpPr>
+          <p:cNvPr id="8" name="Oval 7">
+            <a:extLst>
+              <a:ext uri="{FF2B5EF4-FFF2-40B4-BE49-F238E27FC236}">
+                <a16:creationId xmlns:a16="http://schemas.microsoft.com/office/drawing/2014/main" id="{85B87D02-FE9E-47AD-BDBD-2F0315DA44A5}"/>
               </a:ext>
             </a:extLst>
           </p:cNvPr>
@@ -6181,10 +5672,724 @@
         </p:nvSpPr>
         <p:spPr>
           <a:xfrm>
-            <a:off x="655720" y="5718876"/>
-            <a:ext cx="1804739" cy="862398"/>
+            <a:off x="2550693" y="2898104"/>
+            <a:ext cx="944479" cy="976063"/>
+          </a:xfrm>
+          <a:prstGeom prst="ellipse">
+            <a:avLst/>
+          </a:prstGeom>
+        </p:spPr>
+        <p:style>
+          <a:lnRef idx="2">
+            <a:schemeClr val="accent2">
+              <a:shade val="50000"/>
+            </a:schemeClr>
+          </a:lnRef>
+          <a:fillRef idx="1">
+            <a:schemeClr val="accent2"/>
+          </a:fillRef>
+          <a:effectRef idx="0">
+            <a:schemeClr val="accent2"/>
+          </a:effectRef>
+          <a:fontRef idx="minor">
+            <a:schemeClr val="lt1"/>
+          </a:fontRef>
+        </p:style>
+        <p:txBody>
+          <a:bodyPr rtlCol="0" anchor="ctr"/>
+          <a:lstStyle/>
+          <a:p>
+            <a:pPr algn="ctr"/>
+            <a:r>
+              <a:rPr lang="en-US" dirty="0"/>
+              <a:t>Wait</a:t>
+            </a:r>
+          </a:p>
+        </p:txBody>
+      </p:sp>
+      <p:cxnSp>
+        <p:nvCxnSpPr>
+          <p:cNvPr id="11" name="Connector: Curved 10">
+            <a:extLst>
+              <a:ext uri="{FF2B5EF4-FFF2-40B4-BE49-F238E27FC236}">
+                <a16:creationId xmlns:a16="http://schemas.microsoft.com/office/drawing/2014/main" id="{B9E68DEC-090E-4AE1-A432-C4E254FDACE3}"/>
+              </a:ext>
+            </a:extLst>
+          </p:cNvPr>
+          <p:cNvCxnSpPr>
+            <a:cxnSpLocks/>
+            <a:stCxn id="8" idx="6"/>
+            <a:endCxn id="12" idx="2"/>
+          </p:cNvCxnSpPr>
+          <p:nvPr/>
+        </p:nvCxnSpPr>
+        <p:spPr>
+          <a:xfrm>
+            <a:off x="3495172" y="3386136"/>
+            <a:ext cx="806163" cy="9418"/>
+          </a:xfrm>
+          <a:prstGeom prst="curvedConnector3">
+            <a:avLst>
+              <a:gd name="adj1" fmla="val 50000"/>
+            </a:avLst>
+          </a:prstGeom>
+          <a:ln>
+            <a:tailEnd type="triangle"/>
+          </a:ln>
+        </p:spPr>
+        <p:style>
+          <a:lnRef idx="1">
+            <a:schemeClr val="accent1"/>
+          </a:lnRef>
+          <a:fillRef idx="0">
+            <a:schemeClr val="accent1"/>
+          </a:fillRef>
+          <a:effectRef idx="0">
+            <a:schemeClr val="accent1"/>
+          </a:effectRef>
+          <a:fontRef idx="minor">
+            <a:schemeClr val="tx1"/>
+          </a:fontRef>
+        </p:style>
+      </p:cxnSp>
+      <p:sp>
+        <p:nvSpPr>
+          <p:cNvPr id="12" name="Oval 11">
+            <a:extLst>
+              <a:ext uri="{FF2B5EF4-FFF2-40B4-BE49-F238E27FC236}">
+                <a16:creationId xmlns:a16="http://schemas.microsoft.com/office/drawing/2014/main" id="{8D962281-67C2-4B42-9091-99459C9BBA64}"/>
+              </a:ext>
+            </a:extLst>
+          </p:cNvPr>
+          <p:cNvSpPr/>
+          <p:nvPr/>
+        </p:nvSpPr>
+        <p:spPr>
+          <a:xfrm>
+            <a:off x="4301335" y="2805766"/>
+            <a:ext cx="1183673" cy="1179576"/>
+          </a:xfrm>
+          <a:prstGeom prst="ellipse">
+            <a:avLst/>
+          </a:prstGeom>
+        </p:spPr>
+        <p:style>
+          <a:lnRef idx="2">
+            <a:schemeClr val="accent2">
+              <a:shade val="50000"/>
+            </a:schemeClr>
+          </a:lnRef>
+          <a:fillRef idx="1">
+            <a:schemeClr val="accent2"/>
+          </a:fillRef>
+          <a:effectRef idx="0">
+            <a:schemeClr val="accent2"/>
+          </a:effectRef>
+          <a:fontRef idx="minor">
+            <a:schemeClr val="lt1"/>
+          </a:fontRef>
+        </p:style>
+        <p:txBody>
+          <a:bodyPr rtlCol="0" anchor="ctr"/>
+          <a:lstStyle/>
+          <a:p>
+            <a:pPr algn="ctr"/>
+            <a:r>
+              <a:rPr lang="en-US" dirty="0"/>
+              <a:t>Shoot</a:t>
+            </a:r>
+          </a:p>
+        </p:txBody>
+      </p:sp>
+      <p:cxnSp>
+        <p:nvCxnSpPr>
+          <p:cNvPr id="15" name="Connector: Curved 14">
+            <a:extLst>
+              <a:ext uri="{FF2B5EF4-FFF2-40B4-BE49-F238E27FC236}">
+                <a16:creationId xmlns:a16="http://schemas.microsoft.com/office/drawing/2014/main" id="{C92B5EFC-83D7-4989-8279-A505FEE57ACC}"/>
+              </a:ext>
+            </a:extLst>
+          </p:cNvPr>
+          <p:cNvCxnSpPr>
+            <a:cxnSpLocks/>
+            <a:stCxn id="12" idx="0"/>
+            <a:endCxn id="8" idx="0"/>
+          </p:cNvCxnSpPr>
+          <p:nvPr/>
+        </p:nvCxnSpPr>
+        <p:spPr>
+          <a:xfrm rot="16200000" flipH="1" flipV="1">
+            <a:off x="3911884" y="1916815"/>
+            <a:ext cx="92338" cy="1870239"/>
+          </a:xfrm>
+          <a:prstGeom prst="curvedConnector3">
+            <a:avLst>
+              <a:gd name="adj1" fmla="val -247569"/>
+            </a:avLst>
+          </a:prstGeom>
+          <a:ln>
+            <a:tailEnd type="triangle"/>
+          </a:ln>
+        </p:spPr>
+        <p:style>
+          <a:lnRef idx="1">
+            <a:schemeClr val="accent1"/>
+          </a:lnRef>
+          <a:fillRef idx="0">
+            <a:schemeClr val="accent1"/>
+          </a:fillRef>
+          <a:effectRef idx="0">
+            <a:schemeClr val="accent1"/>
+          </a:effectRef>
+          <a:fontRef idx="minor">
+            <a:schemeClr val="tx1"/>
+          </a:fontRef>
+        </p:style>
+      </p:cxnSp>
+      <p:sp>
+        <p:nvSpPr>
+          <p:cNvPr id="20" name="TextBox 19">
+            <a:extLst>
+              <a:ext uri="{FF2B5EF4-FFF2-40B4-BE49-F238E27FC236}">
+                <a16:creationId xmlns:a16="http://schemas.microsoft.com/office/drawing/2014/main" id="{BB0A745C-7EEE-4534-A1AB-D26D6A7ABE4E}"/>
+              </a:ext>
+            </a:extLst>
+          </p:cNvPr>
+          <p:cNvSpPr txBox="1"/>
+          <p:nvPr/>
+        </p:nvSpPr>
+        <p:spPr>
+          <a:xfrm>
+            <a:off x="3675688" y="3195499"/>
+            <a:ext cx="461986" cy="400110"/>
           </a:xfrm>
           <a:prstGeom prst="rect">
+            <a:avLst/>
+          </a:prstGeom>
+          <a:noFill/>
+        </p:spPr>
+        <p:txBody>
+          <a:bodyPr wrap="none" rtlCol="0">
+            <a:spAutoFit/>
+          </a:bodyPr>
+          <a:lstStyle/>
+          <a:p>
+            <a:pPr algn="ctr"/>
+            <a:r>
+              <a:rPr lang="en-US" sz="1000" dirty="0"/>
+              <a:t>Trig</a:t>
+            </a:r>
+          </a:p>
+          <a:p>
+            <a:pPr algn="ctr"/>
+            <a:r>
+              <a:rPr lang="en-US" sz="1000" dirty="0"/>
+              <a:t>Only</a:t>
+            </a:r>
+          </a:p>
+        </p:txBody>
+      </p:sp>
+      <p:cxnSp>
+        <p:nvCxnSpPr>
+          <p:cNvPr id="21" name="Connector: Curved 20">
+            <a:extLst>
+              <a:ext uri="{FF2B5EF4-FFF2-40B4-BE49-F238E27FC236}">
+                <a16:creationId xmlns:a16="http://schemas.microsoft.com/office/drawing/2014/main" id="{B0416BCC-D95B-4E6F-8851-4FAC3FB0A541}"/>
+              </a:ext>
+            </a:extLst>
+          </p:cNvPr>
+          <p:cNvCxnSpPr>
+            <a:cxnSpLocks/>
+            <a:stCxn id="8" idx="4"/>
+            <a:endCxn id="25" idx="1"/>
+          </p:cNvCxnSpPr>
+          <p:nvPr/>
+        </p:nvCxnSpPr>
+        <p:spPr>
+          <a:xfrm rot="16200000" flipH="1">
+            <a:off x="3361954" y="3535145"/>
+            <a:ext cx="784828" cy="1462871"/>
+          </a:xfrm>
+          <a:prstGeom prst="curvedConnector3">
+            <a:avLst>
+              <a:gd name="adj1" fmla="val 50000"/>
+            </a:avLst>
+          </a:prstGeom>
+          <a:ln>
+            <a:tailEnd type="triangle"/>
+          </a:ln>
+        </p:spPr>
+        <p:style>
+          <a:lnRef idx="1">
+            <a:schemeClr val="accent1"/>
+          </a:lnRef>
+          <a:fillRef idx="0">
+            <a:schemeClr val="accent1"/>
+          </a:fillRef>
+          <a:effectRef idx="0">
+            <a:schemeClr val="accent1"/>
+          </a:effectRef>
+          <a:fontRef idx="minor">
+            <a:schemeClr val="tx1"/>
+          </a:fontRef>
+        </p:style>
+      </p:cxnSp>
+      <p:sp>
+        <p:nvSpPr>
+          <p:cNvPr id="24" name="TextBox 23">
+            <a:extLst>
+              <a:ext uri="{FF2B5EF4-FFF2-40B4-BE49-F238E27FC236}">
+                <a16:creationId xmlns:a16="http://schemas.microsoft.com/office/drawing/2014/main" id="{8B81FC50-4B5C-49EF-BFF8-BBF4313000E0}"/>
+              </a:ext>
+            </a:extLst>
+          </p:cNvPr>
+          <p:cNvSpPr txBox="1"/>
+          <p:nvPr/>
+        </p:nvSpPr>
+        <p:spPr>
+          <a:xfrm>
+            <a:off x="3382674" y="4074221"/>
+            <a:ext cx="526106" cy="400110"/>
+          </a:xfrm>
+          <a:prstGeom prst="rect">
+            <a:avLst/>
+          </a:prstGeom>
+          <a:noFill/>
+        </p:spPr>
+        <p:txBody>
+          <a:bodyPr wrap="none" rtlCol="0">
+            <a:spAutoFit/>
+          </a:bodyPr>
+          <a:lstStyle/>
+          <a:p>
+            <a:pPr algn="ctr"/>
+            <a:r>
+              <a:rPr lang="en-US" sz="1000" dirty="0"/>
+              <a:t>Trig</a:t>
+            </a:r>
+          </a:p>
+          <a:p>
+            <a:pPr algn="ctr"/>
+            <a:r>
+              <a:rPr lang="en-US" sz="1000" dirty="0"/>
+              <a:t>+ G/Y</a:t>
+            </a:r>
+          </a:p>
+        </p:txBody>
+      </p:sp>
+      <p:sp>
+        <p:nvSpPr>
+          <p:cNvPr id="25" name="Oval 24">
+            <a:extLst>
+              <a:ext uri="{FF2B5EF4-FFF2-40B4-BE49-F238E27FC236}">
+                <a16:creationId xmlns:a16="http://schemas.microsoft.com/office/drawing/2014/main" id="{96EA9E2A-8FD3-4331-8003-369ABAB000C5}"/>
+              </a:ext>
+            </a:extLst>
+          </p:cNvPr>
+          <p:cNvSpPr/>
+          <p:nvPr/>
+        </p:nvSpPr>
+        <p:spPr>
+          <a:xfrm>
+            <a:off x="4301335" y="4473374"/>
+            <a:ext cx="1259635" cy="1267498"/>
+          </a:xfrm>
+          <a:prstGeom prst="ellipse">
+            <a:avLst/>
+          </a:prstGeom>
+        </p:spPr>
+        <p:style>
+          <a:lnRef idx="2">
+            <a:schemeClr val="accent2">
+              <a:shade val="50000"/>
+            </a:schemeClr>
+          </a:lnRef>
+          <a:fillRef idx="1">
+            <a:schemeClr val="accent2"/>
+          </a:fillRef>
+          <a:effectRef idx="0">
+            <a:schemeClr val="accent2"/>
+          </a:effectRef>
+          <a:fontRef idx="minor">
+            <a:schemeClr val="lt1"/>
+          </a:fontRef>
+        </p:style>
+        <p:txBody>
+          <a:bodyPr rtlCol="0" anchor="ctr"/>
+          <a:lstStyle/>
+          <a:p>
+            <a:pPr algn="ctr"/>
+            <a:r>
+              <a:rPr lang="en-US" dirty="0"/>
+              <a:t>Config</a:t>
+            </a:r>
+          </a:p>
+        </p:txBody>
+      </p:sp>
+      <p:cxnSp>
+        <p:nvCxnSpPr>
+          <p:cNvPr id="28" name="Connector: Curved 27">
+            <a:extLst>
+              <a:ext uri="{FF2B5EF4-FFF2-40B4-BE49-F238E27FC236}">
+                <a16:creationId xmlns:a16="http://schemas.microsoft.com/office/drawing/2014/main" id="{97F6F619-D1E6-4EFE-AB58-D98529F8FE20}"/>
+              </a:ext>
+            </a:extLst>
+          </p:cNvPr>
+          <p:cNvCxnSpPr>
+            <a:cxnSpLocks/>
+            <a:stCxn id="25" idx="7"/>
+            <a:endCxn id="39" idx="2"/>
+          </p:cNvCxnSpPr>
+          <p:nvPr/>
+        </p:nvCxnSpPr>
+        <p:spPr>
+          <a:xfrm rot="5400000" flipH="1" flipV="1">
+            <a:off x="5104438" y="3360238"/>
+            <a:ext cx="1570821" cy="1026694"/>
+          </a:xfrm>
+          <a:prstGeom prst="curvedConnector2">
+            <a:avLst/>
+          </a:prstGeom>
+          <a:ln>
+            <a:tailEnd type="triangle"/>
+          </a:ln>
+        </p:spPr>
+        <p:style>
+          <a:lnRef idx="1">
+            <a:schemeClr val="accent1"/>
+          </a:lnRef>
+          <a:fillRef idx="0">
+            <a:schemeClr val="accent1"/>
+          </a:fillRef>
+          <a:effectRef idx="0">
+            <a:schemeClr val="accent1"/>
+          </a:effectRef>
+          <a:fontRef idx="minor">
+            <a:schemeClr val="tx1"/>
+          </a:fontRef>
+        </p:style>
+      </p:cxnSp>
+      <p:cxnSp>
+        <p:nvCxnSpPr>
+          <p:cNvPr id="30" name="Connector: Curved 29">
+            <a:extLst>
+              <a:ext uri="{FF2B5EF4-FFF2-40B4-BE49-F238E27FC236}">
+                <a16:creationId xmlns:a16="http://schemas.microsoft.com/office/drawing/2014/main" id="{1FABC0A3-C85A-4920-927B-CEA46FCFE14A}"/>
+              </a:ext>
+            </a:extLst>
+          </p:cNvPr>
+          <p:cNvCxnSpPr>
+            <a:cxnSpLocks/>
+            <a:stCxn id="25" idx="6"/>
+            <a:endCxn id="40" idx="2"/>
+          </p:cNvCxnSpPr>
+          <p:nvPr/>
+        </p:nvCxnSpPr>
+        <p:spPr>
+          <a:xfrm flipV="1">
+            <a:off x="5560970" y="4412300"/>
+            <a:ext cx="842225" cy="694823"/>
+          </a:xfrm>
+          <a:prstGeom prst="curvedConnector3">
+            <a:avLst>
+              <a:gd name="adj1" fmla="val 50000"/>
+            </a:avLst>
+          </a:prstGeom>
+          <a:ln>
+            <a:tailEnd type="triangle"/>
+          </a:ln>
+        </p:spPr>
+        <p:style>
+          <a:lnRef idx="1">
+            <a:schemeClr val="accent1"/>
+          </a:lnRef>
+          <a:fillRef idx="0">
+            <a:schemeClr val="accent1"/>
+          </a:fillRef>
+          <a:effectRef idx="0">
+            <a:schemeClr val="accent1"/>
+          </a:effectRef>
+          <a:fontRef idx="minor">
+            <a:schemeClr val="tx1"/>
+          </a:fontRef>
+        </p:style>
+      </p:cxnSp>
+      <p:cxnSp>
+        <p:nvCxnSpPr>
+          <p:cNvPr id="32" name="Connector: Curved 31">
+            <a:extLst>
+              <a:ext uri="{FF2B5EF4-FFF2-40B4-BE49-F238E27FC236}">
+                <a16:creationId xmlns:a16="http://schemas.microsoft.com/office/drawing/2014/main" id="{9E7E390C-69DE-436C-8BF6-3AE0C2C293FC}"/>
+              </a:ext>
+            </a:extLst>
+          </p:cNvPr>
+          <p:cNvCxnSpPr>
+            <a:cxnSpLocks/>
+            <a:stCxn id="25" idx="5"/>
+            <a:endCxn id="41" idx="2"/>
+          </p:cNvCxnSpPr>
+          <p:nvPr/>
+        </p:nvCxnSpPr>
+        <p:spPr>
+          <a:xfrm rot="16200000" flipH="1">
+            <a:off x="5797350" y="5134402"/>
+            <a:ext cx="184997" cy="1026694"/>
+          </a:xfrm>
+          <a:prstGeom prst="curvedConnector4">
+            <a:avLst>
+              <a:gd name="adj1" fmla="val 123570"/>
+              <a:gd name="adj2" fmla="val 58984"/>
+            </a:avLst>
+          </a:prstGeom>
+          <a:ln>
+            <a:tailEnd type="triangle"/>
+          </a:ln>
+        </p:spPr>
+        <p:style>
+          <a:lnRef idx="1">
+            <a:schemeClr val="accent1"/>
+          </a:lnRef>
+          <a:fillRef idx="0">
+            <a:schemeClr val="accent1"/>
+          </a:fillRef>
+          <a:effectRef idx="0">
+            <a:schemeClr val="accent1"/>
+          </a:effectRef>
+          <a:fontRef idx="minor">
+            <a:schemeClr val="tx1"/>
+          </a:fontRef>
+        </p:style>
+      </p:cxnSp>
+      <p:sp>
+        <p:nvSpPr>
+          <p:cNvPr id="37" name="TextBox 36">
+            <a:extLst>
+              <a:ext uri="{FF2B5EF4-FFF2-40B4-BE49-F238E27FC236}">
+                <a16:creationId xmlns:a16="http://schemas.microsoft.com/office/drawing/2014/main" id="{30F181DE-AD2E-4355-B9D6-3892B6DCEF0F}"/>
+              </a:ext>
+            </a:extLst>
+          </p:cNvPr>
+          <p:cNvSpPr txBox="1"/>
+          <p:nvPr/>
+        </p:nvSpPr>
+        <p:spPr>
+          <a:xfrm>
+            <a:off x="3675688" y="2533957"/>
+            <a:ext cx="508473" cy="246221"/>
+          </a:xfrm>
+          <a:prstGeom prst="rect">
+            <a:avLst/>
+          </a:prstGeom>
+          <a:noFill/>
+        </p:spPr>
+        <p:txBody>
+          <a:bodyPr wrap="none" rtlCol="0">
+            <a:spAutoFit/>
+          </a:bodyPr>
+          <a:lstStyle/>
+          <a:p>
+            <a:pPr algn="ctr"/>
+            <a:r>
+              <a:rPr lang="en-US" sz="1000" dirty="0"/>
+              <a:t>Done</a:t>
+            </a:r>
+          </a:p>
+        </p:txBody>
+      </p:sp>
+      <p:sp>
+        <p:nvSpPr>
+          <p:cNvPr id="39" name="Oval 38">
+            <a:extLst>
+              <a:ext uri="{FF2B5EF4-FFF2-40B4-BE49-F238E27FC236}">
+                <a16:creationId xmlns:a16="http://schemas.microsoft.com/office/drawing/2014/main" id="{9D7F6C46-7E5C-49B3-AC72-CD268990235E}"/>
+              </a:ext>
+            </a:extLst>
+          </p:cNvPr>
+          <p:cNvSpPr/>
+          <p:nvPr/>
+        </p:nvSpPr>
+        <p:spPr>
+          <a:xfrm>
+            <a:off x="6403195" y="2454425"/>
+            <a:ext cx="1259635" cy="1267498"/>
+          </a:xfrm>
+          <a:prstGeom prst="ellipse">
+            <a:avLst/>
+          </a:prstGeom>
+        </p:spPr>
+        <p:style>
+          <a:lnRef idx="2">
+            <a:schemeClr val="accent2">
+              <a:shade val="50000"/>
+            </a:schemeClr>
+          </a:lnRef>
+          <a:fillRef idx="1">
+            <a:schemeClr val="accent2"/>
+          </a:fillRef>
+          <a:effectRef idx="0">
+            <a:schemeClr val="accent2"/>
+          </a:effectRef>
+          <a:fontRef idx="minor">
+            <a:schemeClr val="lt1"/>
+          </a:fontRef>
+        </p:style>
+        <p:txBody>
+          <a:bodyPr rtlCol="0" anchor="ctr"/>
+          <a:lstStyle/>
+          <a:p>
+            <a:pPr algn="ctr"/>
+            <a:r>
+              <a:rPr lang="en-US" dirty="0"/>
+              <a:t>Sound</a:t>
+            </a:r>
+          </a:p>
+          <a:p>
+            <a:pPr algn="ctr"/>
+            <a:r>
+              <a:rPr lang="en-US" dirty="0"/>
+              <a:t>Or</a:t>
+            </a:r>
+          </a:p>
+          <a:p>
+            <a:pPr algn="ctr"/>
+            <a:r>
+              <a:rPr lang="en-US" dirty="0"/>
+              <a:t>LED</a:t>
+            </a:r>
+          </a:p>
+        </p:txBody>
+      </p:sp>
+      <p:sp>
+        <p:nvSpPr>
+          <p:cNvPr id="40" name="Oval 39">
+            <a:extLst>
+              <a:ext uri="{FF2B5EF4-FFF2-40B4-BE49-F238E27FC236}">
+                <a16:creationId xmlns:a16="http://schemas.microsoft.com/office/drawing/2014/main" id="{13E5006C-9BF9-427B-8F99-FA1BF8E36735}"/>
+              </a:ext>
+            </a:extLst>
+          </p:cNvPr>
+          <p:cNvSpPr/>
+          <p:nvPr/>
+        </p:nvSpPr>
+        <p:spPr>
+          <a:xfrm>
+            <a:off x="6403195" y="3778551"/>
+            <a:ext cx="1259635" cy="1267498"/>
+          </a:xfrm>
+          <a:prstGeom prst="ellipse">
+            <a:avLst/>
+          </a:prstGeom>
+        </p:spPr>
+        <p:style>
+          <a:lnRef idx="2">
+            <a:schemeClr val="accent2">
+              <a:shade val="50000"/>
+            </a:schemeClr>
+          </a:lnRef>
+          <a:fillRef idx="1">
+            <a:schemeClr val="accent2"/>
+          </a:fillRef>
+          <a:effectRef idx="0">
+            <a:schemeClr val="accent2"/>
+          </a:effectRef>
+          <a:fontRef idx="minor">
+            <a:schemeClr val="lt1"/>
+          </a:fontRef>
+        </p:style>
+        <p:txBody>
+          <a:bodyPr rtlCol="0" anchor="ctr"/>
+          <a:lstStyle/>
+          <a:p>
+            <a:pPr algn="ctr"/>
+            <a:r>
+              <a:rPr lang="en-US" dirty="0" err="1"/>
+              <a:t>Cfg</a:t>
+            </a:r>
+            <a:endParaRPr lang="en-US" dirty="0"/>
+          </a:p>
+          <a:p>
+            <a:pPr algn="ctr"/>
+            <a:r>
+              <a:rPr lang="en-US" dirty="0"/>
+              <a:t>Reset</a:t>
+            </a:r>
+          </a:p>
+          <a:p>
+            <a:pPr algn="ctr"/>
+            <a:r>
+              <a:rPr lang="en-US" dirty="0"/>
+              <a:t>Copy</a:t>
+            </a:r>
+          </a:p>
+        </p:txBody>
+      </p:sp>
+      <p:sp>
+        <p:nvSpPr>
+          <p:cNvPr id="41" name="Oval 40">
+            <a:extLst>
+              <a:ext uri="{FF2B5EF4-FFF2-40B4-BE49-F238E27FC236}">
+                <a16:creationId xmlns:a16="http://schemas.microsoft.com/office/drawing/2014/main" id="{0874864C-B865-4B6B-85EC-CB43B6405499}"/>
+              </a:ext>
+            </a:extLst>
+          </p:cNvPr>
+          <p:cNvSpPr/>
+          <p:nvPr/>
+        </p:nvSpPr>
+        <p:spPr>
+          <a:xfrm>
+            <a:off x="6403195" y="5106499"/>
+            <a:ext cx="1259635" cy="1267498"/>
+          </a:xfrm>
+          <a:prstGeom prst="ellipse">
+            <a:avLst/>
+          </a:prstGeom>
+        </p:spPr>
+        <p:style>
+          <a:lnRef idx="2">
+            <a:schemeClr val="accent2">
+              <a:shade val="50000"/>
+            </a:schemeClr>
+          </a:lnRef>
+          <a:fillRef idx="1">
+            <a:schemeClr val="accent2"/>
+          </a:fillRef>
+          <a:effectRef idx="0">
+            <a:schemeClr val="accent2"/>
+          </a:effectRef>
+          <a:fontRef idx="minor">
+            <a:schemeClr val="lt1"/>
+          </a:fontRef>
+        </p:style>
+        <p:txBody>
+          <a:bodyPr rtlCol="0" anchor="ctr"/>
+          <a:lstStyle/>
+          <a:p>
+            <a:pPr algn="ctr"/>
+            <a:r>
+              <a:rPr lang="en-US" dirty="0"/>
+              <a:t>Advanced</a:t>
+            </a:r>
+          </a:p>
+        </p:txBody>
+      </p:sp>
+      <p:sp>
+        <p:nvSpPr>
+          <p:cNvPr id="45" name="Rectangle: Rounded Corners 44">
+            <a:extLst>
+              <a:ext uri="{FF2B5EF4-FFF2-40B4-BE49-F238E27FC236}">
+                <a16:creationId xmlns:a16="http://schemas.microsoft.com/office/drawing/2014/main" id="{88643AA5-2CE9-4006-9FDA-6E3CA6003577}"/>
+              </a:ext>
+            </a:extLst>
+          </p:cNvPr>
+          <p:cNvSpPr/>
+          <p:nvPr/>
+        </p:nvSpPr>
+        <p:spPr>
+          <a:xfrm>
+            <a:off x="8084508" y="2618903"/>
+            <a:ext cx="1259635" cy="938542"/>
+          </a:xfrm>
+          <a:prstGeom prst="roundRect">
             <a:avLst/>
           </a:prstGeom>
         </p:spPr>
@@ -6211,169 +6416,645 @@
             <a:pPr algn="ctr"/>
             <a:r>
               <a:rPr lang="en-US" dirty="0"/>
-              <a:t>Tab ‘</a:t>
-            </a:r>
-            <a:r>
-              <a:rPr lang="en-US" dirty="0" err="1"/>
-              <a:t>LEDpatterns</a:t>
-            </a:r>
-            <a:r>
-              <a:rPr lang="en-US" dirty="0"/>
-              <a:t>’</a:t>
-            </a:r>
-          </a:p>
-          <a:p>
-            <a:pPr algn="ctr"/>
-            <a:r>
-              <a:rPr lang="en-US" dirty="0"/>
-              <a:t>In Spreadsheet</a:t>
-            </a:r>
-          </a:p>
-        </p:txBody>
-      </p:sp>
-      <p:sp>
-        <p:nvSpPr>
-          <p:cNvPr id="18" name="Right Brace 17">
-            <a:extLst>
-              <a:ext uri="{FF2B5EF4-FFF2-40B4-BE49-F238E27FC236}">
-                <a16:creationId xmlns:a16="http://schemas.microsoft.com/office/drawing/2014/main" id="{1AA9E78D-2BD4-46ED-B30E-17B329CAF651}"/>
-              </a:ext>
-            </a:extLst>
-          </p:cNvPr>
-          <p:cNvSpPr/>
-          <p:nvPr/>
-        </p:nvSpPr>
-        <p:spPr>
-          <a:xfrm>
-            <a:off x="2667000" y="2215361"/>
-            <a:ext cx="403058" cy="1300640"/>
-          </a:xfrm>
-          <a:prstGeom prst="rightBrace">
+              <a:t>When</a:t>
+            </a:r>
+          </a:p>
+          <a:p>
+            <a:pPr algn="ctr"/>
+            <a:r>
+              <a:rPr lang="en-US" dirty="0"/>
+              <a:t>What</a:t>
+            </a:r>
+          </a:p>
+          <a:p>
+            <a:pPr algn="ctr"/>
+            <a:r>
+              <a:rPr lang="en-US" dirty="0"/>
+              <a:t>Choose</a:t>
+            </a:r>
+          </a:p>
+        </p:txBody>
+      </p:sp>
+      <p:sp>
+        <p:nvSpPr>
+          <p:cNvPr id="47" name="TextBox 46">
+            <a:extLst>
+              <a:ext uri="{FF2B5EF4-FFF2-40B4-BE49-F238E27FC236}">
+                <a16:creationId xmlns:a16="http://schemas.microsoft.com/office/drawing/2014/main" id="{16D66DDB-D199-4F7B-9807-02D101FEE713}"/>
+              </a:ext>
+            </a:extLst>
+          </p:cNvPr>
+          <p:cNvSpPr txBox="1"/>
+          <p:nvPr/>
+        </p:nvSpPr>
+        <p:spPr>
+          <a:xfrm>
+            <a:off x="4060437" y="5474022"/>
+            <a:ext cx="534121" cy="400110"/>
+          </a:xfrm>
+          <a:prstGeom prst="rect">
             <a:avLst/>
           </a:prstGeom>
+          <a:noFill/>
+        </p:spPr>
+        <p:txBody>
+          <a:bodyPr wrap="none" rtlCol="0">
+            <a:spAutoFit/>
+          </a:bodyPr>
+          <a:lstStyle/>
+          <a:p>
+            <a:pPr algn="ctr"/>
+            <a:r>
+              <a:rPr lang="en-US" sz="1000" dirty="0"/>
+              <a:t>Trig</a:t>
+            </a:r>
+          </a:p>
+          <a:p>
+            <a:pPr algn="ctr"/>
+            <a:r>
+              <a:rPr lang="en-US" sz="1000" dirty="0"/>
+              <a:t>+ Red</a:t>
+            </a:r>
+          </a:p>
+        </p:txBody>
+      </p:sp>
+      <p:cxnSp>
+        <p:nvCxnSpPr>
+          <p:cNvPr id="48" name="Connector: Curved 47">
+            <a:extLst>
+              <a:ext uri="{FF2B5EF4-FFF2-40B4-BE49-F238E27FC236}">
+                <a16:creationId xmlns:a16="http://schemas.microsoft.com/office/drawing/2014/main" id="{98768440-713F-491F-8999-6A7DA93A9CF6}"/>
+              </a:ext>
+            </a:extLst>
+          </p:cNvPr>
+          <p:cNvCxnSpPr>
+            <a:cxnSpLocks/>
+            <a:stCxn id="25" idx="3"/>
+            <a:endCxn id="4" idx="4"/>
+          </p:cNvCxnSpPr>
+          <p:nvPr/>
+        </p:nvCxnSpPr>
+        <p:spPr>
+          <a:xfrm rot="5400000" flipH="1">
+            <a:off x="1994918" y="3064365"/>
+            <a:ext cx="1717174" cy="3264598"/>
+          </a:xfrm>
+          <a:prstGeom prst="curvedConnector3">
+            <a:avLst>
+              <a:gd name="adj1" fmla="val -14313"/>
+            </a:avLst>
+          </a:prstGeom>
+          <a:ln>
+            <a:tailEnd type="triangle"/>
+          </a:ln>
         </p:spPr>
         <p:style>
           <a:lnRef idx="1">
-            <a:schemeClr val="dk1"/>
+            <a:schemeClr val="accent1"/>
           </a:lnRef>
           <a:fillRef idx="0">
-            <a:schemeClr val="dk1"/>
+            <a:schemeClr val="accent1"/>
           </a:fillRef>
           <a:effectRef idx="0">
-            <a:schemeClr val="dk1"/>
+            <a:schemeClr val="accent1"/>
           </a:effectRef>
           <a:fontRef idx="minor">
             <a:schemeClr val="tx1"/>
           </a:fontRef>
         </p:style>
-        <p:txBody>
-          <a:bodyPr rtlCol="0" anchor="ctr"/>
-          <a:lstStyle/>
-          <a:p>
-            <a:pPr algn="ctr"/>
-            <a:endParaRPr lang="en-US"/>
-          </a:p>
-        </p:txBody>
-      </p:sp>
-      <p:sp>
-        <p:nvSpPr>
-          <p:cNvPr id="19" name="Right Brace 18">
-            <a:extLst>
-              <a:ext uri="{FF2B5EF4-FFF2-40B4-BE49-F238E27FC236}">
-                <a16:creationId xmlns:a16="http://schemas.microsoft.com/office/drawing/2014/main" id="{EF3D3222-8A3C-423B-B380-4B24D06AF094}"/>
-              </a:ext>
-            </a:extLst>
-          </p:cNvPr>
-          <p:cNvSpPr/>
-          <p:nvPr/>
-        </p:nvSpPr>
-        <p:spPr>
-          <a:xfrm>
-            <a:off x="2667000" y="5116975"/>
-            <a:ext cx="403058" cy="1300640"/>
-          </a:xfrm>
-          <a:prstGeom prst="rightBrace">
+      </p:cxnSp>
+      <p:sp>
+        <p:nvSpPr>
+          <p:cNvPr id="52" name="TextBox 51">
+            <a:extLst>
+              <a:ext uri="{FF2B5EF4-FFF2-40B4-BE49-F238E27FC236}">
+                <a16:creationId xmlns:a16="http://schemas.microsoft.com/office/drawing/2014/main" id="{888BE839-FD7C-4FB6-9A78-58C789B7A0A9}"/>
+              </a:ext>
+            </a:extLst>
+          </p:cNvPr>
+          <p:cNvSpPr txBox="1"/>
+          <p:nvPr/>
+        </p:nvSpPr>
+        <p:spPr>
+          <a:xfrm>
+            <a:off x="5788806" y="2205127"/>
+            <a:ext cx="534121" cy="400110"/>
+          </a:xfrm>
+          <a:prstGeom prst="rect">
             <a:avLst/>
           </a:prstGeom>
+          <a:noFill/>
+        </p:spPr>
+        <p:txBody>
+          <a:bodyPr wrap="square" rtlCol="0">
+            <a:spAutoFit/>
+          </a:bodyPr>
+          <a:lstStyle/>
+          <a:p>
+            <a:pPr algn="ctr"/>
+            <a:r>
+              <a:rPr lang="en-US" sz="1000" dirty="0"/>
+              <a:t>Trig</a:t>
+            </a:r>
+          </a:p>
+          <a:p>
+            <a:pPr algn="ctr"/>
+            <a:r>
+              <a:rPr lang="en-US" sz="1000" dirty="0"/>
+              <a:t>+ Red</a:t>
+            </a:r>
+          </a:p>
+        </p:txBody>
+      </p:sp>
+      <p:cxnSp>
+        <p:nvCxnSpPr>
+          <p:cNvPr id="53" name="Connector: Curved 52">
+            <a:extLst>
+              <a:ext uri="{FF2B5EF4-FFF2-40B4-BE49-F238E27FC236}">
+                <a16:creationId xmlns:a16="http://schemas.microsoft.com/office/drawing/2014/main" id="{5D6089D6-D1E4-4327-9A9E-7E7DBB793518}"/>
+              </a:ext>
+            </a:extLst>
+          </p:cNvPr>
+          <p:cNvCxnSpPr>
+            <a:cxnSpLocks/>
+            <a:stCxn id="39" idx="1"/>
+            <a:endCxn id="4" idx="0"/>
+          </p:cNvCxnSpPr>
+          <p:nvPr/>
+        </p:nvCxnSpPr>
+        <p:spPr>
+          <a:xfrm rot="16200000" flipH="1" flipV="1">
+            <a:off x="3768635" y="92616"/>
+            <a:ext cx="271599" cy="5366458"/>
+          </a:xfrm>
+          <a:prstGeom prst="curvedConnector3">
+            <a:avLst>
+              <a:gd name="adj1" fmla="val -152512"/>
+            </a:avLst>
+          </a:prstGeom>
+          <a:ln>
+            <a:tailEnd type="triangle"/>
+          </a:ln>
         </p:spPr>
         <p:style>
           <a:lnRef idx="1">
-            <a:schemeClr val="dk1"/>
+            <a:schemeClr val="accent1"/>
           </a:lnRef>
           <a:fillRef idx="0">
-            <a:schemeClr val="dk1"/>
+            <a:schemeClr val="accent1"/>
           </a:fillRef>
           <a:effectRef idx="0">
-            <a:schemeClr val="dk1"/>
+            <a:schemeClr val="accent1"/>
           </a:effectRef>
           <a:fontRef idx="minor">
             <a:schemeClr val="tx1"/>
           </a:fontRef>
         </p:style>
-        <p:txBody>
-          <a:bodyPr rtlCol="0" anchor="ctr"/>
-          <a:lstStyle/>
-          <a:p>
-            <a:pPr algn="ctr"/>
-            <a:endParaRPr lang="en-US"/>
-          </a:p>
-        </p:txBody>
-      </p:sp>
-      <p:sp>
-        <p:nvSpPr>
-          <p:cNvPr id="20" name="Arrow: Right 19">
-            <a:extLst>
-              <a:ext uri="{FF2B5EF4-FFF2-40B4-BE49-F238E27FC236}">
-                <a16:creationId xmlns:a16="http://schemas.microsoft.com/office/drawing/2014/main" id="{5CB2748B-8849-47CF-AACE-666422D4D729}"/>
-              </a:ext>
-            </a:extLst>
-          </p:cNvPr>
-          <p:cNvSpPr/>
-          <p:nvPr/>
-        </p:nvSpPr>
-        <p:spPr>
-          <a:xfrm>
-            <a:off x="7067451" y="5533147"/>
-            <a:ext cx="1317461" cy="461665"/>
-          </a:xfrm>
-          <a:prstGeom prst="rightArrow">
-            <a:avLst/>
-          </a:prstGeom>
+      </p:cxnSp>
+      <p:cxnSp>
+        <p:nvCxnSpPr>
+          <p:cNvPr id="62" name="Connector: Curved 61">
+            <a:extLst>
+              <a:ext uri="{FF2B5EF4-FFF2-40B4-BE49-F238E27FC236}">
+                <a16:creationId xmlns:a16="http://schemas.microsoft.com/office/drawing/2014/main" id="{44ABA875-6D5F-402C-95E2-DFE06CF846D2}"/>
+              </a:ext>
+            </a:extLst>
+          </p:cNvPr>
+          <p:cNvCxnSpPr>
+            <a:cxnSpLocks/>
+            <a:stCxn id="40" idx="1"/>
+            <a:endCxn id="4" idx="0"/>
+          </p:cNvCxnSpPr>
+          <p:nvPr/>
+        </p:nvCxnSpPr>
+        <p:spPr>
+          <a:xfrm rot="16200000" flipV="1">
+            <a:off x="3378172" y="754680"/>
+            <a:ext cx="1052527" cy="5366458"/>
+          </a:xfrm>
+          <a:prstGeom prst="curvedConnector3">
+            <a:avLst>
+              <a:gd name="adj1" fmla="val 158870"/>
+            </a:avLst>
+          </a:prstGeom>
+          <a:ln>
+            <a:tailEnd type="triangle"/>
+          </a:ln>
         </p:spPr>
         <p:style>
-          <a:lnRef idx="2">
-            <a:schemeClr val="accent3">
-              <a:shade val="50000"/>
-            </a:schemeClr>
+          <a:lnRef idx="1">
+            <a:schemeClr val="accent1"/>
           </a:lnRef>
-          <a:fillRef idx="1">
-            <a:schemeClr val="accent3"/>
+          <a:fillRef idx="0">
+            <a:schemeClr val="accent1"/>
           </a:fillRef>
           <a:effectRef idx="0">
-            <a:schemeClr val="accent3"/>
+            <a:schemeClr val="accent1"/>
           </a:effectRef>
           <a:fontRef idx="minor">
-            <a:schemeClr val="lt1"/>
+            <a:schemeClr val="tx1"/>
           </a:fontRef>
         </p:style>
-        <p:txBody>
-          <a:bodyPr rtlCol="0" anchor="ctr"/>
-          <a:lstStyle/>
-          <a:p>
-            <a:pPr algn="ctr"/>
-            <a:r>
-              <a:rPr lang="en-US" dirty="0"/>
-              <a:t>editor</a:t>
-            </a:r>
-          </a:p>
-        </p:txBody>
-      </p:sp>
-      <p:sp>
-        <p:nvSpPr>
-          <p:cNvPr id="21" name="Rectangle 20">
-            <a:extLst>
-              <a:ext uri="{FF2B5EF4-FFF2-40B4-BE49-F238E27FC236}">
-                <a16:creationId xmlns:a16="http://schemas.microsoft.com/office/drawing/2014/main" id="{9D5D7CC1-3EF3-4AA4-9C3D-81D021EEEF44}"/>
+      </p:cxnSp>
+      <p:sp>
+        <p:nvSpPr>
+          <p:cNvPr id="66" name="TextBox 65">
+            <a:extLst>
+              <a:ext uri="{FF2B5EF4-FFF2-40B4-BE49-F238E27FC236}">
+                <a16:creationId xmlns:a16="http://schemas.microsoft.com/office/drawing/2014/main" id="{D90976F0-65FF-47F1-8F99-311E8F19193E}"/>
+              </a:ext>
+            </a:extLst>
+          </p:cNvPr>
+          <p:cNvSpPr txBox="1"/>
+          <p:nvPr/>
+        </p:nvSpPr>
+        <p:spPr>
+          <a:xfrm>
+            <a:off x="6168804" y="3463740"/>
+            <a:ext cx="534121" cy="400110"/>
+          </a:xfrm>
+          <a:prstGeom prst="rect">
+            <a:avLst/>
+          </a:prstGeom>
+          <a:noFill/>
+        </p:spPr>
+        <p:txBody>
+          <a:bodyPr wrap="square" rtlCol="0">
+            <a:spAutoFit/>
+          </a:bodyPr>
+          <a:lstStyle/>
+          <a:p>
+            <a:pPr algn="ctr"/>
+            <a:r>
+              <a:rPr lang="en-US" sz="1000" dirty="0"/>
+              <a:t>Trig</a:t>
+            </a:r>
+          </a:p>
+          <a:p>
+            <a:pPr algn="ctr"/>
+            <a:r>
+              <a:rPr lang="en-US" sz="1000" dirty="0"/>
+              <a:t>+ Red</a:t>
+            </a:r>
+          </a:p>
+        </p:txBody>
+      </p:sp>
+      <p:sp>
+        <p:nvSpPr>
+          <p:cNvPr id="67" name="TextBox 66">
+            <a:extLst>
+              <a:ext uri="{FF2B5EF4-FFF2-40B4-BE49-F238E27FC236}">
+                <a16:creationId xmlns:a16="http://schemas.microsoft.com/office/drawing/2014/main" id="{F8340D14-2934-4856-B3B0-805F866417DA}"/>
+              </a:ext>
+            </a:extLst>
+          </p:cNvPr>
+          <p:cNvSpPr txBox="1"/>
+          <p:nvPr/>
+        </p:nvSpPr>
+        <p:spPr>
+          <a:xfrm>
+            <a:off x="6041902" y="6237018"/>
+            <a:ext cx="534121" cy="400110"/>
+          </a:xfrm>
+          <a:prstGeom prst="rect">
+            <a:avLst/>
+          </a:prstGeom>
+          <a:noFill/>
+        </p:spPr>
+        <p:txBody>
+          <a:bodyPr wrap="square" rtlCol="0">
+            <a:spAutoFit/>
+          </a:bodyPr>
+          <a:lstStyle/>
+          <a:p>
+            <a:pPr algn="ctr"/>
+            <a:r>
+              <a:rPr lang="en-US" sz="1000" dirty="0"/>
+              <a:t>Trig</a:t>
+            </a:r>
+          </a:p>
+          <a:p>
+            <a:pPr algn="ctr"/>
+            <a:r>
+              <a:rPr lang="en-US" sz="1000" dirty="0"/>
+              <a:t>+ Red</a:t>
+            </a:r>
+          </a:p>
+        </p:txBody>
+      </p:sp>
+      <p:cxnSp>
+        <p:nvCxnSpPr>
+          <p:cNvPr id="68" name="Connector: Curved 67">
+            <a:extLst>
+              <a:ext uri="{FF2B5EF4-FFF2-40B4-BE49-F238E27FC236}">
+                <a16:creationId xmlns:a16="http://schemas.microsoft.com/office/drawing/2014/main" id="{718E71E3-47CE-40A4-A881-71F55F974209}"/>
+              </a:ext>
+            </a:extLst>
+          </p:cNvPr>
+          <p:cNvCxnSpPr>
+            <a:cxnSpLocks/>
+            <a:stCxn id="41" idx="3"/>
+            <a:endCxn id="4" idx="4"/>
+          </p:cNvCxnSpPr>
+          <p:nvPr/>
+        </p:nvCxnSpPr>
+        <p:spPr>
+          <a:xfrm rot="5400000" flipH="1">
+            <a:off x="2729285" y="2329998"/>
+            <a:ext cx="2350299" cy="5366458"/>
+          </a:xfrm>
+          <a:prstGeom prst="curvedConnector3">
+            <a:avLst>
+              <a:gd name="adj1" fmla="val -17624"/>
+            </a:avLst>
+          </a:prstGeom>
+          <a:ln>
+            <a:tailEnd type="triangle"/>
+          </a:ln>
+        </p:spPr>
+        <p:style>
+          <a:lnRef idx="1">
+            <a:schemeClr val="accent1"/>
+          </a:lnRef>
+          <a:fillRef idx="0">
+            <a:schemeClr val="accent1"/>
+          </a:fillRef>
+          <a:effectRef idx="0">
+            <a:schemeClr val="accent1"/>
+          </a:effectRef>
+          <a:fontRef idx="minor">
+            <a:schemeClr val="tx1"/>
+          </a:fontRef>
+        </p:style>
+      </p:cxnSp>
+      <p:sp>
+        <p:nvSpPr>
+          <p:cNvPr id="72" name="TextBox 71">
+            <a:extLst>
+              <a:ext uri="{FF2B5EF4-FFF2-40B4-BE49-F238E27FC236}">
+                <a16:creationId xmlns:a16="http://schemas.microsoft.com/office/drawing/2014/main" id="{E1B544E5-1189-46F6-AE2F-28CA7F3569E3}"/>
+              </a:ext>
+            </a:extLst>
+          </p:cNvPr>
+          <p:cNvSpPr txBox="1"/>
+          <p:nvPr/>
+        </p:nvSpPr>
+        <p:spPr>
+          <a:xfrm>
+            <a:off x="7912850" y="2176320"/>
+            <a:ext cx="534121" cy="400110"/>
+          </a:xfrm>
+          <a:prstGeom prst="rect">
+            <a:avLst/>
+          </a:prstGeom>
+          <a:noFill/>
+        </p:spPr>
+        <p:txBody>
+          <a:bodyPr wrap="square" rtlCol="0">
+            <a:spAutoFit/>
+          </a:bodyPr>
+          <a:lstStyle/>
+          <a:p>
+            <a:pPr algn="ctr"/>
+            <a:r>
+              <a:rPr lang="en-US" sz="1000" dirty="0"/>
+              <a:t>Trig</a:t>
+            </a:r>
+          </a:p>
+          <a:p>
+            <a:pPr algn="ctr"/>
+            <a:r>
+              <a:rPr lang="en-US" sz="1000" dirty="0"/>
+              <a:t>+ Red</a:t>
+            </a:r>
+          </a:p>
+        </p:txBody>
+      </p:sp>
+      <p:cxnSp>
+        <p:nvCxnSpPr>
+          <p:cNvPr id="73" name="Connector: Curved 72">
+            <a:extLst>
+              <a:ext uri="{FF2B5EF4-FFF2-40B4-BE49-F238E27FC236}">
+                <a16:creationId xmlns:a16="http://schemas.microsoft.com/office/drawing/2014/main" id="{64B18D26-1808-4390-89AF-5DB15B5AA0C0}"/>
+              </a:ext>
+            </a:extLst>
+          </p:cNvPr>
+          <p:cNvCxnSpPr>
+            <a:cxnSpLocks/>
+            <a:stCxn id="45" idx="0"/>
+            <a:endCxn id="4" idx="0"/>
+          </p:cNvCxnSpPr>
+          <p:nvPr/>
+        </p:nvCxnSpPr>
+        <p:spPr>
+          <a:xfrm rot="16200000" flipH="1" flipV="1">
+            <a:off x="4821395" y="-981286"/>
+            <a:ext cx="292742" cy="7493120"/>
+          </a:xfrm>
+          <a:prstGeom prst="curvedConnector3">
+            <a:avLst>
+              <a:gd name="adj1" fmla="val -178783"/>
+            </a:avLst>
+          </a:prstGeom>
+          <a:ln>
+            <a:tailEnd type="triangle"/>
+          </a:ln>
+        </p:spPr>
+        <p:style>
+          <a:lnRef idx="1">
+            <a:schemeClr val="accent1"/>
+          </a:lnRef>
+          <a:fillRef idx="0">
+            <a:schemeClr val="accent1"/>
+          </a:fillRef>
+          <a:effectRef idx="0">
+            <a:schemeClr val="accent1"/>
+          </a:effectRef>
+          <a:fontRef idx="minor">
+            <a:schemeClr val="tx1"/>
+          </a:fontRef>
+        </p:style>
+      </p:cxnSp>
+      <p:sp>
+        <p:nvSpPr>
+          <p:cNvPr id="77" name="TextBox 76">
+            <a:extLst>
+              <a:ext uri="{FF2B5EF4-FFF2-40B4-BE49-F238E27FC236}">
+                <a16:creationId xmlns:a16="http://schemas.microsoft.com/office/drawing/2014/main" id="{1BDE2C4F-27B1-4904-831E-35FCAD2490F6}"/>
+              </a:ext>
+            </a:extLst>
+          </p:cNvPr>
+          <p:cNvSpPr txBox="1"/>
+          <p:nvPr/>
+        </p:nvSpPr>
+        <p:spPr>
+          <a:xfrm>
+            <a:off x="5127098" y="4138455"/>
+            <a:ext cx="526106" cy="400110"/>
+          </a:xfrm>
+          <a:prstGeom prst="rect">
+            <a:avLst/>
+          </a:prstGeom>
+          <a:noFill/>
+        </p:spPr>
+        <p:txBody>
+          <a:bodyPr wrap="none" rtlCol="0">
+            <a:spAutoFit/>
+          </a:bodyPr>
+          <a:lstStyle/>
+          <a:p>
+            <a:pPr algn="ctr"/>
+            <a:r>
+              <a:rPr lang="en-US" sz="1000" dirty="0"/>
+              <a:t>Trig</a:t>
+            </a:r>
+          </a:p>
+          <a:p>
+            <a:pPr algn="ctr"/>
+            <a:r>
+              <a:rPr lang="en-US" sz="1000" dirty="0"/>
+              <a:t>+ G/Y</a:t>
+            </a:r>
+          </a:p>
+        </p:txBody>
+      </p:sp>
+      <p:sp>
+        <p:nvSpPr>
+          <p:cNvPr id="78" name="TextBox 77">
+            <a:extLst>
+              <a:ext uri="{FF2B5EF4-FFF2-40B4-BE49-F238E27FC236}">
+                <a16:creationId xmlns:a16="http://schemas.microsoft.com/office/drawing/2014/main" id="{6B0B90A6-E22F-4A8F-871C-74D634E615FF}"/>
+              </a:ext>
+            </a:extLst>
+          </p:cNvPr>
+          <p:cNvSpPr txBox="1"/>
+          <p:nvPr/>
+        </p:nvSpPr>
+        <p:spPr>
+          <a:xfrm>
+            <a:off x="5485008" y="4815910"/>
+            <a:ext cx="526106" cy="400110"/>
+          </a:xfrm>
+          <a:prstGeom prst="rect">
+            <a:avLst/>
+          </a:prstGeom>
+          <a:noFill/>
+        </p:spPr>
+        <p:txBody>
+          <a:bodyPr wrap="none" rtlCol="0">
+            <a:spAutoFit/>
+          </a:bodyPr>
+          <a:lstStyle/>
+          <a:p>
+            <a:pPr algn="ctr"/>
+            <a:r>
+              <a:rPr lang="en-US" sz="1000" dirty="0"/>
+              <a:t>Trig</a:t>
+            </a:r>
+          </a:p>
+          <a:p>
+            <a:pPr algn="ctr"/>
+            <a:r>
+              <a:rPr lang="en-US" sz="1000" dirty="0"/>
+              <a:t>+ G/Y</a:t>
+            </a:r>
+          </a:p>
+        </p:txBody>
+      </p:sp>
+      <p:sp>
+        <p:nvSpPr>
+          <p:cNvPr id="79" name="TextBox 78">
+            <a:extLst>
+              <a:ext uri="{FF2B5EF4-FFF2-40B4-BE49-F238E27FC236}">
+                <a16:creationId xmlns:a16="http://schemas.microsoft.com/office/drawing/2014/main" id="{4C0FFEF1-2F60-4BD7-B11F-939232D2788B}"/>
+              </a:ext>
+            </a:extLst>
+          </p:cNvPr>
+          <p:cNvSpPr txBox="1"/>
+          <p:nvPr/>
+        </p:nvSpPr>
+        <p:spPr>
+          <a:xfrm>
+            <a:off x="5322172" y="5478764"/>
+            <a:ext cx="526106" cy="400110"/>
+          </a:xfrm>
+          <a:prstGeom prst="rect">
+            <a:avLst/>
+          </a:prstGeom>
+          <a:noFill/>
+        </p:spPr>
+        <p:txBody>
+          <a:bodyPr wrap="none" rtlCol="0">
+            <a:spAutoFit/>
+          </a:bodyPr>
+          <a:lstStyle/>
+          <a:p>
+            <a:pPr algn="ctr"/>
+            <a:r>
+              <a:rPr lang="en-US" sz="1000" dirty="0"/>
+              <a:t>Trig</a:t>
+            </a:r>
+          </a:p>
+          <a:p>
+            <a:pPr algn="ctr"/>
+            <a:r>
+              <a:rPr lang="en-US" sz="1000" dirty="0"/>
+              <a:t>+ G/Y</a:t>
+            </a:r>
+          </a:p>
+        </p:txBody>
+      </p:sp>
+      <p:cxnSp>
+        <p:nvCxnSpPr>
+          <p:cNvPr id="80" name="Connector: Curved 79">
+            <a:extLst>
+              <a:ext uri="{FF2B5EF4-FFF2-40B4-BE49-F238E27FC236}">
+                <a16:creationId xmlns:a16="http://schemas.microsoft.com/office/drawing/2014/main" id="{1C68C86A-FB52-4BB0-83B7-785DD45AAFC7}"/>
+              </a:ext>
+            </a:extLst>
+          </p:cNvPr>
+          <p:cNvCxnSpPr>
+            <a:cxnSpLocks/>
+            <a:stCxn id="39" idx="6"/>
+            <a:endCxn id="45" idx="1"/>
+          </p:cNvCxnSpPr>
+          <p:nvPr/>
+        </p:nvCxnSpPr>
+        <p:spPr>
+          <a:xfrm>
+            <a:off x="7662830" y="3088174"/>
+            <a:ext cx="421678" cy="12700"/>
+          </a:xfrm>
+          <a:prstGeom prst="curvedConnector3">
+            <a:avLst>
+              <a:gd name="adj1" fmla="val 50000"/>
+            </a:avLst>
+          </a:prstGeom>
+          <a:ln>
+            <a:tailEnd type="triangle"/>
+          </a:ln>
+        </p:spPr>
+        <p:style>
+          <a:lnRef idx="1">
+            <a:schemeClr val="accent1"/>
+          </a:lnRef>
+          <a:fillRef idx="0">
+            <a:schemeClr val="accent1"/>
+          </a:fillRef>
+          <a:effectRef idx="0">
+            <a:schemeClr val="accent1"/>
+          </a:effectRef>
+          <a:fontRef idx="minor">
+            <a:schemeClr val="tx1"/>
+          </a:fontRef>
+        </p:style>
+      </p:cxnSp>
+      <p:sp>
+        <p:nvSpPr>
+          <p:cNvPr id="87" name="Rectangle: Rounded Corners 86">
+            <a:extLst>
+              <a:ext uri="{FF2B5EF4-FFF2-40B4-BE49-F238E27FC236}">
+                <a16:creationId xmlns:a16="http://schemas.microsoft.com/office/drawing/2014/main" id="{87285AC2-1EF2-4FB6-A8C6-A45D97571152}"/>
               </a:ext>
             </a:extLst>
           </p:cNvPr>
@@ -6382,10 +7063,10 @@
         </p:nvSpPr>
         <p:spPr>
           <a:xfrm>
-            <a:off x="8560276" y="5433421"/>
-            <a:ext cx="2017295" cy="751974"/>
-          </a:xfrm>
-          <a:prstGeom prst="rect">
+            <a:off x="8080993" y="3942058"/>
+            <a:ext cx="1259635" cy="938542"/>
+          </a:xfrm>
+          <a:prstGeom prst="roundRect">
             <a:avLst/>
           </a:prstGeom>
         </p:spPr>
@@ -6412,16 +7093,721 @@
             <a:pPr algn="ctr"/>
             <a:r>
               <a:rPr lang="en-US" dirty="0" err="1"/>
-              <a:t>RBG_SciFi_StatesAndInputs.h</a:t>
+              <a:t>Fctry</a:t>
+            </a:r>
+            <a:r>
+              <a:rPr lang="en-US" dirty="0"/>
+              <a:t> </a:t>
+            </a:r>
+            <a:r>
+              <a:rPr lang="en-US" dirty="0" err="1"/>
+              <a:t>Rst</a:t>
             </a:r>
             <a:endParaRPr lang="en-US" dirty="0"/>
           </a:p>
-        </p:txBody>
-      </p:sp>
+          <a:p>
+            <a:pPr algn="ctr"/>
+            <a:r>
+              <a:rPr lang="en-US" dirty="0"/>
+              <a:t>Copy</a:t>
+            </a:r>
+          </a:p>
+        </p:txBody>
+      </p:sp>
+      <p:cxnSp>
+        <p:nvCxnSpPr>
+          <p:cNvPr id="88" name="Connector: Curved 87">
+            <a:extLst>
+              <a:ext uri="{FF2B5EF4-FFF2-40B4-BE49-F238E27FC236}">
+                <a16:creationId xmlns:a16="http://schemas.microsoft.com/office/drawing/2014/main" id="{EC10DDEA-E45D-48DE-AC05-B009F2B99ECC}"/>
+              </a:ext>
+            </a:extLst>
+          </p:cNvPr>
+          <p:cNvCxnSpPr>
+            <a:cxnSpLocks/>
+            <a:stCxn id="40" idx="6"/>
+            <a:endCxn id="87" idx="1"/>
+          </p:cNvCxnSpPr>
+          <p:nvPr/>
+        </p:nvCxnSpPr>
+        <p:spPr>
+          <a:xfrm flipV="1">
+            <a:off x="7662830" y="4411329"/>
+            <a:ext cx="418163" cy="971"/>
+          </a:xfrm>
+          <a:prstGeom prst="curvedConnector3">
+            <a:avLst>
+              <a:gd name="adj1" fmla="val 50000"/>
+            </a:avLst>
+          </a:prstGeom>
+          <a:ln>
+            <a:tailEnd type="triangle"/>
+          </a:ln>
+        </p:spPr>
+        <p:style>
+          <a:lnRef idx="1">
+            <a:schemeClr val="accent1"/>
+          </a:lnRef>
+          <a:fillRef idx="0">
+            <a:schemeClr val="accent1"/>
+          </a:fillRef>
+          <a:effectRef idx="0">
+            <a:schemeClr val="accent1"/>
+          </a:effectRef>
+          <a:fontRef idx="minor">
+            <a:schemeClr val="tx1"/>
+          </a:fontRef>
+        </p:style>
+      </p:cxnSp>
+      <p:sp>
+        <p:nvSpPr>
+          <p:cNvPr id="92" name="Rectangle: Rounded Corners 91">
+            <a:extLst>
+              <a:ext uri="{FF2B5EF4-FFF2-40B4-BE49-F238E27FC236}">
+                <a16:creationId xmlns:a16="http://schemas.microsoft.com/office/drawing/2014/main" id="{BB05968C-E9A0-44BA-99C5-EC32F376B1B1}"/>
+              </a:ext>
+            </a:extLst>
+          </p:cNvPr>
+          <p:cNvSpPr/>
+          <p:nvPr/>
+        </p:nvSpPr>
+        <p:spPr>
+          <a:xfrm>
+            <a:off x="8080993" y="5271601"/>
+            <a:ext cx="1259635" cy="938542"/>
+          </a:xfrm>
+          <a:prstGeom prst="roundRect">
+            <a:avLst/>
+          </a:prstGeom>
+        </p:spPr>
+        <p:style>
+          <a:lnRef idx="2">
+            <a:schemeClr val="accent1">
+              <a:shade val="50000"/>
+            </a:schemeClr>
+          </a:lnRef>
+          <a:fillRef idx="1">
+            <a:schemeClr val="accent1"/>
+          </a:fillRef>
+          <a:effectRef idx="0">
+            <a:schemeClr val="accent1"/>
+          </a:effectRef>
+          <a:fontRef idx="minor">
+            <a:schemeClr val="lt1"/>
+          </a:fontRef>
+        </p:style>
+        <p:txBody>
+          <a:bodyPr rtlCol="0" anchor="ctr"/>
+          <a:lstStyle/>
+          <a:p>
+            <a:pPr algn="ctr"/>
+            <a:r>
+              <a:rPr lang="en-US" dirty="0"/>
+              <a:t>Demo</a:t>
+            </a:r>
+          </a:p>
+          <a:p>
+            <a:pPr algn="ctr"/>
+            <a:r>
+              <a:rPr lang="en-US" dirty="0"/>
+              <a:t>Time</a:t>
+            </a:r>
+          </a:p>
+          <a:p>
+            <a:pPr algn="ctr"/>
+            <a:r>
+              <a:rPr lang="en-US" dirty="0"/>
+              <a:t>Credits</a:t>
+            </a:r>
+          </a:p>
+        </p:txBody>
+      </p:sp>
+      <p:cxnSp>
+        <p:nvCxnSpPr>
+          <p:cNvPr id="93" name="Connector: Curved 92">
+            <a:extLst>
+              <a:ext uri="{FF2B5EF4-FFF2-40B4-BE49-F238E27FC236}">
+                <a16:creationId xmlns:a16="http://schemas.microsoft.com/office/drawing/2014/main" id="{4FA51279-6790-4FD1-9B6F-BC686CA34A8E}"/>
+              </a:ext>
+            </a:extLst>
+          </p:cNvPr>
+          <p:cNvCxnSpPr>
+            <a:cxnSpLocks/>
+            <a:stCxn id="41" idx="6"/>
+            <a:endCxn id="92" idx="1"/>
+          </p:cNvCxnSpPr>
+          <p:nvPr/>
+        </p:nvCxnSpPr>
+        <p:spPr>
+          <a:xfrm>
+            <a:off x="7662830" y="5740248"/>
+            <a:ext cx="418163" cy="624"/>
+          </a:xfrm>
+          <a:prstGeom prst="curvedConnector3">
+            <a:avLst>
+              <a:gd name="adj1" fmla="val 50000"/>
+            </a:avLst>
+          </a:prstGeom>
+          <a:ln>
+            <a:tailEnd type="triangle"/>
+          </a:ln>
+        </p:spPr>
+        <p:style>
+          <a:lnRef idx="1">
+            <a:schemeClr val="accent1"/>
+          </a:lnRef>
+          <a:fillRef idx="0">
+            <a:schemeClr val="accent1"/>
+          </a:fillRef>
+          <a:effectRef idx="0">
+            <a:schemeClr val="accent1"/>
+          </a:effectRef>
+          <a:fontRef idx="minor">
+            <a:schemeClr val="tx1"/>
+          </a:fontRef>
+        </p:style>
+      </p:cxnSp>
+      <p:sp>
+        <p:nvSpPr>
+          <p:cNvPr id="96" name="TextBox 95">
+            <a:extLst>
+              <a:ext uri="{FF2B5EF4-FFF2-40B4-BE49-F238E27FC236}">
+                <a16:creationId xmlns:a16="http://schemas.microsoft.com/office/drawing/2014/main" id="{4B84DDF8-C185-4840-A796-EF1D9FB5F36C}"/>
+              </a:ext>
+            </a:extLst>
+          </p:cNvPr>
+          <p:cNvSpPr txBox="1"/>
+          <p:nvPr/>
+        </p:nvSpPr>
+        <p:spPr>
+          <a:xfrm>
+            <a:off x="8354979" y="3571111"/>
+            <a:ext cx="534121" cy="400110"/>
+          </a:xfrm>
+          <a:prstGeom prst="rect">
+            <a:avLst/>
+          </a:prstGeom>
+          <a:noFill/>
+        </p:spPr>
+        <p:txBody>
+          <a:bodyPr wrap="square" rtlCol="0">
+            <a:spAutoFit/>
+          </a:bodyPr>
+          <a:lstStyle/>
+          <a:p>
+            <a:pPr algn="ctr"/>
+            <a:r>
+              <a:rPr lang="en-US" sz="1000" dirty="0"/>
+              <a:t>Trig</a:t>
+            </a:r>
+          </a:p>
+          <a:p>
+            <a:pPr algn="ctr"/>
+            <a:r>
+              <a:rPr lang="en-US" sz="1000" dirty="0"/>
+              <a:t>+ Red</a:t>
+            </a:r>
+          </a:p>
+        </p:txBody>
+      </p:sp>
+      <p:cxnSp>
+        <p:nvCxnSpPr>
+          <p:cNvPr id="97" name="Connector: Curved 96">
+            <a:extLst>
+              <a:ext uri="{FF2B5EF4-FFF2-40B4-BE49-F238E27FC236}">
+                <a16:creationId xmlns:a16="http://schemas.microsoft.com/office/drawing/2014/main" id="{A48B217E-6FE8-410B-BB4A-C5588ABA30AB}"/>
+              </a:ext>
+            </a:extLst>
+          </p:cNvPr>
+          <p:cNvCxnSpPr>
+            <a:cxnSpLocks/>
+            <a:stCxn id="87" idx="0"/>
+            <a:endCxn id="4" idx="0"/>
+          </p:cNvCxnSpPr>
+          <p:nvPr/>
+        </p:nvCxnSpPr>
+        <p:spPr>
+          <a:xfrm rot="16200000" flipV="1">
+            <a:off x="4450803" y="-317951"/>
+            <a:ext cx="1030413" cy="7489605"/>
+          </a:xfrm>
+          <a:prstGeom prst="curvedConnector3">
+            <a:avLst>
+              <a:gd name="adj1" fmla="val 186989"/>
+            </a:avLst>
+          </a:prstGeom>
+          <a:ln>
+            <a:tailEnd type="triangle"/>
+          </a:ln>
+        </p:spPr>
+        <p:style>
+          <a:lnRef idx="1">
+            <a:schemeClr val="accent1"/>
+          </a:lnRef>
+          <a:fillRef idx="0">
+            <a:schemeClr val="accent1"/>
+          </a:fillRef>
+          <a:effectRef idx="0">
+            <a:schemeClr val="accent1"/>
+          </a:effectRef>
+          <a:fontRef idx="minor">
+            <a:schemeClr val="tx1"/>
+          </a:fontRef>
+        </p:style>
+      </p:cxnSp>
+      <p:sp>
+        <p:nvSpPr>
+          <p:cNvPr id="101" name="TextBox 100">
+            <a:extLst>
+              <a:ext uri="{FF2B5EF4-FFF2-40B4-BE49-F238E27FC236}">
+                <a16:creationId xmlns:a16="http://schemas.microsoft.com/office/drawing/2014/main" id="{A63B8BDE-8593-46ED-BBB0-FFD108DC3826}"/>
+              </a:ext>
+            </a:extLst>
+          </p:cNvPr>
+          <p:cNvSpPr txBox="1"/>
+          <p:nvPr/>
+        </p:nvSpPr>
+        <p:spPr>
+          <a:xfrm>
+            <a:off x="9259871" y="2763320"/>
+            <a:ext cx="526106" cy="400110"/>
+          </a:xfrm>
+          <a:prstGeom prst="rect">
+            <a:avLst/>
+          </a:prstGeom>
+          <a:noFill/>
+        </p:spPr>
+        <p:txBody>
+          <a:bodyPr wrap="none" rtlCol="0">
+            <a:spAutoFit/>
+          </a:bodyPr>
+          <a:lstStyle/>
+          <a:p>
+            <a:pPr algn="ctr"/>
+            <a:r>
+              <a:rPr lang="en-US" sz="1000" dirty="0"/>
+              <a:t>Trig</a:t>
+            </a:r>
+          </a:p>
+          <a:p>
+            <a:pPr algn="ctr"/>
+            <a:r>
+              <a:rPr lang="en-US" sz="1000" dirty="0"/>
+              <a:t>+ G/Y</a:t>
+            </a:r>
+          </a:p>
+        </p:txBody>
+      </p:sp>
+      <p:sp>
+        <p:nvSpPr>
+          <p:cNvPr id="102" name="TextBox 101">
+            <a:extLst>
+              <a:ext uri="{FF2B5EF4-FFF2-40B4-BE49-F238E27FC236}">
+                <a16:creationId xmlns:a16="http://schemas.microsoft.com/office/drawing/2014/main" id="{F5F35365-DC87-487D-AD39-9C0C9C6841C2}"/>
+              </a:ext>
+            </a:extLst>
+          </p:cNvPr>
+          <p:cNvSpPr txBox="1"/>
+          <p:nvPr/>
+        </p:nvSpPr>
+        <p:spPr>
+          <a:xfrm>
+            <a:off x="9404740" y="4138455"/>
+            <a:ext cx="526106" cy="400110"/>
+          </a:xfrm>
+          <a:prstGeom prst="rect">
+            <a:avLst/>
+          </a:prstGeom>
+          <a:noFill/>
+        </p:spPr>
+        <p:txBody>
+          <a:bodyPr wrap="none" rtlCol="0">
+            <a:spAutoFit/>
+          </a:bodyPr>
+          <a:lstStyle/>
+          <a:p>
+            <a:pPr algn="ctr"/>
+            <a:r>
+              <a:rPr lang="en-US" sz="1000" dirty="0"/>
+              <a:t>Trig</a:t>
+            </a:r>
+          </a:p>
+          <a:p>
+            <a:pPr algn="ctr"/>
+            <a:r>
+              <a:rPr lang="en-US" sz="1000" dirty="0"/>
+              <a:t>+ G/Y</a:t>
+            </a:r>
+          </a:p>
+        </p:txBody>
+      </p:sp>
+      <p:sp>
+        <p:nvSpPr>
+          <p:cNvPr id="103" name="TextBox 102">
+            <a:extLst>
+              <a:ext uri="{FF2B5EF4-FFF2-40B4-BE49-F238E27FC236}">
+                <a16:creationId xmlns:a16="http://schemas.microsoft.com/office/drawing/2014/main" id="{8B682B67-2266-4B33-A716-FADDA89ED2BB}"/>
+              </a:ext>
+            </a:extLst>
+          </p:cNvPr>
+          <p:cNvSpPr txBox="1"/>
+          <p:nvPr/>
+        </p:nvSpPr>
+        <p:spPr>
+          <a:xfrm>
+            <a:off x="9419185" y="5513590"/>
+            <a:ext cx="526106" cy="400110"/>
+          </a:xfrm>
+          <a:prstGeom prst="rect">
+            <a:avLst/>
+          </a:prstGeom>
+          <a:noFill/>
+        </p:spPr>
+        <p:txBody>
+          <a:bodyPr wrap="none" rtlCol="0">
+            <a:spAutoFit/>
+          </a:bodyPr>
+          <a:lstStyle/>
+          <a:p>
+            <a:pPr algn="ctr"/>
+            <a:r>
+              <a:rPr lang="en-US" sz="1000" dirty="0"/>
+              <a:t>Trig</a:t>
+            </a:r>
+          </a:p>
+          <a:p>
+            <a:pPr algn="ctr"/>
+            <a:r>
+              <a:rPr lang="en-US" sz="1000" dirty="0"/>
+              <a:t>+ G/Y</a:t>
+            </a:r>
+          </a:p>
+        </p:txBody>
+      </p:sp>
+      <p:sp>
+        <p:nvSpPr>
+          <p:cNvPr id="104" name="TextBox 103">
+            <a:extLst>
+              <a:ext uri="{FF2B5EF4-FFF2-40B4-BE49-F238E27FC236}">
+                <a16:creationId xmlns:a16="http://schemas.microsoft.com/office/drawing/2014/main" id="{23E3B989-9DDA-4D95-B64F-47552A6FFAF3}"/>
+              </a:ext>
+            </a:extLst>
+          </p:cNvPr>
+          <p:cNvSpPr txBox="1"/>
+          <p:nvPr/>
+        </p:nvSpPr>
+        <p:spPr>
+          <a:xfrm>
+            <a:off x="8079189" y="6210143"/>
+            <a:ext cx="534121" cy="400110"/>
+          </a:xfrm>
+          <a:prstGeom prst="rect">
+            <a:avLst/>
+          </a:prstGeom>
+          <a:noFill/>
+        </p:spPr>
+        <p:txBody>
+          <a:bodyPr wrap="square" rtlCol="0">
+            <a:spAutoFit/>
+          </a:bodyPr>
+          <a:lstStyle/>
+          <a:p>
+            <a:pPr algn="ctr"/>
+            <a:r>
+              <a:rPr lang="en-US" sz="1000" dirty="0"/>
+              <a:t>Trig</a:t>
+            </a:r>
+          </a:p>
+          <a:p>
+            <a:pPr algn="ctr"/>
+            <a:r>
+              <a:rPr lang="en-US" sz="1000" dirty="0"/>
+              <a:t>+ Red</a:t>
+            </a:r>
+          </a:p>
+        </p:txBody>
+      </p:sp>
+      <p:cxnSp>
+        <p:nvCxnSpPr>
+          <p:cNvPr id="105" name="Connector: Curved 104">
+            <a:extLst>
+              <a:ext uri="{FF2B5EF4-FFF2-40B4-BE49-F238E27FC236}">
+                <a16:creationId xmlns:a16="http://schemas.microsoft.com/office/drawing/2014/main" id="{30DA6FD1-50F6-4866-AD27-01991F68F968}"/>
+              </a:ext>
+            </a:extLst>
+          </p:cNvPr>
+          <p:cNvCxnSpPr>
+            <a:cxnSpLocks/>
+            <a:stCxn id="92" idx="2"/>
+            <a:endCxn id="4" idx="4"/>
+          </p:cNvCxnSpPr>
+          <p:nvPr/>
+        </p:nvCxnSpPr>
+        <p:spPr>
+          <a:xfrm rot="5400000" flipH="1">
+            <a:off x="3779976" y="1279308"/>
+            <a:ext cx="2372066" cy="7489605"/>
+          </a:xfrm>
+          <a:prstGeom prst="curvedConnector3">
+            <a:avLst>
+              <a:gd name="adj1" fmla="val -22825"/>
+            </a:avLst>
+          </a:prstGeom>
+          <a:ln>
+            <a:tailEnd type="triangle"/>
+          </a:ln>
+        </p:spPr>
+        <p:style>
+          <a:lnRef idx="1">
+            <a:schemeClr val="accent1"/>
+          </a:lnRef>
+          <a:fillRef idx="0">
+            <a:schemeClr val="accent1"/>
+          </a:fillRef>
+          <a:effectRef idx="0">
+            <a:schemeClr val="accent1"/>
+          </a:effectRef>
+          <a:fontRef idx="minor">
+            <a:schemeClr val="tx1"/>
+          </a:fontRef>
+        </p:style>
+      </p:cxnSp>
+      <p:sp>
+        <p:nvSpPr>
+          <p:cNvPr id="111" name="Oval 110">
+            <a:extLst>
+              <a:ext uri="{FF2B5EF4-FFF2-40B4-BE49-F238E27FC236}">
+                <a16:creationId xmlns:a16="http://schemas.microsoft.com/office/drawing/2014/main" id="{1C8163B1-59ED-4F77-A197-A049E5BAB557}"/>
+              </a:ext>
+            </a:extLst>
+          </p:cNvPr>
+          <p:cNvSpPr/>
+          <p:nvPr/>
+        </p:nvSpPr>
+        <p:spPr>
+          <a:xfrm>
+            <a:off x="10553529" y="3943624"/>
+            <a:ext cx="878305" cy="926432"/>
+          </a:xfrm>
+          <a:prstGeom prst="ellipse">
+            <a:avLst/>
+          </a:prstGeom>
+        </p:spPr>
+        <p:style>
+          <a:lnRef idx="2">
+            <a:schemeClr val="accent1">
+              <a:shade val="50000"/>
+            </a:schemeClr>
+          </a:lnRef>
+          <a:fillRef idx="1">
+            <a:schemeClr val="accent1"/>
+          </a:fillRef>
+          <a:effectRef idx="0">
+            <a:schemeClr val="accent1"/>
+          </a:effectRef>
+          <a:fontRef idx="minor">
+            <a:schemeClr val="lt1"/>
+          </a:fontRef>
+        </p:style>
+        <p:txBody>
+          <a:bodyPr rtlCol="0" anchor="ctr"/>
+          <a:lstStyle/>
+          <a:p>
+            <a:pPr algn="ctr"/>
+            <a:r>
+              <a:rPr lang="en-US" dirty="0"/>
+              <a:t>Do</a:t>
+            </a:r>
+          </a:p>
+          <a:p>
+            <a:pPr algn="ctr"/>
+            <a:r>
+              <a:rPr lang="en-US" dirty="0"/>
+              <a:t>It</a:t>
+            </a:r>
+          </a:p>
+        </p:txBody>
+      </p:sp>
+      <p:cxnSp>
+        <p:nvCxnSpPr>
+          <p:cNvPr id="112" name="Connector: Curved 111">
+            <a:extLst>
+              <a:ext uri="{FF2B5EF4-FFF2-40B4-BE49-F238E27FC236}">
+                <a16:creationId xmlns:a16="http://schemas.microsoft.com/office/drawing/2014/main" id="{22CA8DEF-07A6-47E7-9132-29A71A50E146}"/>
+              </a:ext>
+            </a:extLst>
+          </p:cNvPr>
+          <p:cNvCxnSpPr>
+            <a:cxnSpLocks/>
+            <a:endCxn id="111" idx="1"/>
+          </p:cNvCxnSpPr>
+          <p:nvPr/>
+        </p:nvCxnSpPr>
+        <p:spPr>
+          <a:xfrm>
+            <a:off x="9297411" y="3136303"/>
+            <a:ext cx="1384743" cy="942994"/>
+          </a:xfrm>
+          <a:prstGeom prst="curvedConnector2">
+            <a:avLst/>
+          </a:prstGeom>
+          <a:ln>
+            <a:tailEnd type="triangle"/>
+          </a:ln>
+        </p:spPr>
+        <p:style>
+          <a:lnRef idx="1">
+            <a:schemeClr val="accent1"/>
+          </a:lnRef>
+          <a:fillRef idx="0">
+            <a:schemeClr val="accent1"/>
+          </a:fillRef>
+          <a:effectRef idx="0">
+            <a:schemeClr val="accent1"/>
+          </a:effectRef>
+          <a:fontRef idx="minor">
+            <a:schemeClr val="tx1"/>
+          </a:fontRef>
+        </p:style>
+      </p:cxnSp>
+      <p:cxnSp>
+        <p:nvCxnSpPr>
+          <p:cNvPr id="115" name="Connector: Curved 114">
+            <a:extLst>
+              <a:ext uri="{FF2B5EF4-FFF2-40B4-BE49-F238E27FC236}">
+                <a16:creationId xmlns:a16="http://schemas.microsoft.com/office/drawing/2014/main" id="{9C085CEE-6527-4711-BB28-5CECEA5C102F}"/>
+              </a:ext>
+            </a:extLst>
+          </p:cNvPr>
+          <p:cNvCxnSpPr>
+            <a:cxnSpLocks/>
+            <a:stCxn id="92" idx="3"/>
+            <a:endCxn id="111" idx="3"/>
+          </p:cNvCxnSpPr>
+          <p:nvPr/>
+        </p:nvCxnSpPr>
+        <p:spPr>
+          <a:xfrm flipV="1">
+            <a:off x="9340628" y="4734383"/>
+            <a:ext cx="1341526" cy="1006489"/>
+          </a:xfrm>
+          <a:prstGeom prst="curvedConnector2">
+            <a:avLst/>
+          </a:prstGeom>
+          <a:ln>
+            <a:tailEnd type="triangle"/>
+          </a:ln>
+        </p:spPr>
+        <p:style>
+          <a:lnRef idx="1">
+            <a:schemeClr val="accent1"/>
+          </a:lnRef>
+          <a:fillRef idx="0">
+            <a:schemeClr val="accent1"/>
+          </a:fillRef>
+          <a:effectRef idx="0">
+            <a:schemeClr val="accent1"/>
+          </a:effectRef>
+          <a:fontRef idx="minor">
+            <a:schemeClr val="tx1"/>
+          </a:fontRef>
+        </p:style>
+      </p:cxnSp>
+      <p:cxnSp>
+        <p:nvCxnSpPr>
+          <p:cNvPr id="118" name="Connector: Curved 117">
+            <a:extLst>
+              <a:ext uri="{FF2B5EF4-FFF2-40B4-BE49-F238E27FC236}">
+                <a16:creationId xmlns:a16="http://schemas.microsoft.com/office/drawing/2014/main" id="{7CA0E024-AF2F-4574-B675-475F8B88770B}"/>
+              </a:ext>
+            </a:extLst>
+          </p:cNvPr>
+          <p:cNvCxnSpPr>
+            <a:cxnSpLocks/>
+            <a:stCxn id="87" idx="3"/>
+            <a:endCxn id="111" idx="2"/>
+          </p:cNvCxnSpPr>
+          <p:nvPr/>
+        </p:nvCxnSpPr>
+        <p:spPr>
+          <a:xfrm flipV="1">
+            <a:off x="9340628" y="4406840"/>
+            <a:ext cx="1212901" cy="4489"/>
+          </a:xfrm>
+          <a:prstGeom prst="curvedConnector3">
+            <a:avLst>
+              <a:gd name="adj1" fmla="val 50000"/>
+            </a:avLst>
+          </a:prstGeom>
+          <a:ln>
+            <a:tailEnd type="triangle"/>
+          </a:ln>
+        </p:spPr>
+        <p:style>
+          <a:lnRef idx="1">
+            <a:schemeClr val="accent1"/>
+          </a:lnRef>
+          <a:fillRef idx="0">
+            <a:schemeClr val="accent1"/>
+          </a:fillRef>
+          <a:effectRef idx="0">
+            <a:schemeClr val="accent1"/>
+          </a:effectRef>
+          <a:fontRef idx="minor">
+            <a:schemeClr val="tx1"/>
+          </a:fontRef>
+        </p:style>
+      </p:cxnSp>
+      <p:cxnSp>
+        <p:nvCxnSpPr>
+          <p:cNvPr id="121" name="Connector: Curved 120">
+            <a:extLst>
+              <a:ext uri="{FF2B5EF4-FFF2-40B4-BE49-F238E27FC236}">
+                <a16:creationId xmlns:a16="http://schemas.microsoft.com/office/drawing/2014/main" id="{1B8045E7-E2C8-4319-BAEE-404914B3539B}"/>
+              </a:ext>
+            </a:extLst>
+          </p:cNvPr>
+          <p:cNvCxnSpPr>
+            <a:cxnSpLocks/>
+            <a:stCxn id="111" idx="6"/>
+            <a:endCxn id="4" idx="4"/>
+          </p:cNvCxnSpPr>
+          <p:nvPr/>
+        </p:nvCxnSpPr>
+        <p:spPr>
+          <a:xfrm flipH="1" flipV="1">
+            <a:off x="1221206" y="3838077"/>
+            <a:ext cx="10210628" cy="568763"/>
+          </a:xfrm>
+          <a:prstGeom prst="curvedConnector4">
+            <a:avLst>
+              <a:gd name="adj1" fmla="val -2239"/>
+              <a:gd name="adj2" fmla="val -414858"/>
+            </a:avLst>
+          </a:prstGeom>
+          <a:ln>
+            <a:tailEnd type="triangle"/>
+          </a:ln>
+        </p:spPr>
+        <p:style>
+          <a:lnRef idx="1">
+            <a:schemeClr val="accent1"/>
+          </a:lnRef>
+          <a:fillRef idx="0">
+            <a:schemeClr val="accent1"/>
+          </a:fillRef>
+          <a:effectRef idx="0">
+            <a:schemeClr val="accent1"/>
+          </a:effectRef>
+          <a:fontRef idx="minor">
+            <a:schemeClr val="tx1"/>
+          </a:fontRef>
+        </p:style>
+      </p:cxnSp>
     </p:spTree>
     <p:extLst>
       <p:ext uri="{BB962C8B-B14F-4D97-AF65-F5344CB8AC3E}">
-        <p14:creationId xmlns:p14="http://schemas.microsoft.com/office/powerpoint/2010/main" val="3009688433"/>
+        <p14:creationId xmlns:p14="http://schemas.microsoft.com/office/powerpoint/2010/main" val="896231701"/>
       </p:ext>
     </p:extLst>
   </p:cSld>
@@ -6453,7 +7839,7 @@
           <p:cNvPr id="2" name="Title 1">
             <a:extLst>
               <a:ext uri="{FF2B5EF4-FFF2-40B4-BE49-F238E27FC236}">
-                <a16:creationId xmlns:a16="http://schemas.microsoft.com/office/drawing/2014/main" id="{3A963CBC-153D-4D34-9A5C-DBEEDFA9DC3D}"/>
+                <a16:creationId xmlns:a16="http://schemas.microsoft.com/office/drawing/2014/main" id="{E0EB8384-1F64-48D3-9D6E-6D21BE20E1FB}"/>
               </a:ext>
             </a:extLst>
           </p:cNvPr>
@@ -6464,7 +7850,12 @@
             <p:ph type="title"/>
           </p:nvPr>
         </p:nvSpPr>
-        <p:spPr/>
+        <p:spPr>
+          <a:xfrm>
+            <a:off x="1115568" y="530592"/>
+            <a:ext cx="10168128" cy="1179576"/>
+          </a:xfrm>
+        </p:spPr>
         <p:txBody>
           <a:bodyPr>
             <a:normAutofit fontScale="90000"/>
@@ -6483,12 +7874,8 @@
               <a:rPr lang="en-US" b="1" dirty="0"/>
             </a:br>
             <a:r>
-              <a:rPr lang="en-US" b="1" dirty="0" err="1"/>
-              <a:t>eSpeak</a:t>
-            </a:r>
-            <a:r>
               <a:rPr lang="en-US" b="1" dirty="0"/>
-              <a:t> and Sound Files</a:t>
+              <a:t>State Machine and Factory Settings</a:t>
             </a:r>
             <a:br>
               <a:rPr lang="en-US" b="1" dirty="0"/>
@@ -6502,7 +7889,7 @@
           <p:cNvPr id="4" name="Rectangle 3">
             <a:extLst>
               <a:ext uri="{FF2B5EF4-FFF2-40B4-BE49-F238E27FC236}">
-                <a16:creationId xmlns:a16="http://schemas.microsoft.com/office/drawing/2014/main" id="{0054DAF5-60EC-4A32-A6AD-3FD8E708CF8C}"/>
+                <a16:creationId xmlns:a16="http://schemas.microsoft.com/office/drawing/2014/main" id="{69D75D05-ED83-4E3F-A2AB-A3A8E93F1CD5}"/>
               </a:ext>
             </a:extLst>
           </p:cNvPr>
@@ -6511,8 +7898,8 @@
         </p:nvSpPr>
         <p:spPr>
           <a:xfrm>
-            <a:off x="2458879" y="2533968"/>
-            <a:ext cx="1804739" cy="751974"/>
+            <a:off x="655721" y="2111543"/>
+            <a:ext cx="1864895" cy="751974"/>
           </a:xfrm>
           <a:prstGeom prst="rect">
             <a:avLst/>
@@ -6541,7 +7928,15 @@
             <a:pPr algn="ctr"/>
             <a:r>
               <a:rPr lang="en-US" dirty="0"/>
-              <a:t>Tab ‘Sounds’</a:t>
+              <a:t>Tab ‘</a:t>
+            </a:r>
+            <a:r>
+              <a:rPr lang="en-US" dirty="0" err="1"/>
+              <a:t>StateTable</a:t>
+            </a:r>
+            <a:r>
+              <a:rPr lang="en-US" dirty="0"/>
+              <a:t>’</a:t>
             </a:r>
           </a:p>
           <a:p>
@@ -6558,7 +7953,7 @@
           <p:cNvPr id="5" name="Arrow: Right 4">
             <a:extLst>
               <a:ext uri="{FF2B5EF4-FFF2-40B4-BE49-F238E27FC236}">
-                <a16:creationId xmlns:a16="http://schemas.microsoft.com/office/drawing/2014/main" id="{DDB39B40-66F3-4C85-B1DC-CC2A28823B17}"/>
+                <a16:creationId xmlns:a16="http://schemas.microsoft.com/office/drawing/2014/main" id="{1A848AC7-F224-4801-908A-5F09C075F52F}"/>
               </a:ext>
             </a:extLst>
           </p:cNvPr>
@@ -6567,8 +7962,8 @@
         </p:nvSpPr>
         <p:spPr>
           <a:xfrm>
-            <a:off x="4391526" y="2661759"/>
-            <a:ext cx="2171699" cy="461665"/>
+            <a:off x="3194383" y="2630454"/>
+            <a:ext cx="2322097" cy="461665"/>
           </a:xfrm>
           <a:prstGeom prst="rightArrow">
             <a:avLst/>
@@ -6597,7 +7992,7 @@
             <a:pPr algn="ctr"/>
             <a:r>
               <a:rPr lang="en-US" dirty="0"/>
-              <a:t>RobotSounds.py</a:t>
+              <a:t>makeStateTable.py</a:t>
             </a:r>
           </a:p>
         </p:txBody>
@@ -6607,7 +8002,7 @@
           <p:cNvPr id="6" name="Rectangle 5">
             <a:extLst>
               <a:ext uri="{FF2B5EF4-FFF2-40B4-BE49-F238E27FC236}">
-                <a16:creationId xmlns:a16="http://schemas.microsoft.com/office/drawing/2014/main" id="{F253AF1D-AD3B-49A9-92C7-208A302DF32F}"/>
+                <a16:creationId xmlns:a16="http://schemas.microsoft.com/office/drawing/2014/main" id="{5AA21A8B-89E7-4A0A-B86A-2B49D8F3B2AC}"/>
               </a:ext>
             </a:extLst>
           </p:cNvPr>
@@ -6616,7 +8011,7 @@
         </p:nvSpPr>
         <p:spPr>
           <a:xfrm>
-            <a:off x="6740693" y="2516605"/>
+            <a:off x="5745080" y="2526635"/>
             <a:ext cx="1702468" cy="751974"/>
           </a:xfrm>
           <a:prstGeom prst="rect">
@@ -6645,22 +8040,18 @@
           <a:p>
             <a:pPr algn="ctr"/>
             <a:r>
-              <a:rPr lang="en-US" dirty="0" err="1"/>
-              <a:t>eSpeak</a:t>
-            </a:r>
-            <a:r>
-              <a:rPr lang="en-US" dirty="0"/>
-              <a:t> script</a:t>
-            </a:r>
-          </a:p>
-        </p:txBody>
-      </p:sp>
-      <p:sp>
-        <p:nvSpPr>
-          <p:cNvPr id="7" name="Arrow: U-Turn 6">
-            <a:extLst>
-              <a:ext uri="{FF2B5EF4-FFF2-40B4-BE49-F238E27FC236}">
-                <a16:creationId xmlns:a16="http://schemas.microsoft.com/office/drawing/2014/main" id="{0FD07254-7505-465E-9BFC-97945425E464}"/>
+              <a:rPr lang="en-US" dirty="0"/>
+              <a:t>State Table Code</a:t>
+            </a:r>
+          </a:p>
+        </p:txBody>
+      </p:sp>
+      <p:sp>
+        <p:nvSpPr>
+          <p:cNvPr id="7" name="Arrow: Right 6">
+            <a:extLst>
+              <a:ext uri="{FF2B5EF4-FFF2-40B4-BE49-F238E27FC236}">
+                <a16:creationId xmlns:a16="http://schemas.microsoft.com/office/drawing/2014/main" id="{2B716964-E7A8-4F2F-B22F-50045D6DB9B4}"/>
               </a:ext>
             </a:extLst>
           </p:cNvPr>
@@ -6668,11 +8059,11 @@
           <p:nvPr/>
         </p:nvSpPr>
         <p:spPr>
-          <a:xfrm rot="5400000">
-            <a:off x="9291926" y="2198536"/>
-            <a:ext cx="1827708" cy="2761259"/>
-          </a:xfrm>
-          <a:prstGeom prst="uturnArrow">
+          <a:xfrm>
+            <a:off x="7676147" y="2630453"/>
+            <a:ext cx="1317461" cy="461665"/>
+          </a:xfrm>
+          <a:prstGeom prst="rightArrow">
             <a:avLst/>
           </a:prstGeom>
         </p:spPr>
@@ -6697,72 +8088,19 @@
           <a:lstStyle/>
           <a:p>
             <a:pPr algn="ctr"/>
-            <a:endParaRPr lang="en-US" dirty="0">
-              <a:solidFill>
-                <a:schemeClr val="tx1"/>
-              </a:solidFill>
-            </a:endParaRPr>
-          </a:p>
-        </p:txBody>
-      </p:sp>
-      <p:sp>
-        <p:nvSpPr>
-          <p:cNvPr id="8" name="TextBox 7">
-            <a:extLst>
-              <a:ext uri="{FF2B5EF4-FFF2-40B4-BE49-F238E27FC236}">
-                <a16:creationId xmlns:a16="http://schemas.microsoft.com/office/drawing/2014/main" id="{688A23E7-B140-415A-8FC6-31BF011235F5}"/>
-              </a:ext>
-            </a:extLst>
-          </p:cNvPr>
-          <p:cNvSpPr txBox="1"/>
-          <p:nvPr/>
-        </p:nvSpPr>
-        <p:spPr>
-          <a:xfrm>
-            <a:off x="8825150" y="2709749"/>
-            <a:ext cx="2423227" cy="369332"/>
-          </a:xfrm>
-          <a:prstGeom prst="rect">
-            <a:avLst/>
-          </a:prstGeom>
-          <a:noFill/>
-        </p:spPr>
-        <p:txBody>
-          <a:bodyPr wrap="none" rtlCol="0">
-            <a:spAutoFit/>
-          </a:bodyPr>
-          <a:lstStyle/>
-          <a:p>
-            <a:r>
-              <a:rPr lang="en-US" dirty="0">
-                <a:solidFill>
-                  <a:schemeClr val="bg1"/>
-                </a:solidFill>
-              </a:rPr>
-              <a:t>bash.exe and </a:t>
-            </a:r>
-            <a:r>
-              <a:rPr lang="en-US" dirty="0" err="1">
-                <a:solidFill>
-                  <a:schemeClr val="bg1"/>
-                </a:solidFill>
-              </a:rPr>
-              <a:t>eSpeak</a:t>
-            </a:r>
-            <a:endParaRPr lang="en-US" dirty="0">
-              <a:solidFill>
-                <a:schemeClr val="bg1"/>
-              </a:solidFill>
-            </a:endParaRPr>
-          </a:p>
-        </p:txBody>
-      </p:sp>
-      <p:sp>
-        <p:nvSpPr>
-          <p:cNvPr id="9" name="Rectangle 8">
-            <a:extLst>
-              <a:ext uri="{FF2B5EF4-FFF2-40B4-BE49-F238E27FC236}">
-                <a16:creationId xmlns:a16="http://schemas.microsoft.com/office/drawing/2014/main" id="{216090F8-2D96-41E6-A043-A2B7AF0C570E}"/>
+            <a:r>
+              <a:rPr lang="en-US" dirty="0"/>
+              <a:t>editor</a:t>
+            </a:r>
+          </a:p>
+        </p:txBody>
+      </p:sp>
+      <p:sp>
+        <p:nvSpPr>
+          <p:cNvPr id="8" name="Rectangle 7">
+            <a:extLst>
+              <a:ext uri="{FF2B5EF4-FFF2-40B4-BE49-F238E27FC236}">
+                <a16:creationId xmlns:a16="http://schemas.microsoft.com/office/drawing/2014/main" id="{E3147BAF-D87A-472D-9A96-FBAF426C9787}"/>
               </a:ext>
             </a:extLst>
           </p:cNvPr>
@@ -6771,8 +8109,8 @@
         </p:nvSpPr>
         <p:spPr>
           <a:xfrm>
-            <a:off x="7774405" y="3702260"/>
-            <a:ext cx="1702468" cy="751974"/>
+            <a:off x="9117933" y="2528640"/>
+            <a:ext cx="2017295" cy="751974"/>
           </a:xfrm>
           <a:prstGeom prst="rect">
             <a:avLst/>
@@ -6800,18 +8138,19 @@
           <a:p>
             <a:pPr algn="ctr"/>
             <a:r>
-              <a:rPr lang="en-US" dirty="0"/>
-              <a:t>raw_*.wav Files</a:t>
-            </a:r>
-          </a:p>
-        </p:txBody>
-      </p:sp>
-      <p:sp>
-        <p:nvSpPr>
-          <p:cNvPr id="10" name="Arrow: Right 9">
-            <a:extLst>
-              <a:ext uri="{FF2B5EF4-FFF2-40B4-BE49-F238E27FC236}">
-                <a16:creationId xmlns:a16="http://schemas.microsoft.com/office/drawing/2014/main" id="{48375974-BBEE-4EE7-AD0E-DC55CE07C5FC}"/>
+              <a:rPr lang="en-US" dirty="0" err="1"/>
+              <a:t>RBG_SciFi_StatesAndInputs.h</a:t>
+            </a:r>
+            <a:endParaRPr lang="en-US" dirty="0"/>
+          </a:p>
+        </p:txBody>
+      </p:sp>
+      <p:sp>
+        <p:nvSpPr>
+          <p:cNvPr id="9" name="Arrow: Bent 8">
+            <a:extLst>
+              <a:ext uri="{FF2B5EF4-FFF2-40B4-BE49-F238E27FC236}">
+                <a16:creationId xmlns:a16="http://schemas.microsoft.com/office/drawing/2014/main" id="{EFAC33EA-DEF3-4FC0-943A-A271959ED89C}"/>
               </a:ext>
             </a:extLst>
           </p:cNvPr>
@@ -6819,11 +8158,11 @@
           <p:nvPr/>
         </p:nvSpPr>
         <p:spPr>
-          <a:xfrm flipH="1">
-            <a:off x="5769128" y="3847414"/>
-            <a:ext cx="1776678" cy="461665"/>
-          </a:xfrm>
-          <a:prstGeom prst="rightArrow">
+          <a:xfrm flipV="1">
+            <a:off x="6412833" y="3549320"/>
+            <a:ext cx="1167062" cy="962526"/>
+          </a:xfrm>
+          <a:prstGeom prst="bentArrow">
             <a:avLst/>
           </a:prstGeom>
         </p:spPr>
@@ -6848,9 +8187,49 @@
           <a:lstStyle/>
           <a:p>
             <a:pPr algn="ctr"/>
-            <a:r>
-              <a:rPr lang="en-US" dirty="0"/>
-              <a:t>Audacity</a:t>
+            <a:endParaRPr lang="en-US">
+              <a:solidFill>
+                <a:schemeClr val="tx1"/>
+              </a:solidFill>
+            </a:endParaRPr>
+          </a:p>
+        </p:txBody>
+      </p:sp>
+      <p:sp>
+        <p:nvSpPr>
+          <p:cNvPr id="10" name="TextBox 9">
+            <a:extLst>
+              <a:ext uri="{FF2B5EF4-FFF2-40B4-BE49-F238E27FC236}">
+                <a16:creationId xmlns:a16="http://schemas.microsoft.com/office/drawing/2014/main" id="{767AA117-326D-4966-A2DB-1EA558477DE1}"/>
+              </a:ext>
+            </a:extLst>
+          </p:cNvPr>
+          <p:cNvSpPr txBox="1"/>
+          <p:nvPr/>
+        </p:nvSpPr>
+        <p:spPr>
+          <a:xfrm>
+            <a:off x="6555003" y="4072695"/>
+            <a:ext cx="1024896" cy="369332"/>
+          </a:xfrm>
+          <a:prstGeom prst="rect">
+            <a:avLst/>
+          </a:prstGeom>
+          <a:noFill/>
+        </p:spPr>
+        <p:txBody>
+          <a:bodyPr wrap="none" rtlCol="0">
+            <a:spAutoFit/>
+          </a:bodyPr>
+          <a:lstStyle/>
+          <a:p>
+            <a:r>
+              <a:rPr lang="en-US" dirty="0">
+                <a:solidFill>
+                  <a:schemeClr val="bg1"/>
+                </a:solidFill>
+              </a:rPr>
+              <a:t>Excel ™</a:t>
             </a:r>
           </a:p>
         </p:txBody>
@@ -6860,7 +8239,7 @@
           <p:cNvPr id="11" name="Rectangle 10">
             <a:extLst>
               <a:ext uri="{FF2B5EF4-FFF2-40B4-BE49-F238E27FC236}">
-                <a16:creationId xmlns:a16="http://schemas.microsoft.com/office/drawing/2014/main" id="{8B3B4171-BAC4-40FD-B134-44EE9D9F4859}"/>
+                <a16:creationId xmlns:a16="http://schemas.microsoft.com/office/drawing/2014/main" id="{A7158E3B-6AAF-4C22-8602-5DADB609CEC8}"/>
               </a:ext>
             </a:extLst>
           </p:cNvPr>
@@ -6869,8 +8248,8 @@
         </p:nvSpPr>
         <p:spPr>
           <a:xfrm>
-            <a:off x="3731794" y="3704809"/>
-            <a:ext cx="1804739" cy="751974"/>
+            <a:off x="7802480" y="3749619"/>
+            <a:ext cx="1864895" cy="1015484"/>
           </a:xfrm>
           <a:prstGeom prst="rect">
             <a:avLst/>
@@ -6899,17 +8278,39 @@
             <a:pPr algn="ctr"/>
             <a:r>
               <a:rPr lang="en-US" dirty="0"/>
-              <a:t>*.wav Files</a:t>
-            </a:r>
-          </a:p>
-        </p:txBody>
-      </p:sp>
-      <p:sp>
-        <p:nvSpPr>
-          <p:cNvPr id="12" name="Arrow: U-Turn 11">
-            <a:extLst>
-              <a:ext uri="{FF2B5EF4-FFF2-40B4-BE49-F238E27FC236}">
-                <a16:creationId xmlns:a16="http://schemas.microsoft.com/office/drawing/2014/main" id="{26E3898A-DDAD-40EF-A7B3-4DA36B1E388A}"/>
+              <a:t>Annotated</a:t>
+            </a:r>
+          </a:p>
+          <a:p>
+            <a:pPr algn="ctr"/>
+            <a:r>
+              <a:rPr lang="en-US" dirty="0"/>
+              <a:t>Tab ‘</a:t>
+            </a:r>
+            <a:r>
+              <a:rPr lang="en-US" dirty="0" err="1"/>
+              <a:t>StateTable</a:t>
+            </a:r>
+            <a:r>
+              <a:rPr lang="en-US" dirty="0"/>
+              <a:t>’</a:t>
+            </a:r>
+          </a:p>
+          <a:p>
+            <a:pPr algn="ctr"/>
+            <a:r>
+              <a:rPr lang="en-US" dirty="0"/>
+              <a:t>In Spreadsheet</a:t>
+            </a:r>
+          </a:p>
+        </p:txBody>
+      </p:sp>
+      <p:sp>
+        <p:nvSpPr>
+          <p:cNvPr id="12" name="Rectangle 11">
+            <a:extLst>
+              <a:ext uri="{FF2B5EF4-FFF2-40B4-BE49-F238E27FC236}">
+                <a16:creationId xmlns:a16="http://schemas.microsoft.com/office/drawing/2014/main" id="{8F7A11A4-0F96-4243-AC19-1C91F393921A}"/>
               </a:ext>
             </a:extLst>
           </p:cNvPr>
@@ -6917,11 +8318,131 @@
           <p:nvPr/>
         </p:nvSpPr>
         <p:spPr>
-          <a:xfrm rot="16200000" flipH="1">
-            <a:off x="1173631" y="3419975"/>
-            <a:ext cx="1827708" cy="2761259"/>
-          </a:xfrm>
-          <a:prstGeom prst="uturnArrow">
+          <a:xfrm>
+            <a:off x="4870785" y="5350520"/>
+            <a:ext cx="2021302" cy="834875"/>
+          </a:xfrm>
+          <a:prstGeom prst="rect">
+            <a:avLst/>
+          </a:prstGeom>
+        </p:spPr>
+        <p:style>
+          <a:lnRef idx="2">
+            <a:schemeClr val="accent1">
+              <a:shade val="50000"/>
+            </a:schemeClr>
+          </a:lnRef>
+          <a:fillRef idx="1">
+            <a:schemeClr val="accent1"/>
+          </a:fillRef>
+          <a:effectRef idx="0">
+            <a:schemeClr val="accent1"/>
+          </a:effectRef>
+          <a:fontRef idx="minor">
+            <a:schemeClr val="lt1"/>
+          </a:fontRef>
+        </p:style>
+        <p:txBody>
+          <a:bodyPr rtlCol="0" anchor="ctr"/>
+          <a:lstStyle/>
+          <a:p>
+            <a:pPr algn="ctr"/>
+            <a:r>
+              <a:rPr lang="en-US" dirty="0"/>
+              <a:t>Tab ‘</a:t>
+            </a:r>
+            <a:r>
+              <a:rPr lang="en-US" dirty="0" err="1"/>
+              <a:t>FactorySettings</a:t>
+            </a:r>
+            <a:r>
+              <a:rPr lang="en-US" dirty="0"/>
+              <a:t>’</a:t>
+            </a:r>
+          </a:p>
+          <a:p>
+            <a:pPr algn="ctr"/>
+            <a:r>
+              <a:rPr lang="en-US" dirty="0"/>
+              <a:t>In Spreadsheet</a:t>
+            </a:r>
+          </a:p>
+        </p:txBody>
+      </p:sp>
+      <p:sp>
+        <p:nvSpPr>
+          <p:cNvPr id="13" name="Rectangle 12">
+            <a:extLst>
+              <a:ext uri="{FF2B5EF4-FFF2-40B4-BE49-F238E27FC236}">
+                <a16:creationId xmlns:a16="http://schemas.microsoft.com/office/drawing/2014/main" id="{D4CFEFEF-95C7-48F2-83E4-F403A2C423F5}"/>
+              </a:ext>
+            </a:extLst>
+          </p:cNvPr>
+          <p:cNvSpPr/>
+          <p:nvPr/>
+        </p:nvSpPr>
+        <p:spPr>
+          <a:xfrm>
+            <a:off x="655721" y="4862081"/>
+            <a:ext cx="1804739" cy="751974"/>
+          </a:xfrm>
+          <a:prstGeom prst="rect">
+            <a:avLst/>
+          </a:prstGeom>
+        </p:spPr>
+        <p:style>
+          <a:lnRef idx="2">
+            <a:schemeClr val="accent1">
+              <a:shade val="50000"/>
+            </a:schemeClr>
+          </a:lnRef>
+          <a:fillRef idx="1">
+            <a:schemeClr val="accent1"/>
+          </a:fillRef>
+          <a:effectRef idx="0">
+            <a:schemeClr val="accent1"/>
+          </a:effectRef>
+          <a:fontRef idx="minor">
+            <a:schemeClr val="lt1"/>
+          </a:fontRef>
+        </p:style>
+        <p:txBody>
+          <a:bodyPr rtlCol="0" anchor="ctr"/>
+          <a:lstStyle/>
+          <a:p>
+            <a:pPr algn="ctr"/>
+            <a:r>
+              <a:rPr lang="en-US" dirty="0"/>
+              <a:t>Tab ‘Sounds’</a:t>
+            </a:r>
+          </a:p>
+          <a:p>
+            <a:pPr algn="ctr"/>
+            <a:r>
+              <a:rPr lang="en-US" dirty="0"/>
+              <a:t>In Spreadsheet</a:t>
+            </a:r>
+          </a:p>
+        </p:txBody>
+      </p:sp>
+      <p:sp>
+        <p:nvSpPr>
+          <p:cNvPr id="14" name="Arrow: Right 13">
+            <a:extLst>
+              <a:ext uri="{FF2B5EF4-FFF2-40B4-BE49-F238E27FC236}">
+                <a16:creationId xmlns:a16="http://schemas.microsoft.com/office/drawing/2014/main" id="{CB015D6E-E8F0-4014-8A24-D928D75C0313}"/>
+              </a:ext>
+            </a:extLst>
+          </p:cNvPr>
+          <p:cNvSpPr/>
+          <p:nvPr/>
+        </p:nvSpPr>
+        <p:spPr>
+          <a:xfrm>
+            <a:off x="3276598" y="5533147"/>
+            <a:ext cx="1317461" cy="461665"/>
+          </a:xfrm>
+          <a:prstGeom prst="rightArrow">
             <a:avLst/>
           </a:prstGeom>
         </p:spPr>
@@ -6946,59 +8467,68 @@
           <a:lstStyle/>
           <a:p>
             <a:pPr algn="ctr"/>
-            <a:endParaRPr lang="en-US" dirty="0">
-              <a:solidFill>
-                <a:schemeClr val="tx1"/>
-              </a:solidFill>
-            </a:endParaRPr>
-          </a:p>
-        </p:txBody>
-      </p:sp>
-      <p:sp>
-        <p:nvSpPr>
-          <p:cNvPr id="13" name="TextBox 12">
-            <a:extLst>
-              <a:ext uri="{FF2B5EF4-FFF2-40B4-BE49-F238E27FC236}">
-                <a16:creationId xmlns:a16="http://schemas.microsoft.com/office/drawing/2014/main" id="{0721EA4E-14BD-40FB-B75C-B2E90327DA59}"/>
-              </a:ext>
-            </a:extLst>
-          </p:cNvPr>
-          <p:cNvSpPr txBox="1"/>
-          <p:nvPr/>
-        </p:nvSpPr>
-        <p:spPr>
-          <a:xfrm>
-            <a:off x="2115388" y="3910218"/>
-            <a:ext cx="1351652" cy="369332"/>
-          </a:xfrm>
-          <a:prstGeom prst="rect">
+            <a:r>
+              <a:rPr lang="en-US" dirty="0"/>
+              <a:t>Excel ™</a:t>
+            </a:r>
+          </a:p>
+        </p:txBody>
+      </p:sp>
+      <p:sp>
+        <p:nvSpPr>
+          <p:cNvPr id="15" name="Rectangle: Rounded Corners 14">
+            <a:extLst>
+              <a:ext uri="{FF2B5EF4-FFF2-40B4-BE49-F238E27FC236}">
+                <a16:creationId xmlns:a16="http://schemas.microsoft.com/office/drawing/2014/main" id="{4F129755-6FEF-4170-B219-60CFBB88B471}"/>
+              </a:ext>
+            </a:extLst>
+          </p:cNvPr>
+          <p:cNvSpPr/>
+          <p:nvPr/>
+        </p:nvSpPr>
+        <p:spPr>
+          <a:xfrm>
+            <a:off x="655721" y="2958540"/>
+            <a:ext cx="1804739" cy="751974"/>
+          </a:xfrm>
+          <a:prstGeom prst="roundRect">
             <a:avLst/>
           </a:prstGeom>
-          <a:noFill/>
-        </p:spPr>
-        <p:txBody>
-          <a:bodyPr wrap="none" rtlCol="0">
-            <a:spAutoFit/>
-          </a:bodyPr>
-          <a:lstStyle/>
-          <a:p>
-            <a:r>
-              <a:rPr lang="en-US" dirty="0">
-                <a:solidFill>
-                  <a:schemeClr val="bg1"/>
-                </a:solidFill>
-              </a:rPr>
-              <a:t>copyem.py</a:t>
-            </a:r>
-          </a:p>
-        </p:txBody>
-      </p:sp>
-      <p:sp>
-        <p:nvSpPr>
-          <p:cNvPr id="14" name="Rectangle 13">
-            <a:extLst>
-              <a:ext uri="{FF2B5EF4-FFF2-40B4-BE49-F238E27FC236}">
-                <a16:creationId xmlns:a16="http://schemas.microsoft.com/office/drawing/2014/main" id="{68D3145A-8D17-496C-95C8-BDA7A1D16BF9}"/>
+        </p:spPr>
+        <p:style>
+          <a:lnRef idx="2">
+            <a:schemeClr val="accent2">
+              <a:shade val="50000"/>
+            </a:schemeClr>
+          </a:lnRef>
+          <a:fillRef idx="1">
+            <a:schemeClr val="accent2"/>
+          </a:fillRef>
+          <a:effectRef idx="0">
+            <a:schemeClr val="accent2"/>
+          </a:effectRef>
+          <a:fontRef idx="minor">
+            <a:schemeClr val="lt1"/>
+          </a:fontRef>
+        </p:style>
+        <p:txBody>
+          <a:bodyPr rtlCol="0" anchor="ctr"/>
+          <a:lstStyle/>
+          <a:p>
+            <a:pPr algn="ctr"/>
+            <a:r>
+              <a:rPr lang="en-US" dirty="0"/>
+              <a:t>Tab ‘Rules’ in Spreadsheet</a:t>
+            </a:r>
+          </a:p>
+        </p:txBody>
+      </p:sp>
+      <p:sp>
+        <p:nvSpPr>
+          <p:cNvPr id="16" name="Rectangle 15">
+            <a:extLst>
+              <a:ext uri="{FF2B5EF4-FFF2-40B4-BE49-F238E27FC236}">
+                <a16:creationId xmlns:a16="http://schemas.microsoft.com/office/drawing/2014/main" id="{94DCBA9E-F930-4889-9AD6-1440EBEA0E64}"/>
               </a:ext>
             </a:extLst>
           </p:cNvPr>
@@ -7007,8 +8537,8 @@
         </p:nvSpPr>
         <p:spPr>
           <a:xfrm>
-            <a:off x="2931695" y="4901731"/>
-            <a:ext cx="1702468" cy="751974"/>
+            <a:off x="655720" y="5718876"/>
+            <a:ext cx="1804739" cy="862398"/>
           </a:xfrm>
           <a:prstGeom prst="rect">
             <a:avLst/>
@@ -7036,22 +8566,33 @@
           <a:p>
             <a:pPr algn="ctr"/>
             <a:r>
+              <a:rPr lang="en-US" dirty="0"/>
+              <a:t>Tab ‘</a:t>
+            </a:r>
+            <a:r>
               <a:rPr lang="en-US" dirty="0" err="1"/>
-              <a:t>docopyem</a:t>
-            </a:r>
-            <a:r>
-              <a:rPr lang="en-US" dirty="0"/>
-              <a:t> script</a:t>
-            </a:r>
-          </a:p>
-        </p:txBody>
-      </p:sp>
-      <p:sp>
-        <p:nvSpPr>
-          <p:cNvPr id="15" name="Arrow: Right 14">
-            <a:extLst>
-              <a:ext uri="{FF2B5EF4-FFF2-40B4-BE49-F238E27FC236}">
-                <a16:creationId xmlns:a16="http://schemas.microsoft.com/office/drawing/2014/main" id="{DDB8E5DC-67BB-4952-8566-F048B4901CC2}"/>
+              <a:t>LEDpatterns</a:t>
+            </a:r>
+            <a:r>
+              <a:rPr lang="en-US" dirty="0"/>
+              <a:t>’</a:t>
+            </a:r>
+          </a:p>
+          <a:p>
+            <a:pPr algn="ctr"/>
+            <a:r>
+              <a:rPr lang="en-US" dirty="0"/>
+              <a:t>In Spreadsheet</a:t>
+            </a:r>
+          </a:p>
+        </p:txBody>
+      </p:sp>
+      <p:sp>
+        <p:nvSpPr>
+          <p:cNvPr id="18" name="Right Brace 17">
+            <a:extLst>
+              <a:ext uri="{FF2B5EF4-FFF2-40B4-BE49-F238E27FC236}">
+                <a16:creationId xmlns:a16="http://schemas.microsoft.com/office/drawing/2014/main" id="{1AA9E78D-2BD4-46ED-B30E-17B329CAF651}"/>
               </a:ext>
             </a:extLst>
           </p:cNvPr>
@@ -7060,8 +8601,96 @@
         </p:nvSpPr>
         <p:spPr>
           <a:xfrm>
-            <a:off x="4770533" y="5075864"/>
-            <a:ext cx="1880939" cy="461665"/>
+            <a:off x="2667000" y="2215361"/>
+            <a:ext cx="403058" cy="1300640"/>
+          </a:xfrm>
+          <a:prstGeom prst="rightBrace">
+            <a:avLst/>
+          </a:prstGeom>
+        </p:spPr>
+        <p:style>
+          <a:lnRef idx="1">
+            <a:schemeClr val="dk1"/>
+          </a:lnRef>
+          <a:fillRef idx="0">
+            <a:schemeClr val="dk1"/>
+          </a:fillRef>
+          <a:effectRef idx="0">
+            <a:schemeClr val="dk1"/>
+          </a:effectRef>
+          <a:fontRef idx="minor">
+            <a:schemeClr val="tx1"/>
+          </a:fontRef>
+        </p:style>
+        <p:txBody>
+          <a:bodyPr rtlCol="0" anchor="ctr"/>
+          <a:lstStyle/>
+          <a:p>
+            <a:pPr algn="ctr"/>
+            <a:endParaRPr lang="en-US"/>
+          </a:p>
+        </p:txBody>
+      </p:sp>
+      <p:sp>
+        <p:nvSpPr>
+          <p:cNvPr id="19" name="Right Brace 18">
+            <a:extLst>
+              <a:ext uri="{FF2B5EF4-FFF2-40B4-BE49-F238E27FC236}">
+                <a16:creationId xmlns:a16="http://schemas.microsoft.com/office/drawing/2014/main" id="{EF3D3222-8A3C-423B-B380-4B24D06AF094}"/>
+              </a:ext>
+            </a:extLst>
+          </p:cNvPr>
+          <p:cNvSpPr/>
+          <p:nvPr/>
+        </p:nvSpPr>
+        <p:spPr>
+          <a:xfrm>
+            <a:off x="2667000" y="5116975"/>
+            <a:ext cx="403058" cy="1300640"/>
+          </a:xfrm>
+          <a:prstGeom prst="rightBrace">
+            <a:avLst/>
+          </a:prstGeom>
+        </p:spPr>
+        <p:style>
+          <a:lnRef idx="1">
+            <a:schemeClr val="dk1"/>
+          </a:lnRef>
+          <a:fillRef idx="0">
+            <a:schemeClr val="dk1"/>
+          </a:fillRef>
+          <a:effectRef idx="0">
+            <a:schemeClr val="dk1"/>
+          </a:effectRef>
+          <a:fontRef idx="minor">
+            <a:schemeClr val="tx1"/>
+          </a:fontRef>
+        </p:style>
+        <p:txBody>
+          <a:bodyPr rtlCol="0" anchor="ctr"/>
+          <a:lstStyle/>
+          <a:p>
+            <a:pPr algn="ctr"/>
+            <a:endParaRPr lang="en-US"/>
+          </a:p>
+        </p:txBody>
+      </p:sp>
+      <p:sp>
+        <p:nvSpPr>
+          <p:cNvPr id="20" name="Arrow: Right 19">
+            <a:extLst>
+              <a:ext uri="{FF2B5EF4-FFF2-40B4-BE49-F238E27FC236}">
+                <a16:creationId xmlns:a16="http://schemas.microsoft.com/office/drawing/2014/main" id="{5CB2748B-8849-47CF-AACE-666422D4D729}"/>
+              </a:ext>
+            </a:extLst>
+          </p:cNvPr>
+          <p:cNvSpPr/>
+          <p:nvPr/>
+        </p:nvSpPr>
+        <p:spPr>
+          <a:xfrm>
+            <a:off x="7067451" y="5533147"/>
+            <a:ext cx="1317461" cy="461665"/>
           </a:xfrm>
           <a:prstGeom prst="rightArrow">
             <a:avLst/>
@@ -7090,6 +8719,733 @@
             <a:pPr algn="ctr"/>
             <a:r>
               <a:rPr lang="en-US" dirty="0"/>
+              <a:t>editor</a:t>
+            </a:r>
+          </a:p>
+        </p:txBody>
+      </p:sp>
+      <p:sp>
+        <p:nvSpPr>
+          <p:cNvPr id="21" name="Rectangle 20">
+            <a:extLst>
+              <a:ext uri="{FF2B5EF4-FFF2-40B4-BE49-F238E27FC236}">
+                <a16:creationId xmlns:a16="http://schemas.microsoft.com/office/drawing/2014/main" id="{9D5D7CC1-3EF3-4AA4-9C3D-81D021EEEF44}"/>
+              </a:ext>
+            </a:extLst>
+          </p:cNvPr>
+          <p:cNvSpPr/>
+          <p:nvPr/>
+        </p:nvSpPr>
+        <p:spPr>
+          <a:xfrm>
+            <a:off x="8560276" y="5433421"/>
+            <a:ext cx="2017295" cy="751974"/>
+          </a:xfrm>
+          <a:prstGeom prst="rect">
+            <a:avLst/>
+          </a:prstGeom>
+        </p:spPr>
+        <p:style>
+          <a:lnRef idx="2">
+            <a:schemeClr val="accent1">
+              <a:shade val="50000"/>
+            </a:schemeClr>
+          </a:lnRef>
+          <a:fillRef idx="1">
+            <a:schemeClr val="accent1"/>
+          </a:fillRef>
+          <a:effectRef idx="0">
+            <a:schemeClr val="accent1"/>
+          </a:effectRef>
+          <a:fontRef idx="minor">
+            <a:schemeClr val="lt1"/>
+          </a:fontRef>
+        </p:style>
+        <p:txBody>
+          <a:bodyPr rtlCol="0" anchor="ctr"/>
+          <a:lstStyle/>
+          <a:p>
+            <a:pPr algn="ctr"/>
+            <a:r>
+              <a:rPr lang="en-US" dirty="0" err="1"/>
+              <a:t>RBG_SciFi_StatesAndInputs.h</a:t>
+            </a:r>
+            <a:endParaRPr lang="en-US" dirty="0"/>
+          </a:p>
+        </p:txBody>
+      </p:sp>
+    </p:spTree>
+    <p:extLst>
+      <p:ext uri="{BB962C8B-B14F-4D97-AF65-F5344CB8AC3E}">
+        <p14:creationId xmlns:p14="http://schemas.microsoft.com/office/powerpoint/2010/main" val="3009688433"/>
+      </p:ext>
+    </p:extLst>
+  </p:cSld>
+  <p:clrMapOvr>
+    <a:masterClrMapping/>
+  </p:clrMapOvr>
+</p:sld>
+</file>
+
+<file path=ppt/slides/slide4.xml><?xml version="1.0" encoding="utf-8"?>
+<p:sld xmlns:a="http://schemas.openxmlformats.org/drawingml/2006/main" xmlns:r="http://schemas.openxmlformats.org/officeDocument/2006/relationships" xmlns:p="http://schemas.openxmlformats.org/presentationml/2006/main">
+  <p:cSld>
+    <p:spTree>
+      <p:nvGrpSpPr>
+        <p:cNvPr id="1" name=""/>
+        <p:cNvGrpSpPr/>
+        <p:nvPr/>
+      </p:nvGrpSpPr>
+      <p:grpSpPr>
+        <a:xfrm>
+          <a:off x="0" y="0"/>
+          <a:ext cx="0" cy="0"/>
+          <a:chOff x="0" y="0"/>
+          <a:chExt cx="0" cy="0"/>
+        </a:xfrm>
+      </p:grpSpPr>
+      <p:sp>
+        <p:nvSpPr>
+          <p:cNvPr id="2" name="Title 1">
+            <a:extLst>
+              <a:ext uri="{FF2B5EF4-FFF2-40B4-BE49-F238E27FC236}">
+                <a16:creationId xmlns:a16="http://schemas.microsoft.com/office/drawing/2014/main" id="{3A963CBC-153D-4D34-9A5C-DBEEDFA9DC3D}"/>
+              </a:ext>
+            </a:extLst>
+          </p:cNvPr>
+          <p:cNvSpPr>
+            <a:spLocks noGrp="1"/>
+          </p:cNvSpPr>
+          <p:nvPr>
+            <p:ph type="title"/>
+          </p:nvPr>
+        </p:nvSpPr>
+        <p:spPr/>
+        <p:txBody>
+          <a:bodyPr>
+            <a:normAutofit fontScale="90000"/>
+          </a:bodyPr>
+          <a:lstStyle/>
+          <a:p>
+            <a:pPr algn="ctr"/>
+            <a:br>
+              <a:rPr lang="en-US" b="1" dirty="0"/>
+            </a:br>
+            <a:r>
+              <a:rPr lang="en-US" b="1" dirty="0"/>
+              <a:t>FOOF Rubber Band Gun</a:t>
+            </a:r>
+            <a:br>
+              <a:rPr lang="en-US" b="1" dirty="0"/>
+            </a:br>
+            <a:r>
+              <a:rPr lang="en-US" b="1" dirty="0" err="1"/>
+              <a:t>eSpeak</a:t>
+            </a:r>
+            <a:r>
+              <a:rPr lang="en-US" b="1" dirty="0"/>
+              <a:t> and Sound Files</a:t>
+            </a:r>
+            <a:br>
+              <a:rPr lang="en-US" b="1" dirty="0"/>
+            </a:br>
+            <a:endParaRPr lang="en-US" dirty="0"/>
+          </a:p>
+        </p:txBody>
+      </p:sp>
+      <p:sp>
+        <p:nvSpPr>
+          <p:cNvPr id="4" name="Rectangle 3">
+            <a:extLst>
+              <a:ext uri="{FF2B5EF4-FFF2-40B4-BE49-F238E27FC236}">
+                <a16:creationId xmlns:a16="http://schemas.microsoft.com/office/drawing/2014/main" id="{0054DAF5-60EC-4A32-A6AD-3FD8E708CF8C}"/>
+              </a:ext>
+            </a:extLst>
+          </p:cNvPr>
+          <p:cNvSpPr/>
+          <p:nvPr/>
+        </p:nvSpPr>
+        <p:spPr>
+          <a:xfrm>
+            <a:off x="2458879" y="2533968"/>
+            <a:ext cx="1804739" cy="751974"/>
+          </a:xfrm>
+          <a:prstGeom prst="rect">
+            <a:avLst/>
+          </a:prstGeom>
+        </p:spPr>
+        <p:style>
+          <a:lnRef idx="2">
+            <a:schemeClr val="accent1">
+              <a:shade val="50000"/>
+            </a:schemeClr>
+          </a:lnRef>
+          <a:fillRef idx="1">
+            <a:schemeClr val="accent1"/>
+          </a:fillRef>
+          <a:effectRef idx="0">
+            <a:schemeClr val="accent1"/>
+          </a:effectRef>
+          <a:fontRef idx="minor">
+            <a:schemeClr val="lt1"/>
+          </a:fontRef>
+        </p:style>
+        <p:txBody>
+          <a:bodyPr rtlCol="0" anchor="ctr"/>
+          <a:lstStyle/>
+          <a:p>
+            <a:pPr algn="ctr"/>
+            <a:r>
+              <a:rPr lang="en-US" dirty="0"/>
+              <a:t>Tab ‘Sounds’</a:t>
+            </a:r>
+          </a:p>
+          <a:p>
+            <a:pPr algn="ctr"/>
+            <a:r>
+              <a:rPr lang="en-US" dirty="0"/>
+              <a:t>In Spreadsheet</a:t>
+            </a:r>
+          </a:p>
+        </p:txBody>
+      </p:sp>
+      <p:sp>
+        <p:nvSpPr>
+          <p:cNvPr id="5" name="Arrow: Right 4">
+            <a:extLst>
+              <a:ext uri="{FF2B5EF4-FFF2-40B4-BE49-F238E27FC236}">
+                <a16:creationId xmlns:a16="http://schemas.microsoft.com/office/drawing/2014/main" id="{DDB39B40-66F3-4C85-B1DC-CC2A28823B17}"/>
+              </a:ext>
+            </a:extLst>
+          </p:cNvPr>
+          <p:cNvSpPr/>
+          <p:nvPr/>
+        </p:nvSpPr>
+        <p:spPr>
+          <a:xfrm>
+            <a:off x="4391526" y="2661759"/>
+            <a:ext cx="2171699" cy="461665"/>
+          </a:xfrm>
+          <a:prstGeom prst="rightArrow">
+            <a:avLst/>
+          </a:prstGeom>
+        </p:spPr>
+        <p:style>
+          <a:lnRef idx="2">
+            <a:schemeClr val="accent3">
+              <a:shade val="50000"/>
+            </a:schemeClr>
+          </a:lnRef>
+          <a:fillRef idx="1">
+            <a:schemeClr val="accent3"/>
+          </a:fillRef>
+          <a:effectRef idx="0">
+            <a:schemeClr val="accent3"/>
+          </a:effectRef>
+          <a:fontRef idx="minor">
+            <a:schemeClr val="lt1"/>
+          </a:fontRef>
+        </p:style>
+        <p:txBody>
+          <a:bodyPr rtlCol="0" anchor="ctr"/>
+          <a:lstStyle/>
+          <a:p>
+            <a:pPr algn="ctr"/>
+            <a:r>
+              <a:rPr lang="en-US" dirty="0"/>
+              <a:t>RobotSounds.py</a:t>
+            </a:r>
+          </a:p>
+        </p:txBody>
+      </p:sp>
+      <p:sp>
+        <p:nvSpPr>
+          <p:cNvPr id="6" name="Rectangle 5">
+            <a:extLst>
+              <a:ext uri="{FF2B5EF4-FFF2-40B4-BE49-F238E27FC236}">
+                <a16:creationId xmlns:a16="http://schemas.microsoft.com/office/drawing/2014/main" id="{F253AF1D-AD3B-49A9-92C7-208A302DF32F}"/>
+              </a:ext>
+            </a:extLst>
+          </p:cNvPr>
+          <p:cNvSpPr/>
+          <p:nvPr/>
+        </p:nvSpPr>
+        <p:spPr>
+          <a:xfrm>
+            <a:off x="6740693" y="2516605"/>
+            <a:ext cx="1702468" cy="751974"/>
+          </a:xfrm>
+          <a:prstGeom prst="rect">
+            <a:avLst/>
+          </a:prstGeom>
+        </p:spPr>
+        <p:style>
+          <a:lnRef idx="2">
+            <a:schemeClr val="accent1">
+              <a:shade val="50000"/>
+            </a:schemeClr>
+          </a:lnRef>
+          <a:fillRef idx="1">
+            <a:schemeClr val="accent1"/>
+          </a:fillRef>
+          <a:effectRef idx="0">
+            <a:schemeClr val="accent1"/>
+          </a:effectRef>
+          <a:fontRef idx="minor">
+            <a:schemeClr val="lt1"/>
+          </a:fontRef>
+        </p:style>
+        <p:txBody>
+          <a:bodyPr rtlCol="0" anchor="ctr"/>
+          <a:lstStyle/>
+          <a:p>
+            <a:pPr algn="ctr"/>
+            <a:r>
+              <a:rPr lang="en-US" dirty="0" err="1"/>
+              <a:t>eSpeak</a:t>
+            </a:r>
+            <a:r>
+              <a:rPr lang="en-US" dirty="0"/>
+              <a:t> script</a:t>
+            </a:r>
+          </a:p>
+        </p:txBody>
+      </p:sp>
+      <p:sp>
+        <p:nvSpPr>
+          <p:cNvPr id="7" name="Arrow: U-Turn 6">
+            <a:extLst>
+              <a:ext uri="{FF2B5EF4-FFF2-40B4-BE49-F238E27FC236}">
+                <a16:creationId xmlns:a16="http://schemas.microsoft.com/office/drawing/2014/main" id="{0FD07254-7505-465E-9BFC-97945425E464}"/>
+              </a:ext>
+            </a:extLst>
+          </p:cNvPr>
+          <p:cNvSpPr/>
+          <p:nvPr/>
+        </p:nvSpPr>
+        <p:spPr>
+          <a:xfrm rot="5400000">
+            <a:off x="9291926" y="2198536"/>
+            <a:ext cx="1827708" cy="2761259"/>
+          </a:xfrm>
+          <a:prstGeom prst="uturnArrow">
+            <a:avLst/>
+          </a:prstGeom>
+        </p:spPr>
+        <p:style>
+          <a:lnRef idx="2">
+            <a:schemeClr val="accent3">
+              <a:shade val="50000"/>
+            </a:schemeClr>
+          </a:lnRef>
+          <a:fillRef idx="1">
+            <a:schemeClr val="accent3"/>
+          </a:fillRef>
+          <a:effectRef idx="0">
+            <a:schemeClr val="accent3"/>
+          </a:effectRef>
+          <a:fontRef idx="minor">
+            <a:schemeClr val="lt1"/>
+          </a:fontRef>
+        </p:style>
+        <p:txBody>
+          <a:bodyPr rtlCol="0" anchor="ctr"/>
+          <a:lstStyle/>
+          <a:p>
+            <a:pPr algn="ctr"/>
+            <a:endParaRPr lang="en-US" dirty="0">
+              <a:solidFill>
+                <a:schemeClr val="tx1"/>
+              </a:solidFill>
+            </a:endParaRPr>
+          </a:p>
+        </p:txBody>
+      </p:sp>
+      <p:sp>
+        <p:nvSpPr>
+          <p:cNvPr id="8" name="TextBox 7">
+            <a:extLst>
+              <a:ext uri="{FF2B5EF4-FFF2-40B4-BE49-F238E27FC236}">
+                <a16:creationId xmlns:a16="http://schemas.microsoft.com/office/drawing/2014/main" id="{688A23E7-B140-415A-8FC6-31BF011235F5}"/>
+              </a:ext>
+            </a:extLst>
+          </p:cNvPr>
+          <p:cNvSpPr txBox="1"/>
+          <p:nvPr/>
+        </p:nvSpPr>
+        <p:spPr>
+          <a:xfrm>
+            <a:off x="8825150" y="2709749"/>
+            <a:ext cx="2423227" cy="369332"/>
+          </a:xfrm>
+          <a:prstGeom prst="rect">
+            <a:avLst/>
+          </a:prstGeom>
+          <a:noFill/>
+        </p:spPr>
+        <p:txBody>
+          <a:bodyPr wrap="none" rtlCol="0">
+            <a:spAutoFit/>
+          </a:bodyPr>
+          <a:lstStyle/>
+          <a:p>
+            <a:r>
+              <a:rPr lang="en-US" dirty="0">
+                <a:solidFill>
+                  <a:schemeClr val="bg1"/>
+                </a:solidFill>
+              </a:rPr>
+              <a:t>bash.exe and </a:t>
+            </a:r>
+            <a:r>
+              <a:rPr lang="en-US" dirty="0" err="1">
+                <a:solidFill>
+                  <a:schemeClr val="bg1"/>
+                </a:solidFill>
+              </a:rPr>
+              <a:t>eSpeak</a:t>
+            </a:r>
+            <a:endParaRPr lang="en-US" dirty="0">
+              <a:solidFill>
+                <a:schemeClr val="bg1"/>
+              </a:solidFill>
+            </a:endParaRPr>
+          </a:p>
+        </p:txBody>
+      </p:sp>
+      <p:sp>
+        <p:nvSpPr>
+          <p:cNvPr id="9" name="Rectangle 8">
+            <a:extLst>
+              <a:ext uri="{FF2B5EF4-FFF2-40B4-BE49-F238E27FC236}">
+                <a16:creationId xmlns:a16="http://schemas.microsoft.com/office/drawing/2014/main" id="{216090F8-2D96-41E6-A043-A2B7AF0C570E}"/>
+              </a:ext>
+            </a:extLst>
+          </p:cNvPr>
+          <p:cNvSpPr/>
+          <p:nvPr/>
+        </p:nvSpPr>
+        <p:spPr>
+          <a:xfrm>
+            <a:off x="7774405" y="3702260"/>
+            <a:ext cx="1702468" cy="751974"/>
+          </a:xfrm>
+          <a:prstGeom prst="rect">
+            <a:avLst/>
+          </a:prstGeom>
+        </p:spPr>
+        <p:style>
+          <a:lnRef idx="2">
+            <a:schemeClr val="accent1">
+              <a:shade val="50000"/>
+            </a:schemeClr>
+          </a:lnRef>
+          <a:fillRef idx="1">
+            <a:schemeClr val="accent1"/>
+          </a:fillRef>
+          <a:effectRef idx="0">
+            <a:schemeClr val="accent1"/>
+          </a:effectRef>
+          <a:fontRef idx="minor">
+            <a:schemeClr val="lt1"/>
+          </a:fontRef>
+        </p:style>
+        <p:txBody>
+          <a:bodyPr rtlCol="0" anchor="ctr"/>
+          <a:lstStyle/>
+          <a:p>
+            <a:pPr algn="ctr"/>
+            <a:r>
+              <a:rPr lang="en-US" dirty="0"/>
+              <a:t>raw_*.wav Files</a:t>
+            </a:r>
+          </a:p>
+        </p:txBody>
+      </p:sp>
+      <p:sp>
+        <p:nvSpPr>
+          <p:cNvPr id="10" name="Arrow: Right 9">
+            <a:extLst>
+              <a:ext uri="{FF2B5EF4-FFF2-40B4-BE49-F238E27FC236}">
+                <a16:creationId xmlns:a16="http://schemas.microsoft.com/office/drawing/2014/main" id="{48375974-BBEE-4EE7-AD0E-DC55CE07C5FC}"/>
+              </a:ext>
+            </a:extLst>
+          </p:cNvPr>
+          <p:cNvSpPr/>
+          <p:nvPr/>
+        </p:nvSpPr>
+        <p:spPr>
+          <a:xfrm flipH="1">
+            <a:off x="5769128" y="3847414"/>
+            <a:ext cx="1776678" cy="461665"/>
+          </a:xfrm>
+          <a:prstGeom prst="rightArrow">
+            <a:avLst/>
+          </a:prstGeom>
+        </p:spPr>
+        <p:style>
+          <a:lnRef idx="2">
+            <a:schemeClr val="accent3">
+              <a:shade val="50000"/>
+            </a:schemeClr>
+          </a:lnRef>
+          <a:fillRef idx="1">
+            <a:schemeClr val="accent3"/>
+          </a:fillRef>
+          <a:effectRef idx="0">
+            <a:schemeClr val="accent3"/>
+          </a:effectRef>
+          <a:fontRef idx="minor">
+            <a:schemeClr val="lt1"/>
+          </a:fontRef>
+        </p:style>
+        <p:txBody>
+          <a:bodyPr rtlCol="0" anchor="ctr"/>
+          <a:lstStyle/>
+          <a:p>
+            <a:pPr algn="ctr"/>
+            <a:r>
+              <a:rPr lang="en-US" dirty="0"/>
+              <a:t>Audacity</a:t>
+            </a:r>
+          </a:p>
+        </p:txBody>
+      </p:sp>
+      <p:sp>
+        <p:nvSpPr>
+          <p:cNvPr id="11" name="Rectangle 10">
+            <a:extLst>
+              <a:ext uri="{FF2B5EF4-FFF2-40B4-BE49-F238E27FC236}">
+                <a16:creationId xmlns:a16="http://schemas.microsoft.com/office/drawing/2014/main" id="{8B3B4171-BAC4-40FD-B134-44EE9D9F4859}"/>
+              </a:ext>
+            </a:extLst>
+          </p:cNvPr>
+          <p:cNvSpPr/>
+          <p:nvPr/>
+        </p:nvSpPr>
+        <p:spPr>
+          <a:xfrm>
+            <a:off x="3731794" y="3704809"/>
+            <a:ext cx="1804739" cy="751974"/>
+          </a:xfrm>
+          <a:prstGeom prst="rect">
+            <a:avLst/>
+          </a:prstGeom>
+        </p:spPr>
+        <p:style>
+          <a:lnRef idx="2">
+            <a:schemeClr val="accent1">
+              <a:shade val="50000"/>
+            </a:schemeClr>
+          </a:lnRef>
+          <a:fillRef idx="1">
+            <a:schemeClr val="accent1"/>
+          </a:fillRef>
+          <a:effectRef idx="0">
+            <a:schemeClr val="accent1"/>
+          </a:effectRef>
+          <a:fontRef idx="minor">
+            <a:schemeClr val="lt1"/>
+          </a:fontRef>
+        </p:style>
+        <p:txBody>
+          <a:bodyPr rtlCol="0" anchor="ctr"/>
+          <a:lstStyle/>
+          <a:p>
+            <a:pPr algn="ctr"/>
+            <a:r>
+              <a:rPr lang="en-US" dirty="0"/>
+              <a:t>*.wav Files</a:t>
+            </a:r>
+          </a:p>
+        </p:txBody>
+      </p:sp>
+      <p:sp>
+        <p:nvSpPr>
+          <p:cNvPr id="12" name="Arrow: U-Turn 11">
+            <a:extLst>
+              <a:ext uri="{FF2B5EF4-FFF2-40B4-BE49-F238E27FC236}">
+                <a16:creationId xmlns:a16="http://schemas.microsoft.com/office/drawing/2014/main" id="{26E3898A-DDAD-40EF-A7B3-4DA36B1E388A}"/>
+              </a:ext>
+            </a:extLst>
+          </p:cNvPr>
+          <p:cNvSpPr/>
+          <p:nvPr/>
+        </p:nvSpPr>
+        <p:spPr>
+          <a:xfrm rot="16200000" flipH="1">
+            <a:off x="1173631" y="3419975"/>
+            <a:ext cx="1827708" cy="2761259"/>
+          </a:xfrm>
+          <a:prstGeom prst="uturnArrow">
+            <a:avLst/>
+          </a:prstGeom>
+        </p:spPr>
+        <p:style>
+          <a:lnRef idx="2">
+            <a:schemeClr val="accent3">
+              <a:shade val="50000"/>
+            </a:schemeClr>
+          </a:lnRef>
+          <a:fillRef idx="1">
+            <a:schemeClr val="accent3"/>
+          </a:fillRef>
+          <a:effectRef idx="0">
+            <a:schemeClr val="accent3"/>
+          </a:effectRef>
+          <a:fontRef idx="minor">
+            <a:schemeClr val="lt1"/>
+          </a:fontRef>
+        </p:style>
+        <p:txBody>
+          <a:bodyPr rtlCol="0" anchor="ctr"/>
+          <a:lstStyle/>
+          <a:p>
+            <a:pPr algn="ctr"/>
+            <a:endParaRPr lang="en-US" dirty="0">
+              <a:solidFill>
+                <a:schemeClr val="tx1"/>
+              </a:solidFill>
+            </a:endParaRPr>
+          </a:p>
+        </p:txBody>
+      </p:sp>
+      <p:sp>
+        <p:nvSpPr>
+          <p:cNvPr id="13" name="TextBox 12">
+            <a:extLst>
+              <a:ext uri="{FF2B5EF4-FFF2-40B4-BE49-F238E27FC236}">
+                <a16:creationId xmlns:a16="http://schemas.microsoft.com/office/drawing/2014/main" id="{0721EA4E-14BD-40FB-B75C-B2E90327DA59}"/>
+              </a:ext>
+            </a:extLst>
+          </p:cNvPr>
+          <p:cNvSpPr txBox="1"/>
+          <p:nvPr/>
+        </p:nvSpPr>
+        <p:spPr>
+          <a:xfrm>
+            <a:off x="2115388" y="3910218"/>
+            <a:ext cx="1351652" cy="369332"/>
+          </a:xfrm>
+          <a:prstGeom prst="rect">
+            <a:avLst/>
+          </a:prstGeom>
+          <a:noFill/>
+        </p:spPr>
+        <p:txBody>
+          <a:bodyPr wrap="none" rtlCol="0">
+            <a:spAutoFit/>
+          </a:bodyPr>
+          <a:lstStyle/>
+          <a:p>
+            <a:r>
+              <a:rPr lang="en-US" dirty="0">
+                <a:solidFill>
+                  <a:schemeClr val="bg1"/>
+                </a:solidFill>
+              </a:rPr>
+              <a:t>copyem.py</a:t>
+            </a:r>
+          </a:p>
+        </p:txBody>
+      </p:sp>
+      <p:sp>
+        <p:nvSpPr>
+          <p:cNvPr id="14" name="Rectangle 13">
+            <a:extLst>
+              <a:ext uri="{FF2B5EF4-FFF2-40B4-BE49-F238E27FC236}">
+                <a16:creationId xmlns:a16="http://schemas.microsoft.com/office/drawing/2014/main" id="{68D3145A-8D17-496C-95C8-BDA7A1D16BF9}"/>
+              </a:ext>
+            </a:extLst>
+          </p:cNvPr>
+          <p:cNvSpPr/>
+          <p:nvPr/>
+        </p:nvSpPr>
+        <p:spPr>
+          <a:xfrm>
+            <a:off x="2931695" y="4901731"/>
+            <a:ext cx="1702468" cy="751974"/>
+          </a:xfrm>
+          <a:prstGeom prst="rect">
+            <a:avLst/>
+          </a:prstGeom>
+        </p:spPr>
+        <p:style>
+          <a:lnRef idx="2">
+            <a:schemeClr val="accent1">
+              <a:shade val="50000"/>
+            </a:schemeClr>
+          </a:lnRef>
+          <a:fillRef idx="1">
+            <a:schemeClr val="accent1"/>
+          </a:fillRef>
+          <a:effectRef idx="0">
+            <a:schemeClr val="accent1"/>
+          </a:effectRef>
+          <a:fontRef idx="minor">
+            <a:schemeClr val="lt1"/>
+          </a:fontRef>
+        </p:style>
+        <p:txBody>
+          <a:bodyPr rtlCol="0" anchor="ctr"/>
+          <a:lstStyle/>
+          <a:p>
+            <a:pPr algn="ctr"/>
+            <a:r>
+              <a:rPr lang="en-US" dirty="0" err="1"/>
+              <a:t>docopyem</a:t>
+            </a:r>
+            <a:r>
+              <a:rPr lang="en-US" dirty="0"/>
+              <a:t> script</a:t>
+            </a:r>
+          </a:p>
+        </p:txBody>
+      </p:sp>
+      <p:sp>
+        <p:nvSpPr>
+          <p:cNvPr id="15" name="Arrow: Right 14">
+            <a:extLst>
+              <a:ext uri="{FF2B5EF4-FFF2-40B4-BE49-F238E27FC236}">
+                <a16:creationId xmlns:a16="http://schemas.microsoft.com/office/drawing/2014/main" id="{DDB8E5DC-67BB-4952-8566-F048B4901CC2}"/>
+              </a:ext>
+            </a:extLst>
+          </p:cNvPr>
+          <p:cNvSpPr/>
+          <p:nvPr/>
+        </p:nvSpPr>
+        <p:spPr>
+          <a:xfrm>
+            <a:off x="4770533" y="5075864"/>
+            <a:ext cx="1880939" cy="461665"/>
+          </a:xfrm>
+          <a:prstGeom prst="rightArrow">
+            <a:avLst/>
+          </a:prstGeom>
+        </p:spPr>
+        <p:style>
+          <a:lnRef idx="2">
+            <a:schemeClr val="accent3">
+              <a:shade val="50000"/>
+            </a:schemeClr>
+          </a:lnRef>
+          <a:fillRef idx="1">
+            <a:schemeClr val="accent3"/>
+          </a:fillRef>
+          <a:effectRef idx="0">
+            <a:schemeClr val="accent3"/>
+          </a:effectRef>
+          <a:fontRef idx="minor">
+            <a:schemeClr val="lt1"/>
+          </a:fontRef>
+        </p:style>
+        <p:txBody>
+          <a:bodyPr rtlCol="0" anchor="ctr"/>
+          <a:lstStyle/>
+          <a:p>
+            <a:pPr algn="ctr"/>
+            <a:r>
+              <a:rPr lang="en-US" dirty="0"/>
               <a:t>bash.exe</a:t>
             </a:r>
           </a:p>
@@ -7220,7 +9576,7 @@
 </p:sld>
 </file>
 
-<file path=ppt/slides/slide4.xml><?xml version="1.0" encoding="utf-8"?>
+<file path=ppt/slides/slide5.xml><?xml version="1.0" encoding="utf-8"?>
 <p:sld xmlns:a="http://schemas.openxmlformats.org/drawingml/2006/main" xmlns:r="http://schemas.openxmlformats.org/officeDocument/2006/relationships" xmlns:p="http://schemas.openxmlformats.org/presentationml/2006/main">
   <p:cSld>
     <p:spTree>

--- a/BuildRubberBandGunSoftware.pptx
+++ b/BuildRubberBandGunSoftware.pptx
@@ -272,7 +272,7 @@
           <a:p>
             <a:fld id="{02AC24A9-CCB6-4F8D-B8DB-C2F3692CFA5A}" type="datetimeFigureOut">
               <a:rPr lang="en-US" smtClean="0"/>
-              <a:t>2/15/2020</a:t>
+              <a:t>2/16/2020</a:t>
             </a:fld>
             <a:endParaRPr lang="en-US" dirty="0"/>
           </a:p>
@@ -642,7 +642,7 @@
           <a:p>
             <a:fld id="{02AC24A9-CCB6-4F8D-B8DB-C2F3692CFA5A}" type="datetimeFigureOut">
               <a:rPr lang="en-US" smtClean="0"/>
-              <a:t>2/15/2020</a:t>
+              <a:t>2/16/2020</a:t>
             </a:fld>
             <a:endParaRPr lang="en-US"/>
           </a:p>
@@ -851,7 +851,7 @@
           <a:p>
             <a:fld id="{02AC24A9-CCB6-4F8D-B8DB-C2F3692CFA5A}" type="datetimeFigureOut">
               <a:rPr lang="en-US" smtClean="0"/>
-              <a:t>2/15/2020</a:t>
+              <a:t>2/16/2020</a:t>
             </a:fld>
             <a:endParaRPr lang="en-US"/>
           </a:p>
@@ -1321,7 +1321,7 @@
           <a:p>
             <a:fld id="{02AC24A9-CCB6-4F8D-B8DB-C2F3692CFA5A}" type="datetimeFigureOut">
               <a:rPr lang="en-US" smtClean="0"/>
-              <a:t>2/15/2020</a:t>
+              <a:t>2/16/2020</a:t>
             </a:fld>
             <a:endParaRPr lang="en-US"/>
           </a:p>
@@ -1775,7 +1775,7 @@
           <a:p>
             <a:fld id="{02AC24A9-CCB6-4F8D-B8DB-C2F3692CFA5A}" type="datetimeFigureOut">
               <a:rPr lang="en-US" smtClean="0"/>
-              <a:t>2/15/2020</a:t>
+              <a:t>2/16/2020</a:t>
             </a:fld>
             <a:endParaRPr lang="en-US"/>
           </a:p>
@@ -2307,7 +2307,7 @@
           <a:p>
             <a:fld id="{02AC24A9-CCB6-4F8D-B8DB-C2F3692CFA5A}" type="datetimeFigureOut">
               <a:rPr lang="en-US" smtClean="0"/>
-              <a:t>2/15/2020</a:t>
+              <a:t>2/16/2020</a:t>
             </a:fld>
             <a:endParaRPr lang="en-US"/>
           </a:p>
@@ -3006,7 +3006,7 @@
           <a:p>
             <a:fld id="{02AC24A9-CCB6-4F8D-B8DB-C2F3692CFA5A}" type="datetimeFigureOut">
               <a:rPr lang="en-US" smtClean="0"/>
-              <a:t>2/15/2020</a:t>
+              <a:t>2/16/2020</a:t>
             </a:fld>
             <a:endParaRPr lang="en-US"/>
           </a:p>
@@ -3335,7 +3335,7 @@
           <a:p>
             <a:fld id="{02AC24A9-CCB6-4F8D-B8DB-C2F3692CFA5A}" type="datetimeFigureOut">
               <a:rPr lang="en-US" smtClean="0"/>
-              <a:t>2/15/2020</a:t>
+              <a:t>2/16/2020</a:t>
             </a:fld>
             <a:endParaRPr lang="en-US"/>
           </a:p>
@@ -3448,7 +3448,7 @@
           <a:p>
             <a:fld id="{02AC24A9-CCB6-4F8D-B8DB-C2F3692CFA5A}" type="datetimeFigureOut">
               <a:rPr lang="en-US" smtClean="0"/>
-              <a:t>2/15/2020</a:t>
+              <a:t>2/16/2020</a:t>
             </a:fld>
             <a:endParaRPr lang="en-US"/>
           </a:p>
@@ -3943,7 +3943,7 @@
           <a:p>
             <a:fld id="{02AC24A9-CCB6-4F8D-B8DB-C2F3692CFA5A}" type="datetimeFigureOut">
               <a:rPr lang="en-US" smtClean="0"/>
-              <a:t>2/15/2020</a:t>
+              <a:t>2/16/2020</a:t>
             </a:fld>
             <a:endParaRPr lang="en-US" dirty="0"/>
           </a:p>
@@ -4420,7 +4420,7 @@
           <a:p>
             <a:fld id="{02AC24A9-CCB6-4F8D-B8DB-C2F3692CFA5A}" type="datetimeFigureOut">
               <a:rPr lang="en-US" smtClean="0"/>
-              <a:t>2/15/2020</a:t>
+              <a:t>2/16/2020</a:t>
             </a:fld>
             <a:endParaRPr lang="en-US"/>
           </a:p>
@@ -4663,7 +4663,7 @@
           <a:p>
             <a:fld id="{02AC24A9-CCB6-4F8D-B8DB-C2F3692CFA5A}" type="datetimeFigureOut">
               <a:rPr lang="en-US" smtClean="0"/>
-              <a:t>2/15/2020</a:t>
+              <a:t>2/16/2020</a:t>
             </a:fld>
             <a:endParaRPr lang="en-US"/>
           </a:p>
@@ -5801,51 +5801,6 @@
           </a:p>
         </p:txBody>
       </p:sp>
-      <p:cxnSp>
-        <p:nvCxnSpPr>
-          <p:cNvPr id="15" name="Connector: Curved 14">
-            <a:extLst>
-              <a:ext uri="{FF2B5EF4-FFF2-40B4-BE49-F238E27FC236}">
-                <a16:creationId xmlns:a16="http://schemas.microsoft.com/office/drawing/2014/main" id="{C92B5EFC-83D7-4989-8279-A505FEE57ACC}"/>
-              </a:ext>
-            </a:extLst>
-          </p:cNvPr>
-          <p:cNvCxnSpPr>
-            <a:cxnSpLocks/>
-            <a:stCxn id="12" idx="0"/>
-            <a:endCxn id="8" idx="0"/>
-          </p:cNvCxnSpPr>
-          <p:nvPr/>
-        </p:nvCxnSpPr>
-        <p:spPr>
-          <a:xfrm rot="16200000" flipH="1" flipV="1">
-            <a:off x="3911884" y="1916815"/>
-            <a:ext cx="92338" cy="1870239"/>
-          </a:xfrm>
-          <a:prstGeom prst="curvedConnector3">
-            <a:avLst>
-              <a:gd name="adj1" fmla="val -247569"/>
-            </a:avLst>
-          </a:prstGeom>
-          <a:ln>
-            <a:tailEnd type="triangle"/>
-          </a:ln>
-        </p:spPr>
-        <p:style>
-          <a:lnRef idx="1">
-            <a:schemeClr val="accent1"/>
-          </a:lnRef>
-          <a:fillRef idx="0">
-            <a:schemeClr val="accent1"/>
-          </a:fillRef>
-          <a:effectRef idx="0">
-            <a:schemeClr val="accent1"/>
-          </a:effectRef>
-          <a:fontRef idx="minor">
-            <a:schemeClr val="tx1"/>
-          </a:fontRef>
-        </p:style>
-      </p:cxnSp>
       <p:sp>
         <p:nvSpPr>
           <p:cNvPr id="20" name="TextBox 19">
@@ -7783,6 +7738,51 @@
             <a:avLst>
               <a:gd name="adj1" fmla="val -2239"/>
               <a:gd name="adj2" fmla="val -414858"/>
+            </a:avLst>
+          </a:prstGeom>
+          <a:ln>
+            <a:tailEnd type="triangle"/>
+          </a:ln>
+        </p:spPr>
+        <p:style>
+          <a:lnRef idx="1">
+            <a:schemeClr val="accent1"/>
+          </a:lnRef>
+          <a:fillRef idx="0">
+            <a:schemeClr val="accent1"/>
+          </a:fillRef>
+          <a:effectRef idx="0">
+            <a:schemeClr val="accent1"/>
+          </a:effectRef>
+          <a:fontRef idx="minor">
+            <a:schemeClr val="tx1"/>
+          </a:fontRef>
+        </p:style>
+      </p:cxnSp>
+      <p:cxnSp>
+        <p:nvCxnSpPr>
+          <p:cNvPr id="60" name="Connector: Curved 59">
+            <a:extLst>
+              <a:ext uri="{FF2B5EF4-FFF2-40B4-BE49-F238E27FC236}">
+                <a16:creationId xmlns:a16="http://schemas.microsoft.com/office/drawing/2014/main" id="{CE1CA26F-BD62-49F4-8B7D-9E20C01C1A6C}"/>
+              </a:ext>
+            </a:extLst>
+          </p:cNvPr>
+          <p:cNvCxnSpPr>
+            <a:cxnSpLocks/>
+            <a:stCxn id="12" idx="1"/>
+            <a:endCxn id="4" idx="0"/>
+          </p:cNvCxnSpPr>
+          <p:nvPr/>
+        </p:nvCxnSpPr>
+        <p:spPr>
+          <a:xfrm rot="16200000" flipV="1">
+            <a:off x="2814510" y="1318341"/>
+            <a:ext cx="66866" cy="3253474"/>
+          </a:xfrm>
+          <a:prstGeom prst="curvedConnector3">
+            <a:avLst>
+              <a:gd name="adj1" fmla="val 600223"/>
             </a:avLst>
           </a:prstGeom>
           <a:ln>

--- a/BuildRubberBandGunSoftware.pptx
+++ b/BuildRubberBandGunSoftware.pptx
@@ -9735,7 +9735,7 @@
             <a:pPr algn="ctr"/>
             <a:r>
               <a:rPr lang="en-US" dirty="0"/>
-              <a:t>RBG_debuggable.py</a:t>
+              <a:t>VS_debuggable.py</a:t>
             </a:r>
           </a:p>
         </p:txBody>

--- a/BuildRubberBandGunSoftware.pptx
+++ b/BuildRubberBandGunSoftware.pptx
@@ -10,9 +10,10 @@
     <p:sldId id="260" r:id="rId4"/>
     <p:sldId id="259" r:id="rId5"/>
     <p:sldId id="261" r:id="rId6"/>
+    <p:sldId id="263" r:id="rId7"/>
   </p:sldIdLst>
   <p:sldSz cx="12192000" cy="6858000"/>
-  <p:notesSz cx="6858000" cy="9144000"/>
+  <p:notesSz cx="7315200" cy="9601200"/>
   <p:defaultTextStyle>
     <a:defPPr>
       <a:defRPr lang="en-US"/>
@@ -272,7 +273,7 @@
           <a:p>
             <a:fld id="{02AC24A9-CCB6-4F8D-B8DB-C2F3692CFA5A}" type="datetimeFigureOut">
               <a:rPr lang="en-US" smtClean="0"/>
-              <a:t>2/16/2020</a:t>
+              <a:t>3/20/2020</a:t>
             </a:fld>
             <a:endParaRPr lang="en-US" dirty="0"/>
           </a:p>
@@ -642,7 +643,7 @@
           <a:p>
             <a:fld id="{02AC24A9-CCB6-4F8D-B8DB-C2F3692CFA5A}" type="datetimeFigureOut">
               <a:rPr lang="en-US" smtClean="0"/>
-              <a:t>2/16/2020</a:t>
+              <a:t>3/20/2020</a:t>
             </a:fld>
             <a:endParaRPr lang="en-US"/>
           </a:p>
@@ -851,7 +852,7 @@
           <a:p>
             <a:fld id="{02AC24A9-CCB6-4F8D-B8DB-C2F3692CFA5A}" type="datetimeFigureOut">
               <a:rPr lang="en-US" smtClean="0"/>
-              <a:t>2/16/2020</a:t>
+              <a:t>3/20/2020</a:t>
             </a:fld>
             <a:endParaRPr lang="en-US"/>
           </a:p>
@@ -1321,7 +1322,7 @@
           <a:p>
             <a:fld id="{02AC24A9-CCB6-4F8D-B8DB-C2F3692CFA5A}" type="datetimeFigureOut">
               <a:rPr lang="en-US" smtClean="0"/>
-              <a:t>2/16/2020</a:t>
+              <a:t>3/20/2020</a:t>
             </a:fld>
             <a:endParaRPr lang="en-US"/>
           </a:p>
@@ -1775,7 +1776,7 @@
           <a:p>
             <a:fld id="{02AC24A9-CCB6-4F8D-B8DB-C2F3692CFA5A}" type="datetimeFigureOut">
               <a:rPr lang="en-US" smtClean="0"/>
-              <a:t>2/16/2020</a:t>
+              <a:t>3/20/2020</a:t>
             </a:fld>
             <a:endParaRPr lang="en-US"/>
           </a:p>
@@ -2307,7 +2308,7 @@
           <a:p>
             <a:fld id="{02AC24A9-CCB6-4F8D-B8DB-C2F3692CFA5A}" type="datetimeFigureOut">
               <a:rPr lang="en-US" smtClean="0"/>
-              <a:t>2/16/2020</a:t>
+              <a:t>3/20/2020</a:t>
             </a:fld>
             <a:endParaRPr lang="en-US"/>
           </a:p>
@@ -3006,7 +3007,7 @@
           <a:p>
             <a:fld id="{02AC24A9-CCB6-4F8D-B8DB-C2F3692CFA5A}" type="datetimeFigureOut">
               <a:rPr lang="en-US" smtClean="0"/>
-              <a:t>2/16/2020</a:t>
+              <a:t>3/20/2020</a:t>
             </a:fld>
             <a:endParaRPr lang="en-US"/>
           </a:p>
@@ -3335,7 +3336,7 @@
           <a:p>
             <a:fld id="{02AC24A9-CCB6-4F8D-B8DB-C2F3692CFA5A}" type="datetimeFigureOut">
               <a:rPr lang="en-US" smtClean="0"/>
-              <a:t>2/16/2020</a:t>
+              <a:t>3/20/2020</a:t>
             </a:fld>
             <a:endParaRPr lang="en-US"/>
           </a:p>
@@ -3448,7 +3449,7 @@
           <a:p>
             <a:fld id="{02AC24A9-CCB6-4F8D-B8DB-C2F3692CFA5A}" type="datetimeFigureOut">
               <a:rPr lang="en-US" smtClean="0"/>
-              <a:t>2/16/2020</a:t>
+              <a:t>3/20/2020</a:t>
             </a:fld>
             <a:endParaRPr lang="en-US"/>
           </a:p>
@@ -3943,7 +3944,7 @@
           <a:p>
             <a:fld id="{02AC24A9-CCB6-4F8D-B8DB-C2F3692CFA5A}" type="datetimeFigureOut">
               <a:rPr lang="en-US" smtClean="0"/>
-              <a:t>2/16/2020</a:t>
+              <a:t>3/20/2020</a:t>
             </a:fld>
             <a:endParaRPr lang="en-US" dirty="0"/>
           </a:p>
@@ -4420,7 +4421,7 @@
           <a:p>
             <a:fld id="{02AC24A9-CCB6-4F8D-B8DB-C2F3692CFA5A}" type="datetimeFigureOut">
               <a:rPr lang="en-US" smtClean="0"/>
-              <a:t>2/16/2020</a:t>
+              <a:t>3/20/2020</a:t>
             </a:fld>
             <a:endParaRPr lang="en-US"/>
           </a:p>
@@ -4663,7 +4664,7 @@
           <a:p>
             <a:fld id="{02AC24A9-CCB6-4F8D-B8DB-C2F3692CFA5A}" type="datetimeFigureOut">
               <a:rPr lang="en-US" smtClean="0"/>
-              <a:t>2/16/2020</a:t>
+              <a:t>3/20/2020</a:t>
             </a:fld>
             <a:endParaRPr lang="en-US"/>
           </a:p>
@@ -10294,6 +10295,166 @@
 </p:sld>
 </file>
 
+<file path=ppt/slides/slide6.xml><?xml version="1.0" encoding="utf-8"?>
+<p:sld xmlns:a="http://schemas.openxmlformats.org/drawingml/2006/main" xmlns:r="http://schemas.openxmlformats.org/officeDocument/2006/relationships" xmlns:p="http://schemas.openxmlformats.org/presentationml/2006/main">
+  <p:cSld>
+    <p:spTree>
+      <p:nvGrpSpPr>
+        <p:cNvPr id="1" name=""/>
+        <p:cNvGrpSpPr/>
+        <p:nvPr/>
+      </p:nvGrpSpPr>
+      <p:grpSpPr>
+        <a:xfrm>
+          <a:off x="0" y="0"/>
+          <a:ext cx="0" cy="0"/>
+          <a:chOff x="0" y="0"/>
+          <a:chExt cx="0" cy="0"/>
+        </a:xfrm>
+      </p:grpSpPr>
+      <p:sp>
+        <p:nvSpPr>
+          <p:cNvPr id="2" name="Title 1">
+            <a:extLst>
+              <a:ext uri="{FF2B5EF4-FFF2-40B4-BE49-F238E27FC236}">
+                <a16:creationId xmlns:a16="http://schemas.microsoft.com/office/drawing/2014/main" id="{4E2272C3-2933-48F5-923A-A6570DEEFCCF}"/>
+              </a:ext>
+            </a:extLst>
+          </p:cNvPr>
+          <p:cNvSpPr>
+            <a:spLocks noGrp="1"/>
+          </p:cNvSpPr>
+          <p:nvPr>
+            <p:ph type="title"/>
+          </p:nvPr>
+        </p:nvSpPr>
+        <p:spPr/>
+        <p:txBody>
+          <a:bodyPr>
+            <a:normAutofit fontScale="90000"/>
+          </a:bodyPr>
+          <a:lstStyle/>
+          <a:p>
+            <a:pPr algn="ctr"/>
+            <a:r>
+              <a:rPr lang="en-US" dirty="0"/>
+              <a:t>FOOF Rubber Band Gun</a:t>
+            </a:r>
+            <a:br>
+              <a:rPr lang="en-US" dirty="0"/>
+            </a:br>
+            <a:r>
+              <a:rPr lang="en-US" dirty="0"/>
+              <a:t>Arduino Setup</a:t>
+            </a:r>
+          </a:p>
+        </p:txBody>
+      </p:sp>
+      <p:sp>
+        <p:nvSpPr>
+          <p:cNvPr id="3" name="Content Placeholder 2">
+            <a:extLst>
+              <a:ext uri="{FF2B5EF4-FFF2-40B4-BE49-F238E27FC236}">
+                <a16:creationId xmlns:a16="http://schemas.microsoft.com/office/drawing/2014/main" id="{6FA38F56-2E24-4600-B93F-FBDF438A7340}"/>
+              </a:ext>
+            </a:extLst>
+          </p:cNvPr>
+          <p:cNvSpPr>
+            <a:spLocks noGrp="1"/>
+          </p:cNvSpPr>
+          <p:nvPr>
+            <p:ph idx="1"/>
+          </p:nvPr>
+        </p:nvSpPr>
+        <p:spPr/>
+        <p:txBody>
+          <a:bodyPr/>
+          <a:lstStyle/>
+          <a:p>
+            <a:r>
+              <a:rPr lang="en-US" dirty="0"/>
+              <a:t>Board “Arduino Nano”</a:t>
+            </a:r>
+          </a:p>
+          <a:p>
+            <a:r>
+              <a:rPr lang="en-US" dirty="0"/>
+              <a:t>Processor “ATmega328P (Old Bootloader)”</a:t>
+            </a:r>
+          </a:p>
+          <a:p>
+            <a:r>
+              <a:rPr lang="en-US" dirty="0"/>
+              <a:t>Programmer “AVRISP </a:t>
+            </a:r>
+            <a:r>
+              <a:rPr lang="en-US" dirty="0" err="1"/>
+              <a:t>mkll</a:t>
+            </a:r>
+            <a:r>
+              <a:rPr lang="en-US" dirty="0"/>
+              <a:t>”</a:t>
+            </a:r>
+          </a:p>
+          <a:p>
+            <a:endParaRPr lang="en-US" dirty="0"/>
+          </a:p>
+        </p:txBody>
+      </p:sp>
+      <p:pic>
+        <p:nvPicPr>
+          <p:cNvPr id="5" name="Picture 4">
+            <a:extLst>
+              <a:ext uri="{FF2B5EF4-FFF2-40B4-BE49-F238E27FC236}">
+                <a16:creationId xmlns:a16="http://schemas.microsoft.com/office/drawing/2014/main" id="{38AD304D-7E10-4353-93E1-9CB6FB2D32BD}"/>
+              </a:ext>
+            </a:extLst>
+          </p:cNvPr>
+          <p:cNvPicPr/>
+          <p:nvPr/>
+        </p:nvPicPr>
+        <p:blipFill rotWithShape="1">
+          <a:blip r:embed="rId2" cstate="hqprint">
+            <a:extLst>
+              <a:ext uri="{28A0092B-C50C-407E-A947-70E740481C1C}">
+                <a14:useLocalDpi xmlns:a14="http://schemas.microsoft.com/office/drawing/2010/main"/>
+              </a:ext>
+            </a:extLst>
+          </a:blip>
+          <a:srcRect/>
+          <a:stretch/>
+        </p:blipFill>
+        <p:spPr bwMode="auto">
+          <a:xfrm>
+            <a:off x="3723254" y="4325112"/>
+            <a:ext cx="2089286" cy="1729064"/>
+          </a:xfrm>
+          <a:prstGeom prst="rect">
+            <a:avLst/>
+          </a:prstGeom>
+          <a:ln>
+            <a:noFill/>
+          </a:ln>
+          <a:extLst>
+            <a:ext uri="{53640926-AAD7-44D8-BBD7-CCE9431645EC}">
+              <a14:shadowObscured xmlns:a14="http://schemas.microsoft.com/office/drawing/2010/main"/>
+            </a:ext>
+          </a:extLst>
+        </p:spPr>
+      </p:pic>
+    </p:spTree>
+    <p:extLst>
+      <p:ext uri="{BB962C8B-B14F-4D97-AF65-F5344CB8AC3E}">
+        <p14:creationId xmlns:p14="http://schemas.microsoft.com/office/powerpoint/2010/main" val="1665323964"/>
+      </p:ext>
+    </p:extLst>
+  </p:cSld>
+  <p:clrMapOvr>
+    <a:masterClrMapping/>
+  </p:clrMapOvr>
+</p:sld>
+</file>
+
 <file path=ppt/theme/theme1.xml><?xml version="1.0" encoding="utf-8"?>
 <a:theme xmlns:a="http://schemas.openxmlformats.org/drawingml/2006/main" name="AccentBoxVTI">
   <a:themeElements>

--- a/BuildRubberBandGunSoftware.pptx
+++ b/BuildRubberBandGunSoftware.pptx
@@ -5,7 +5,7 @@
     <p:sldMasterId id="2147483869" r:id="rId1"/>
   </p:sldMasterIdLst>
   <p:sldIdLst>
-    <p:sldId id="256" r:id="rId2"/>
+    <p:sldId id="264" r:id="rId2"/>
     <p:sldId id="262" r:id="rId3"/>
     <p:sldId id="260" r:id="rId4"/>
     <p:sldId id="259" r:id="rId5"/>
@@ -5067,14 +5067,6 @@
 <file path=ppt/slides/slide1.xml><?xml version="1.0" encoding="utf-8"?>
 <p:sld xmlns:a="http://schemas.openxmlformats.org/drawingml/2006/main" xmlns:r="http://schemas.openxmlformats.org/officeDocument/2006/relationships" xmlns:p="http://schemas.openxmlformats.org/presentationml/2006/main">
   <p:cSld>
-    <p:bg>
-      <p:bgPr>
-        <a:solidFill>
-          <a:schemeClr val="bg1"/>
-        </a:solidFill>
-        <a:effectLst/>
-      </p:bgPr>
-    </p:bg>
     <p:spTree>
       <p:nvGrpSpPr>
         <p:cNvPr id="1" name=""/>
@@ -5089,72 +5081,12 @@
           <a:chExt cx="0" cy="0"/>
         </a:xfrm>
       </p:grpSpPr>
-      <p:sp useBgFill="1">
-        <p:nvSpPr>
-          <p:cNvPr id="26" name="Rectangle 22">
-            <a:extLst>
-              <a:ext uri="{FF2B5EF4-FFF2-40B4-BE49-F238E27FC236}">
-                <a16:creationId xmlns:a16="http://schemas.microsoft.com/office/drawing/2014/main" id="{5A59F003-E00A-43F9-91DC-CC54E3B87466}"/>
-              </a:ext>
-              <a:ext uri="{C183D7F6-B498-43B3-948B-1728B52AA6E4}">
-                <adec:decorative xmlns:adec="http://schemas.microsoft.com/office/drawing/2017/decorative" val="1"/>
-              </a:ext>
-            </a:extLst>
-          </p:cNvPr>
-          <p:cNvSpPr>
-            <a:spLocks noGrp="1" noRot="1" noChangeAspect="1" noMove="1" noResize="1" noEditPoints="1" noAdjustHandles="1" noChangeArrowheads="1" noChangeShapeType="1" noTextEdit="1"/>
-          </p:cNvSpPr>
-          <p:nvPr>
-            <p:extLst>
-              <p:ext uri="{386F3935-93C4-4BCD-93E2-E3B085C9AB24}">
-                <p16:designElem xmlns:p16="http://schemas.microsoft.com/office/powerpoint/2015/main" val="1"/>
-              </p:ext>
-            </p:extLst>
-          </p:nvPr>
-        </p:nvSpPr>
-        <p:spPr>
-          <a:xfrm>
-            <a:off x="0" y="0"/>
-            <a:ext cx="12192000" cy="6858000"/>
-          </a:xfrm>
-          <a:prstGeom prst="rect">
-            <a:avLst/>
-          </a:prstGeom>
-          <a:ln>
-            <a:noFill/>
-          </a:ln>
-        </p:spPr>
-        <p:style>
-          <a:lnRef idx="2">
-            <a:schemeClr val="accent1">
-              <a:shade val="50000"/>
-            </a:schemeClr>
-          </a:lnRef>
-          <a:fillRef idx="1">
-            <a:schemeClr val="accent1"/>
-          </a:fillRef>
-          <a:effectRef idx="0">
-            <a:schemeClr val="accent1"/>
-          </a:effectRef>
-          <a:fontRef idx="minor">
-            <a:schemeClr val="lt1"/>
-          </a:fontRef>
-        </p:style>
-        <p:txBody>
-          <a:bodyPr rtlCol="0" anchor="ctr"/>
-          <a:lstStyle/>
-          <a:p>
-            <a:pPr algn="ctr"/>
-            <a:endParaRPr lang="en-US"/>
-          </a:p>
-        </p:txBody>
-      </p:sp>
       <p:pic>
         <p:nvPicPr>
           <p:cNvPr id="4" name="Picture 3">
             <a:extLst>
               <a:ext uri="{FF2B5EF4-FFF2-40B4-BE49-F238E27FC236}">
-                <a16:creationId xmlns:a16="http://schemas.microsoft.com/office/drawing/2014/main" id="{7FBD4499-D17A-4717-B0FF-165071491AE9}"/>
+                <a16:creationId xmlns:a16="http://schemas.microsoft.com/office/drawing/2014/main" id="{B638B0B8-D3AD-4CAE-B1E2-958B2740BB91}"/>
               </a:ext>
             </a:extLst>
           </p:cNvPr>
@@ -5165,13 +5097,13 @@
         </p:nvPicPr>
         <p:blipFill rotWithShape="1">
           <a:blip r:embed="rId2"/>
-          <a:srcRect t="23391" r="9091"/>
+          <a:srcRect/>
           <a:stretch/>
         </p:blipFill>
         <p:spPr>
           <a:xfrm>
-            <a:off x="20" y="10"/>
-            <a:ext cx="12191981" cy="6857990"/>
+            <a:off x="-2" y="-1"/>
+            <a:ext cx="12192001" cy="6858000"/>
           </a:xfrm>
           <a:prstGeom prst="rect">
             <a:avLst/>
@@ -5180,95 +5112,10 @@
       </p:pic>
       <p:sp>
         <p:nvSpPr>
-          <p:cNvPr id="25" name="Rectangle 24">
-            <a:extLst>
-              <a:ext uri="{FF2B5EF4-FFF2-40B4-BE49-F238E27FC236}">
-                <a16:creationId xmlns:a16="http://schemas.microsoft.com/office/drawing/2014/main" id="{D74A4382-E3AD-430A-9A1F-DFA3E0E77A7D}"/>
-              </a:ext>
-              <a:ext uri="{C183D7F6-B498-43B3-948B-1728B52AA6E4}">
-                <adec:decorative xmlns:adec="http://schemas.microsoft.com/office/drawing/2017/decorative" val="1"/>
-              </a:ext>
-            </a:extLst>
-          </p:cNvPr>
-          <p:cNvSpPr>
-            <a:spLocks noGrp="1" noRot="1" noChangeAspect="1" noMove="1" noResize="1" noEditPoints="1" noAdjustHandles="1" noChangeArrowheads="1" noChangeShapeType="1" noTextEdit="1"/>
-          </p:cNvSpPr>
-          <p:nvPr>
-            <p:extLst>
-              <p:ext uri="{386F3935-93C4-4BCD-93E2-E3B085C9AB24}">
-                <p16:designElem xmlns:p16="http://schemas.microsoft.com/office/powerpoint/2015/main" val="1"/>
-              </p:ext>
-            </p:extLst>
-          </p:nvPr>
-        </p:nvSpPr>
-        <p:spPr>
-          <a:xfrm rot="16200000">
-            <a:off x="3799868" y="-1534136"/>
-            <a:ext cx="4592270" cy="12192001"/>
-          </a:xfrm>
-          <a:prstGeom prst="rect">
-            <a:avLst/>
-          </a:prstGeom>
-          <a:gradFill>
-            <a:gsLst>
-              <a:gs pos="35000">
-                <a:schemeClr val="bg1">
-                  <a:alpha val="46000"/>
-                </a:schemeClr>
-              </a:gs>
-              <a:gs pos="21000">
-                <a:schemeClr val="bg1">
-                  <a:alpha val="30000"/>
-                </a:schemeClr>
-              </a:gs>
-              <a:gs pos="0">
-                <a:schemeClr val="bg1">
-                  <a:alpha val="0"/>
-                </a:schemeClr>
-              </a:gs>
-              <a:gs pos="100000">
-                <a:schemeClr val="bg1">
-                  <a:alpha val="90000"/>
-                </a:schemeClr>
-              </a:gs>
-            </a:gsLst>
-            <a:lin ang="10800000" scaled="0"/>
-          </a:gradFill>
-          <a:ln>
-            <a:noFill/>
-          </a:ln>
-        </p:spPr>
-        <p:style>
-          <a:lnRef idx="2">
-            <a:schemeClr val="accent1">
-              <a:shade val="50000"/>
-            </a:schemeClr>
-          </a:lnRef>
-          <a:fillRef idx="1">
-            <a:schemeClr val="accent1"/>
-          </a:fillRef>
-          <a:effectRef idx="0">
-            <a:schemeClr val="accent1"/>
-          </a:effectRef>
-          <a:fontRef idx="minor">
-            <a:schemeClr val="lt1"/>
-          </a:fontRef>
-        </p:style>
-        <p:txBody>
-          <a:bodyPr rtlCol="0" anchor="ctr"/>
-          <a:lstStyle/>
-          <a:p>
-            <a:pPr algn="ctr"/>
-            <a:endParaRPr lang="en-US" dirty="0"/>
-          </a:p>
-        </p:txBody>
-      </p:sp>
-      <p:sp>
-        <p:nvSpPr>
           <p:cNvPr id="2" name="Title 1">
             <a:extLst>
               <a:ext uri="{FF2B5EF4-FFF2-40B4-BE49-F238E27FC236}">
-                <a16:creationId xmlns:a16="http://schemas.microsoft.com/office/drawing/2014/main" id="{D03A4BF4-BA31-483C-B00D-6EC9B586A2EC}"/>
+                <a16:creationId xmlns:a16="http://schemas.microsoft.com/office/drawing/2014/main" id="{42C7D547-B15E-4841-A32C-0CC6B990528E}"/>
               </a:ext>
             </a:extLst>
           </p:cNvPr>
@@ -5281,90 +5128,27 @@
         </p:nvSpPr>
         <p:spPr>
           <a:xfrm>
-            <a:off x="404553" y="3091928"/>
-            <a:ext cx="11639596" cy="2387600"/>
-          </a:xfrm>
-        </p:spPr>
-        <p:txBody>
-          <a:bodyPr>
+            <a:off x="856209" y="718010"/>
+            <a:ext cx="5472401" cy="1185353"/>
+          </a:xfrm>
+        </p:spPr>
+        <p:txBody>
+          <a:bodyPr anchor="ctr">
             <a:normAutofit/>
           </a:bodyPr>
           <a:lstStyle/>
           <a:p>
             <a:r>
-              <a:rPr lang="en-US" sz="5100" dirty="0"/>
+              <a:rPr lang="en-US" sz="2600" dirty="0">
+                <a:solidFill>
+                  <a:schemeClr val="accent4">
+                    <a:lumMod val="75000"/>
+                  </a:schemeClr>
+                </a:solidFill>
+              </a:rPr>
               <a:t>Build FOOF Rubber Band Gun SW</a:t>
             </a:r>
           </a:p>
-          <a:p>
-            <a:pPr algn="l"/>
-            <a:endParaRPr lang="en-US" sz="4000" dirty="0"/>
-          </a:p>
-        </p:txBody>
-      </p:sp>
-      <p:sp>
-        <p:nvSpPr>
-          <p:cNvPr id="27" name="Rectangle: Rounded Corners 26">
-            <a:extLst>
-              <a:ext uri="{FF2B5EF4-FFF2-40B4-BE49-F238E27FC236}">
-                <a16:creationId xmlns:a16="http://schemas.microsoft.com/office/drawing/2014/main" id="{79F40191-0F44-4FD1-82CC-ACB507C14BE6}"/>
-              </a:ext>
-              <a:ext uri="{C183D7F6-B498-43B3-948B-1728B52AA6E4}">
-                <adec:decorative xmlns:adec="http://schemas.microsoft.com/office/drawing/2017/decorative" val="1"/>
-              </a:ext>
-            </a:extLst>
-          </p:cNvPr>
-          <p:cNvSpPr>
-            <a:spLocks noGrp="1" noRot="1" noChangeAspect="1" noMove="1" noResize="1" noEditPoints="1" noAdjustHandles="1" noChangeArrowheads="1" noChangeShapeType="1" noTextEdit="1"/>
-          </p:cNvSpPr>
-          <p:nvPr>
-            <p:extLst>
-              <p:ext uri="{386F3935-93C4-4BCD-93E2-E3B085C9AB24}">
-                <p16:designElem xmlns:p16="http://schemas.microsoft.com/office/powerpoint/2015/main" val="1"/>
-              </p:ext>
-            </p:extLst>
-          </p:nvPr>
-        </p:nvSpPr>
-        <p:spPr>
-          <a:xfrm>
-            <a:off x="0" y="5575039"/>
-            <a:ext cx="9785897" cy="685800"/>
-          </a:xfrm>
-          <a:prstGeom prst="roundRect">
-            <a:avLst>
-              <a:gd name="adj" fmla="val 0"/>
-            </a:avLst>
-          </a:prstGeom>
-          <a:solidFill>
-            <a:schemeClr val="accent1"/>
-          </a:solidFill>
-          <a:ln>
-            <a:noFill/>
-          </a:ln>
-        </p:spPr>
-        <p:style>
-          <a:lnRef idx="2">
-            <a:schemeClr val="accent1">
-              <a:shade val="50000"/>
-            </a:schemeClr>
-          </a:lnRef>
-          <a:fillRef idx="1">
-            <a:schemeClr val="accent1"/>
-          </a:fillRef>
-          <a:effectRef idx="0">
-            <a:schemeClr val="accent1"/>
-          </a:effectRef>
-          <a:fontRef idx="minor">
-            <a:schemeClr val="lt1"/>
-          </a:fontRef>
-        </p:style>
-        <p:txBody>
-          <a:bodyPr rtlCol="0" anchor="ctr"/>
-          <a:lstStyle/>
-          <a:p>
-            <a:pPr algn="ctr"/>
-            <a:endParaRPr lang="en-US"/>
-          </a:p>
         </p:txBody>
       </p:sp>
       <p:sp>
@@ -5372,7 +5156,7 @@
           <p:cNvPr id="3" name="Subtitle 2">
             <a:extLst>
               <a:ext uri="{FF2B5EF4-FFF2-40B4-BE49-F238E27FC236}">
-                <a16:creationId xmlns:a16="http://schemas.microsoft.com/office/drawing/2014/main" id="{20B9CBDC-360A-4AF7-A5F7-99311DA83177}"/>
+                <a16:creationId xmlns:a16="http://schemas.microsoft.com/office/drawing/2014/main" id="{58D4F969-9835-44EF-9222-43883CE01C87}"/>
               </a:ext>
             </a:extLst>
           </p:cNvPr>
@@ -5385,8 +5169,8 @@
         </p:nvSpPr>
         <p:spPr>
           <a:xfrm>
-            <a:off x="404553" y="5624945"/>
-            <a:ext cx="9078562" cy="592975"/>
+            <a:off x="3867357" y="2131719"/>
+            <a:ext cx="2228641" cy="1185353"/>
           </a:xfrm>
         </p:spPr>
         <p:txBody>
@@ -5395,21 +5179,15 @@
           </a:bodyPr>
           <a:lstStyle/>
           <a:p>
-            <a:pPr>
-              <a:lnSpc>
-                <a:spcPct val="100000"/>
-              </a:lnSpc>
-            </a:pPr>
-            <a:endParaRPr lang="en-US" sz="1100" dirty="0"/>
-          </a:p>
-          <a:p>
-            <a:pPr>
-              <a:lnSpc>
-                <a:spcPct val="100000"/>
-              </a:lnSpc>
-            </a:pPr>
-            <a:r>
-              <a:rPr lang="en-US" sz="1100" dirty="0"/>
+            <a:pPr algn="r"/>
+            <a:r>
+              <a:rPr lang="en-US" sz="1700" dirty="0">
+                <a:solidFill>
+                  <a:schemeClr val="accent4">
+                    <a:lumMod val="75000"/>
+                  </a:schemeClr>
+                </a:solidFill>
+              </a:rPr>
               <a:t>… the AWESOME</a:t>
             </a:r>
           </a:p>
@@ -5417,10 +5195,10 @@
       </p:sp>
       <p:pic>
         <p:nvPicPr>
-          <p:cNvPr id="6" name="Picture 5">
-            <a:extLst>
-              <a:ext uri="{FF2B5EF4-FFF2-40B4-BE49-F238E27FC236}">
-                <a16:creationId xmlns:a16="http://schemas.microsoft.com/office/drawing/2014/main" id="{8E66F70C-7E42-4613-9195-A954A8C3645A}"/>
+          <p:cNvPr id="10" name="Picture 9">
+            <a:extLst>
+              <a:ext uri="{FF2B5EF4-FFF2-40B4-BE49-F238E27FC236}">
+                <a16:creationId xmlns:a16="http://schemas.microsoft.com/office/drawing/2014/main" id="{5DB1EF4A-0534-4D1E-B1A2-6966B8603D63}"/>
               </a:ext>
             </a:extLst>
           </p:cNvPr>
@@ -5453,12 +5231,12 @@
     </p:spTree>
     <p:extLst>
       <p:ext uri="{BB962C8B-B14F-4D97-AF65-F5344CB8AC3E}">
-        <p14:creationId xmlns:p14="http://schemas.microsoft.com/office/powerpoint/2010/main" val="2732671539"/>
+        <p14:creationId xmlns:p14="http://schemas.microsoft.com/office/powerpoint/2010/main" val="435835124"/>
       </p:ext>
     </p:extLst>
   </p:cSld>
   <p:clrMapOvr>
-    <a:overrideClrMapping bg1="dk1" tx1="lt1" bg2="dk2" tx2="lt2" accent1="accent1" accent2="accent2" accent3="accent3" accent4="accent4" accent5="accent5" accent6="accent6" hlink="hlink" folHlink="folHlink"/>
+    <a:masterClrMapping/>
   </p:clrMapOvr>
 </p:sld>
 </file>

--- a/BuildRubberBandGunSoftware.pptx
+++ b/BuildRubberBandGunSoftware.pptx
@@ -273,7 +273,7 @@
           <a:p>
             <a:fld id="{02AC24A9-CCB6-4F8D-B8DB-C2F3692CFA5A}" type="datetimeFigureOut">
               <a:rPr lang="en-US" smtClean="0"/>
-              <a:t>3/20/2020</a:t>
+              <a:t>3/22/2020</a:t>
             </a:fld>
             <a:endParaRPr lang="en-US" dirty="0"/>
           </a:p>
@@ -643,7 +643,7 @@
           <a:p>
             <a:fld id="{02AC24A9-CCB6-4F8D-B8DB-C2F3692CFA5A}" type="datetimeFigureOut">
               <a:rPr lang="en-US" smtClean="0"/>
-              <a:t>3/20/2020</a:t>
+              <a:t>3/22/2020</a:t>
             </a:fld>
             <a:endParaRPr lang="en-US"/>
           </a:p>
@@ -852,7 +852,7 @@
           <a:p>
             <a:fld id="{02AC24A9-CCB6-4F8D-B8DB-C2F3692CFA5A}" type="datetimeFigureOut">
               <a:rPr lang="en-US" smtClean="0"/>
-              <a:t>3/20/2020</a:t>
+              <a:t>3/22/2020</a:t>
             </a:fld>
             <a:endParaRPr lang="en-US"/>
           </a:p>
@@ -1322,7 +1322,7 @@
           <a:p>
             <a:fld id="{02AC24A9-CCB6-4F8D-B8DB-C2F3692CFA5A}" type="datetimeFigureOut">
               <a:rPr lang="en-US" smtClean="0"/>
-              <a:t>3/20/2020</a:t>
+              <a:t>3/22/2020</a:t>
             </a:fld>
             <a:endParaRPr lang="en-US"/>
           </a:p>
@@ -1776,7 +1776,7 @@
           <a:p>
             <a:fld id="{02AC24A9-CCB6-4F8D-B8DB-C2F3692CFA5A}" type="datetimeFigureOut">
               <a:rPr lang="en-US" smtClean="0"/>
-              <a:t>3/20/2020</a:t>
+              <a:t>3/22/2020</a:t>
             </a:fld>
             <a:endParaRPr lang="en-US"/>
           </a:p>
@@ -2308,7 +2308,7 @@
           <a:p>
             <a:fld id="{02AC24A9-CCB6-4F8D-B8DB-C2F3692CFA5A}" type="datetimeFigureOut">
               <a:rPr lang="en-US" smtClean="0"/>
-              <a:t>3/20/2020</a:t>
+              <a:t>3/22/2020</a:t>
             </a:fld>
             <a:endParaRPr lang="en-US"/>
           </a:p>
@@ -3007,7 +3007,7 @@
           <a:p>
             <a:fld id="{02AC24A9-CCB6-4F8D-B8DB-C2F3692CFA5A}" type="datetimeFigureOut">
               <a:rPr lang="en-US" smtClean="0"/>
-              <a:t>3/20/2020</a:t>
+              <a:t>3/22/2020</a:t>
             </a:fld>
             <a:endParaRPr lang="en-US"/>
           </a:p>
@@ -3336,7 +3336,7 @@
           <a:p>
             <a:fld id="{02AC24A9-CCB6-4F8D-B8DB-C2F3692CFA5A}" type="datetimeFigureOut">
               <a:rPr lang="en-US" smtClean="0"/>
-              <a:t>3/20/2020</a:t>
+              <a:t>3/22/2020</a:t>
             </a:fld>
             <a:endParaRPr lang="en-US"/>
           </a:p>
@@ -3449,7 +3449,7 @@
           <a:p>
             <a:fld id="{02AC24A9-CCB6-4F8D-B8DB-C2F3692CFA5A}" type="datetimeFigureOut">
               <a:rPr lang="en-US" smtClean="0"/>
-              <a:t>3/20/2020</a:t>
+              <a:t>3/22/2020</a:t>
             </a:fld>
             <a:endParaRPr lang="en-US"/>
           </a:p>
@@ -3944,7 +3944,7 @@
           <a:p>
             <a:fld id="{02AC24A9-CCB6-4F8D-B8DB-C2F3692CFA5A}" type="datetimeFigureOut">
               <a:rPr lang="en-US" smtClean="0"/>
-              <a:t>3/20/2020</a:t>
+              <a:t>3/22/2020</a:t>
             </a:fld>
             <a:endParaRPr lang="en-US" dirty="0"/>
           </a:p>
@@ -4421,7 +4421,7 @@
           <a:p>
             <a:fld id="{02AC24A9-CCB6-4F8D-B8DB-C2F3692CFA5A}" type="datetimeFigureOut">
               <a:rPr lang="en-US" smtClean="0"/>
-              <a:t>3/20/2020</a:t>
+              <a:t>3/22/2020</a:t>
             </a:fld>
             <a:endParaRPr lang="en-US"/>
           </a:p>
@@ -4664,7 +4664,7 @@
           <a:p>
             <a:fld id="{02AC24A9-CCB6-4F8D-B8DB-C2F3692CFA5A}" type="datetimeFigureOut">
               <a:rPr lang="en-US" smtClean="0"/>
-              <a:t>3/20/2020</a:t>
+              <a:t>3/22/2020</a:t>
             </a:fld>
             <a:endParaRPr lang="en-US"/>
           </a:p>
@@ -5169,8 +5169,8 @@
         </p:nvSpPr>
         <p:spPr>
           <a:xfrm>
-            <a:off x="3867357" y="2131719"/>
-            <a:ext cx="2228641" cy="1185353"/>
+            <a:off x="137567" y="647333"/>
+            <a:ext cx="2228641" cy="387383"/>
           </a:xfrm>
         </p:spPr>
         <p:txBody>

--- a/BuildRubberBandGunSoftware.pptx
+++ b/BuildRubberBandGunSoftware.pptx
@@ -11,6 +11,7 @@
     <p:sldId id="259" r:id="rId5"/>
     <p:sldId id="261" r:id="rId6"/>
     <p:sldId id="263" r:id="rId7"/>
+    <p:sldId id="265" r:id="rId8"/>
   </p:sldIdLst>
   <p:sldSz cx="12192000" cy="6858000"/>
   <p:notesSz cx="7315200" cy="9601200"/>
@@ -273,7 +274,7 @@
           <a:p>
             <a:fld id="{02AC24A9-CCB6-4F8D-B8DB-C2F3692CFA5A}" type="datetimeFigureOut">
               <a:rPr lang="en-US" smtClean="0"/>
-              <a:t>3/22/2020</a:t>
+              <a:t>9/10/2020</a:t>
             </a:fld>
             <a:endParaRPr lang="en-US" dirty="0"/>
           </a:p>
@@ -643,7 +644,7 @@
           <a:p>
             <a:fld id="{02AC24A9-CCB6-4F8D-B8DB-C2F3692CFA5A}" type="datetimeFigureOut">
               <a:rPr lang="en-US" smtClean="0"/>
-              <a:t>3/22/2020</a:t>
+              <a:t>9/10/2020</a:t>
             </a:fld>
             <a:endParaRPr lang="en-US"/>
           </a:p>
@@ -852,7 +853,7 @@
           <a:p>
             <a:fld id="{02AC24A9-CCB6-4F8D-B8DB-C2F3692CFA5A}" type="datetimeFigureOut">
               <a:rPr lang="en-US" smtClean="0"/>
-              <a:t>3/22/2020</a:t>
+              <a:t>9/10/2020</a:t>
             </a:fld>
             <a:endParaRPr lang="en-US"/>
           </a:p>
@@ -1322,7 +1323,7 @@
           <a:p>
             <a:fld id="{02AC24A9-CCB6-4F8D-B8DB-C2F3692CFA5A}" type="datetimeFigureOut">
               <a:rPr lang="en-US" smtClean="0"/>
-              <a:t>3/22/2020</a:t>
+              <a:t>9/10/2020</a:t>
             </a:fld>
             <a:endParaRPr lang="en-US"/>
           </a:p>
@@ -1776,7 +1777,7 @@
           <a:p>
             <a:fld id="{02AC24A9-CCB6-4F8D-B8DB-C2F3692CFA5A}" type="datetimeFigureOut">
               <a:rPr lang="en-US" smtClean="0"/>
-              <a:t>3/22/2020</a:t>
+              <a:t>9/10/2020</a:t>
             </a:fld>
             <a:endParaRPr lang="en-US"/>
           </a:p>
@@ -2308,7 +2309,7 @@
           <a:p>
             <a:fld id="{02AC24A9-CCB6-4F8D-B8DB-C2F3692CFA5A}" type="datetimeFigureOut">
               <a:rPr lang="en-US" smtClean="0"/>
-              <a:t>3/22/2020</a:t>
+              <a:t>9/10/2020</a:t>
             </a:fld>
             <a:endParaRPr lang="en-US"/>
           </a:p>
@@ -3007,7 +3008,7 @@
           <a:p>
             <a:fld id="{02AC24A9-CCB6-4F8D-B8DB-C2F3692CFA5A}" type="datetimeFigureOut">
               <a:rPr lang="en-US" smtClean="0"/>
-              <a:t>3/22/2020</a:t>
+              <a:t>9/10/2020</a:t>
             </a:fld>
             <a:endParaRPr lang="en-US"/>
           </a:p>
@@ -3336,7 +3337,7 @@
           <a:p>
             <a:fld id="{02AC24A9-CCB6-4F8D-B8DB-C2F3692CFA5A}" type="datetimeFigureOut">
               <a:rPr lang="en-US" smtClean="0"/>
-              <a:t>3/22/2020</a:t>
+              <a:t>9/10/2020</a:t>
             </a:fld>
             <a:endParaRPr lang="en-US"/>
           </a:p>
@@ -3449,7 +3450,7 @@
           <a:p>
             <a:fld id="{02AC24A9-CCB6-4F8D-B8DB-C2F3692CFA5A}" type="datetimeFigureOut">
               <a:rPr lang="en-US" smtClean="0"/>
-              <a:t>3/22/2020</a:t>
+              <a:t>9/10/2020</a:t>
             </a:fld>
             <a:endParaRPr lang="en-US"/>
           </a:p>
@@ -3944,7 +3945,7 @@
           <a:p>
             <a:fld id="{02AC24A9-CCB6-4F8D-B8DB-C2F3692CFA5A}" type="datetimeFigureOut">
               <a:rPr lang="en-US" smtClean="0"/>
-              <a:t>3/22/2020</a:t>
+              <a:t>9/10/2020</a:t>
             </a:fld>
             <a:endParaRPr lang="en-US" dirty="0"/>
           </a:p>
@@ -4421,7 +4422,7 @@
           <a:p>
             <a:fld id="{02AC24A9-CCB6-4F8D-B8DB-C2F3692CFA5A}" type="datetimeFigureOut">
               <a:rPr lang="en-US" smtClean="0"/>
-              <a:t>3/22/2020</a:t>
+              <a:t>9/10/2020</a:t>
             </a:fld>
             <a:endParaRPr lang="en-US"/>
           </a:p>
@@ -4664,7 +4665,7 @@
           <a:p>
             <a:fld id="{02AC24A9-CCB6-4F8D-B8DB-C2F3692CFA5A}" type="datetimeFigureOut">
               <a:rPr lang="en-US" smtClean="0"/>
-              <a:t>3/22/2020</a:t>
+              <a:t>9/10/2020</a:t>
             </a:fld>
             <a:endParaRPr lang="en-US"/>
           </a:p>
@@ -5129,7 +5130,7 @@
         <p:spPr>
           <a:xfrm>
             <a:off x="856209" y="718010"/>
-            <a:ext cx="5472401" cy="1185353"/>
+            <a:ext cx="8293807" cy="1185353"/>
           </a:xfrm>
         </p:spPr>
         <p:txBody>
@@ -5147,6 +5148,19 @@
                 </a:solidFill>
               </a:rPr>
               <a:t>Build FOOF Rubber Band Gun SW</a:t>
+            </a:r>
+            <a:br>
+              <a:rPr lang="en-US" sz="2600" dirty="0">
+                <a:solidFill>
+                  <a:schemeClr val="accent4">
+                    <a:lumMod val="75000"/>
+                  </a:schemeClr>
+                </a:solidFill>
+              </a:rPr>
+            </a:br>
+            <a:r>
+              <a:rPr lang="en-US" sz="2000" dirty="0"/>
+              <a:t>https://github.com/Mark-MDO47/RubberBandGun</a:t>
             </a:r>
           </a:p>
         </p:txBody>
@@ -10224,6 +10238,2058 @@
     <p:extLst>
       <p:ext uri="{BB962C8B-B14F-4D97-AF65-F5344CB8AC3E}">
         <p14:creationId xmlns:p14="http://schemas.microsoft.com/office/powerpoint/2010/main" val="1665323964"/>
+      </p:ext>
+    </p:extLst>
+  </p:cSld>
+  <p:clrMapOvr>
+    <a:masterClrMapping/>
+  </p:clrMapOvr>
+</p:sld>
+</file>
+
+<file path=ppt/slides/slide7.xml><?xml version="1.0" encoding="utf-8"?>
+<p:sld xmlns:a="http://schemas.openxmlformats.org/drawingml/2006/main" xmlns:r="http://schemas.openxmlformats.org/officeDocument/2006/relationships" xmlns:p="http://schemas.openxmlformats.org/presentationml/2006/main">
+  <p:cSld>
+    <p:spTree>
+      <p:nvGrpSpPr>
+        <p:cNvPr id="1" name=""/>
+        <p:cNvGrpSpPr/>
+        <p:nvPr/>
+      </p:nvGrpSpPr>
+      <p:grpSpPr>
+        <a:xfrm>
+          <a:off x="0" y="0"/>
+          <a:ext cx="0" cy="0"/>
+          <a:chOff x="0" y="0"/>
+          <a:chExt cx="0" cy="0"/>
+        </a:xfrm>
+      </p:grpSpPr>
+      <p:sp>
+        <p:nvSpPr>
+          <p:cNvPr id="2" name="Title 1">
+            <a:extLst>
+              <a:ext uri="{FF2B5EF4-FFF2-40B4-BE49-F238E27FC236}">
+                <a16:creationId xmlns:a16="http://schemas.microsoft.com/office/drawing/2014/main" id="{4E2272C3-2933-48F5-923A-A6570DEEFCCF}"/>
+              </a:ext>
+            </a:extLst>
+          </p:cNvPr>
+          <p:cNvSpPr>
+            <a:spLocks noGrp="1"/>
+          </p:cNvSpPr>
+          <p:nvPr>
+            <p:ph type="title"/>
+          </p:nvPr>
+        </p:nvSpPr>
+        <p:spPr/>
+        <p:txBody>
+          <a:bodyPr>
+            <a:normAutofit fontScale="90000"/>
+          </a:bodyPr>
+          <a:lstStyle/>
+          <a:p>
+            <a:pPr algn="ctr"/>
+            <a:r>
+              <a:rPr lang="en-US" dirty="0"/>
+              <a:t>FOOF Rubber Band Gun</a:t>
+            </a:r>
+            <a:br>
+              <a:rPr lang="en-US" dirty="0"/>
+            </a:br>
+            <a:r>
+              <a:rPr lang="en-US" dirty="0"/>
+              <a:t>Programming Arduino for Bluetooth</a:t>
+            </a:r>
+          </a:p>
+        </p:txBody>
+      </p:sp>
+      <p:sp>
+        <p:nvSpPr>
+          <p:cNvPr id="3" name="Content Placeholder 2">
+            <a:extLst>
+              <a:ext uri="{FF2B5EF4-FFF2-40B4-BE49-F238E27FC236}">
+                <a16:creationId xmlns:a16="http://schemas.microsoft.com/office/drawing/2014/main" id="{6FA38F56-2E24-4600-B93F-FBDF438A7340}"/>
+              </a:ext>
+            </a:extLst>
+          </p:cNvPr>
+          <p:cNvSpPr>
+            <a:spLocks noGrp="1"/>
+          </p:cNvSpPr>
+          <p:nvPr>
+            <p:ph idx="1"/>
+          </p:nvPr>
+        </p:nvSpPr>
+        <p:spPr>
+          <a:xfrm>
+            <a:off x="522475" y="3643522"/>
+            <a:ext cx="4037102" cy="1311145"/>
+          </a:xfrm>
+        </p:spPr>
+        <p:txBody>
+          <a:bodyPr>
+            <a:normAutofit/>
+          </a:bodyPr>
+          <a:lstStyle/>
+          <a:p>
+            <a:pPr marL="0" indent="0">
+              <a:buNone/>
+            </a:pPr>
+            <a:r>
+              <a:rPr lang="en-US" sz="1200" dirty="0"/>
+              <a:t>Connections to program the KCX-BT-EMITTER</a:t>
+            </a:r>
+          </a:p>
+          <a:p>
+            <a:r>
+              <a:rPr lang="en-US" sz="1000" dirty="0"/>
+              <a:t>See RubberBandGun_wiring.pdf</a:t>
+            </a:r>
+          </a:p>
+          <a:p>
+            <a:r>
+              <a:rPr lang="en-US" sz="1000" dirty="0"/>
+              <a:t>See ProgrammingArduino_SerialMonitor_SampleOutput.pdf</a:t>
+            </a:r>
+          </a:p>
+          <a:p>
+            <a:r>
+              <a:rPr lang="en-US" sz="1000" dirty="0"/>
+              <a:t>See </a:t>
+            </a:r>
+            <a:r>
+              <a:rPr lang="en-US" sz="1000" dirty="0" err="1"/>
+              <a:t>ProgrammingArduino.ino</a:t>
+            </a:r>
+            <a:endParaRPr lang="en-US" sz="1000" dirty="0"/>
+          </a:p>
+        </p:txBody>
+      </p:sp>
+      <p:sp>
+        <p:nvSpPr>
+          <p:cNvPr id="6" name="Rectangle 5">
+            <a:extLst>
+              <a:ext uri="{FF2B5EF4-FFF2-40B4-BE49-F238E27FC236}">
+                <a16:creationId xmlns:a16="http://schemas.microsoft.com/office/drawing/2014/main" id="{235F5C12-ADF8-4B05-8E93-AEC36CE91A1A}"/>
+              </a:ext>
+            </a:extLst>
+          </p:cNvPr>
+          <p:cNvSpPr/>
+          <p:nvPr/>
+        </p:nvSpPr>
+        <p:spPr>
+          <a:xfrm>
+            <a:off x="4722395" y="2267953"/>
+            <a:ext cx="6491234" cy="4120813"/>
+          </a:xfrm>
+          <a:prstGeom prst="rect">
+            <a:avLst/>
+          </a:prstGeom>
+          <a:solidFill>
+            <a:schemeClr val="accent3">
+              <a:lumMod val="40000"/>
+              <a:lumOff val="60000"/>
+            </a:schemeClr>
+          </a:solidFill>
+        </p:spPr>
+        <p:style>
+          <a:lnRef idx="2">
+            <a:schemeClr val="accent1">
+              <a:shade val="50000"/>
+            </a:schemeClr>
+          </a:lnRef>
+          <a:fillRef idx="1">
+            <a:schemeClr val="accent1"/>
+          </a:fillRef>
+          <a:effectRef idx="0">
+            <a:schemeClr val="accent1"/>
+          </a:effectRef>
+          <a:fontRef idx="minor">
+            <a:schemeClr val="lt1"/>
+          </a:fontRef>
+        </p:style>
+        <p:txBody>
+          <a:bodyPr rtlCol="0" anchor="ctr"/>
+          <a:lstStyle/>
+          <a:p>
+            <a:pPr algn="ctr"/>
+            <a:endParaRPr lang="en-US" dirty="0"/>
+          </a:p>
+        </p:txBody>
+      </p:sp>
+      <p:grpSp>
+        <p:nvGrpSpPr>
+          <p:cNvPr id="7" name="Group 6">
+            <a:extLst>
+              <a:ext uri="{FF2B5EF4-FFF2-40B4-BE49-F238E27FC236}">
+                <a16:creationId xmlns:a16="http://schemas.microsoft.com/office/drawing/2014/main" id="{FDD38489-A34F-4ACA-BE82-DC274CB73572}"/>
+              </a:ext>
+            </a:extLst>
+          </p:cNvPr>
+          <p:cNvGrpSpPr/>
+          <p:nvPr/>
+        </p:nvGrpSpPr>
+        <p:grpSpPr>
+          <a:xfrm>
+            <a:off x="7956975" y="2447340"/>
+            <a:ext cx="3054773" cy="3799838"/>
+            <a:chOff x="1009227" y="2409240"/>
+            <a:chExt cx="3054773" cy="3799838"/>
+          </a:xfrm>
+        </p:grpSpPr>
+        <p:grpSp>
+          <p:nvGrpSpPr>
+            <p:cNvPr id="8" name="Group 7">
+              <a:extLst>
+                <a:ext uri="{FF2B5EF4-FFF2-40B4-BE49-F238E27FC236}">
+                  <a16:creationId xmlns:a16="http://schemas.microsoft.com/office/drawing/2014/main" id="{6AA0749C-E01A-4583-B163-FA92E15AFD17}"/>
+                </a:ext>
+              </a:extLst>
+            </p:cNvPr>
+            <p:cNvGrpSpPr/>
+            <p:nvPr/>
+          </p:nvGrpSpPr>
+          <p:grpSpPr>
+            <a:xfrm>
+              <a:off x="1009227" y="2409240"/>
+              <a:ext cx="3054773" cy="3799838"/>
+              <a:chOff x="1009227" y="2404535"/>
+              <a:chExt cx="3054773" cy="3799838"/>
+            </a:xfrm>
+          </p:grpSpPr>
+          <p:cxnSp>
+            <p:nvCxnSpPr>
+              <p:cNvPr id="17" name="Straight Connector 16">
+                <a:extLst>
+                  <a:ext uri="{FF2B5EF4-FFF2-40B4-BE49-F238E27FC236}">
+                    <a16:creationId xmlns:a16="http://schemas.microsoft.com/office/drawing/2014/main" id="{FB6E9B18-5C12-4524-9B5A-7338D2871FFA}"/>
+                  </a:ext>
+                </a:extLst>
+              </p:cNvPr>
+              <p:cNvCxnSpPr/>
+              <p:nvPr/>
+            </p:nvCxnSpPr>
+            <p:spPr>
+              <a:xfrm>
+                <a:off x="1009227" y="2411307"/>
+                <a:ext cx="2160693" cy="0"/>
+              </a:xfrm>
+              <a:prstGeom prst="line">
+                <a:avLst/>
+              </a:prstGeom>
+              <a:ln/>
+            </p:spPr>
+            <p:style>
+              <a:lnRef idx="3">
+                <a:schemeClr val="dk1"/>
+              </a:lnRef>
+              <a:fillRef idx="0">
+                <a:schemeClr val="dk1"/>
+              </a:fillRef>
+              <a:effectRef idx="2">
+                <a:schemeClr val="dk1"/>
+              </a:effectRef>
+              <a:fontRef idx="minor">
+                <a:schemeClr val="tx1"/>
+              </a:fontRef>
+            </p:style>
+          </p:cxnSp>
+          <p:cxnSp>
+            <p:nvCxnSpPr>
+              <p:cNvPr id="18" name="Straight Connector 17">
+                <a:extLst>
+                  <a:ext uri="{FF2B5EF4-FFF2-40B4-BE49-F238E27FC236}">
+                    <a16:creationId xmlns:a16="http://schemas.microsoft.com/office/drawing/2014/main" id="{AD3CCD17-FC9F-4E55-8EE8-3153FCBD427F}"/>
+                  </a:ext>
+                </a:extLst>
+              </p:cNvPr>
+              <p:cNvCxnSpPr/>
+              <p:nvPr/>
+            </p:nvCxnSpPr>
+            <p:spPr>
+              <a:xfrm>
+                <a:off x="3156373" y="2418080"/>
+                <a:ext cx="0" cy="765387"/>
+              </a:xfrm>
+              <a:prstGeom prst="line">
+                <a:avLst/>
+              </a:prstGeom>
+              <a:ln/>
+            </p:spPr>
+            <p:style>
+              <a:lnRef idx="3">
+                <a:schemeClr val="dk1"/>
+              </a:lnRef>
+              <a:fillRef idx="0">
+                <a:schemeClr val="dk1"/>
+              </a:fillRef>
+              <a:effectRef idx="2">
+                <a:schemeClr val="dk1"/>
+              </a:effectRef>
+              <a:fontRef idx="minor">
+                <a:schemeClr val="tx1"/>
+              </a:fontRef>
+            </p:style>
+          </p:cxnSp>
+          <p:cxnSp>
+            <p:nvCxnSpPr>
+              <p:cNvPr id="19" name="Straight Connector 18">
+                <a:extLst>
+                  <a:ext uri="{FF2B5EF4-FFF2-40B4-BE49-F238E27FC236}">
+                    <a16:creationId xmlns:a16="http://schemas.microsoft.com/office/drawing/2014/main" id="{EAABA448-5997-47B2-B5E8-40B9E042408D}"/>
+                  </a:ext>
+                </a:extLst>
+              </p:cNvPr>
+              <p:cNvCxnSpPr/>
+              <p:nvPr/>
+            </p:nvCxnSpPr>
+            <p:spPr>
+              <a:xfrm>
+                <a:off x="3169920" y="3183467"/>
+                <a:ext cx="894080" cy="3020906"/>
+              </a:xfrm>
+              <a:prstGeom prst="line">
+                <a:avLst/>
+              </a:prstGeom>
+              <a:ln/>
+            </p:spPr>
+            <p:style>
+              <a:lnRef idx="3">
+                <a:schemeClr val="dk1"/>
+              </a:lnRef>
+              <a:fillRef idx="0">
+                <a:schemeClr val="dk1"/>
+              </a:fillRef>
+              <a:effectRef idx="2">
+                <a:schemeClr val="dk1"/>
+              </a:effectRef>
+              <a:fontRef idx="minor">
+                <a:schemeClr val="tx1"/>
+              </a:fontRef>
+            </p:style>
+          </p:cxnSp>
+          <p:cxnSp>
+            <p:nvCxnSpPr>
+              <p:cNvPr id="20" name="Straight Connector 19">
+                <a:extLst>
+                  <a:ext uri="{FF2B5EF4-FFF2-40B4-BE49-F238E27FC236}">
+                    <a16:creationId xmlns:a16="http://schemas.microsoft.com/office/drawing/2014/main" id="{CAE3830A-B487-4B2A-9459-E8B04E665EBD}"/>
+                  </a:ext>
+                </a:extLst>
+              </p:cNvPr>
+              <p:cNvCxnSpPr/>
+              <p:nvPr/>
+            </p:nvCxnSpPr>
+            <p:spPr>
+              <a:xfrm flipH="1">
+                <a:off x="2465493" y="6204372"/>
+                <a:ext cx="1598506" cy="0"/>
+              </a:xfrm>
+              <a:prstGeom prst="line">
+                <a:avLst/>
+              </a:prstGeom>
+              <a:ln/>
+            </p:spPr>
+            <p:style>
+              <a:lnRef idx="3">
+                <a:schemeClr val="dk1"/>
+              </a:lnRef>
+              <a:fillRef idx="0">
+                <a:schemeClr val="dk1"/>
+              </a:fillRef>
+              <a:effectRef idx="2">
+                <a:schemeClr val="dk1"/>
+              </a:effectRef>
+              <a:fontRef idx="minor">
+                <a:schemeClr val="tx1"/>
+              </a:fontRef>
+            </p:style>
+          </p:cxnSp>
+          <p:cxnSp>
+            <p:nvCxnSpPr>
+              <p:cNvPr id="21" name="Straight Connector 20">
+                <a:extLst>
+                  <a:ext uri="{FF2B5EF4-FFF2-40B4-BE49-F238E27FC236}">
+                    <a16:creationId xmlns:a16="http://schemas.microsoft.com/office/drawing/2014/main" id="{31C5745F-4EC3-432A-9698-D7AA9F25C14A}"/>
+                  </a:ext>
+                </a:extLst>
+              </p:cNvPr>
+              <p:cNvCxnSpPr/>
+              <p:nvPr/>
+            </p:nvCxnSpPr>
+            <p:spPr>
+              <a:xfrm flipV="1">
+                <a:off x="2458720" y="5784427"/>
+                <a:ext cx="358987" cy="419946"/>
+              </a:xfrm>
+              <a:prstGeom prst="line">
+                <a:avLst/>
+              </a:prstGeom>
+              <a:ln/>
+            </p:spPr>
+            <p:style>
+              <a:lnRef idx="3">
+                <a:schemeClr val="dk1"/>
+              </a:lnRef>
+              <a:fillRef idx="0">
+                <a:schemeClr val="dk1"/>
+              </a:fillRef>
+              <a:effectRef idx="2">
+                <a:schemeClr val="dk1"/>
+              </a:effectRef>
+              <a:fontRef idx="minor">
+                <a:schemeClr val="tx1"/>
+              </a:fontRef>
+            </p:style>
+          </p:cxnSp>
+          <p:cxnSp>
+            <p:nvCxnSpPr>
+              <p:cNvPr id="22" name="Straight Connector 21">
+                <a:extLst>
+                  <a:ext uri="{FF2B5EF4-FFF2-40B4-BE49-F238E27FC236}">
+                    <a16:creationId xmlns:a16="http://schemas.microsoft.com/office/drawing/2014/main" id="{6FF9FBF6-49D3-45A3-8095-E279AAF75D02}"/>
+                  </a:ext>
+                </a:extLst>
+              </p:cNvPr>
+              <p:cNvCxnSpPr/>
+              <p:nvPr/>
+            </p:nvCxnSpPr>
+            <p:spPr>
+              <a:xfrm flipH="1" flipV="1">
+                <a:off x="2025227" y="3183467"/>
+                <a:ext cx="792480" cy="2600961"/>
+              </a:xfrm>
+              <a:prstGeom prst="line">
+                <a:avLst/>
+              </a:prstGeom>
+              <a:ln/>
+            </p:spPr>
+            <p:style>
+              <a:lnRef idx="3">
+                <a:schemeClr val="dk1"/>
+              </a:lnRef>
+              <a:fillRef idx="0">
+                <a:schemeClr val="dk1"/>
+              </a:fillRef>
+              <a:effectRef idx="2">
+                <a:schemeClr val="dk1"/>
+              </a:effectRef>
+              <a:fontRef idx="minor">
+                <a:schemeClr val="tx1"/>
+              </a:fontRef>
+            </p:style>
+          </p:cxnSp>
+          <p:cxnSp>
+            <p:nvCxnSpPr>
+              <p:cNvPr id="23" name="Straight Connector 22">
+                <a:extLst>
+                  <a:ext uri="{FF2B5EF4-FFF2-40B4-BE49-F238E27FC236}">
+                    <a16:creationId xmlns:a16="http://schemas.microsoft.com/office/drawing/2014/main" id="{FA944F93-E570-4F8A-98B3-17D84DEDFEC1}"/>
+                  </a:ext>
+                </a:extLst>
+              </p:cNvPr>
+              <p:cNvCxnSpPr/>
+              <p:nvPr/>
+            </p:nvCxnSpPr>
+            <p:spPr>
+              <a:xfrm flipH="1">
+                <a:off x="1456267" y="3183467"/>
+                <a:ext cx="568961" cy="0"/>
+              </a:xfrm>
+              <a:prstGeom prst="line">
+                <a:avLst/>
+              </a:prstGeom>
+              <a:ln/>
+            </p:spPr>
+            <p:style>
+              <a:lnRef idx="3">
+                <a:schemeClr val="dk1"/>
+              </a:lnRef>
+              <a:fillRef idx="0">
+                <a:schemeClr val="dk1"/>
+              </a:fillRef>
+              <a:effectRef idx="2">
+                <a:schemeClr val="dk1"/>
+              </a:effectRef>
+              <a:fontRef idx="minor">
+                <a:schemeClr val="tx1"/>
+              </a:fontRef>
+            </p:style>
+          </p:cxnSp>
+          <p:cxnSp>
+            <p:nvCxnSpPr>
+              <p:cNvPr id="24" name="Straight Connector 23">
+                <a:extLst>
+                  <a:ext uri="{FF2B5EF4-FFF2-40B4-BE49-F238E27FC236}">
+                    <a16:creationId xmlns:a16="http://schemas.microsoft.com/office/drawing/2014/main" id="{CACA00CE-F432-40AA-A88E-8AECE0915AB2}"/>
+                  </a:ext>
+                </a:extLst>
+              </p:cNvPr>
+              <p:cNvCxnSpPr/>
+              <p:nvPr/>
+            </p:nvCxnSpPr>
+            <p:spPr>
+              <a:xfrm flipH="1" flipV="1">
+                <a:off x="1009227" y="2871893"/>
+                <a:ext cx="440266" cy="311574"/>
+              </a:xfrm>
+              <a:prstGeom prst="line">
+                <a:avLst/>
+              </a:prstGeom>
+              <a:ln/>
+            </p:spPr>
+            <p:style>
+              <a:lnRef idx="3">
+                <a:schemeClr val="dk1"/>
+              </a:lnRef>
+              <a:fillRef idx="0">
+                <a:schemeClr val="dk1"/>
+              </a:fillRef>
+              <a:effectRef idx="2">
+                <a:schemeClr val="dk1"/>
+              </a:effectRef>
+              <a:fontRef idx="minor">
+                <a:schemeClr val="tx1"/>
+              </a:fontRef>
+            </p:style>
+          </p:cxnSp>
+          <p:cxnSp>
+            <p:nvCxnSpPr>
+              <p:cNvPr id="25" name="Straight Connector 24">
+                <a:extLst>
+                  <a:ext uri="{FF2B5EF4-FFF2-40B4-BE49-F238E27FC236}">
+                    <a16:creationId xmlns:a16="http://schemas.microsoft.com/office/drawing/2014/main" id="{D8E496F6-F1DC-4EB1-A0B8-79C411F166D4}"/>
+                  </a:ext>
+                </a:extLst>
+              </p:cNvPr>
+              <p:cNvCxnSpPr/>
+              <p:nvPr/>
+            </p:nvCxnSpPr>
+            <p:spPr>
+              <a:xfrm flipV="1">
+                <a:off x="1009227" y="2404535"/>
+                <a:ext cx="0" cy="467359"/>
+              </a:xfrm>
+              <a:prstGeom prst="line">
+                <a:avLst/>
+              </a:prstGeom>
+              <a:ln/>
+            </p:spPr>
+            <p:style>
+              <a:lnRef idx="3">
+                <a:schemeClr val="dk1"/>
+              </a:lnRef>
+              <a:fillRef idx="0">
+                <a:schemeClr val="dk1"/>
+              </a:fillRef>
+              <a:effectRef idx="2">
+                <a:schemeClr val="dk1"/>
+              </a:effectRef>
+              <a:fontRef idx="minor">
+                <a:schemeClr val="tx1"/>
+              </a:fontRef>
+            </p:style>
+          </p:cxnSp>
+        </p:grpSp>
+        <p:grpSp>
+          <p:nvGrpSpPr>
+            <p:cNvPr id="9" name="Group 8">
+              <a:extLst>
+                <a:ext uri="{FF2B5EF4-FFF2-40B4-BE49-F238E27FC236}">
+                  <a16:creationId xmlns:a16="http://schemas.microsoft.com/office/drawing/2014/main" id="{4A8FD470-6289-4C73-B8F6-BE0C175CF66C}"/>
+                </a:ext>
+              </a:extLst>
+            </p:cNvPr>
+            <p:cNvGrpSpPr/>
+            <p:nvPr/>
+          </p:nvGrpSpPr>
+          <p:grpSpPr>
+            <a:xfrm>
+              <a:off x="2083406" y="3824273"/>
+              <a:ext cx="393094" cy="317492"/>
+              <a:chOff x="2083406" y="3819568"/>
+              <a:chExt cx="393094" cy="317492"/>
+            </a:xfrm>
+          </p:grpSpPr>
+          <p:sp>
+            <p:nvSpPr>
+              <p:cNvPr id="14" name="Rectangle 13">
+                <a:extLst>
+                  <a:ext uri="{FF2B5EF4-FFF2-40B4-BE49-F238E27FC236}">
+                    <a16:creationId xmlns:a16="http://schemas.microsoft.com/office/drawing/2014/main" id="{0E248137-2717-4EA3-BBAE-BB59B05B3A4B}"/>
+                  </a:ext>
+                </a:extLst>
+              </p:cNvPr>
+              <p:cNvSpPr/>
+              <p:nvPr/>
+            </p:nvSpPr>
+            <p:spPr>
+              <a:xfrm rot="20597776">
+                <a:off x="2083406" y="3819568"/>
+                <a:ext cx="304800" cy="317492"/>
+              </a:xfrm>
+              <a:prstGeom prst="rect">
+                <a:avLst/>
+              </a:prstGeom>
+              <a:solidFill>
+                <a:schemeClr val="tx1"/>
+              </a:solidFill>
+            </p:spPr>
+            <p:style>
+              <a:lnRef idx="2">
+                <a:schemeClr val="accent1">
+                  <a:shade val="50000"/>
+                </a:schemeClr>
+              </a:lnRef>
+              <a:fillRef idx="1">
+                <a:schemeClr val="accent1"/>
+              </a:fillRef>
+              <a:effectRef idx="0">
+                <a:schemeClr val="accent1"/>
+              </a:effectRef>
+              <a:fontRef idx="minor">
+                <a:schemeClr val="lt1"/>
+              </a:fontRef>
+            </p:style>
+            <p:txBody>
+              <a:bodyPr rtlCol="0" anchor="ctr"/>
+              <a:lstStyle/>
+              <a:p>
+                <a:pPr algn="ctr"/>
+                <a:endParaRPr lang="en-US"/>
+              </a:p>
+            </p:txBody>
+          </p:sp>
+          <p:sp>
+            <p:nvSpPr>
+              <p:cNvPr id="15" name="Rectangle 14">
+                <a:extLst>
+                  <a:ext uri="{FF2B5EF4-FFF2-40B4-BE49-F238E27FC236}">
+                    <a16:creationId xmlns:a16="http://schemas.microsoft.com/office/drawing/2014/main" id="{F29065A9-663E-4B88-950F-207B23255325}"/>
+                  </a:ext>
+                </a:extLst>
+              </p:cNvPr>
+              <p:cNvSpPr/>
+              <p:nvPr/>
+            </p:nvSpPr>
+            <p:spPr>
+              <a:xfrm rot="20475956">
+                <a:off x="2336800" y="3860800"/>
+                <a:ext cx="114300" cy="45719"/>
+              </a:xfrm>
+              <a:prstGeom prst="rect">
+                <a:avLst/>
+              </a:prstGeom>
+              <a:solidFill>
+                <a:schemeClr val="tx1"/>
+              </a:solidFill>
+            </p:spPr>
+            <p:style>
+              <a:lnRef idx="2">
+                <a:schemeClr val="accent1">
+                  <a:shade val="50000"/>
+                </a:schemeClr>
+              </a:lnRef>
+              <a:fillRef idx="1">
+                <a:schemeClr val="accent1"/>
+              </a:fillRef>
+              <a:effectRef idx="0">
+                <a:schemeClr val="accent1"/>
+              </a:effectRef>
+              <a:fontRef idx="minor">
+                <a:schemeClr val="lt1"/>
+              </a:fontRef>
+            </p:style>
+            <p:txBody>
+              <a:bodyPr rtlCol="0" anchor="ctr"/>
+              <a:lstStyle/>
+              <a:p>
+                <a:pPr algn="ctr"/>
+                <a:endParaRPr lang="en-US"/>
+              </a:p>
+            </p:txBody>
+          </p:sp>
+          <p:sp>
+            <p:nvSpPr>
+              <p:cNvPr id="16" name="Rectangle 15">
+                <a:extLst>
+                  <a:ext uri="{FF2B5EF4-FFF2-40B4-BE49-F238E27FC236}">
+                    <a16:creationId xmlns:a16="http://schemas.microsoft.com/office/drawing/2014/main" id="{6BBD8906-09AA-461E-84D4-F30D0BED9178}"/>
+                  </a:ext>
+                </a:extLst>
+              </p:cNvPr>
+              <p:cNvSpPr/>
+              <p:nvPr/>
+            </p:nvSpPr>
+            <p:spPr>
+              <a:xfrm rot="20475956">
+                <a:off x="2362200" y="3930650"/>
+                <a:ext cx="114300" cy="45719"/>
+              </a:xfrm>
+              <a:prstGeom prst="rect">
+                <a:avLst/>
+              </a:prstGeom>
+              <a:solidFill>
+                <a:schemeClr val="tx1"/>
+              </a:solidFill>
+            </p:spPr>
+            <p:style>
+              <a:lnRef idx="2">
+                <a:schemeClr val="accent1">
+                  <a:shade val="50000"/>
+                </a:schemeClr>
+              </a:lnRef>
+              <a:fillRef idx="1">
+                <a:schemeClr val="accent1"/>
+              </a:fillRef>
+              <a:effectRef idx="0">
+                <a:schemeClr val="accent1"/>
+              </a:effectRef>
+              <a:fontRef idx="minor">
+                <a:schemeClr val="lt1"/>
+              </a:fontRef>
+            </p:style>
+            <p:txBody>
+              <a:bodyPr rtlCol="0" anchor="ctr"/>
+              <a:lstStyle/>
+              <a:p>
+                <a:pPr algn="ctr"/>
+                <a:endParaRPr lang="en-US"/>
+              </a:p>
+            </p:txBody>
+          </p:sp>
+        </p:grpSp>
+        <p:grpSp>
+          <p:nvGrpSpPr>
+            <p:cNvPr id="10" name="Group 9">
+              <a:extLst>
+                <a:ext uri="{FF2B5EF4-FFF2-40B4-BE49-F238E27FC236}">
+                  <a16:creationId xmlns:a16="http://schemas.microsoft.com/office/drawing/2014/main" id="{0AE5BDBB-E101-4EBF-B271-275E8025917D}"/>
+                </a:ext>
+              </a:extLst>
+            </p:cNvPr>
+            <p:cNvGrpSpPr/>
+            <p:nvPr/>
+          </p:nvGrpSpPr>
+          <p:grpSpPr>
+            <a:xfrm>
+              <a:off x="1070531" y="2628142"/>
+              <a:ext cx="577816" cy="636933"/>
+              <a:chOff x="1070531" y="2628142"/>
+              <a:chExt cx="577816" cy="636933"/>
+            </a:xfrm>
+          </p:grpSpPr>
+          <p:sp>
+            <p:nvSpPr>
+              <p:cNvPr id="11" name="Rectangle 10">
+                <a:extLst>
+                  <a:ext uri="{FF2B5EF4-FFF2-40B4-BE49-F238E27FC236}">
+                    <a16:creationId xmlns:a16="http://schemas.microsoft.com/office/drawing/2014/main" id="{0FE00938-E70D-4273-9B0F-1EBB063F295F}"/>
+                  </a:ext>
+                </a:extLst>
+              </p:cNvPr>
+              <p:cNvSpPr/>
+              <p:nvPr/>
+            </p:nvSpPr>
+            <p:spPr>
+              <a:xfrm rot="18054809">
+                <a:off x="1047905" y="2809102"/>
+                <a:ext cx="478599" cy="433348"/>
+              </a:xfrm>
+              <a:prstGeom prst="rect">
+                <a:avLst/>
+              </a:prstGeom>
+              <a:solidFill>
+                <a:schemeClr val="tx1">
+                  <a:lumMod val="95000"/>
+                  <a:lumOff val="5000"/>
+                </a:schemeClr>
+              </a:solidFill>
+            </p:spPr>
+            <p:style>
+              <a:lnRef idx="2">
+                <a:schemeClr val="accent1">
+                  <a:shade val="50000"/>
+                </a:schemeClr>
+              </a:lnRef>
+              <a:fillRef idx="1">
+                <a:schemeClr val="accent1"/>
+              </a:fillRef>
+              <a:effectRef idx="0">
+                <a:schemeClr val="accent1"/>
+              </a:effectRef>
+              <a:fontRef idx="minor">
+                <a:schemeClr val="lt1"/>
+              </a:fontRef>
+            </p:style>
+            <p:txBody>
+              <a:bodyPr rtlCol="0" anchor="ctr"/>
+              <a:lstStyle/>
+              <a:p>
+                <a:pPr algn="ctr"/>
+                <a:endParaRPr lang="en-US"/>
+              </a:p>
+            </p:txBody>
+          </p:sp>
+          <p:sp>
+            <p:nvSpPr>
+              <p:cNvPr id="12" name="Rectangle 11">
+                <a:extLst>
+                  <a:ext uri="{FF2B5EF4-FFF2-40B4-BE49-F238E27FC236}">
+                    <a16:creationId xmlns:a16="http://schemas.microsoft.com/office/drawing/2014/main" id="{29B3F658-7F20-41CB-82F4-CD1E40CCF915}"/>
+                  </a:ext>
+                </a:extLst>
+              </p:cNvPr>
+              <p:cNvSpPr/>
+              <p:nvPr/>
+            </p:nvSpPr>
+            <p:spPr>
+              <a:xfrm rot="18213472">
+                <a:off x="1412677" y="2715997"/>
+                <a:ext cx="221429" cy="45719"/>
+              </a:xfrm>
+              <a:prstGeom prst="rect">
+                <a:avLst/>
+              </a:prstGeom>
+              <a:solidFill>
+                <a:schemeClr val="tx1"/>
+              </a:solidFill>
+            </p:spPr>
+            <p:style>
+              <a:lnRef idx="2">
+                <a:schemeClr val="accent1">
+                  <a:shade val="50000"/>
+                </a:schemeClr>
+              </a:lnRef>
+              <a:fillRef idx="1">
+                <a:schemeClr val="accent1"/>
+              </a:fillRef>
+              <a:effectRef idx="0">
+                <a:schemeClr val="accent1"/>
+              </a:effectRef>
+              <a:fontRef idx="minor">
+                <a:schemeClr val="lt1"/>
+              </a:fontRef>
+            </p:style>
+            <p:txBody>
+              <a:bodyPr rtlCol="0" anchor="ctr"/>
+              <a:lstStyle/>
+              <a:p>
+                <a:pPr algn="ctr"/>
+                <a:endParaRPr lang="en-US"/>
+              </a:p>
+            </p:txBody>
+          </p:sp>
+          <p:sp>
+            <p:nvSpPr>
+              <p:cNvPr id="13" name="Rectangle 12">
+                <a:extLst>
+                  <a:ext uri="{FF2B5EF4-FFF2-40B4-BE49-F238E27FC236}">
+                    <a16:creationId xmlns:a16="http://schemas.microsoft.com/office/drawing/2014/main" id="{77B4914D-2AB2-49F4-8ACE-F669F9F6D678}"/>
+                  </a:ext>
+                </a:extLst>
+              </p:cNvPr>
+              <p:cNvSpPr/>
+              <p:nvPr/>
+            </p:nvSpPr>
+            <p:spPr>
+              <a:xfrm rot="18213472">
+                <a:off x="1514773" y="2779497"/>
+                <a:ext cx="221429" cy="45719"/>
+              </a:xfrm>
+              <a:prstGeom prst="rect">
+                <a:avLst/>
+              </a:prstGeom>
+              <a:solidFill>
+                <a:schemeClr val="tx1"/>
+              </a:solidFill>
+            </p:spPr>
+            <p:style>
+              <a:lnRef idx="2">
+                <a:schemeClr val="accent1">
+                  <a:shade val="50000"/>
+                </a:schemeClr>
+              </a:lnRef>
+              <a:fillRef idx="1">
+                <a:schemeClr val="accent1"/>
+              </a:fillRef>
+              <a:effectRef idx="0">
+                <a:schemeClr val="accent1"/>
+              </a:effectRef>
+              <a:fontRef idx="minor">
+                <a:schemeClr val="lt1"/>
+              </a:fontRef>
+            </p:style>
+            <p:txBody>
+              <a:bodyPr rtlCol="0" anchor="ctr"/>
+              <a:lstStyle/>
+              <a:p>
+                <a:pPr algn="ctr"/>
+                <a:endParaRPr lang="en-US"/>
+              </a:p>
+            </p:txBody>
+          </p:sp>
+        </p:grpSp>
+      </p:grpSp>
+      <p:sp>
+        <p:nvSpPr>
+          <p:cNvPr id="26" name="Rectangle 25">
+            <a:extLst>
+              <a:ext uri="{FF2B5EF4-FFF2-40B4-BE49-F238E27FC236}">
+                <a16:creationId xmlns:a16="http://schemas.microsoft.com/office/drawing/2014/main" id="{3363469C-B5E3-4850-A601-11AD41D4BBCB}"/>
+              </a:ext>
+            </a:extLst>
+          </p:cNvPr>
+          <p:cNvSpPr/>
+          <p:nvPr/>
+        </p:nvSpPr>
+        <p:spPr>
+          <a:xfrm rot="15064516">
+            <a:off x="9492362" y="3832303"/>
+            <a:ext cx="850988" cy="331313"/>
+          </a:xfrm>
+          <a:prstGeom prst="rect">
+            <a:avLst/>
+          </a:prstGeom>
+        </p:spPr>
+        <p:style>
+          <a:lnRef idx="2">
+            <a:schemeClr val="accent5">
+              <a:shade val="50000"/>
+            </a:schemeClr>
+          </a:lnRef>
+          <a:fillRef idx="1">
+            <a:schemeClr val="accent5"/>
+          </a:fillRef>
+          <a:effectRef idx="0">
+            <a:schemeClr val="accent5"/>
+          </a:effectRef>
+          <a:fontRef idx="minor">
+            <a:schemeClr val="lt1"/>
+          </a:fontRef>
+        </p:style>
+        <p:txBody>
+          <a:bodyPr rtlCol="0" anchor="ctr"/>
+          <a:lstStyle/>
+          <a:p>
+            <a:pPr algn="ctr"/>
+            <a:r>
+              <a:rPr lang="en-US" dirty="0"/>
+              <a:t> UBEC</a:t>
+            </a:r>
+          </a:p>
+        </p:txBody>
+      </p:sp>
+      <p:sp>
+        <p:nvSpPr>
+          <p:cNvPr id="27" name="Rectangle 26">
+            <a:extLst>
+              <a:ext uri="{FF2B5EF4-FFF2-40B4-BE49-F238E27FC236}">
+                <a16:creationId xmlns:a16="http://schemas.microsoft.com/office/drawing/2014/main" id="{04F83FCE-AF0E-4EAF-89D5-421E40656273}"/>
+              </a:ext>
+            </a:extLst>
+          </p:cNvPr>
+          <p:cNvSpPr/>
+          <p:nvPr/>
+        </p:nvSpPr>
+        <p:spPr>
+          <a:xfrm rot="3355565">
+            <a:off x="9665928" y="3308220"/>
+            <a:ext cx="175572" cy="336594"/>
+          </a:xfrm>
+          <a:prstGeom prst="rect">
+            <a:avLst/>
+          </a:prstGeom>
+          <a:solidFill>
+            <a:schemeClr val="accent6">
+              <a:lumMod val="40000"/>
+              <a:lumOff val="60000"/>
+            </a:schemeClr>
+          </a:solidFill>
+        </p:spPr>
+        <p:style>
+          <a:lnRef idx="2">
+            <a:schemeClr val="accent1">
+              <a:shade val="50000"/>
+            </a:schemeClr>
+          </a:lnRef>
+          <a:fillRef idx="1">
+            <a:schemeClr val="accent1"/>
+          </a:fillRef>
+          <a:effectRef idx="0">
+            <a:schemeClr val="accent1"/>
+          </a:effectRef>
+          <a:fontRef idx="minor">
+            <a:schemeClr val="lt1"/>
+          </a:fontRef>
+        </p:style>
+        <p:txBody>
+          <a:bodyPr rtlCol="0" anchor="ctr"/>
+          <a:lstStyle/>
+          <a:p>
+            <a:pPr algn="ctr"/>
+            <a:endParaRPr lang="en-US"/>
+          </a:p>
+        </p:txBody>
+      </p:sp>
+      <p:sp>
+        <p:nvSpPr>
+          <p:cNvPr id="28" name="Rectangle 27">
+            <a:extLst>
+              <a:ext uri="{FF2B5EF4-FFF2-40B4-BE49-F238E27FC236}">
+                <a16:creationId xmlns:a16="http://schemas.microsoft.com/office/drawing/2014/main" id="{0C0745D1-29C7-4D8D-8FD7-54778457E517}"/>
+              </a:ext>
+            </a:extLst>
+          </p:cNvPr>
+          <p:cNvSpPr/>
+          <p:nvPr/>
+        </p:nvSpPr>
+        <p:spPr>
+          <a:xfrm rot="4359892">
+            <a:off x="9600943" y="5090236"/>
+            <a:ext cx="1126941" cy="417140"/>
+          </a:xfrm>
+          <a:prstGeom prst="rect">
+            <a:avLst/>
+          </a:prstGeom>
+          <a:solidFill>
+            <a:schemeClr val="accent5"/>
+          </a:solidFill>
+          <a:ln>
+            <a:solidFill>
+              <a:schemeClr val="accent5"/>
+            </a:solidFill>
+          </a:ln>
+        </p:spPr>
+        <p:style>
+          <a:lnRef idx="2">
+            <a:schemeClr val="accent1">
+              <a:shade val="50000"/>
+            </a:schemeClr>
+          </a:lnRef>
+          <a:fillRef idx="1">
+            <a:schemeClr val="accent1"/>
+          </a:fillRef>
+          <a:effectRef idx="0">
+            <a:schemeClr val="accent1"/>
+          </a:effectRef>
+          <a:fontRef idx="minor">
+            <a:schemeClr val="lt1"/>
+          </a:fontRef>
+        </p:style>
+        <p:txBody>
+          <a:bodyPr rtlCol="0" anchor="ctr"/>
+          <a:lstStyle/>
+          <a:p>
+            <a:pPr algn="ctr"/>
+            <a:r>
+              <a:rPr lang="en-US" dirty="0" err="1"/>
+              <a:t>Ardu</a:t>
+            </a:r>
+            <a:endParaRPr lang="en-US" dirty="0"/>
+          </a:p>
+        </p:txBody>
+      </p:sp>
+      <p:sp>
+        <p:nvSpPr>
+          <p:cNvPr id="29" name="Rectangle 28">
+            <a:extLst>
+              <a:ext uri="{FF2B5EF4-FFF2-40B4-BE49-F238E27FC236}">
+                <a16:creationId xmlns:a16="http://schemas.microsoft.com/office/drawing/2014/main" id="{75DA5D87-A5F5-41FF-9E5B-BA8DCA2D83B5}"/>
+              </a:ext>
+            </a:extLst>
+          </p:cNvPr>
+          <p:cNvSpPr/>
+          <p:nvPr/>
+        </p:nvSpPr>
+        <p:spPr>
+          <a:xfrm rot="20653546">
+            <a:off x="10693744" y="5042581"/>
+            <a:ext cx="64302" cy="784651"/>
+          </a:xfrm>
+          <a:prstGeom prst="rect">
+            <a:avLst/>
+          </a:prstGeom>
+          <a:solidFill>
+            <a:schemeClr val="accent4">
+              <a:lumMod val="60000"/>
+              <a:lumOff val="40000"/>
+            </a:schemeClr>
+          </a:solidFill>
+        </p:spPr>
+        <p:style>
+          <a:lnRef idx="2">
+            <a:schemeClr val="accent1">
+              <a:shade val="50000"/>
+            </a:schemeClr>
+          </a:lnRef>
+          <a:fillRef idx="1">
+            <a:schemeClr val="accent1"/>
+          </a:fillRef>
+          <a:effectRef idx="0">
+            <a:schemeClr val="accent1"/>
+          </a:effectRef>
+          <a:fontRef idx="minor">
+            <a:schemeClr val="lt1"/>
+          </a:fontRef>
+        </p:style>
+        <p:txBody>
+          <a:bodyPr rtlCol="0" anchor="ctr"/>
+          <a:lstStyle/>
+          <a:p>
+            <a:pPr algn="ctr"/>
+            <a:endParaRPr lang="en-US"/>
+          </a:p>
+        </p:txBody>
+      </p:sp>
+      <p:sp>
+        <p:nvSpPr>
+          <p:cNvPr id="30" name="Rectangle 29">
+            <a:extLst>
+              <a:ext uri="{FF2B5EF4-FFF2-40B4-BE49-F238E27FC236}">
+                <a16:creationId xmlns:a16="http://schemas.microsoft.com/office/drawing/2014/main" id="{20733B9B-7E8B-4845-B636-05948F6F81E0}"/>
+              </a:ext>
+            </a:extLst>
+          </p:cNvPr>
+          <p:cNvSpPr/>
+          <p:nvPr/>
+        </p:nvSpPr>
+        <p:spPr>
+          <a:xfrm>
+            <a:off x="10024535" y="2508710"/>
+            <a:ext cx="248778" cy="98118"/>
+          </a:xfrm>
+          <a:prstGeom prst="rect">
+            <a:avLst/>
+          </a:prstGeom>
+          <a:solidFill>
+            <a:srgbClr val="36F856"/>
+          </a:solidFill>
+        </p:spPr>
+        <p:style>
+          <a:lnRef idx="2">
+            <a:schemeClr val="accent1">
+              <a:shade val="50000"/>
+            </a:schemeClr>
+          </a:lnRef>
+          <a:fillRef idx="1">
+            <a:schemeClr val="accent1"/>
+          </a:fillRef>
+          <a:effectRef idx="0">
+            <a:schemeClr val="accent1"/>
+          </a:effectRef>
+          <a:fontRef idx="minor">
+            <a:schemeClr val="lt1"/>
+          </a:fontRef>
+        </p:style>
+        <p:txBody>
+          <a:bodyPr rtlCol="0" anchor="ctr"/>
+          <a:lstStyle/>
+          <a:p>
+            <a:pPr algn="ctr"/>
+            <a:endParaRPr lang="en-US"/>
+          </a:p>
+        </p:txBody>
+      </p:sp>
+      <p:grpSp>
+        <p:nvGrpSpPr>
+          <p:cNvPr id="31" name="Group 30">
+            <a:extLst>
+              <a:ext uri="{FF2B5EF4-FFF2-40B4-BE49-F238E27FC236}">
+                <a16:creationId xmlns:a16="http://schemas.microsoft.com/office/drawing/2014/main" id="{744AD4F3-A33E-447C-B6B1-BB4804E55FA9}"/>
+              </a:ext>
+            </a:extLst>
+          </p:cNvPr>
+          <p:cNvGrpSpPr/>
+          <p:nvPr/>
+        </p:nvGrpSpPr>
+        <p:grpSpPr>
+          <a:xfrm>
+            <a:off x="8599866" y="2592467"/>
+            <a:ext cx="549138" cy="600209"/>
+            <a:chOff x="8599866" y="2592467"/>
+            <a:chExt cx="549138" cy="600209"/>
+          </a:xfrm>
+        </p:grpSpPr>
+        <p:sp>
+          <p:nvSpPr>
+            <p:cNvPr id="32" name="Rectangle 31">
+              <a:extLst>
+                <a:ext uri="{FF2B5EF4-FFF2-40B4-BE49-F238E27FC236}">
+                  <a16:creationId xmlns:a16="http://schemas.microsoft.com/office/drawing/2014/main" id="{05A7CA1D-1BAC-48E6-B333-C8E69C238C03}"/>
+                </a:ext>
+              </a:extLst>
+            </p:cNvPr>
+            <p:cNvSpPr/>
+            <p:nvPr/>
+          </p:nvSpPr>
+          <p:spPr>
+            <a:xfrm>
+              <a:off x="8599866" y="2620374"/>
+              <a:ext cx="549138" cy="572302"/>
+            </a:xfrm>
+            <a:prstGeom prst="rect">
+              <a:avLst/>
+            </a:prstGeom>
+            <a:solidFill>
+              <a:schemeClr val="accent5"/>
+            </a:solidFill>
+            <a:ln>
+              <a:solidFill>
+                <a:srgbClr val="0070C0"/>
+              </a:solidFill>
+            </a:ln>
+          </p:spPr>
+          <p:style>
+            <a:lnRef idx="2">
+              <a:schemeClr val="accent1">
+                <a:shade val="50000"/>
+              </a:schemeClr>
+            </a:lnRef>
+            <a:fillRef idx="1">
+              <a:schemeClr val="accent1"/>
+            </a:fillRef>
+            <a:effectRef idx="0">
+              <a:schemeClr val="accent1"/>
+            </a:effectRef>
+            <a:fontRef idx="minor">
+              <a:schemeClr val="lt1"/>
+            </a:fontRef>
+          </p:style>
+          <p:txBody>
+            <a:bodyPr rtlCol="0" anchor="ctr"/>
+            <a:lstStyle/>
+            <a:p>
+              <a:pPr algn="ctr"/>
+              <a:r>
+                <a:rPr lang="en-US" sz="1200" dirty="0"/>
+                <a:t>YX</a:t>
+              </a:r>
+            </a:p>
+            <a:p>
+              <a:pPr algn="ctr"/>
+              <a:r>
+                <a:rPr lang="en-US" sz="1200" dirty="0"/>
+                <a:t>5200</a:t>
+              </a:r>
+            </a:p>
+          </p:txBody>
+        </p:sp>
+        <p:sp>
+          <p:nvSpPr>
+            <p:cNvPr id="33" name="Oval 32">
+              <a:extLst>
+                <a:ext uri="{FF2B5EF4-FFF2-40B4-BE49-F238E27FC236}">
+                  <a16:creationId xmlns:a16="http://schemas.microsoft.com/office/drawing/2014/main" id="{E41082DF-47E4-4746-9F65-F9CC44CB7624}"/>
+                </a:ext>
+              </a:extLst>
+            </p:cNvPr>
+            <p:cNvSpPr/>
+            <p:nvPr/>
+          </p:nvSpPr>
+          <p:spPr>
+            <a:xfrm>
+              <a:off x="8838064" y="2592467"/>
+              <a:ext cx="54186" cy="46399"/>
+            </a:xfrm>
+            <a:prstGeom prst="ellipse">
+              <a:avLst/>
+            </a:prstGeom>
+            <a:solidFill>
+              <a:schemeClr val="accent3">
+                <a:lumMod val="40000"/>
+                <a:lumOff val="60000"/>
+              </a:schemeClr>
+            </a:solidFill>
+            <a:ln>
+              <a:solidFill>
+                <a:schemeClr val="accent3">
+                  <a:lumMod val="40000"/>
+                  <a:lumOff val="60000"/>
+                </a:schemeClr>
+              </a:solidFill>
+            </a:ln>
+          </p:spPr>
+          <p:style>
+            <a:lnRef idx="2">
+              <a:schemeClr val="accent1">
+                <a:shade val="50000"/>
+              </a:schemeClr>
+            </a:lnRef>
+            <a:fillRef idx="1">
+              <a:schemeClr val="accent1"/>
+            </a:fillRef>
+            <a:effectRef idx="0">
+              <a:schemeClr val="accent1"/>
+            </a:effectRef>
+            <a:fontRef idx="minor">
+              <a:schemeClr val="lt1"/>
+            </a:fontRef>
+          </p:style>
+          <p:txBody>
+            <a:bodyPr rtlCol="0" anchor="ctr"/>
+            <a:lstStyle/>
+            <a:p>
+              <a:pPr algn="ctr"/>
+              <a:endParaRPr lang="en-US"/>
+            </a:p>
+          </p:txBody>
+        </p:sp>
+      </p:grpSp>
+      <p:grpSp>
+        <p:nvGrpSpPr>
+          <p:cNvPr id="34" name="Group 33">
+            <a:extLst>
+              <a:ext uri="{FF2B5EF4-FFF2-40B4-BE49-F238E27FC236}">
+                <a16:creationId xmlns:a16="http://schemas.microsoft.com/office/drawing/2014/main" id="{9BD12F2A-1262-45F6-9303-EA90AEA4C8CA}"/>
+              </a:ext>
+            </a:extLst>
+          </p:cNvPr>
+          <p:cNvGrpSpPr/>
+          <p:nvPr/>
+        </p:nvGrpSpPr>
+        <p:grpSpPr>
+          <a:xfrm rot="16019730">
+            <a:off x="9227780" y="4363881"/>
+            <a:ext cx="534377" cy="189534"/>
+            <a:chOff x="9382567" y="3220117"/>
+            <a:chExt cx="534377" cy="189534"/>
+          </a:xfrm>
+        </p:grpSpPr>
+        <p:sp>
+          <p:nvSpPr>
+            <p:cNvPr id="35" name="Rectangle 34">
+              <a:extLst>
+                <a:ext uri="{FF2B5EF4-FFF2-40B4-BE49-F238E27FC236}">
+                  <a16:creationId xmlns:a16="http://schemas.microsoft.com/office/drawing/2014/main" id="{1919EAF8-3FE6-4254-9BEE-C5331042D628}"/>
+                </a:ext>
+              </a:extLst>
+            </p:cNvPr>
+            <p:cNvSpPr/>
+            <p:nvPr/>
+          </p:nvSpPr>
+          <p:spPr>
+            <a:xfrm rot="20675816">
+              <a:off x="9382567" y="3230531"/>
+              <a:ext cx="517241" cy="179120"/>
+            </a:xfrm>
+            <a:prstGeom prst="rect">
+              <a:avLst/>
+            </a:prstGeom>
+          </p:spPr>
+          <p:style>
+            <a:lnRef idx="2">
+              <a:schemeClr val="accent1">
+                <a:shade val="50000"/>
+              </a:schemeClr>
+            </a:lnRef>
+            <a:fillRef idx="1">
+              <a:schemeClr val="accent1"/>
+            </a:fillRef>
+            <a:effectRef idx="0">
+              <a:schemeClr val="accent1"/>
+            </a:effectRef>
+            <a:fontRef idx="minor">
+              <a:schemeClr val="lt1"/>
+            </a:fontRef>
+          </p:style>
+          <p:txBody>
+            <a:bodyPr rtlCol="0" anchor="ctr"/>
+            <a:lstStyle/>
+            <a:p>
+              <a:pPr algn="ctr"/>
+              <a:r>
+                <a:rPr lang="en-US" sz="1400" dirty="0"/>
+                <a:t>125</a:t>
+              </a:r>
+            </a:p>
+          </p:txBody>
+        </p:sp>
+        <p:sp>
+          <p:nvSpPr>
+            <p:cNvPr id="36" name="Oval 35">
+              <a:extLst>
+                <a:ext uri="{FF2B5EF4-FFF2-40B4-BE49-F238E27FC236}">
+                  <a16:creationId xmlns:a16="http://schemas.microsoft.com/office/drawing/2014/main" id="{595B925E-A2CA-42F7-B52C-5017BAB5F06A}"/>
+                </a:ext>
+              </a:extLst>
+            </p:cNvPr>
+            <p:cNvSpPr/>
+            <p:nvPr/>
+          </p:nvSpPr>
+          <p:spPr>
+            <a:xfrm>
+              <a:off x="9862758" y="3220117"/>
+              <a:ext cx="54186" cy="46399"/>
+            </a:xfrm>
+            <a:prstGeom prst="ellipse">
+              <a:avLst/>
+            </a:prstGeom>
+            <a:solidFill>
+              <a:schemeClr val="accent3">
+                <a:lumMod val="40000"/>
+                <a:lumOff val="60000"/>
+              </a:schemeClr>
+            </a:solidFill>
+            <a:ln>
+              <a:solidFill>
+                <a:schemeClr val="accent3">
+                  <a:lumMod val="40000"/>
+                  <a:lumOff val="60000"/>
+                </a:schemeClr>
+              </a:solidFill>
+            </a:ln>
+          </p:spPr>
+          <p:style>
+            <a:lnRef idx="2">
+              <a:schemeClr val="accent1">
+                <a:shade val="50000"/>
+              </a:schemeClr>
+            </a:lnRef>
+            <a:fillRef idx="1">
+              <a:schemeClr val="accent1"/>
+            </a:fillRef>
+            <a:effectRef idx="0">
+              <a:schemeClr val="accent1"/>
+            </a:effectRef>
+            <a:fontRef idx="minor">
+              <a:schemeClr val="lt1"/>
+            </a:fontRef>
+          </p:style>
+          <p:txBody>
+            <a:bodyPr rtlCol="0" anchor="ctr"/>
+            <a:lstStyle/>
+            <a:p>
+              <a:pPr algn="ctr"/>
+              <a:endParaRPr lang="en-US"/>
+            </a:p>
+          </p:txBody>
+        </p:sp>
+      </p:grpSp>
+      <p:sp>
+        <p:nvSpPr>
+          <p:cNvPr id="37" name="Rectangle: Rounded Corners 36">
+            <a:extLst>
+              <a:ext uri="{FF2B5EF4-FFF2-40B4-BE49-F238E27FC236}">
+                <a16:creationId xmlns:a16="http://schemas.microsoft.com/office/drawing/2014/main" id="{EA31ED77-EBE9-473C-9F4A-00083603A923}"/>
+              </a:ext>
+            </a:extLst>
+          </p:cNvPr>
+          <p:cNvSpPr/>
+          <p:nvPr/>
+        </p:nvSpPr>
+        <p:spPr>
+          <a:xfrm rot="20513597">
+            <a:off x="9943038" y="4757349"/>
+            <a:ext cx="134315" cy="180926"/>
+          </a:xfrm>
+          <a:prstGeom prst="roundRect">
+            <a:avLst/>
+          </a:prstGeom>
+          <a:solidFill>
+            <a:schemeClr val="bg1"/>
+          </a:solidFill>
+        </p:spPr>
+        <p:style>
+          <a:lnRef idx="2">
+            <a:schemeClr val="accent1">
+              <a:shade val="50000"/>
+            </a:schemeClr>
+          </a:lnRef>
+          <a:fillRef idx="1">
+            <a:schemeClr val="accent1"/>
+          </a:fillRef>
+          <a:effectRef idx="0">
+            <a:schemeClr val="accent1"/>
+          </a:effectRef>
+          <a:fontRef idx="minor">
+            <a:schemeClr val="lt1"/>
+          </a:fontRef>
+        </p:style>
+        <p:txBody>
+          <a:bodyPr rtlCol="0" anchor="ctr"/>
+          <a:lstStyle/>
+          <a:p>
+            <a:pPr algn="ctr"/>
+            <a:endParaRPr lang="en-US"/>
+          </a:p>
+        </p:txBody>
+      </p:sp>
+      <p:sp>
+        <p:nvSpPr>
+          <p:cNvPr id="38" name="TextBox 37">
+            <a:extLst>
+              <a:ext uri="{FF2B5EF4-FFF2-40B4-BE49-F238E27FC236}">
+                <a16:creationId xmlns:a16="http://schemas.microsoft.com/office/drawing/2014/main" id="{3640D38F-85CB-449C-B536-E537606B3102}"/>
+              </a:ext>
+            </a:extLst>
+          </p:cNvPr>
+          <p:cNvSpPr txBox="1"/>
+          <p:nvPr/>
+        </p:nvSpPr>
+        <p:spPr>
+          <a:xfrm rot="20266484">
+            <a:off x="9895418" y="4241706"/>
+            <a:ext cx="290464" cy="215444"/>
+          </a:xfrm>
+          <a:prstGeom prst="rect">
+            <a:avLst/>
+          </a:prstGeom>
+          <a:noFill/>
+        </p:spPr>
+        <p:txBody>
+          <a:bodyPr wrap="none" rtlCol="0">
+            <a:spAutoFit/>
+          </a:bodyPr>
+          <a:lstStyle/>
+          <a:p>
+            <a:r>
+              <a:rPr lang="en-US" sz="800" dirty="0">
+                <a:solidFill>
+                  <a:schemeClr val="bg1"/>
+                </a:solidFill>
+              </a:rPr>
+              <a:t>IN</a:t>
+            </a:r>
+          </a:p>
+        </p:txBody>
+      </p:sp>
+      <p:grpSp>
+        <p:nvGrpSpPr>
+          <p:cNvPr id="39" name="Group 38">
+            <a:extLst>
+              <a:ext uri="{FF2B5EF4-FFF2-40B4-BE49-F238E27FC236}">
+                <a16:creationId xmlns:a16="http://schemas.microsoft.com/office/drawing/2014/main" id="{EC8881DB-3E86-439C-9FDE-52D09AF68151}"/>
+              </a:ext>
+            </a:extLst>
+          </p:cNvPr>
+          <p:cNvGrpSpPr/>
+          <p:nvPr/>
+        </p:nvGrpSpPr>
+        <p:grpSpPr>
+          <a:xfrm rot="16019730">
+            <a:off x="9454507" y="5131573"/>
+            <a:ext cx="534377" cy="189534"/>
+            <a:chOff x="9382567" y="3220117"/>
+            <a:chExt cx="534377" cy="189534"/>
+          </a:xfrm>
+        </p:grpSpPr>
+        <p:sp>
+          <p:nvSpPr>
+            <p:cNvPr id="40" name="Rectangle 39">
+              <a:extLst>
+                <a:ext uri="{FF2B5EF4-FFF2-40B4-BE49-F238E27FC236}">
+                  <a16:creationId xmlns:a16="http://schemas.microsoft.com/office/drawing/2014/main" id="{BF652637-5C03-40F0-B695-30A6E3AB22A1}"/>
+                </a:ext>
+              </a:extLst>
+            </p:cNvPr>
+            <p:cNvSpPr/>
+            <p:nvPr/>
+          </p:nvSpPr>
+          <p:spPr>
+            <a:xfrm rot="20675816">
+              <a:off x="9382567" y="3230531"/>
+              <a:ext cx="517241" cy="179120"/>
+            </a:xfrm>
+            <a:prstGeom prst="rect">
+              <a:avLst/>
+            </a:prstGeom>
+          </p:spPr>
+          <p:style>
+            <a:lnRef idx="2">
+              <a:schemeClr val="accent1">
+                <a:shade val="50000"/>
+              </a:schemeClr>
+            </a:lnRef>
+            <a:fillRef idx="1">
+              <a:schemeClr val="accent1"/>
+            </a:fillRef>
+            <a:effectRef idx="0">
+              <a:schemeClr val="accent1"/>
+            </a:effectRef>
+            <a:fontRef idx="minor">
+              <a:schemeClr val="lt1"/>
+            </a:fontRef>
+          </p:style>
+          <p:txBody>
+            <a:bodyPr rtlCol="0" anchor="ctr"/>
+            <a:lstStyle/>
+            <a:p>
+              <a:pPr algn="ctr"/>
+              <a:r>
+                <a:rPr lang="en-US" sz="1200" dirty="0"/>
+                <a:t>KCX</a:t>
+              </a:r>
+            </a:p>
+          </p:txBody>
+        </p:sp>
+        <p:sp>
+          <p:nvSpPr>
+            <p:cNvPr id="41" name="Oval 40">
+              <a:extLst>
+                <a:ext uri="{FF2B5EF4-FFF2-40B4-BE49-F238E27FC236}">
+                  <a16:creationId xmlns:a16="http://schemas.microsoft.com/office/drawing/2014/main" id="{F24FD21A-F125-4BA5-A023-3A28F82D3892}"/>
+                </a:ext>
+              </a:extLst>
+            </p:cNvPr>
+            <p:cNvSpPr/>
+            <p:nvPr/>
+          </p:nvSpPr>
+          <p:spPr>
+            <a:xfrm>
+              <a:off x="9862758" y="3220117"/>
+              <a:ext cx="54186" cy="46399"/>
+            </a:xfrm>
+            <a:prstGeom prst="ellipse">
+              <a:avLst/>
+            </a:prstGeom>
+            <a:solidFill>
+              <a:schemeClr val="accent3">
+                <a:lumMod val="40000"/>
+                <a:lumOff val="60000"/>
+              </a:schemeClr>
+            </a:solidFill>
+            <a:ln>
+              <a:solidFill>
+                <a:schemeClr val="accent3">
+                  <a:lumMod val="40000"/>
+                  <a:lumOff val="60000"/>
+                </a:schemeClr>
+              </a:solidFill>
+            </a:ln>
+          </p:spPr>
+          <p:style>
+            <a:lnRef idx="2">
+              <a:schemeClr val="accent1">
+                <a:shade val="50000"/>
+              </a:schemeClr>
+            </a:lnRef>
+            <a:fillRef idx="1">
+              <a:schemeClr val="accent1"/>
+            </a:fillRef>
+            <a:effectRef idx="0">
+              <a:schemeClr val="accent1"/>
+            </a:effectRef>
+            <a:fontRef idx="minor">
+              <a:schemeClr val="lt1"/>
+            </a:fontRef>
+          </p:style>
+          <p:txBody>
+            <a:bodyPr rtlCol="0" anchor="ctr"/>
+            <a:lstStyle/>
+            <a:p>
+              <a:pPr algn="ctr"/>
+              <a:endParaRPr lang="en-US" sz="1200"/>
+            </a:p>
+          </p:txBody>
+        </p:sp>
+      </p:grpSp>
+      <p:sp>
+        <p:nvSpPr>
+          <p:cNvPr id="4" name="Rectangle 3">
+            <a:extLst>
+              <a:ext uri="{FF2B5EF4-FFF2-40B4-BE49-F238E27FC236}">
+                <a16:creationId xmlns:a16="http://schemas.microsoft.com/office/drawing/2014/main" id="{13495F2B-8FCE-446D-8B24-ACAE63D3707C}"/>
+              </a:ext>
+            </a:extLst>
+          </p:cNvPr>
+          <p:cNvSpPr/>
+          <p:nvPr/>
+        </p:nvSpPr>
+        <p:spPr>
+          <a:xfrm rot="5400000">
+            <a:off x="7853957" y="5102742"/>
+            <a:ext cx="1126941" cy="508003"/>
+          </a:xfrm>
+          <a:prstGeom prst="rect">
+            <a:avLst/>
+          </a:prstGeom>
+          <a:solidFill>
+            <a:schemeClr val="accent5"/>
+          </a:solidFill>
+          <a:ln>
+            <a:solidFill>
+              <a:schemeClr val="accent5"/>
+            </a:solidFill>
+          </a:ln>
+        </p:spPr>
+        <p:style>
+          <a:lnRef idx="2">
+            <a:schemeClr val="accent1">
+              <a:shade val="50000"/>
+            </a:schemeClr>
+          </a:lnRef>
+          <a:fillRef idx="1">
+            <a:schemeClr val="accent1"/>
+          </a:fillRef>
+          <a:effectRef idx="0">
+            <a:schemeClr val="accent1"/>
+          </a:effectRef>
+          <a:fontRef idx="minor">
+            <a:schemeClr val="lt1"/>
+          </a:fontRef>
+        </p:style>
+        <p:txBody>
+          <a:bodyPr rtlCol="0" anchor="ctr"/>
+          <a:lstStyle/>
+          <a:p>
+            <a:pPr algn="ctr"/>
+            <a:r>
+              <a:rPr lang="en-US" dirty="0"/>
+              <a:t>Prog </a:t>
+            </a:r>
+            <a:r>
+              <a:rPr lang="en-US" dirty="0" err="1"/>
+              <a:t>Ardu</a:t>
+            </a:r>
+            <a:endParaRPr lang="en-US" dirty="0"/>
+          </a:p>
+        </p:txBody>
+      </p:sp>
+      <p:cxnSp>
+        <p:nvCxnSpPr>
+          <p:cNvPr id="44" name="Straight Connector 43">
+            <a:extLst>
+              <a:ext uri="{FF2B5EF4-FFF2-40B4-BE49-F238E27FC236}">
+                <a16:creationId xmlns:a16="http://schemas.microsoft.com/office/drawing/2014/main" id="{590B4BA7-DFB4-4F73-8617-4CBE043770F3}"/>
+              </a:ext>
+            </a:extLst>
+          </p:cNvPr>
+          <p:cNvCxnSpPr>
+            <a:endCxn id="40" idx="0"/>
+          </p:cNvCxnSpPr>
+          <p:nvPr/>
+        </p:nvCxnSpPr>
+        <p:spPr>
+          <a:xfrm>
+            <a:off x="8653486" y="4962053"/>
+            <a:ext cx="988881" cy="300850"/>
+          </a:xfrm>
+          <a:prstGeom prst="line">
+            <a:avLst/>
+          </a:prstGeom>
+          <a:ln w="12700">
+            <a:solidFill>
+              <a:schemeClr val="tx1"/>
+            </a:solidFill>
+          </a:ln>
+        </p:spPr>
+        <p:style>
+          <a:lnRef idx="1">
+            <a:schemeClr val="accent1"/>
+          </a:lnRef>
+          <a:fillRef idx="0">
+            <a:schemeClr val="accent1"/>
+          </a:fillRef>
+          <a:effectRef idx="0">
+            <a:schemeClr val="accent1"/>
+          </a:effectRef>
+          <a:fontRef idx="minor">
+            <a:schemeClr val="tx1"/>
+          </a:fontRef>
+        </p:style>
+      </p:cxnSp>
+      <p:sp>
+        <p:nvSpPr>
+          <p:cNvPr id="45" name="TextBox 44">
+            <a:extLst>
+              <a:ext uri="{FF2B5EF4-FFF2-40B4-BE49-F238E27FC236}">
+                <a16:creationId xmlns:a16="http://schemas.microsoft.com/office/drawing/2014/main" id="{D1002E0D-FFDA-4212-A4C1-D47E37E7FB5C}"/>
+              </a:ext>
+            </a:extLst>
+          </p:cNvPr>
+          <p:cNvSpPr txBox="1"/>
+          <p:nvPr/>
+        </p:nvSpPr>
+        <p:spPr>
+          <a:xfrm>
+            <a:off x="8802618" y="5096123"/>
+            <a:ext cx="677237" cy="276999"/>
+          </a:xfrm>
+          <a:prstGeom prst="rect">
+            <a:avLst/>
+          </a:prstGeom>
+          <a:noFill/>
+        </p:spPr>
+        <p:txBody>
+          <a:bodyPr wrap="none" rtlCol="0">
+            <a:spAutoFit/>
+          </a:bodyPr>
+          <a:lstStyle/>
+          <a:p>
+            <a:r>
+              <a:rPr lang="en-US" sz="1200" dirty="0"/>
+              <a:t>3 wires</a:t>
+            </a:r>
+          </a:p>
+        </p:txBody>
+      </p:sp>
+      <p:sp>
+        <p:nvSpPr>
+          <p:cNvPr id="47" name="Rectangle: Rounded Corners 46">
+            <a:extLst>
+              <a:ext uri="{FF2B5EF4-FFF2-40B4-BE49-F238E27FC236}">
+                <a16:creationId xmlns:a16="http://schemas.microsoft.com/office/drawing/2014/main" id="{3D94BD1C-2593-49F2-BF89-6F318F52CB20}"/>
+              </a:ext>
+            </a:extLst>
+          </p:cNvPr>
+          <p:cNvSpPr/>
+          <p:nvPr/>
+        </p:nvSpPr>
+        <p:spPr>
+          <a:xfrm>
+            <a:off x="8350269" y="4787158"/>
+            <a:ext cx="134315" cy="180926"/>
+          </a:xfrm>
+          <a:prstGeom prst="roundRect">
+            <a:avLst/>
+          </a:prstGeom>
+          <a:solidFill>
+            <a:schemeClr val="bg1"/>
+          </a:solidFill>
+        </p:spPr>
+        <p:style>
+          <a:lnRef idx="2">
+            <a:schemeClr val="accent1">
+              <a:shade val="50000"/>
+            </a:schemeClr>
+          </a:lnRef>
+          <a:fillRef idx="1">
+            <a:schemeClr val="accent1"/>
+          </a:fillRef>
+          <a:effectRef idx="0">
+            <a:schemeClr val="accent1"/>
+          </a:effectRef>
+          <a:fontRef idx="minor">
+            <a:schemeClr val="lt1"/>
+          </a:fontRef>
+        </p:style>
+        <p:txBody>
+          <a:bodyPr rtlCol="0" anchor="ctr"/>
+          <a:lstStyle/>
+          <a:p>
+            <a:pPr algn="ctr"/>
+            <a:endParaRPr lang="en-US"/>
+          </a:p>
+        </p:txBody>
+      </p:sp>
+      <p:sp>
+        <p:nvSpPr>
+          <p:cNvPr id="49" name="Freeform: Shape 48">
+            <a:extLst>
+              <a:ext uri="{FF2B5EF4-FFF2-40B4-BE49-F238E27FC236}">
+                <a16:creationId xmlns:a16="http://schemas.microsoft.com/office/drawing/2014/main" id="{0171344A-A62F-440E-8A13-661F78F244AB}"/>
+              </a:ext>
+            </a:extLst>
+          </p:cNvPr>
+          <p:cNvSpPr/>
+          <p:nvPr/>
+        </p:nvSpPr>
+        <p:spPr>
+          <a:xfrm>
+            <a:off x="6394784" y="3783932"/>
+            <a:ext cx="2033628" cy="1004636"/>
+          </a:xfrm>
+          <a:custGeom>
+            <a:avLst/>
+            <a:gdLst>
+              <a:gd name="connsiteX0" fmla="*/ 2009274 w 2033628"/>
+              <a:gd name="connsiteY0" fmla="*/ 1004636 h 1004636"/>
+              <a:gd name="connsiteX1" fmla="*/ 1750595 w 2033628"/>
+              <a:gd name="connsiteY1" fmla="*/ 348915 h 1004636"/>
+              <a:gd name="connsiteX2" fmla="*/ 0 w 2033628"/>
+              <a:gd name="connsiteY2" fmla="*/ 0 h 1004636"/>
+            </a:gdLst>
+            <a:ahLst/>
+            <a:cxnLst>
+              <a:cxn ang="0">
+                <a:pos x="connsiteX0" y="connsiteY0"/>
+              </a:cxn>
+              <a:cxn ang="0">
+                <a:pos x="connsiteX1" y="connsiteY1"/>
+              </a:cxn>
+              <a:cxn ang="0">
+                <a:pos x="connsiteX2" y="connsiteY2"/>
+              </a:cxn>
+            </a:cxnLst>
+            <a:rect l="l" t="t" r="r" b="b"/>
+            <a:pathLst>
+              <a:path w="2033628" h="1004636">
+                <a:moveTo>
+                  <a:pt x="2009274" y="1004636"/>
+                </a:moveTo>
+                <a:cubicBezTo>
+                  <a:pt x="2047374" y="760495"/>
+                  <a:pt x="2085474" y="516354"/>
+                  <a:pt x="1750595" y="348915"/>
+                </a:cubicBezTo>
+                <a:cubicBezTo>
+                  <a:pt x="1415716" y="181476"/>
+                  <a:pt x="295776" y="60158"/>
+                  <a:pt x="0" y="0"/>
+                </a:cubicBezTo>
+              </a:path>
+            </a:pathLst>
+          </a:custGeom>
+          <a:noFill/>
+          <a:ln w="38100"/>
+        </p:spPr>
+        <p:style>
+          <a:lnRef idx="2">
+            <a:schemeClr val="accent1">
+              <a:shade val="50000"/>
+            </a:schemeClr>
+          </a:lnRef>
+          <a:fillRef idx="1">
+            <a:schemeClr val="accent1"/>
+          </a:fillRef>
+          <a:effectRef idx="0">
+            <a:schemeClr val="accent1"/>
+          </a:effectRef>
+          <a:fontRef idx="minor">
+            <a:schemeClr val="lt1"/>
+          </a:fontRef>
+        </p:style>
+        <p:txBody>
+          <a:bodyPr rtlCol="0" anchor="ctr"/>
+          <a:lstStyle/>
+          <a:p>
+            <a:pPr algn="ctr"/>
+            <a:endParaRPr lang="en-US"/>
+          </a:p>
+        </p:txBody>
+      </p:sp>
+      <p:sp>
+        <p:nvSpPr>
+          <p:cNvPr id="51" name="TextBox 50">
+            <a:extLst>
+              <a:ext uri="{FF2B5EF4-FFF2-40B4-BE49-F238E27FC236}">
+                <a16:creationId xmlns:a16="http://schemas.microsoft.com/office/drawing/2014/main" id="{89EA6A16-A414-41BA-ABBF-74B0C55D2D3C}"/>
+              </a:ext>
+            </a:extLst>
+          </p:cNvPr>
+          <p:cNvSpPr txBox="1"/>
+          <p:nvPr/>
+        </p:nvSpPr>
+        <p:spPr>
+          <a:xfrm>
+            <a:off x="7072979" y="3956310"/>
+            <a:ext cx="478016" cy="276999"/>
+          </a:xfrm>
+          <a:prstGeom prst="rect">
+            <a:avLst/>
+          </a:prstGeom>
+          <a:noFill/>
+        </p:spPr>
+        <p:txBody>
+          <a:bodyPr wrap="none" rtlCol="0">
+            <a:spAutoFit/>
+          </a:bodyPr>
+          <a:lstStyle/>
+          <a:p>
+            <a:r>
+              <a:rPr lang="en-US" sz="1200" dirty="0"/>
+              <a:t>USB</a:t>
+            </a:r>
+          </a:p>
+        </p:txBody>
+      </p:sp>
+      <p:pic>
+        <p:nvPicPr>
+          <p:cNvPr id="1028" name="Picture 4" descr="Image result for free clip art laptop">
+            <a:extLst>
+              <a:ext uri="{FF2B5EF4-FFF2-40B4-BE49-F238E27FC236}">
+                <a16:creationId xmlns:a16="http://schemas.microsoft.com/office/drawing/2014/main" id="{7F60D823-696C-4383-A952-1755FFB2183A}"/>
+              </a:ext>
+            </a:extLst>
+          </p:cNvPr>
+          <p:cNvPicPr>
+            <a:picLocks noChangeAspect="1" noChangeArrowheads="1"/>
+          </p:cNvPicPr>
+          <p:nvPr/>
+        </p:nvPicPr>
+        <p:blipFill>
+          <a:blip r:embed="rId2">
+            <a:extLst>
+              <a:ext uri="{28A0092B-C50C-407E-A947-70E740481C1C}">
+                <a14:useLocalDpi xmlns:a14="http://schemas.microsoft.com/office/drawing/2010/main" val="0"/>
+              </a:ext>
+            </a:extLst>
+          </a:blip>
+          <a:srcRect/>
+          <a:stretch>
+            <a:fillRect/>
+          </a:stretch>
+        </p:blipFill>
+        <p:spPr bwMode="auto">
+          <a:xfrm>
+            <a:off x="5358768" y="2991666"/>
+            <a:ext cx="1314450" cy="1219200"/>
+          </a:xfrm>
+          <a:prstGeom prst="rect">
+            <a:avLst/>
+          </a:prstGeom>
+          <a:noFill/>
+          <a:extLst>
+            <a:ext uri="{909E8E84-426E-40DD-AFC4-6F175D3DCCD1}">
+              <a14:hiddenFill xmlns:a14="http://schemas.microsoft.com/office/drawing/2010/main">
+                <a:solidFill>
+                  <a:srgbClr val="FFFFFF"/>
+                </a:solidFill>
+              </a14:hiddenFill>
+            </a:ext>
+          </a:extLst>
+        </p:spPr>
+      </p:pic>
+      <p:pic>
+        <p:nvPicPr>
+          <p:cNvPr id="1030" name="Picture 6" descr="Bluetooth Speakers, ZoeeTree S1Pro Speaker Bluetooth Wireless with 20W HD Sound &amp; Deep Bass, IPX7 Waterproof Speaker with 36Hours, 100Ft Wireless Range, Portable Speakers for Home, Outdoors, Travel">
+            <a:extLst>
+              <a:ext uri="{FF2B5EF4-FFF2-40B4-BE49-F238E27FC236}">
+                <a16:creationId xmlns:a16="http://schemas.microsoft.com/office/drawing/2014/main" id="{B65D2C01-14EA-4E28-BAF3-C6C76097C604}"/>
+              </a:ext>
+            </a:extLst>
+          </p:cNvPr>
+          <p:cNvPicPr>
+            <a:picLocks noChangeAspect="1" noChangeArrowheads="1"/>
+          </p:cNvPicPr>
+          <p:nvPr/>
+        </p:nvPicPr>
+        <p:blipFill>
+          <a:blip r:embed="rId3">
+            <a:extLst>
+              <a:ext uri="{28A0092B-C50C-407E-A947-70E740481C1C}">
+                <a14:useLocalDpi xmlns:a14="http://schemas.microsoft.com/office/drawing/2010/main" val="0"/>
+              </a:ext>
+            </a:extLst>
+          </a:blip>
+          <a:srcRect/>
+          <a:stretch>
+            <a:fillRect/>
+          </a:stretch>
+        </p:blipFill>
+        <p:spPr bwMode="auto">
+          <a:xfrm>
+            <a:off x="5950234" y="4877621"/>
+            <a:ext cx="833438" cy="833438"/>
+          </a:xfrm>
+          <a:prstGeom prst="rect">
+            <a:avLst/>
+          </a:prstGeom>
+          <a:noFill/>
+          <a:extLst>
+            <a:ext uri="{909E8E84-426E-40DD-AFC4-6F175D3DCCD1}">
+              <a14:hiddenFill xmlns:a14="http://schemas.microsoft.com/office/drawing/2010/main">
+                <a:solidFill>
+                  <a:srgbClr val="FFFFFF"/>
+                </a:solidFill>
+              </a14:hiddenFill>
+            </a:ext>
+          </a:extLst>
+        </p:spPr>
+      </p:pic>
+    </p:spTree>
+    <p:extLst>
+      <p:ext uri="{BB962C8B-B14F-4D97-AF65-F5344CB8AC3E}">
+        <p14:creationId xmlns:p14="http://schemas.microsoft.com/office/powerpoint/2010/main" val="4066749898"/>
       </p:ext>
     </p:extLst>
   </p:cSld>

--- a/BuildRubberBandGunSoftware.pptx
+++ b/BuildRubberBandGunSoftware.pptx
@@ -274,7 +274,7 @@
           <a:p>
             <a:fld id="{02AC24A9-CCB6-4F8D-B8DB-C2F3692CFA5A}" type="datetimeFigureOut">
               <a:rPr lang="en-US" smtClean="0"/>
-              <a:t>9/10/2020</a:t>
+              <a:t>9/18/2020</a:t>
             </a:fld>
             <a:endParaRPr lang="en-US" dirty="0"/>
           </a:p>
@@ -644,7 +644,7 @@
           <a:p>
             <a:fld id="{02AC24A9-CCB6-4F8D-B8DB-C2F3692CFA5A}" type="datetimeFigureOut">
               <a:rPr lang="en-US" smtClean="0"/>
-              <a:t>9/10/2020</a:t>
+              <a:t>9/18/2020</a:t>
             </a:fld>
             <a:endParaRPr lang="en-US"/>
           </a:p>
@@ -853,7 +853,7 @@
           <a:p>
             <a:fld id="{02AC24A9-CCB6-4F8D-B8DB-C2F3692CFA5A}" type="datetimeFigureOut">
               <a:rPr lang="en-US" smtClean="0"/>
-              <a:t>9/10/2020</a:t>
+              <a:t>9/18/2020</a:t>
             </a:fld>
             <a:endParaRPr lang="en-US"/>
           </a:p>
@@ -1323,7 +1323,7 @@
           <a:p>
             <a:fld id="{02AC24A9-CCB6-4F8D-B8DB-C2F3692CFA5A}" type="datetimeFigureOut">
               <a:rPr lang="en-US" smtClean="0"/>
-              <a:t>9/10/2020</a:t>
+              <a:t>9/18/2020</a:t>
             </a:fld>
             <a:endParaRPr lang="en-US"/>
           </a:p>
@@ -1777,7 +1777,7 @@
           <a:p>
             <a:fld id="{02AC24A9-CCB6-4F8D-B8DB-C2F3692CFA5A}" type="datetimeFigureOut">
               <a:rPr lang="en-US" smtClean="0"/>
-              <a:t>9/10/2020</a:t>
+              <a:t>9/18/2020</a:t>
             </a:fld>
             <a:endParaRPr lang="en-US"/>
           </a:p>
@@ -2309,7 +2309,7 @@
           <a:p>
             <a:fld id="{02AC24A9-CCB6-4F8D-B8DB-C2F3692CFA5A}" type="datetimeFigureOut">
               <a:rPr lang="en-US" smtClean="0"/>
-              <a:t>9/10/2020</a:t>
+              <a:t>9/18/2020</a:t>
             </a:fld>
             <a:endParaRPr lang="en-US"/>
           </a:p>
@@ -3008,7 +3008,7 @@
           <a:p>
             <a:fld id="{02AC24A9-CCB6-4F8D-B8DB-C2F3692CFA5A}" type="datetimeFigureOut">
               <a:rPr lang="en-US" smtClean="0"/>
-              <a:t>9/10/2020</a:t>
+              <a:t>9/18/2020</a:t>
             </a:fld>
             <a:endParaRPr lang="en-US"/>
           </a:p>
@@ -3337,7 +3337,7 @@
           <a:p>
             <a:fld id="{02AC24A9-CCB6-4F8D-B8DB-C2F3692CFA5A}" type="datetimeFigureOut">
               <a:rPr lang="en-US" smtClean="0"/>
-              <a:t>9/10/2020</a:t>
+              <a:t>9/18/2020</a:t>
             </a:fld>
             <a:endParaRPr lang="en-US"/>
           </a:p>
@@ -3450,7 +3450,7 @@
           <a:p>
             <a:fld id="{02AC24A9-CCB6-4F8D-B8DB-C2F3692CFA5A}" type="datetimeFigureOut">
               <a:rPr lang="en-US" smtClean="0"/>
-              <a:t>9/10/2020</a:t>
+              <a:t>9/18/2020</a:t>
             </a:fld>
             <a:endParaRPr lang="en-US"/>
           </a:p>
@@ -3945,7 +3945,7 @@
           <a:p>
             <a:fld id="{02AC24A9-CCB6-4F8D-B8DB-C2F3692CFA5A}" type="datetimeFigureOut">
               <a:rPr lang="en-US" smtClean="0"/>
-              <a:t>9/10/2020</a:t>
+              <a:t>9/18/2020</a:t>
             </a:fld>
             <a:endParaRPr lang="en-US" dirty="0"/>
           </a:p>
@@ -4422,7 +4422,7 @@
           <a:p>
             <a:fld id="{02AC24A9-CCB6-4F8D-B8DB-C2F3692CFA5A}" type="datetimeFigureOut">
               <a:rPr lang="en-US" smtClean="0"/>
-              <a:t>9/10/2020</a:t>
+              <a:t>9/18/2020</a:t>
             </a:fld>
             <a:endParaRPr lang="en-US"/>
           </a:p>
@@ -4665,7 +4665,7 @@
           <a:p>
             <a:fld id="{02AC24A9-CCB6-4F8D-B8DB-C2F3692CFA5A}" type="datetimeFigureOut">
               <a:rPr lang="en-US" smtClean="0"/>
-              <a:t>9/10/2020</a:t>
+              <a:t>9/18/2020</a:t>
             </a:fld>
             <a:endParaRPr lang="en-US"/>
           </a:p>
@@ -7029,7 +7029,7 @@
         </p:nvSpPr>
         <p:spPr>
           <a:xfrm>
-            <a:off x="8354979" y="3571111"/>
+            <a:off x="7652699" y="3756018"/>
             <a:ext cx="534121" cy="400110"/>
           </a:xfrm>
           <a:prstGeom prst="rect">
@@ -7069,19 +7069,19 @@
           </p:cNvPr>
           <p:cNvCxnSpPr>
             <a:cxnSpLocks/>
-            <a:stCxn id="87" idx="0"/>
             <a:endCxn id="4" idx="0"/>
           </p:cNvCxnSpPr>
           <p:nvPr/>
         </p:nvCxnSpPr>
         <p:spPr>
-          <a:xfrm rot="16200000" flipV="1">
-            <a:off x="4450803" y="-317951"/>
-            <a:ext cx="1030413" cy="7489605"/>
-          </a:xfrm>
-          <a:prstGeom prst="curvedConnector3">
+          <a:xfrm rot="10800000">
+            <a:off x="1221207" y="2911645"/>
+            <a:ext cx="6857983" cy="1226810"/>
+          </a:xfrm>
+          <a:prstGeom prst="curvedConnector4">
             <a:avLst>
-              <a:gd name="adj1" fmla="val 186989"/>
+              <a:gd name="adj1" fmla="val 1096"/>
+              <a:gd name="adj2" fmla="val 169631"/>
             </a:avLst>
           </a:prstGeom>
           <a:ln>

--- a/BuildRubberBandGunSoftware.pptx
+++ b/BuildRubberBandGunSoftware.pptx
@@ -274,7 +274,7 @@
           <a:p>
             <a:fld id="{02AC24A9-CCB6-4F8D-B8DB-C2F3692CFA5A}" type="datetimeFigureOut">
               <a:rPr lang="en-US" smtClean="0"/>
-              <a:t>9/18/2020</a:t>
+              <a:t>9/20/2020</a:t>
             </a:fld>
             <a:endParaRPr lang="en-US" dirty="0"/>
           </a:p>
@@ -644,7 +644,7 @@
           <a:p>
             <a:fld id="{02AC24A9-CCB6-4F8D-B8DB-C2F3692CFA5A}" type="datetimeFigureOut">
               <a:rPr lang="en-US" smtClean="0"/>
-              <a:t>9/18/2020</a:t>
+              <a:t>9/20/2020</a:t>
             </a:fld>
             <a:endParaRPr lang="en-US"/>
           </a:p>
@@ -853,7 +853,7 @@
           <a:p>
             <a:fld id="{02AC24A9-CCB6-4F8D-B8DB-C2F3692CFA5A}" type="datetimeFigureOut">
               <a:rPr lang="en-US" smtClean="0"/>
-              <a:t>9/18/2020</a:t>
+              <a:t>9/20/2020</a:t>
             </a:fld>
             <a:endParaRPr lang="en-US"/>
           </a:p>
@@ -1323,7 +1323,7 @@
           <a:p>
             <a:fld id="{02AC24A9-CCB6-4F8D-B8DB-C2F3692CFA5A}" type="datetimeFigureOut">
               <a:rPr lang="en-US" smtClean="0"/>
-              <a:t>9/18/2020</a:t>
+              <a:t>9/20/2020</a:t>
             </a:fld>
             <a:endParaRPr lang="en-US"/>
           </a:p>
@@ -1777,7 +1777,7 @@
           <a:p>
             <a:fld id="{02AC24A9-CCB6-4F8D-B8DB-C2F3692CFA5A}" type="datetimeFigureOut">
               <a:rPr lang="en-US" smtClean="0"/>
-              <a:t>9/18/2020</a:t>
+              <a:t>9/20/2020</a:t>
             </a:fld>
             <a:endParaRPr lang="en-US"/>
           </a:p>
@@ -2309,7 +2309,7 @@
           <a:p>
             <a:fld id="{02AC24A9-CCB6-4F8D-B8DB-C2F3692CFA5A}" type="datetimeFigureOut">
               <a:rPr lang="en-US" smtClean="0"/>
-              <a:t>9/18/2020</a:t>
+              <a:t>9/20/2020</a:t>
             </a:fld>
             <a:endParaRPr lang="en-US"/>
           </a:p>
@@ -3008,7 +3008,7 @@
           <a:p>
             <a:fld id="{02AC24A9-CCB6-4F8D-B8DB-C2F3692CFA5A}" type="datetimeFigureOut">
               <a:rPr lang="en-US" smtClean="0"/>
-              <a:t>9/18/2020</a:t>
+              <a:t>9/20/2020</a:t>
             </a:fld>
             <a:endParaRPr lang="en-US"/>
           </a:p>
@@ -3337,7 +3337,7 @@
           <a:p>
             <a:fld id="{02AC24A9-CCB6-4F8D-B8DB-C2F3692CFA5A}" type="datetimeFigureOut">
               <a:rPr lang="en-US" smtClean="0"/>
-              <a:t>9/18/2020</a:t>
+              <a:t>9/20/2020</a:t>
             </a:fld>
             <a:endParaRPr lang="en-US"/>
           </a:p>
@@ -3450,7 +3450,7 @@
           <a:p>
             <a:fld id="{02AC24A9-CCB6-4F8D-B8DB-C2F3692CFA5A}" type="datetimeFigureOut">
               <a:rPr lang="en-US" smtClean="0"/>
-              <a:t>9/18/2020</a:t>
+              <a:t>9/20/2020</a:t>
             </a:fld>
             <a:endParaRPr lang="en-US"/>
           </a:p>
@@ -3945,7 +3945,7 @@
           <a:p>
             <a:fld id="{02AC24A9-CCB6-4F8D-B8DB-C2F3692CFA5A}" type="datetimeFigureOut">
               <a:rPr lang="en-US" smtClean="0"/>
-              <a:t>9/18/2020</a:t>
+              <a:t>9/20/2020</a:t>
             </a:fld>
             <a:endParaRPr lang="en-US" dirty="0"/>
           </a:p>
@@ -4422,7 +4422,7 @@
           <a:p>
             <a:fld id="{02AC24A9-CCB6-4F8D-B8DB-C2F3692CFA5A}" type="datetimeFigureOut">
               <a:rPr lang="en-US" smtClean="0"/>
-              <a:t>9/18/2020</a:t>
+              <a:t>9/20/2020</a:t>
             </a:fld>
             <a:endParaRPr lang="en-US"/>
           </a:p>
@@ -4665,7 +4665,7 @@
           <a:p>
             <a:fld id="{02AC24A9-CCB6-4F8D-B8DB-C2F3692CFA5A}" type="datetimeFigureOut">
               <a:rPr lang="en-US" smtClean="0"/>
-              <a:t>9/18/2020</a:t>
+              <a:t>9/20/2020</a:t>
             </a:fld>
             <a:endParaRPr lang="en-US"/>
           </a:p>
@@ -5242,6 +5242,41 @@
           </a:prstGeom>
         </p:spPr>
       </p:pic>
+      <p:sp>
+        <p:nvSpPr>
+          <p:cNvPr id="5" name="TextBox 4">
+            <a:extLst>
+              <a:ext uri="{FF2B5EF4-FFF2-40B4-BE49-F238E27FC236}">
+                <a16:creationId xmlns:a16="http://schemas.microsoft.com/office/drawing/2014/main" id="{924C25B1-C004-4F15-828D-FBB1BD0E3CB0}"/>
+              </a:ext>
+            </a:extLst>
+          </p:cNvPr>
+          <p:cNvSpPr txBox="1"/>
+          <p:nvPr/>
+        </p:nvSpPr>
+        <p:spPr>
+          <a:xfrm>
+            <a:off x="856209" y="1718697"/>
+            <a:ext cx="1588897" cy="369332"/>
+          </a:xfrm>
+          <a:prstGeom prst="rect">
+            <a:avLst/>
+          </a:prstGeom>
+          <a:noFill/>
+        </p:spPr>
+        <p:txBody>
+          <a:bodyPr wrap="none" rtlCol="0">
+            <a:spAutoFit/>
+          </a:bodyPr>
+          <a:lstStyle/>
+          <a:p>
+            <a:r>
+              <a:rPr lang="en-US" dirty="0"/>
+              <a:t>20 Sept 2020</a:t>
+            </a:r>
+          </a:p>
+        </p:txBody>
+      </p:sp>
     </p:spTree>
     <p:extLst>
       <p:ext uri="{BB962C8B-B14F-4D97-AF65-F5344CB8AC3E}">
@@ -5696,8 +5731,8 @@
         </p:nvSpPr>
         <p:spPr>
           <a:xfrm>
-            <a:off x="3382674" y="4074221"/>
-            <a:ext cx="526106" cy="400110"/>
+            <a:off x="3393895" y="4074221"/>
+            <a:ext cx="503664" cy="400110"/>
           </a:xfrm>
           <a:prstGeom prst="rect">
             <a:avLst/>
@@ -5720,7 +5755,7 @@
             <a:pPr algn="ctr"/>
             <a:r>
               <a:rPr lang="en-US" sz="1000" dirty="0"/>
-              <a:t>+ G/Y</a:t>
+              <a:t>+ R/Y</a:t>
             </a:r>
           </a:p>
         </p:txBody>
@@ -6197,8 +6232,8 @@
         </p:nvSpPr>
         <p:spPr>
           <a:xfrm>
-            <a:off x="4060437" y="5474022"/>
-            <a:ext cx="534121" cy="400110"/>
+            <a:off x="3993111" y="5474022"/>
+            <a:ext cx="668773" cy="400110"/>
           </a:xfrm>
           <a:prstGeom prst="rect">
             <a:avLst/>
@@ -6221,7 +6256,7 @@
             <a:pPr algn="ctr"/>
             <a:r>
               <a:rPr lang="en-US" sz="1000" dirty="0"/>
-              <a:t>+ Red</a:t>
+              <a:t>+ Green</a:t>
             </a:r>
           </a:p>
         </p:txBody>
@@ -6286,7 +6321,7 @@
         <p:spPr>
           <a:xfrm>
             <a:off x="5788806" y="2205127"/>
-            <a:ext cx="534121" cy="400110"/>
+            <a:ext cx="609071" cy="553998"/>
           </a:xfrm>
           <a:prstGeom prst="rect">
             <a:avLst/>
@@ -6309,7 +6344,7 @@
             <a:pPr algn="ctr"/>
             <a:r>
               <a:rPr lang="en-US" sz="1000" dirty="0"/>
-              <a:t>+ Red</a:t>
+              <a:t>+ Green</a:t>
             </a:r>
           </a:p>
         </p:txBody>
@@ -6418,8 +6453,8 @@
         </p:nvSpPr>
         <p:spPr>
           <a:xfrm>
-            <a:off x="6168804" y="3463740"/>
-            <a:ext cx="534121" cy="400110"/>
+            <a:off x="6116594" y="3463740"/>
+            <a:ext cx="586332" cy="553998"/>
           </a:xfrm>
           <a:prstGeom prst="rect">
             <a:avLst/>
@@ -6442,7 +6477,7 @@
             <a:pPr algn="ctr"/>
             <a:r>
               <a:rPr lang="en-US" sz="1000" dirty="0"/>
-              <a:t>+ Red</a:t>
+              <a:t>+ Green</a:t>
             </a:r>
           </a:p>
         </p:txBody>
@@ -6461,8 +6496,8 @@
         </p:nvSpPr>
         <p:spPr>
           <a:xfrm>
-            <a:off x="6041902" y="6237018"/>
-            <a:ext cx="534121" cy="400110"/>
+            <a:off x="5926708" y="6107211"/>
+            <a:ext cx="661023" cy="553998"/>
           </a:xfrm>
           <a:prstGeom prst="rect">
             <a:avLst/>
@@ -6485,7 +6520,7 @@
             <a:pPr algn="ctr"/>
             <a:r>
               <a:rPr lang="en-US" sz="1000" dirty="0"/>
-              <a:t>+ Red</a:t>
+              <a:t>+ Green</a:t>
             </a:r>
           </a:p>
         </p:txBody>
@@ -6550,7 +6585,7 @@
         <p:spPr>
           <a:xfrm>
             <a:off x="7912850" y="2176320"/>
-            <a:ext cx="534121" cy="400110"/>
+            <a:ext cx="609071" cy="553998"/>
           </a:xfrm>
           <a:prstGeom prst="rect">
             <a:avLst/>
@@ -6573,7 +6608,7 @@
             <a:pPr algn="ctr"/>
             <a:r>
               <a:rPr lang="en-US" sz="1000" dirty="0"/>
-              <a:t>+ Red</a:t>
+              <a:t>+ Green</a:t>
             </a:r>
           </a:p>
         </p:txBody>
@@ -6637,8 +6672,8 @@
         </p:nvSpPr>
         <p:spPr>
           <a:xfrm>
-            <a:off x="5127098" y="4138455"/>
-            <a:ext cx="526106" cy="400110"/>
+            <a:off x="5138319" y="4138455"/>
+            <a:ext cx="503664" cy="400110"/>
           </a:xfrm>
           <a:prstGeom prst="rect">
             <a:avLst/>
@@ -6661,7 +6696,7 @@
             <a:pPr algn="ctr"/>
             <a:r>
               <a:rPr lang="en-US" sz="1000" dirty="0"/>
-              <a:t>+ G/Y</a:t>
+              <a:t>+ R/Y</a:t>
             </a:r>
           </a:p>
         </p:txBody>
@@ -6680,8 +6715,8 @@
         </p:nvSpPr>
         <p:spPr>
           <a:xfrm>
-            <a:off x="5485008" y="4815910"/>
-            <a:ext cx="526106" cy="400110"/>
+            <a:off x="5496229" y="4815910"/>
+            <a:ext cx="503664" cy="400110"/>
           </a:xfrm>
           <a:prstGeom prst="rect">
             <a:avLst/>
@@ -6704,7 +6739,7 @@
             <a:pPr algn="ctr"/>
             <a:r>
               <a:rPr lang="en-US" sz="1000" dirty="0"/>
-              <a:t>+ G/Y</a:t>
+              <a:t>+ R/Y</a:t>
             </a:r>
           </a:p>
         </p:txBody>
@@ -6723,8 +6758,8 @@
         </p:nvSpPr>
         <p:spPr>
           <a:xfrm>
-            <a:off x="5322172" y="5478764"/>
-            <a:ext cx="526106" cy="400110"/>
+            <a:off x="5333393" y="5478764"/>
+            <a:ext cx="503664" cy="400110"/>
           </a:xfrm>
           <a:prstGeom prst="rect">
             <a:avLst/>
@@ -6747,7 +6782,7 @@
             <a:pPr algn="ctr"/>
             <a:r>
               <a:rPr lang="en-US" sz="1000" dirty="0"/>
-              <a:t>+ G/Y</a:t>
+              <a:t>+ R/Y</a:t>
             </a:r>
           </a:p>
         </p:txBody>
@@ -7029,8 +7064,8 @@
         </p:nvSpPr>
         <p:spPr>
           <a:xfrm>
-            <a:off x="7652699" y="3756018"/>
-            <a:ext cx="534121" cy="400110"/>
+            <a:off x="7745407" y="3623008"/>
+            <a:ext cx="570724" cy="553998"/>
           </a:xfrm>
           <a:prstGeom prst="rect">
             <a:avLst/>
@@ -7053,7 +7088,7 @@
             <a:pPr algn="ctr"/>
             <a:r>
               <a:rPr lang="en-US" sz="1000" dirty="0"/>
-              <a:t>+ Red</a:t>
+              <a:t>+ Green</a:t>
             </a:r>
           </a:p>
         </p:txBody>
@@ -7117,8 +7152,8 @@
         </p:nvSpPr>
         <p:spPr>
           <a:xfrm>
-            <a:off x="9259871" y="2763320"/>
-            <a:ext cx="526106" cy="400110"/>
+            <a:off x="9271092" y="2763320"/>
+            <a:ext cx="503664" cy="400110"/>
           </a:xfrm>
           <a:prstGeom prst="rect">
             <a:avLst/>
@@ -7141,7 +7176,7 @@
             <a:pPr algn="ctr"/>
             <a:r>
               <a:rPr lang="en-US" sz="1000" dirty="0"/>
-              <a:t>+ G/Y</a:t>
+              <a:t>+ R/Y</a:t>
             </a:r>
           </a:p>
         </p:txBody>
@@ -7160,8 +7195,8 @@
         </p:nvSpPr>
         <p:spPr>
           <a:xfrm>
-            <a:off x="9404740" y="4138455"/>
-            <a:ext cx="526106" cy="400110"/>
+            <a:off x="9415961" y="4138455"/>
+            <a:ext cx="503664" cy="400110"/>
           </a:xfrm>
           <a:prstGeom prst="rect">
             <a:avLst/>
@@ -7184,7 +7219,7 @@
             <a:pPr algn="ctr"/>
             <a:r>
               <a:rPr lang="en-US" sz="1000" dirty="0"/>
-              <a:t>+ G/Y</a:t>
+              <a:t>+ R/Y</a:t>
             </a:r>
           </a:p>
         </p:txBody>
@@ -7203,8 +7238,8 @@
         </p:nvSpPr>
         <p:spPr>
           <a:xfrm>
-            <a:off x="9419185" y="5513590"/>
-            <a:ext cx="526106" cy="400110"/>
+            <a:off x="9430406" y="5513590"/>
+            <a:ext cx="503664" cy="400110"/>
           </a:xfrm>
           <a:prstGeom prst="rect">
             <a:avLst/>
@@ -7227,7 +7262,7 @@
             <a:pPr algn="ctr"/>
             <a:r>
               <a:rPr lang="en-US" sz="1000" dirty="0"/>
-              <a:t>+ G/Y</a:t>
+              <a:t>+ R/Y</a:t>
             </a:r>
           </a:p>
         </p:txBody>
@@ -7246,8 +7281,8 @@
         </p:nvSpPr>
         <p:spPr>
           <a:xfrm>
-            <a:off x="8079189" y="6210143"/>
-            <a:ext cx="534121" cy="400110"/>
+            <a:off x="8023127" y="6175613"/>
+            <a:ext cx="631623" cy="553998"/>
           </a:xfrm>
           <a:prstGeom prst="rect">
             <a:avLst/>
@@ -7270,7 +7305,7 @@
             <a:pPr algn="ctr"/>
             <a:r>
               <a:rPr lang="en-US" sz="1000" dirty="0"/>
-              <a:t>+ Red</a:t>
+              <a:t>+ Green</a:t>
             </a:r>
           </a:p>
         </p:txBody>

--- a/BuildRubberBandGunSoftware.pptx
+++ b/BuildRubberBandGunSoftware.pptx
@@ -274,7 +274,7 @@
           <a:p>
             <a:fld id="{02AC24A9-CCB6-4F8D-B8DB-C2F3692CFA5A}" type="datetimeFigureOut">
               <a:rPr lang="en-US" smtClean="0"/>
-              <a:t>9/20/2020</a:t>
+              <a:t>10/24/2020</a:t>
             </a:fld>
             <a:endParaRPr lang="en-US" dirty="0"/>
           </a:p>
@@ -644,7 +644,7 @@
           <a:p>
             <a:fld id="{02AC24A9-CCB6-4F8D-B8DB-C2F3692CFA5A}" type="datetimeFigureOut">
               <a:rPr lang="en-US" smtClean="0"/>
-              <a:t>9/20/2020</a:t>
+              <a:t>10/24/2020</a:t>
             </a:fld>
             <a:endParaRPr lang="en-US"/>
           </a:p>
@@ -853,7 +853,7 @@
           <a:p>
             <a:fld id="{02AC24A9-CCB6-4F8D-B8DB-C2F3692CFA5A}" type="datetimeFigureOut">
               <a:rPr lang="en-US" smtClean="0"/>
-              <a:t>9/20/2020</a:t>
+              <a:t>10/24/2020</a:t>
             </a:fld>
             <a:endParaRPr lang="en-US"/>
           </a:p>
@@ -1323,7 +1323,7 @@
           <a:p>
             <a:fld id="{02AC24A9-CCB6-4F8D-B8DB-C2F3692CFA5A}" type="datetimeFigureOut">
               <a:rPr lang="en-US" smtClean="0"/>
-              <a:t>9/20/2020</a:t>
+              <a:t>10/24/2020</a:t>
             </a:fld>
             <a:endParaRPr lang="en-US"/>
           </a:p>
@@ -1777,7 +1777,7 @@
           <a:p>
             <a:fld id="{02AC24A9-CCB6-4F8D-B8DB-C2F3692CFA5A}" type="datetimeFigureOut">
               <a:rPr lang="en-US" smtClean="0"/>
-              <a:t>9/20/2020</a:t>
+              <a:t>10/24/2020</a:t>
             </a:fld>
             <a:endParaRPr lang="en-US"/>
           </a:p>
@@ -2309,7 +2309,7 @@
           <a:p>
             <a:fld id="{02AC24A9-CCB6-4F8D-B8DB-C2F3692CFA5A}" type="datetimeFigureOut">
               <a:rPr lang="en-US" smtClean="0"/>
-              <a:t>9/20/2020</a:t>
+              <a:t>10/24/2020</a:t>
             </a:fld>
             <a:endParaRPr lang="en-US"/>
           </a:p>
@@ -3008,7 +3008,7 @@
           <a:p>
             <a:fld id="{02AC24A9-CCB6-4F8D-B8DB-C2F3692CFA5A}" type="datetimeFigureOut">
               <a:rPr lang="en-US" smtClean="0"/>
-              <a:t>9/20/2020</a:t>
+              <a:t>10/24/2020</a:t>
             </a:fld>
             <a:endParaRPr lang="en-US"/>
           </a:p>
@@ -3337,7 +3337,7 @@
           <a:p>
             <a:fld id="{02AC24A9-CCB6-4F8D-B8DB-C2F3692CFA5A}" type="datetimeFigureOut">
               <a:rPr lang="en-US" smtClean="0"/>
-              <a:t>9/20/2020</a:t>
+              <a:t>10/24/2020</a:t>
             </a:fld>
             <a:endParaRPr lang="en-US"/>
           </a:p>
@@ -3450,7 +3450,7 @@
           <a:p>
             <a:fld id="{02AC24A9-CCB6-4F8D-B8DB-C2F3692CFA5A}" type="datetimeFigureOut">
               <a:rPr lang="en-US" smtClean="0"/>
-              <a:t>9/20/2020</a:t>
+              <a:t>10/24/2020</a:t>
             </a:fld>
             <a:endParaRPr lang="en-US"/>
           </a:p>
@@ -3945,7 +3945,7 @@
           <a:p>
             <a:fld id="{02AC24A9-CCB6-4F8D-B8DB-C2F3692CFA5A}" type="datetimeFigureOut">
               <a:rPr lang="en-US" smtClean="0"/>
-              <a:t>9/20/2020</a:t>
+              <a:t>10/24/2020</a:t>
             </a:fld>
             <a:endParaRPr lang="en-US" dirty="0"/>
           </a:p>
@@ -4422,7 +4422,7 @@
           <a:p>
             <a:fld id="{02AC24A9-CCB6-4F8D-B8DB-C2F3692CFA5A}" type="datetimeFigureOut">
               <a:rPr lang="en-US" smtClean="0"/>
-              <a:t>9/20/2020</a:t>
+              <a:t>10/24/2020</a:t>
             </a:fld>
             <a:endParaRPr lang="en-US"/>
           </a:p>
@@ -4665,7 +4665,7 @@
           <a:p>
             <a:fld id="{02AC24A9-CCB6-4F8D-B8DB-C2F3692CFA5A}" type="datetimeFigureOut">
               <a:rPr lang="en-US" smtClean="0"/>
-              <a:t>9/20/2020</a:t>
+              <a:t>10/24/2020</a:t>
             </a:fld>
             <a:endParaRPr lang="en-US"/>
           </a:p>
@@ -5257,7 +5257,7 @@
         <p:spPr>
           <a:xfrm>
             <a:off x="856209" y="1718697"/>
-            <a:ext cx="1588897" cy="369332"/>
+            <a:ext cx="1492716" cy="369332"/>
           </a:xfrm>
           <a:prstGeom prst="rect">
             <a:avLst/>
@@ -5271,8 +5271,12 @@
           <a:lstStyle/>
           <a:p>
             <a:r>
-              <a:rPr lang="en-US" dirty="0"/>
-              <a:t>20 Sept 2020</a:t>
+              <a:rPr lang="en-US"/>
+              <a:t>24 Oct </a:t>
+            </a:r>
+            <a:r>
+              <a:rPr lang="en-US" dirty="0"/>
+              <a:t>2020</a:t>
             </a:r>
           </a:p>
         </p:txBody>
@@ -10269,6 +10273,177 @@
           </a:extLst>
         </p:spPr>
       </p:pic>
+      <p:sp>
+        <p:nvSpPr>
+          <p:cNvPr id="4" name="TextBox 3">
+            <a:extLst>
+              <a:ext uri="{FF2B5EF4-FFF2-40B4-BE49-F238E27FC236}">
+                <a16:creationId xmlns:a16="http://schemas.microsoft.com/office/drawing/2014/main" id="{D58BAF05-2AF5-4DAA-B15D-9F9B112C9F2E}"/>
+              </a:ext>
+            </a:extLst>
+          </p:cNvPr>
+          <p:cNvSpPr txBox="1"/>
+          <p:nvPr/>
+        </p:nvSpPr>
+        <p:spPr>
+          <a:xfrm>
+            <a:off x="6199632" y="3560124"/>
+            <a:ext cx="5877573" cy="3139321"/>
+          </a:xfrm>
+          <a:prstGeom prst="rect">
+            <a:avLst/>
+          </a:prstGeom>
+          <a:noFill/>
+        </p:spPr>
+        <p:txBody>
+          <a:bodyPr wrap="square" rtlCol="0">
+            <a:spAutoFit/>
+          </a:bodyPr>
+          <a:lstStyle/>
+          <a:p>
+            <a:pPr algn="l">
+              <a:buFont typeface="+mj-lt"/>
+              <a:buAutoNum type="arabicPeriod"/>
+            </a:pPr>
+            <a:r>
+              <a:rPr lang="en-US" b="0" i="0" dirty="0">
+                <a:solidFill>
+                  <a:srgbClr val="333333"/>
+                </a:solidFill>
+                <a:effectLst/>
+                <a:latin typeface="-apple-system"/>
+              </a:rPr>
+              <a:t>If your Arduino NANO was purchased earlier than 2018 you have the older official version of Nano. In this case Select </a:t>
+            </a:r>
+            <a:r>
+              <a:rPr lang="en-US" b="0" i="1" dirty="0">
+                <a:solidFill>
+                  <a:srgbClr val="333333"/>
+                </a:solidFill>
+                <a:effectLst/>
+                <a:latin typeface="-apple-system"/>
+              </a:rPr>
+              <a:t>Tools &gt; Processor &gt; ATmega328P</a:t>
+            </a:r>
+            <a:r>
+              <a:rPr lang="en-US" b="0" i="0" dirty="0">
+                <a:solidFill>
+                  <a:srgbClr val="333333"/>
+                </a:solidFill>
+                <a:effectLst/>
+                <a:latin typeface="-apple-system"/>
+              </a:rPr>
+              <a:t> and select: </a:t>
+            </a:r>
+            <a:r>
+              <a:rPr lang="en-US" b="1" i="0" dirty="0">
+                <a:solidFill>
+                  <a:srgbClr val="333333"/>
+                </a:solidFill>
+                <a:effectLst/>
+                <a:latin typeface="-apple-system"/>
+              </a:rPr>
+              <a:t>(Old Bootloader)</a:t>
+            </a:r>
+            <a:r>
+              <a:rPr lang="en-US" b="0" i="0" dirty="0">
+                <a:solidFill>
+                  <a:srgbClr val="333333"/>
+                </a:solidFill>
+                <a:effectLst/>
+                <a:latin typeface="-apple-system"/>
+              </a:rPr>
+              <a:t> and try to compile your sketch again. It is also recommended to update Arduino AVR Core 1.16.21 or later through Boards Manager.</a:t>
+            </a:r>
+          </a:p>
+          <a:p>
+            <a:pPr algn="l">
+              <a:buFont typeface="+mj-lt"/>
+              <a:buAutoNum type="arabicPeriod"/>
+            </a:pPr>
+            <a:r>
+              <a:rPr lang="en-US" b="0" i="0" dirty="0">
+                <a:solidFill>
+                  <a:srgbClr val="333333"/>
+                </a:solidFill>
+                <a:effectLst/>
+                <a:latin typeface="-apple-system"/>
+              </a:rPr>
+              <a:t>If you have the newer version of the Nano board (manufactured in 2018 or later), make sure you have </a:t>
+            </a:r>
+            <a:r>
+              <a:rPr lang="en-US" b="1" i="0" dirty="0">
+                <a:solidFill>
+                  <a:srgbClr val="333333"/>
+                </a:solidFill>
+                <a:effectLst/>
+                <a:latin typeface="-apple-system"/>
+              </a:rPr>
+              <a:t>Arduino AVR Boards 1.6.21</a:t>
+            </a:r>
+            <a:r>
+              <a:rPr lang="en-US" b="0" i="0" dirty="0">
+                <a:solidFill>
+                  <a:srgbClr val="333333"/>
+                </a:solidFill>
+                <a:effectLst/>
+                <a:latin typeface="-apple-system"/>
+              </a:rPr>
+              <a:t> or newer installed. Check this in Arduino IDE: </a:t>
+            </a:r>
+            <a:r>
+              <a:rPr lang="en-US" b="0" i="1" dirty="0">
+                <a:solidFill>
+                  <a:srgbClr val="333333"/>
+                </a:solidFill>
+                <a:effectLst/>
+                <a:latin typeface="-apple-system"/>
+              </a:rPr>
+              <a:t>Tools &gt; Board &gt; Boards Manager</a:t>
+            </a:r>
+            <a:r>
+              <a:rPr lang="en-US" b="0" i="0" dirty="0">
+                <a:solidFill>
+                  <a:srgbClr val="333333"/>
+                </a:solidFill>
+                <a:effectLst/>
+                <a:latin typeface="-apple-system"/>
+              </a:rPr>
+              <a:t> and select </a:t>
+            </a:r>
+            <a:r>
+              <a:rPr lang="en-US" b="0" i="1" dirty="0">
+                <a:solidFill>
+                  <a:srgbClr val="333333"/>
+                </a:solidFill>
+                <a:effectLst/>
+                <a:latin typeface="-apple-system"/>
+              </a:rPr>
+              <a:t>Tools &gt; Processor &gt; </a:t>
+            </a:r>
+            <a:r>
+              <a:rPr lang="en-US" b="1" i="1" dirty="0">
+                <a:solidFill>
+                  <a:srgbClr val="333333"/>
+                </a:solidFill>
+                <a:effectLst/>
+                <a:latin typeface="-apple-system"/>
+              </a:rPr>
+              <a:t>ATmega328P</a:t>
+            </a:r>
+            <a:r>
+              <a:rPr lang="en-US" b="0" i="0" dirty="0">
+                <a:solidFill>
+                  <a:srgbClr val="333333"/>
+                </a:solidFill>
+                <a:effectLst/>
+                <a:latin typeface="-apple-system"/>
+              </a:rPr>
+              <a:t>.</a:t>
+            </a:r>
+          </a:p>
+        </p:txBody>
+      </p:sp>
     </p:spTree>
     <p:extLst>
       <p:ext uri="{BB962C8B-B14F-4D97-AF65-F5344CB8AC3E}">

--- a/BuildRubberBandGunSoftware.pptx
+++ b/BuildRubberBandGunSoftware.pptx
@@ -274,7 +274,7 @@
           <a:p>
             <a:fld id="{02AC24A9-CCB6-4F8D-B8DB-C2F3692CFA5A}" type="datetimeFigureOut">
               <a:rPr lang="en-US" smtClean="0"/>
-              <a:t>10/24/2020</a:t>
+              <a:t>10/25/2020</a:t>
             </a:fld>
             <a:endParaRPr lang="en-US" dirty="0"/>
           </a:p>
@@ -644,7 +644,7 @@
           <a:p>
             <a:fld id="{02AC24A9-CCB6-4F8D-B8DB-C2F3692CFA5A}" type="datetimeFigureOut">
               <a:rPr lang="en-US" smtClean="0"/>
-              <a:t>10/24/2020</a:t>
+              <a:t>10/25/2020</a:t>
             </a:fld>
             <a:endParaRPr lang="en-US"/>
           </a:p>
@@ -853,7 +853,7 @@
           <a:p>
             <a:fld id="{02AC24A9-CCB6-4F8D-B8DB-C2F3692CFA5A}" type="datetimeFigureOut">
               <a:rPr lang="en-US" smtClean="0"/>
-              <a:t>10/24/2020</a:t>
+              <a:t>10/25/2020</a:t>
             </a:fld>
             <a:endParaRPr lang="en-US"/>
           </a:p>
@@ -1323,7 +1323,7 @@
           <a:p>
             <a:fld id="{02AC24A9-CCB6-4F8D-B8DB-C2F3692CFA5A}" type="datetimeFigureOut">
               <a:rPr lang="en-US" smtClean="0"/>
-              <a:t>10/24/2020</a:t>
+              <a:t>10/25/2020</a:t>
             </a:fld>
             <a:endParaRPr lang="en-US"/>
           </a:p>
@@ -1777,7 +1777,7 @@
           <a:p>
             <a:fld id="{02AC24A9-CCB6-4F8D-B8DB-C2F3692CFA5A}" type="datetimeFigureOut">
               <a:rPr lang="en-US" smtClean="0"/>
-              <a:t>10/24/2020</a:t>
+              <a:t>10/25/2020</a:t>
             </a:fld>
             <a:endParaRPr lang="en-US"/>
           </a:p>
@@ -2309,7 +2309,7 @@
           <a:p>
             <a:fld id="{02AC24A9-CCB6-4F8D-B8DB-C2F3692CFA5A}" type="datetimeFigureOut">
               <a:rPr lang="en-US" smtClean="0"/>
-              <a:t>10/24/2020</a:t>
+              <a:t>10/25/2020</a:t>
             </a:fld>
             <a:endParaRPr lang="en-US"/>
           </a:p>
@@ -3008,7 +3008,7 @@
           <a:p>
             <a:fld id="{02AC24A9-CCB6-4F8D-B8DB-C2F3692CFA5A}" type="datetimeFigureOut">
               <a:rPr lang="en-US" smtClean="0"/>
-              <a:t>10/24/2020</a:t>
+              <a:t>10/25/2020</a:t>
             </a:fld>
             <a:endParaRPr lang="en-US"/>
           </a:p>
@@ -3337,7 +3337,7 @@
           <a:p>
             <a:fld id="{02AC24A9-CCB6-4F8D-B8DB-C2F3692CFA5A}" type="datetimeFigureOut">
               <a:rPr lang="en-US" smtClean="0"/>
-              <a:t>10/24/2020</a:t>
+              <a:t>10/25/2020</a:t>
             </a:fld>
             <a:endParaRPr lang="en-US"/>
           </a:p>
@@ -3450,7 +3450,7 @@
           <a:p>
             <a:fld id="{02AC24A9-CCB6-4F8D-B8DB-C2F3692CFA5A}" type="datetimeFigureOut">
               <a:rPr lang="en-US" smtClean="0"/>
-              <a:t>10/24/2020</a:t>
+              <a:t>10/25/2020</a:t>
             </a:fld>
             <a:endParaRPr lang="en-US"/>
           </a:p>
@@ -3945,7 +3945,7 @@
           <a:p>
             <a:fld id="{02AC24A9-CCB6-4F8D-B8DB-C2F3692CFA5A}" type="datetimeFigureOut">
               <a:rPr lang="en-US" smtClean="0"/>
-              <a:t>10/24/2020</a:t>
+              <a:t>10/25/2020</a:t>
             </a:fld>
             <a:endParaRPr lang="en-US" dirty="0"/>
           </a:p>
@@ -4422,7 +4422,7 @@
           <a:p>
             <a:fld id="{02AC24A9-CCB6-4F8D-B8DB-C2F3692CFA5A}" type="datetimeFigureOut">
               <a:rPr lang="en-US" smtClean="0"/>
-              <a:t>10/24/2020</a:t>
+              <a:t>10/25/2020</a:t>
             </a:fld>
             <a:endParaRPr lang="en-US"/>
           </a:p>
@@ -4665,7 +4665,7 @@
           <a:p>
             <a:fld id="{02AC24A9-CCB6-4F8D-B8DB-C2F3692CFA5A}" type="datetimeFigureOut">
               <a:rPr lang="en-US" smtClean="0"/>
-              <a:t>10/24/2020</a:t>
+              <a:t>10/25/2020</a:t>
             </a:fld>
             <a:endParaRPr lang="en-US"/>
           </a:p>
@@ -10440,6 +10440,84 @@
                 <a:latin typeface="-apple-system"/>
               </a:rPr>
               <a:t>.</a:t>
+            </a:r>
+          </a:p>
+        </p:txBody>
+      </p:sp>
+      <p:sp>
+        <p:nvSpPr>
+          <p:cNvPr id="6" name="TextBox 5">
+            <a:extLst>
+              <a:ext uri="{FF2B5EF4-FFF2-40B4-BE49-F238E27FC236}">
+                <a16:creationId xmlns:a16="http://schemas.microsoft.com/office/drawing/2014/main" id="{BF259E93-1987-46E4-B621-FADC6CDD2616}"/>
+              </a:ext>
+            </a:extLst>
+          </p:cNvPr>
+          <p:cNvSpPr txBox="1"/>
+          <p:nvPr/>
+        </p:nvSpPr>
+        <p:spPr>
+          <a:xfrm>
+            <a:off x="5320146" y="2163556"/>
+            <a:ext cx="6462025" cy="369332"/>
+          </a:xfrm>
+          <a:prstGeom prst="rect">
+            <a:avLst/>
+          </a:prstGeom>
+          <a:noFill/>
+        </p:spPr>
+        <p:txBody>
+          <a:bodyPr wrap="none" rtlCol="0">
+            <a:spAutoFit/>
+          </a:bodyPr>
+          <a:lstStyle/>
+          <a:p>
+            <a:r>
+              <a:rPr lang="en-US" sz="900" dirty="0">
+                <a:latin typeface="Arial" panose="020B0604020202020204" pitchFamily="34" charset="0"/>
+                <a:cs typeface="Arial" panose="020B0604020202020204" pitchFamily="34" charset="0"/>
+                <a:hlinkClick r:id="rId3"/>
+              </a:rPr>
+              <a:t>https://support.arduino.cc/hc/en-us/articles/360016785580-Error-avrdude-stk500-getsync-attempt-X-of-10-not-in-sync-resp-</a:t>
+            </a:r>
+            <a:endParaRPr lang="en-US" sz="900" dirty="0">
+              <a:latin typeface="Arial" panose="020B0604020202020204" pitchFamily="34" charset="0"/>
+              <a:cs typeface="Arial" panose="020B0604020202020204" pitchFamily="34" charset="0"/>
+            </a:endParaRPr>
+          </a:p>
+          <a:p>
+            <a:r>
+              <a:rPr lang="en-US" sz="900" b="0" i="0" dirty="0">
+                <a:solidFill>
+                  <a:srgbClr val="333333"/>
+                </a:solidFill>
+                <a:effectLst/>
+                <a:latin typeface="Arial" panose="020B0604020202020204" pitchFamily="34" charset="0"/>
+                <a:cs typeface="Arial" panose="020B0604020202020204" pitchFamily="34" charset="0"/>
+              </a:rPr>
+              <a:t>Error: </a:t>
+            </a:r>
+            <a:r>
+              <a:rPr lang="en-US" sz="900" b="0" i="0" dirty="0" err="1">
+                <a:solidFill>
+                  <a:srgbClr val="333333"/>
+                </a:solidFill>
+                <a:effectLst/>
+                <a:latin typeface="Arial" panose="020B0604020202020204" pitchFamily="34" charset="0"/>
+                <a:cs typeface="Arial" panose="020B0604020202020204" pitchFamily="34" charset="0"/>
+              </a:rPr>
+              <a:t>avrdude</a:t>
+            </a:r>
+            <a:r>
+              <a:rPr lang="en-US" sz="900" b="0" i="0" dirty="0">
+                <a:solidFill>
+                  <a:srgbClr val="333333"/>
+                </a:solidFill>
+                <a:effectLst/>
+                <a:latin typeface="Arial" panose="020B0604020202020204" pitchFamily="34" charset="0"/>
+                <a:cs typeface="Arial" panose="020B0604020202020204" pitchFamily="34" charset="0"/>
+              </a:rPr>
+              <a:t>: stk500_getsync() attempt X of 10: not in sync: resp=</a:t>
             </a:r>
           </a:p>
         </p:txBody>

--- a/BuildRubberBandGunSoftware.pptx
+++ b/BuildRubberBandGunSoftware.pptx
@@ -11,7 +11,8 @@
     <p:sldId id="259" r:id="rId5"/>
     <p:sldId id="261" r:id="rId6"/>
     <p:sldId id="263" r:id="rId7"/>
-    <p:sldId id="265" r:id="rId8"/>
+    <p:sldId id="266" r:id="rId8"/>
+    <p:sldId id="265" r:id="rId9"/>
   </p:sldIdLst>
   <p:sldSz cx="12192000" cy="6858000"/>
   <p:notesSz cx="7315200" cy="9601200"/>
@@ -274,7 +275,7 @@
           <a:p>
             <a:fld id="{02AC24A9-CCB6-4F8D-B8DB-C2F3692CFA5A}" type="datetimeFigureOut">
               <a:rPr lang="en-US" smtClean="0"/>
-              <a:t>10/25/2020</a:t>
+              <a:t>6/24/2022</a:t>
             </a:fld>
             <a:endParaRPr lang="en-US" dirty="0"/>
           </a:p>
@@ -644,7 +645,7 @@
           <a:p>
             <a:fld id="{02AC24A9-CCB6-4F8D-B8DB-C2F3692CFA5A}" type="datetimeFigureOut">
               <a:rPr lang="en-US" smtClean="0"/>
-              <a:t>10/25/2020</a:t>
+              <a:t>6/24/2022</a:t>
             </a:fld>
             <a:endParaRPr lang="en-US"/>
           </a:p>
@@ -853,7 +854,7 @@
           <a:p>
             <a:fld id="{02AC24A9-CCB6-4F8D-B8DB-C2F3692CFA5A}" type="datetimeFigureOut">
               <a:rPr lang="en-US" smtClean="0"/>
-              <a:t>10/25/2020</a:t>
+              <a:t>6/24/2022</a:t>
             </a:fld>
             <a:endParaRPr lang="en-US"/>
           </a:p>
@@ -1323,7 +1324,7 @@
           <a:p>
             <a:fld id="{02AC24A9-CCB6-4F8D-B8DB-C2F3692CFA5A}" type="datetimeFigureOut">
               <a:rPr lang="en-US" smtClean="0"/>
-              <a:t>10/25/2020</a:t>
+              <a:t>6/24/2022</a:t>
             </a:fld>
             <a:endParaRPr lang="en-US"/>
           </a:p>
@@ -1777,7 +1778,7 @@
           <a:p>
             <a:fld id="{02AC24A9-CCB6-4F8D-B8DB-C2F3692CFA5A}" type="datetimeFigureOut">
               <a:rPr lang="en-US" smtClean="0"/>
-              <a:t>10/25/2020</a:t>
+              <a:t>6/24/2022</a:t>
             </a:fld>
             <a:endParaRPr lang="en-US"/>
           </a:p>
@@ -2309,7 +2310,7 @@
           <a:p>
             <a:fld id="{02AC24A9-CCB6-4F8D-B8DB-C2F3692CFA5A}" type="datetimeFigureOut">
               <a:rPr lang="en-US" smtClean="0"/>
-              <a:t>10/25/2020</a:t>
+              <a:t>6/24/2022</a:t>
             </a:fld>
             <a:endParaRPr lang="en-US"/>
           </a:p>
@@ -3008,7 +3009,7 @@
           <a:p>
             <a:fld id="{02AC24A9-CCB6-4F8D-B8DB-C2F3692CFA5A}" type="datetimeFigureOut">
               <a:rPr lang="en-US" smtClean="0"/>
-              <a:t>10/25/2020</a:t>
+              <a:t>6/24/2022</a:t>
             </a:fld>
             <a:endParaRPr lang="en-US"/>
           </a:p>
@@ -3337,7 +3338,7 @@
           <a:p>
             <a:fld id="{02AC24A9-CCB6-4F8D-B8DB-C2F3692CFA5A}" type="datetimeFigureOut">
               <a:rPr lang="en-US" smtClean="0"/>
-              <a:t>10/25/2020</a:t>
+              <a:t>6/24/2022</a:t>
             </a:fld>
             <a:endParaRPr lang="en-US"/>
           </a:p>
@@ -3450,7 +3451,7 @@
           <a:p>
             <a:fld id="{02AC24A9-CCB6-4F8D-B8DB-C2F3692CFA5A}" type="datetimeFigureOut">
               <a:rPr lang="en-US" smtClean="0"/>
-              <a:t>10/25/2020</a:t>
+              <a:t>6/24/2022</a:t>
             </a:fld>
             <a:endParaRPr lang="en-US"/>
           </a:p>
@@ -3945,7 +3946,7 @@
           <a:p>
             <a:fld id="{02AC24A9-CCB6-4F8D-B8DB-C2F3692CFA5A}" type="datetimeFigureOut">
               <a:rPr lang="en-US" smtClean="0"/>
-              <a:t>10/25/2020</a:t>
+              <a:t>6/24/2022</a:t>
             </a:fld>
             <a:endParaRPr lang="en-US" dirty="0"/>
           </a:p>
@@ -4422,7 +4423,7 @@
           <a:p>
             <a:fld id="{02AC24A9-CCB6-4F8D-B8DB-C2F3692CFA5A}" type="datetimeFigureOut">
               <a:rPr lang="en-US" smtClean="0"/>
-              <a:t>10/25/2020</a:t>
+              <a:t>6/24/2022</a:t>
             </a:fld>
             <a:endParaRPr lang="en-US"/>
           </a:p>
@@ -4665,7 +4666,7 @@
           <a:p>
             <a:fld id="{02AC24A9-CCB6-4F8D-B8DB-C2F3692CFA5A}" type="datetimeFigureOut">
               <a:rPr lang="en-US" smtClean="0"/>
-              <a:t>10/25/2020</a:t>
+              <a:t>6/24/2022</a:t>
             </a:fld>
             <a:endParaRPr lang="en-US"/>
           </a:p>
@@ -10175,8 +10176,12 @@
               <a:rPr lang="en-US" dirty="0"/>
             </a:br>
             <a:r>
+              <a:rPr lang="en-US" dirty="0" err="1"/>
+              <a:t>RBG_SciFi.ino</a:t>
+            </a:r>
+            <a:r>
               <a:rPr lang="en-US" dirty="0"/>
-              <a:t>Arduino Setup</a:t>
+              <a:t> Arduino Setup</a:t>
             </a:r>
           </a:p>
         </p:txBody>
@@ -10584,8 +10589,12 @@
               <a:rPr lang="en-US" dirty="0"/>
             </a:br>
             <a:r>
+              <a:rPr lang="en-US" dirty="0" err="1"/>
+              <a:t>RBG_SciFi.ino</a:t>
+            </a:r>
+            <a:r>
               <a:rPr lang="en-US" dirty="0"/>
-              <a:t>Programming Arduino for Bluetooth</a:t>
+              <a:t> programming</a:t>
             </a:r>
           </a:p>
         </p:txBody>
@@ -10608,13 +10617,13 @@
         </p:nvSpPr>
         <p:spPr>
           <a:xfrm>
-            <a:off x="522475" y="3643522"/>
-            <a:ext cx="4037102" cy="1311145"/>
+            <a:off x="461418" y="2371053"/>
+            <a:ext cx="4037102" cy="3938307"/>
           </a:xfrm>
         </p:spPr>
         <p:txBody>
           <a:bodyPr>
-            <a:normAutofit/>
+            <a:noAutofit/>
           </a:bodyPr>
           <a:lstStyle/>
           <a:p>
@@ -10622,32 +10631,66 @@
               <a:buNone/>
             </a:pPr>
             <a:r>
-              <a:rPr lang="en-US" sz="1200" dirty="0"/>
-              <a:t>Connections to program the KCX-BT-EMITTER</a:t>
-            </a:r>
-          </a:p>
-          <a:p>
-            <a:r>
-              <a:rPr lang="en-US" sz="1000" dirty="0"/>
-              <a:t>See RubberBandGun_wiring.pdf</a:t>
-            </a:r>
-          </a:p>
-          <a:p>
-            <a:r>
-              <a:rPr lang="en-US" sz="1000" dirty="0"/>
-              <a:t>See ProgrammingArduino_SerialMonitor_SampleOutput.pdf</a:t>
-            </a:r>
-          </a:p>
-          <a:p>
-            <a:r>
-              <a:rPr lang="en-US" sz="1000" dirty="0"/>
-              <a:t>See </a:t>
-            </a:r>
-            <a:r>
-              <a:rPr lang="en-US" sz="1000" dirty="0" err="1"/>
-              <a:t>ProgrammingArduino.ino</a:t>
-            </a:r>
-            <a:endParaRPr lang="en-US" sz="1000" dirty="0"/>
+              <a:rPr lang="en-US" sz="1200" dirty="0" err="1">
+                <a:latin typeface="Arial" panose="020B0604020202020204" pitchFamily="34" charset="0"/>
+                <a:cs typeface="Arial" panose="020B0604020202020204" pitchFamily="34" charset="0"/>
+              </a:rPr>
+              <a:t>RBG_SciFi.ino</a:t>
+            </a:r>
+            <a:endParaRPr lang="en-US" sz="1200" dirty="0">
+              <a:latin typeface="Arial" panose="020B0604020202020204" pitchFamily="34" charset="0"/>
+              <a:cs typeface="Arial" panose="020B0604020202020204" pitchFamily="34" charset="0"/>
+            </a:endParaRPr>
+          </a:p>
+          <a:p>
+            <a:pPr marL="0" indent="0">
+              <a:buNone/>
+            </a:pPr>
+            <a:r>
+              <a:rPr lang="en-US" sz="1200" dirty="0">
+                <a:latin typeface="Arial" panose="020B0604020202020204" pitchFamily="34" charset="0"/>
+                <a:cs typeface="Arial" panose="020B0604020202020204" pitchFamily="34" charset="0"/>
+              </a:rPr>
+              <a:t>Take the clear acrylic cover off, pull back the barrel/solenoid/motor assembly as if loading, turn the RBG power on, plug in the </a:t>
+            </a:r>
+            <a:r>
+              <a:rPr lang="it-IT" sz="1200" dirty="0">
+                <a:latin typeface="Arial" panose="020B0604020202020204" pitchFamily="34" charset="0"/>
+                <a:cs typeface="Arial" panose="020B0604020202020204" pitchFamily="34" charset="0"/>
+              </a:rPr>
+              <a:t>USB Male Mini 5 Pin</a:t>
+            </a:r>
+            <a:r>
+              <a:rPr lang="en-US" sz="1200" dirty="0">
+                <a:latin typeface="Arial" panose="020B0604020202020204" pitchFamily="34" charset="0"/>
+                <a:cs typeface="Arial" panose="020B0604020202020204" pitchFamily="34" charset="0"/>
+              </a:rPr>
+              <a:t> to the Arduino NANO and the other side to your computer, and program. Reverse steps to disconnect.</a:t>
+            </a:r>
+          </a:p>
+          <a:p>
+            <a:pPr marL="0" indent="0">
+              <a:buNone/>
+            </a:pPr>
+            <a:r>
+              <a:rPr lang="en-US" sz="1200" dirty="0">
+                <a:latin typeface="Arial" panose="020B0604020202020204" pitchFamily="34" charset="0"/>
+                <a:cs typeface="Arial" panose="020B0604020202020204" pitchFamily="34" charset="0"/>
+              </a:rPr>
+              <a:t>NOTE: when the RBG power is on while the USB connector is connected and periodically resetting the Arduino, it continuously resets and pulses the solenoid/motor circuit at an interval of about 1.5 seconds. This might eventually damage the solenoid/motor or its circuitry, so it is important to pull back the barrel/solenoid/motor assembly before powering on.</a:t>
+            </a:r>
+          </a:p>
+          <a:p>
+            <a:pPr marL="0" indent="0">
+              <a:buNone/>
+            </a:pPr>
+            <a:r>
+              <a:rPr lang="en-US" sz="1200" dirty="0">
+                <a:latin typeface="Arial" panose="020B0604020202020204" pitchFamily="34" charset="0"/>
+                <a:cs typeface="Arial" panose="020B0604020202020204" pitchFamily="34" charset="0"/>
+              </a:rPr>
+              <a:t>NOTE: The reason I suggest powering on the RBG while programming is so that the entire RBG is not being powered through our inexpensive clone Arduino Nano.</a:t>
+            </a:r>
           </a:p>
         </p:txBody>
       </p:sp>
@@ -10665,7 +10708,7 @@
         </p:nvSpPr>
         <p:spPr>
           <a:xfrm>
-            <a:off x="4722395" y="2267953"/>
+            <a:off x="4757352" y="2371053"/>
             <a:ext cx="6491234" cy="4120813"/>
           </a:xfrm>
           <a:prstGeom prst="rect">
@@ -11532,7 +11575,7 @@
         </p:nvSpPr>
         <p:spPr>
           <a:xfrm rot="4359892">
-            <a:off x="9600943" y="5090236"/>
+            <a:off x="9600943" y="4852847"/>
             <a:ext cx="1126941" cy="417140"/>
           </a:xfrm>
           <a:prstGeom prst="rect">
@@ -11966,7 +12009,7 @@
         </p:nvSpPr>
         <p:spPr>
           <a:xfrm rot="20513597">
-            <a:off x="9943038" y="4757349"/>
+            <a:off x="10237283" y="5471988"/>
             <a:ext cx="134315" cy="180926"/>
           </a:xfrm>
           <a:prstGeom prst="roundRect">
@@ -12172,10 +12215,10 @@
       </p:grpSp>
       <p:sp>
         <p:nvSpPr>
-          <p:cNvPr id="4" name="Rectangle 3">
-            <a:extLst>
-              <a:ext uri="{FF2B5EF4-FFF2-40B4-BE49-F238E27FC236}">
-                <a16:creationId xmlns:a16="http://schemas.microsoft.com/office/drawing/2014/main" id="{13495F2B-8FCE-446D-8B24-ACAE63D3707C}"/>
+          <p:cNvPr id="49" name="Freeform: Shape 48">
+            <a:extLst>
+              <a:ext uri="{FF2B5EF4-FFF2-40B4-BE49-F238E27FC236}">
+                <a16:creationId xmlns:a16="http://schemas.microsoft.com/office/drawing/2014/main" id="{0171344A-A62F-440E-8A13-661F78F244AB}"/>
               </a:ext>
             </a:extLst>
           </p:cNvPr>
@@ -12183,198 +12226,9 @@
           <p:nvPr/>
         </p:nvSpPr>
         <p:spPr>
-          <a:xfrm rot="5400000">
-            <a:off x="7853957" y="5102742"/>
-            <a:ext cx="1126941" cy="508003"/>
-          </a:xfrm>
-          <a:prstGeom prst="rect">
-            <a:avLst/>
-          </a:prstGeom>
-          <a:solidFill>
-            <a:schemeClr val="accent5"/>
-          </a:solidFill>
-          <a:ln>
-            <a:solidFill>
-              <a:schemeClr val="accent5"/>
-            </a:solidFill>
-          </a:ln>
-        </p:spPr>
-        <p:style>
-          <a:lnRef idx="2">
-            <a:schemeClr val="accent1">
-              <a:shade val="50000"/>
-            </a:schemeClr>
-          </a:lnRef>
-          <a:fillRef idx="1">
-            <a:schemeClr val="accent1"/>
-          </a:fillRef>
-          <a:effectRef idx="0">
-            <a:schemeClr val="accent1"/>
-          </a:effectRef>
-          <a:fontRef idx="minor">
-            <a:schemeClr val="lt1"/>
-          </a:fontRef>
-        </p:style>
-        <p:txBody>
-          <a:bodyPr rtlCol="0" anchor="ctr"/>
-          <a:lstStyle/>
-          <a:p>
-            <a:pPr algn="ctr"/>
-            <a:r>
-              <a:rPr lang="en-US" dirty="0"/>
-              <a:t>Prog </a:t>
-            </a:r>
-            <a:r>
-              <a:rPr lang="en-US" dirty="0" err="1"/>
-              <a:t>Ardu</a:t>
-            </a:r>
-            <a:endParaRPr lang="en-US" dirty="0"/>
-          </a:p>
-        </p:txBody>
-      </p:sp>
-      <p:cxnSp>
-        <p:nvCxnSpPr>
-          <p:cNvPr id="44" name="Straight Connector 43">
-            <a:extLst>
-              <a:ext uri="{FF2B5EF4-FFF2-40B4-BE49-F238E27FC236}">
-                <a16:creationId xmlns:a16="http://schemas.microsoft.com/office/drawing/2014/main" id="{590B4BA7-DFB4-4F73-8617-4CBE043770F3}"/>
-              </a:ext>
-            </a:extLst>
-          </p:cNvPr>
-          <p:cNvCxnSpPr>
-            <a:endCxn id="40" idx="0"/>
-          </p:cNvCxnSpPr>
-          <p:nvPr/>
-        </p:nvCxnSpPr>
-        <p:spPr>
-          <a:xfrm>
-            <a:off x="8653486" y="4962053"/>
-            <a:ext cx="988881" cy="300850"/>
-          </a:xfrm>
-          <a:prstGeom prst="line">
-            <a:avLst/>
-          </a:prstGeom>
-          <a:ln w="12700">
-            <a:solidFill>
-              <a:schemeClr val="tx1"/>
-            </a:solidFill>
-          </a:ln>
-        </p:spPr>
-        <p:style>
-          <a:lnRef idx="1">
-            <a:schemeClr val="accent1"/>
-          </a:lnRef>
-          <a:fillRef idx="0">
-            <a:schemeClr val="accent1"/>
-          </a:fillRef>
-          <a:effectRef idx="0">
-            <a:schemeClr val="accent1"/>
-          </a:effectRef>
-          <a:fontRef idx="minor">
-            <a:schemeClr val="tx1"/>
-          </a:fontRef>
-        </p:style>
-      </p:cxnSp>
-      <p:sp>
-        <p:nvSpPr>
-          <p:cNvPr id="45" name="TextBox 44">
-            <a:extLst>
-              <a:ext uri="{FF2B5EF4-FFF2-40B4-BE49-F238E27FC236}">
-                <a16:creationId xmlns:a16="http://schemas.microsoft.com/office/drawing/2014/main" id="{D1002E0D-FFDA-4212-A4C1-D47E37E7FB5C}"/>
-              </a:ext>
-            </a:extLst>
-          </p:cNvPr>
-          <p:cNvSpPr txBox="1"/>
-          <p:nvPr/>
-        </p:nvSpPr>
-        <p:spPr>
-          <a:xfrm>
-            <a:off x="8802618" y="5096123"/>
-            <a:ext cx="677237" cy="276999"/>
-          </a:xfrm>
-          <a:prstGeom prst="rect">
-            <a:avLst/>
-          </a:prstGeom>
-          <a:noFill/>
-        </p:spPr>
-        <p:txBody>
-          <a:bodyPr wrap="none" rtlCol="0">
-            <a:spAutoFit/>
-          </a:bodyPr>
-          <a:lstStyle/>
-          <a:p>
-            <a:r>
-              <a:rPr lang="en-US" sz="1200" dirty="0"/>
-              <a:t>3 wires</a:t>
-            </a:r>
-          </a:p>
-        </p:txBody>
-      </p:sp>
-      <p:sp>
-        <p:nvSpPr>
-          <p:cNvPr id="47" name="Rectangle: Rounded Corners 46">
-            <a:extLst>
-              <a:ext uri="{FF2B5EF4-FFF2-40B4-BE49-F238E27FC236}">
-                <a16:creationId xmlns:a16="http://schemas.microsoft.com/office/drawing/2014/main" id="{3D94BD1C-2593-49F2-BF89-6F318F52CB20}"/>
-              </a:ext>
-            </a:extLst>
-          </p:cNvPr>
-          <p:cNvSpPr/>
-          <p:nvPr/>
-        </p:nvSpPr>
-        <p:spPr>
-          <a:xfrm>
-            <a:off x="8350269" y="4787158"/>
-            <a:ext cx="134315" cy="180926"/>
-          </a:xfrm>
-          <a:prstGeom prst="roundRect">
-            <a:avLst/>
-          </a:prstGeom>
-          <a:solidFill>
-            <a:schemeClr val="bg1"/>
-          </a:solidFill>
-        </p:spPr>
-        <p:style>
-          <a:lnRef idx="2">
-            <a:schemeClr val="accent1">
-              <a:shade val="50000"/>
-            </a:schemeClr>
-          </a:lnRef>
-          <a:fillRef idx="1">
-            <a:schemeClr val="accent1"/>
-          </a:fillRef>
-          <a:effectRef idx="0">
-            <a:schemeClr val="accent1"/>
-          </a:effectRef>
-          <a:fontRef idx="minor">
-            <a:schemeClr val="lt1"/>
-          </a:fontRef>
-        </p:style>
-        <p:txBody>
-          <a:bodyPr rtlCol="0" anchor="ctr"/>
-          <a:lstStyle/>
-          <a:p>
-            <a:pPr algn="ctr"/>
-            <a:endParaRPr lang="en-US"/>
-          </a:p>
-        </p:txBody>
-      </p:sp>
-      <p:sp>
-        <p:nvSpPr>
-          <p:cNvPr id="49" name="Freeform: Shape 48">
-            <a:extLst>
-              <a:ext uri="{FF2B5EF4-FFF2-40B4-BE49-F238E27FC236}">
-                <a16:creationId xmlns:a16="http://schemas.microsoft.com/office/drawing/2014/main" id="{0171344A-A62F-440E-8A13-661F78F244AB}"/>
-              </a:ext>
-            </a:extLst>
-          </p:cNvPr>
-          <p:cNvSpPr/>
-          <p:nvPr/>
-        </p:nvSpPr>
-        <p:spPr>
-          <a:xfrm>
-            <a:off x="6394784" y="3783932"/>
-            <a:ext cx="2033628" cy="1004636"/>
+          <a:xfrm rot="359564" flipV="1">
+            <a:off x="7993924" y="5528666"/>
+            <a:ext cx="2349170" cy="619353"/>
           </a:xfrm>
           <a:custGeom>
             <a:avLst/>
@@ -12459,7 +12313,7 @@
         </p:nvSpPr>
         <p:spPr>
           <a:xfrm>
-            <a:off x="7072979" y="3956310"/>
+            <a:off x="7968012" y="4677668"/>
             <a:ext cx="478016" cy="276999"/>
           </a:xfrm>
           <a:prstGeom prst="rect">
@@ -12509,7 +12363,7 @@
         </p:blipFill>
         <p:spPr bwMode="auto">
           <a:xfrm>
-            <a:off x="5358768" y="2991666"/>
+            <a:off x="6668045" y="5090160"/>
             <a:ext cx="1314450" cy="1219200"/>
           </a:xfrm>
           <a:prstGeom prst="rect">
@@ -12527,12 +12381,1863 @@
           </a:extLst>
         </p:spPr>
       </p:pic>
+    </p:spTree>
+    <p:extLst>
+      <p:ext uri="{BB962C8B-B14F-4D97-AF65-F5344CB8AC3E}">
+        <p14:creationId xmlns:p14="http://schemas.microsoft.com/office/powerpoint/2010/main" val="4170202118"/>
+      </p:ext>
+    </p:extLst>
+  </p:cSld>
+  <p:clrMapOvr>
+    <a:masterClrMapping/>
+  </p:clrMapOvr>
+</p:sld>
+</file>
+
+<file path=ppt/slides/slide8.xml><?xml version="1.0" encoding="utf-8"?>
+<p:sld xmlns:a="http://schemas.openxmlformats.org/drawingml/2006/main" xmlns:r="http://schemas.openxmlformats.org/officeDocument/2006/relationships" xmlns:p="http://schemas.openxmlformats.org/presentationml/2006/main">
+  <p:cSld>
+    <p:spTree>
+      <p:nvGrpSpPr>
+        <p:cNvPr id="1" name=""/>
+        <p:cNvGrpSpPr/>
+        <p:nvPr/>
+      </p:nvGrpSpPr>
+      <p:grpSpPr>
+        <a:xfrm>
+          <a:off x="0" y="0"/>
+          <a:ext cx="0" cy="0"/>
+          <a:chOff x="0" y="0"/>
+          <a:chExt cx="0" cy="0"/>
+        </a:xfrm>
+      </p:grpSpPr>
+      <p:sp>
+        <p:nvSpPr>
+          <p:cNvPr id="2" name="Title 1">
+            <a:extLst>
+              <a:ext uri="{FF2B5EF4-FFF2-40B4-BE49-F238E27FC236}">
+                <a16:creationId xmlns:a16="http://schemas.microsoft.com/office/drawing/2014/main" id="{4E2272C3-2933-48F5-923A-A6570DEEFCCF}"/>
+              </a:ext>
+            </a:extLst>
+          </p:cNvPr>
+          <p:cNvSpPr>
+            <a:spLocks noGrp="1"/>
+          </p:cNvSpPr>
+          <p:nvPr>
+            <p:ph type="title"/>
+          </p:nvPr>
+        </p:nvSpPr>
+        <p:spPr/>
+        <p:txBody>
+          <a:bodyPr>
+            <a:normAutofit fontScale="90000"/>
+          </a:bodyPr>
+          <a:lstStyle/>
+          <a:p>
+            <a:pPr algn="ctr"/>
+            <a:r>
+              <a:rPr lang="en-US" dirty="0"/>
+              <a:t>FOOF Rubber Band Gun</a:t>
+            </a:r>
+            <a:br>
+              <a:rPr lang="en-US" dirty="0"/>
+            </a:br>
+            <a:r>
+              <a:rPr lang="en-US" dirty="0"/>
+              <a:t>Programming Arduino for Bluetooth</a:t>
+            </a:r>
+          </a:p>
+        </p:txBody>
+      </p:sp>
+      <p:sp>
+        <p:nvSpPr>
+          <p:cNvPr id="3" name="Content Placeholder 2">
+            <a:extLst>
+              <a:ext uri="{FF2B5EF4-FFF2-40B4-BE49-F238E27FC236}">
+                <a16:creationId xmlns:a16="http://schemas.microsoft.com/office/drawing/2014/main" id="{6FA38F56-2E24-4600-B93F-FBDF438A7340}"/>
+              </a:ext>
+            </a:extLst>
+          </p:cNvPr>
+          <p:cNvSpPr>
+            <a:spLocks noGrp="1"/>
+          </p:cNvSpPr>
+          <p:nvPr>
+            <p:ph idx="1"/>
+          </p:nvPr>
+        </p:nvSpPr>
+        <p:spPr>
+          <a:xfrm>
+            <a:off x="522475" y="3643522"/>
+            <a:ext cx="4037102" cy="1311145"/>
+          </a:xfrm>
+        </p:spPr>
+        <p:txBody>
+          <a:bodyPr>
+            <a:normAutofit/>
+          </a:bodyPr>
+          <a:lstStyle/>
+          <a:p>
+            <a:pPr marL="0" indent="0">
+              <a:buNone/>
+            </a:pPr>
+            <a:r>
+              <a:rPr lang="en-US" sz="1200" dirty="0"/>
+              <a:t>Connections to program the KCX-BT-EMITTER</a:t>
+            </a:r>
+          </a:p>
+          <a:p>
+            <a:r>
+              <a:rPr lang="en-US" sz="1000" dirty="0"/>
+              <a:t>See RubberBandGun_wiring.pdf</a:t>
+            </a:r>
+          </a:p>
+          <a:p>
+            <a:r>
+              <a:rPr lang="en-US" sz="1000" dirty="0"/>
+              <a:t>See ProgrammingArduino_SerialMonitor_SampleOutput.pdf</a:t>
+            </a:r>
+          </a:p>
+          <a:p>
+            <a:r>
+              <a:rPr lang="en-US" sz="1000" dirty="0"/>
+              <a:t>See </a:t>
+            </a:r>
+            <a:r>
+              <a:rPr lang="en-US" sz="1000" dirty="0" err="1"/>
+              <a:t>ProgrammingArduino.ino</a:t>
+            </a:r>
+            <a:endParaRPr lang="en-US" sz="1000" dirty="0"/>
+          </a:p>
+        </p:txBody>
+      </p:sp>
+      <p:sp>
+        <p:nvSpPr>
+          <p:cNvPr id="6" name="Rectangle 5">
+            <a:extLst>
+              <a:ext uri="{FF2B5EF4-FFF2-40B4-BE49-F238E27FC236}">
+                <a16:creationId xmlns:a16="http://schemas.microsoft.com/office/drawing/2014/main" id="{235F5C12-ADF8-4B05-8E93-AEC36CE91A1A}"/>
+              </a:ext>
+            </a:extLst>
+          </p:cNvPr>
+          <p:cNvSpPr/>
+          <p:nvPr/>
+        </p:nvSpPr>
+        <p:spPr>
+          <a:xfrm>
+            <a:off x="4722395" y="2267953"/>
+            <a:ext cx="6491234" cy="4120813"/>
+          </a:xfrm>
+          <a:prstGeom prst="rect">
+            <a:avLst/>
+          </a:prstGeom>
+          <a:solidFill>
+            <a:schemeClr val="accent3">
+              <a:lumMod val="40000"/>
+              <a:lumOff val="60000"/>
+            </a:schemeClr>
+          </a:solidFill>
+        </p:spPr>
+        <p:style>
+          <a:lnRef idx="2">
+            <a:schemeClr val="accent1">
+              <a:shade val="50000"/>
+            </a:schemeClr>
+          </a:lnRef>
+          <a:fillRef idx="1">
+            <a:schemeClr val="accent1"/>
+          </a:fillRef>
+          <a:effectRef idx="0">
+            <a:schemeClr val="accent1"/>
+          </a:effectRef>
+          <a:fontRef idx="minor">
+            <a:schemeClr val="lt1"/>
+          </a:fontRef>
+        </p:style>
+        <p:txBody>
+          <a:bodyPr rtlCol="0" anchor="ctr"/>
+          <a:lstStyle/>
+          <a:p>
+            <a:pPr algn="ctr"/>
+            <a:endParaRPr lang="en-US" dirty="0"/>
+          </a:p>
+        </p:txBody>
+      </p:sp>
+      <p:grpSp>
+        <p:nvGrpSpPr>
+          <p:cNvPr id="7" name="Group 6">
+            <a:extLst>
+              <a:ext uri="{FF2B5EF4-FFF2-40B4-BE49-F238E27FC236}">
+                <a16:creationId xmlns:a16="http://schemas.microsoft.com/office/drawing/2014/main" id="{FDD38489-A34F-4ACA-BE82-DC274CB73572}"/>
+              </a:ext>
+            </a:extLst>
+          </p:cNvPr>
+          <p:cNvGrpSpPr/>
+          <p:nvPr/>
+        </p:nvGrpSpPr>
+        <p:grpSpPr>
+          <a:xfrm>
+            <a:off x="7956975" y="2447340"/>
+            <a:ext cx="3054773" cy="3799838"/>
+            <a:chOff x="1009227" y="2409240"/>
+            <a:chExt cx="3054773" cy="3799838"/>
+          </a:xfrm>
+        </p:grpSpPr>
+        <p:grpSp>
+          <p:nvGrpSpPr>
+            <p:cNvPr id="8" name="Group 7">
+              <a:extLst>
+                <a:ext uri="{FF2B5EF4-FFF2-40B4-BE49-F238E27FC236}">
+                  <a16:creationId xmlns:a16="http://schemas.microsoft.com/office/drawing/2014/main" id="{6AA0749C-E01A-4583-B163-FA92E15AFD17}"/>
+                </a:ext>
+              </a:extLst>
+            </p:cNvPr>
+            <p:cNvGrpSpPr/>
+            <p:nvPr/>
+          </p:nvGrpSpPr>
+          <p:grpSpPr>
+            <a:xfrm>
+              <a:off x="1009227" y="2409240"/>
+              <a:ext cx="3054773" cy="3799838"/>
+              <a:chOff x="1009227" y="2404535"/>
+              <a:chExt cx="3054773" cy="3799838"/>
+            </a:xfrm>
+          </p:grpSpPr>
+          <p:cxnSp>
+            <p:nvCxnSpPr>
+              <p:cNvPr id="17" name="Straight Connector 16">
+                <a:extLst>
+                  <a:ext uri="{FF2B5EF4-FFF2-40B4-BE49-F238E27FC236}">
+                    <a16:creationId xmlns:a16="http://schemas.microsoft.com/office/drawing/2014/main" id="{FB6E9B18-5C12-4524-9B5A-7338D2871FFA}"/>
+                  </a:ext>
+                </a:extLst>
+              </p:cNvPr>
+              <p:cNvCxnSpPr/>
+              <p:nvPr/>
+            </p:nvCxnSpPr>
+            <p:spPr>
+              <a:xfrm>
+                <a:off x="1009227" y="2411307"/>
+                <a:ext cx="2160693" cy="0"/>
+              </a:xfrm>
+              <a:prstGeom prst="line">
+                <a:avLst/>
+              </a:prstGeom>
+              <a:ln/>
+            </p:spPr>
+            <p:style>
+              <a:lnRef idx="3">
+                <a:schemeClr val="dk1"/>
+              </a:lnRef>
+              <a:fillRef idx="0">
+                <a:schemeClr val="dk1"/>
+              </a:fillRef>
+              <a:effectRef idx="2">
+                <a:schemeClr val="dk1"/>
+              </a:effectRef>
+              <a:fontRef idx="minor">
+                <a:schemeClr val="tx1"/>
+              </a:fontRef>
+            </p:style>
+          </p:cxnSp>
+          <p:cxnSp>
+            <p:nvCxnSpPr>
+              <p:cNvPr id="18" name="Straight Connector 17">
+                <a:extLst>
+                  <a:ext uri="{FF2B5EF4-FFF2-40B4-BE49-F238E27FC236}">
+                    <a16:creationId xmlns:a16="http://schemas.microsoft.com/office/drawing/2014/main" id="{AD3CCD17-FC9F-4E55-8EE8-3153FCBD427F}"/>
+                  </a:ext>
+                </a:extLst>
+              </p:cNvPr>
+              <p:cNvCxnSpPr/>
+              <p:nvPr/>
+            </p:nvCxnSpPr>
+            <p:spPr>
+              <a:xfrm>
+                <a:off x="3156373" y="2418080"/>
+                <a:ext cx="0" cy="765387"/>
+              </a:xfrm>
+              <a:prstGeom prst="line">
+                <a:avLst/>
+              </a:prstGeom>
+              <a:ln/>
+            </p:spPr>
+            <p:style>
+              <a:lnRef idx="3">
+                <a:schemeClr val="dk1"/>
+              </a:lnRef>
+              <a:fillRef idx="0">
+                <a:schemeClr val="dk1"/>
+              </a:fillRef>
+              <a:effectRef idx="2">
+                <a:schemeClr val="dk1"/>
+              </a:effectRef>
+              <a:fontRef idx="minor">
+                <a:schemeClr val="tx1"/>
+              </a:fontRef>
+            </p:style>
+          </p:cxnSp>
+          <p:cxnSp>
+            <p:nvCxnSpPr>
+              <p:cNvPr id="19" name="Straight Connector 18">
+                <a:extLst>
+                  <a:ext uri="{FF2B5EF4-FFF2-40B4-BE49-F238E27FC236}">
+                    <a16:creationId xmlns:a16="http://schemas.microsoft.com/office/drawing/2014/main" id="{EAABA448-5997-47B2-B5E8-40B9E042408D}"/>
+                  </a:ext>
+                </a:extLst>
+              </p:cNvPr>
+              <p:cNvCxnSpPr/>
+              <p:nvPr/>
+            </p:nvCxnSpPr>
+            <p:spPr>
+              <a:xfrm>
+                <a:off x="3169920" y="3183467"/>
+                <a:ext cx="894080" cy="3020906"/>
+              </a:xfrm>
+              <a:prstGeom prst="line">
+                <a:avLst/>
+              </a:prstGeom>
+              <a:ln/>
+            </p:spPr>
+            <p:style>
+              <a:lnRef idx="3">
+                <a:schemeClr val="dk1"/>
+              </a:lnRef>
+              <a:fillRef idx="0">
+                <a:schemeClr val="dk1"/>
+              </a:fillRef>
+              <a:effectRef idx="2">
+                <a:schemeClr val="dk1"/>
+              </a:effectRef>
+              <a:fontRef idx="minor">
+                <a:schemeClr val="tx1"/>
+              </a:fontRef>
+            </p:style>
+          </p:cxnSp>
+          <p:cxnSp>
+            <p:nvCxnSpPr>
+              <p:cNvPr id="20" name="Straight Connector 19">
+                <a:extLst>
+                  <a:ext uri="{FF2B5EF4-FFF2-40B4-BE49-F238E27FC236}">
+                    <a16:creationId xmlns:a16="http://schemas.microsoft.com/office/drawing/2014/main" id="{CAE3830A-B487-4B2A-9459-E8B04E665EBD}"/>
+                  </a:ext>
+                </a:extLst>
+              </p:cNvPr>
+              <p:cNvCxnSpPr/>
+              <p:nvPr/>
+            </p:nvCxnSpPr>
+            <p:spPr>
+              <a:xfrm flipH="1">
+                <a:off x="2465493" y="6204372"/>
+                <a:ext cx="1598506" cy="0"/>
+              </a:xfrm>
+              <a:prstGeom prst="line">
+                <a:avLst/>
+              </a:prstGeom>
+              <a:ln/>
+            </p:spPr>
+            <p:style>
+              <a:lnRef idx="3">
+                <a:schemeClr val="dk1"/>
+              </a:lnRef>
+              <a:fillRef idx="0">
+                <a:schemeClr val="dk1"/>
+              </a:fillRef>
+              <a:effectRef idx="2">
+                <a:schemeClr val="dk1"/>
+              </a:effectRef>
+              <a:fontRef idx="minor">
+                <a:schemeClr val="tx1"/>
+              </a:fontRef>
+            </p:style>
+          </p:cxnSp>
+          <p:cxnSp>
+            <p:nvCxnSpPr>
+              <p:cNvPr id="21" name="Straight Connector 20">
+                <a:extLst>
+                  <a:ext uri="{FF2B5EF4-FFF2-40B4-BE49-F238E27FC236}">
+                    <a16:creationId xmlns:a16="http://schemas.microsoft.com/office/drawing/2014/main" id="{31C5745F-4EC3-432A-9698-D7AA9F25C14A}"/>
+                  </a:ext>
+                </a:extLst>
+              </p:cNvPr>
+              <p:cNvCxnSpPr/>
+              <p:nvPr/>
+            </p:nvCxnSpPr>
+            <p:spPr>
+              <a:xfrm flipV="1">
+                <a:off x="2458720" y="5784427"/>
+                <a:ext cx="358987" cy="419946"/>
+              </a:xfrm>
+              <a:prstGeom prst="line">
+                <a:avLst/>
+              </a:prstGeom>
+              <a:ln/>
+            </p:spPr>
+            <p:style>
+              <a:lnRef idx="3">
+                <a:schemeClr val="dk1"/>
+              </a:lnRef>
+              <a:fillRef idx="0">
+                <a:schemeClr val="dk1"/>
+              </a:fillRef>
+              <a:effectRef idx="2">
+                <a:schemeClr val="dk1"/>
+              </a:effectRef>
+              <a:fontRef idx="minor">
+                <a:schemeClr val="tx1"/>
+              </a:fontRef>
+            </p:style>
+          </p:cxnSp>
+          <p:cxnSp>
+            <p:nvCxnSpPr>
+              <p:cNvPr id="22" name="Straight Connector 21">
+                <a:extLst>
+                  <a:ext uri="{FF2B5EF4-FFF2-40B4-BE49-F238E27FC236}">
+                    <a16:creationId xmlns:a16="http://schemas.microsoft.com/office/drawing/2014/main" id="{6FF9FBF6-49D3-45A3-8095-E279AAF75D02}"/>
+                  </a:ext>
+                </a:extLst>
+              </p:cNvPr>
+              <p:cNvCxnSpPr/>
+              <p:nvPr/>
+            </p:nvCxnSpPr>
+            <p:spPr>
+              <a:xfrm flipH="1" flipV="1">
+                <a:off x="2025227" y="3183467"/>
+                <a:ext cx="792480" cy="2600961"/>
+              </a:xfrm>
+              <a:prstGeom prst="line">
+                <a:avLst/>
+              </a:prstGeom>
+              <a:ln/>
+            </p:spPr>
+            <p:style>
+              <a:lnRef idx="3">
+                <a:schemeClr val="dk1"/>
+              </a:lnRef>
+              <a:fillRef idx="0">
+                <a:schemeClr val="dk1"/>
+              </a:fillRef>
+              <a:effectRef idx="2">
+                <a:schemeClr val="dk1"/>
+              </a:effectRef>
+              <a:fontRef idx="minor">
+                <a:schemeClr val="tx1"/>
+              </a:fontRef>
+            </p:style>
+          </p:cxnSp>
+          <p:cxnSp>
+            <p:nvCxnSpPr>
+              <p:cNvPr id="23" name="Straight Connector 22">
+                <a:extLst>
+                  <a:ext uri="{FF2B5EF4-FFF2-40B4-BE49-F238E27FC236}">
+                    <a16:creationId xmlns:a16="http://schemas.microsoft.com/office/drawing/2014/main" id="{FA944F93-E570-4F8A-98B3-17D84DEDFEC1}"/>
+                  </a:ext>
+                </a:extLst>
+              </p:cNvPr>
+              <p:cNvCxnSpPr/>
+              <p:nvPr/>
+            </p:nvCxnSpPr>
+            <p:spPr>
+              <a:xfrm flipH="1">
+                <a:off x="1456267" y="3183467"/>
+                <a:ext cx="568961" cy="0"/>
+              </a:xfrm>
+              <a:prstGeom prst="line">
+                <a:avLst/>
+              </a:prstGeom>
+              <a:ln/>
+            </p:spPr>
+            <p:style>
+              <a:lnRef idx="3">
+                <a:schemeClr val="dk1"/>
+              </a:lnRef>
+              <a:fillRef idx="0">
+                <a:schemeClr val="dk1"/>
+              </a:fillRef>
+              <a:effectRef idx="2">
+                <a:schemeClr val="dk1"/>
+              </a:effectRef>
+              <a:fontRef idx="minor">
+                <a:schemeClr val="tx1"/>
+              </a:fontRef>
+            </p:style>
+          </p:cxnSp>
+          <p:cxnSp>
+            <p:nvCxnSpPr>
+              <p:cNvPr id="24" name="Straight Connector 23">
+                <a:extLst>
+                  <a:ext uri="{FF2B5EF4-FFF2-40B4-BE49-F238E27FC236}">
+                    <a16:creationId xmlns:a16="http://schemas.microsoft.com/office/drawing/2014/main" id="{CACA00CE-F432-40AA-A88E-8AECE0915AB2}"/>
+                  </a:ext>
+                </a:extLst>
+              </p:cNvPr>
+              <p:cNvCxnSpPr/>
+              <p:nvPr/>
+            </p:nvCxnSpPr>
+            <p:spPr>
+              <a:xfrm flipH="1" flipV="1">
+                <a:off x="1009227" y="2871893"/>
+                <a:ext cx="440266" cy="311574"/>
+              </a:xfrm>
+              <a:prstGeom prst="line">
+                <a:avLst/>
+              </a:prstGeom>
+              <a:ln/>
+            </p:spPr>
+            <p:style>
+              <a:lnRef idx="3">
+                <a:schemeClr val="dk1"/>
+              </a:lnRef>
+              <a:fillRef idx="0">
+                <a:schemeClr val="dk1"/>
+              </a:fillRef>
+              <a:effectRef idx="2">
+                <a:schemeClr val="dk1"/>
+              </a:effectRef>
+              <a:fontRef idx="minor">
+                <a:schemeClr val="tx1"/>
+              </a:fontRef>
+            </p:style>
+          </p:cxnSp>
+          <p:cxnSp>
+            <p:nvCxnSpPr>
+              <p:cNvPr id="25" name="Straight Connector 24">
+                <a:extLst>
+                  <a:ext uri="{FF2B5EF4-FFF2-40B4-BE49-F238E27FC236}">
+                    <a16:creationId xmlns:a16="http://schemas.microsoft.com/office/drawing/2014/main" id="{D8E496F6-F1DC-4EB1-A0B8-79C411F166D4}"/>
+                  </a:ext>
+                </a:extLst>
+              </p:cNvPr>
+              <p:cNvCxnSpPr/>
+              <p:nvPr/>
+            </p:nvCxnSpPr>
+            <p:spPr>
+              <a:xfrm flipV="1">
+                <a:off x="1009227" y="2404535"/>
+                <a:ext cx="0" cy="467359"/>
+              </a:xfrm>
+              <a:prstGeom prst="line">
+                <a:avLst/>
+              </a:prstGeom>
+              <a:ln/>
+            </p:spPr>
+            <p:style>
+              <a:lnRef idx="3">
+                <a:schemeClr val="dk1"/>
+              </a:lnRef>
+              <a:fillRef idx="0">
+                <a:schemeClr val="dk1"/>
+              </a:fillRef>
+              <a:effectRef idx="2">
+                <a:schemeClr val="dk1"/>
+              </a:effectRef>
+              <a:fontRef idx="minor">
+                <a:schemeClr val="tx1"/>
+              </a:fontRef>
+            </p:style>
+          </p:cxnSp>
+        </p:grpSp>
+        <p:grpSp>
+          <p:nvGrpSpPr>
+            <p:cNvPr id="9" name="Group 8">
+              <a:extLst>
+                <a:ext uri="{FF2B5EF4-FFF2-40B4-BE49-F238E27FC236}">
+                  <a16:creationId xmlns:a16="http://schemas.microsoft.com/office/drawing/2014/main" id="{4A8FD470-6289-4C73-B8F6-BE0C175CF66C}"/>
+                </a:ext>
+              </a:extLst>
+            </p:cNvPr>
+            <p:cNvGrpSpPr/>
+            <p:nvPr/>
+          </p:nvGrpSpPr>
+          <p:grpSpPr>
+            <a:xfrm>
+              <a:off x="2083406" y="3824273"/>
+              <a:ext cx="393094" cy="317492"/>
+              <a:chOff x="2083406" y="3819568"/>
+              <a:chExt cx="393094" cy="317492"/>
+            </a:xfrm>
+          </p:grpSpPr>
+          <p:sp>
+            <p:nvSpPr>
+              <p:cNvPr id="14" name="Rectangle 13">
+                <a:extLst>
+                  <a:ext uri="{FF2B5EF4-FFF2-40B4-BE49-F238E27FC236}">
+                    <a16:creationId xmlns:a16="http://schemas.microsoft.com/office/drawing/2014/main" id="{0E248137-2717-4EA3-BBAE-BB59B05B3A4B}"/>
+                  </a:ext>
+                </a:extLst>
+              </p:cNvPr>
+              <p:cNvSpPr/>
+              <p:nvPr/>
+            </p:nvSpPr>
+            <p:spPr>
+              <a:xfrm rot="20597776">
+                <a:off x="2083406" y="3819568"/>
+                <a:ext cx="304800" cy="317492"/>
+              </a:xfrm>
+              <a:prstGeom prst="rect">
+                <a:avLst/>
+              </a:prstGeom>
+              <a:solidFill>
+                <a:schemeClr val="tx1"/>
+              </a:solidFill>
+            </p:spPr>
+            <p:style>
+              <a:lnRef idx="2">
+                <a:schemeClr val="accent1">
+                  <a:shade val="50000"/>
+                </a:schemeClr>
+              </a:lnRef>
+              <a:fillRef idx="1">
+                <a:schemeClr val="accent1"/>
+              </a:fillRef>
+              <a:effectRef idx="0">
+                <a:schemeClr val="accent1"/>
+              </a:effectRef>
+              <a:fontRef idx="minor">
+                <a:schemeClr val="lt1"/>
+              </a:fontRef>
+            </p:style>
+            <p:txBody>
+              <a:bodyPr rtlCol="0" anchor="ctr"/>
+              <a:lstStyle/>
+              <a:p>
+                <a:pPr algn="ctr"/>
+                <a:endParaRPr lang="en-US"/>
+              </a:p>
+            </p:txBody>
+          </p:sp>
+          <p:sp>
+            <p:nvSpPr>
+              <p:cNvPr id="15" name="Rectangle 14">
+                <a:extLst>
+                  <a:ext uri="{FF2B5EF4-FFF2-40B4-BE49-F238E27FC236}">
+                    <a16:creationId xmlns:a16="http://schemas.microsoft.com/office/drawing/2014/main" id="{F29065A9-663E-4B88-950F-207B23255325}"/>
+                  </a:ext>
+                </a:extLst>
+              </p:cNvPr>
+              <p:cNvSpPr/>
+              <p:nvPr/>
+            </p:nvSpPr>
+            <p:spPr>
+              <a:xfrm rot="20475956">
+                <a:off x="2336800" y="3860800"/>
+                <a:ext cx="114300" cy="45719"/>
+              </a:xfrm>
+              <a:prstGeom prst="rect">
+                <a:avLst/>
+              </a:prstGeom>
+              <a:solidFill>
+                <a:schemeClr val="tx1"/>
+              </a:solidFill>
+            </p:spPr>
+            <p:style>
+              <a:lnRef idx="2">
+                <a:schemeClr val="accent1">
+                  <a:shade val="50000"/>
+                </a:schemeClr>
+              </a:lnRef>
+              <a:fillRef idx="1">
+                <a:schemeClr val="accent1"/>
+              </a:fillRef>
+              <a:effectRef idx="0">
+                <a:schemeClr val="accent1"/>
+              </a:effectRef>
+              <a:fontRef idx="minor">
+                <a:schemeClr val="lt1"/>
+              </a:fontRef>
+            </p:style>
+            <p:txBody>
+              <a:bodyPr rtlCol="0" anchor="ctr"/>
+              <a:lstStyle/>
+              <a:p>
+                <a:pPr algn="ctr"/>
+                <a:endParaRPr lang="en-US"/>
+              </a:p>
+            </p:txBody>
+          </p:sp>
+          <p:sp>
+            <p:nvSpPr>
+              <p:cNvPr id="16" name="Rectangle 15">
+                <a:extLst>
+                  <a:ext uri="{FF2B5EF4-FFF2-40B4-BE49-F238E27FC236}">
+                    <a16:creationId xmlns:a16="http://schemas.microsoft.com/office/drawing/2014/main" id="{6BBD8906-09AA-461E-84D4-F30D0BED9178}"/>
+                  </a:ext>
+                </a:extLst>
+              </p:cNvPr>
+              <p:cNvSpPr/>
+              <p:nvPr/>
+            </p:nvSpPr>
+            <p:spPr>
+              <a:xfrm rot="20475956">
+                <a:off x="2362200" y="3930650"/>
+                <a:ext cx="114300" cy="45719"/>
+              </a:xfrm>
+              <a:prstGeom prst="rect">
+                <a:avLst/>
+              </a:prstGeom>
+              <a:solidFill>
+                <a:schemeClr val="tx1"/>
+              </a:solidFill>
+            </p:spPr>
+            <p:style>
+              <a:lnRef idx="2">
+                <a:schemeClr val="accent1">
+                  <a:shade val="50000"/>
+                </a:schemeClr>
+              </a:lnRef>
+              <a:fillRef idx="1">
+                <a:schemeClr val="accent1"/>
+              </a:fillRef>
+              <a:effectRef idx="0">
+                <a:schemeClr val="accent1"/>
+              </a:effectRef>
+              <a:fontRef idx="minor">
+                <a:schemeClr val="lt1"/>
+              </a:fontRef>
+            </p:style>
+            <p:txBody>
+              <a:bodyPr rtlCol="0" anchor="ctr"/>
+              <a:lstStyle/>
+              <a:p>
+                <a:pPr algn="ctr"/>
+                <a:endParaRPr lang="en-US"/>
+              </a:p>
+            </p:txBody>
+          </p:sp>
+        </p:grpSp>
+        <p:grpSp>
+          <p:nvGrpSpPr>
+            <p:cNvPr id="10" name="Group 9">
+              <a:extLst>
+                <a:ext uri="{FF2B5EF4-FFF2-40B4-BE49-F238E27FC236}">
+                  <a16:creationId xmlns:a16="http://schemas.microsoft.com/office/drawing/2014/main" id="{0AE5BDBB-E101-4EBF-B271-275E8025917D}"/>
+                </a:ext>
+              </a:extLst>
+            </p:cNvPr>
+            <p:cNvGrpSpPr/>
+            <p:nvPr/>
+          </p:nvGrpSpPr>
+          <p:grpSpPr>
+            <a:xfrm>
+              <a:off x="1070531" y="2628142"/>
+              <a:ext cx="577816" cy="636933"/>
+              <a:chOff x="1070531" y="2628142"/>
+              <a:chExt cx="577816" cy="636933"/>
+            </a:xfrm>
+          </p:grpSpPr>
+          <p:sp>
+            <p:nvSpPr>
+              <p:cNvPr id="11" name="Rectangle 10">
+                <a:extLst>
+                  <a:ext uri="{FF2B5EF4-FFF2-40B4-BE49-F238E27FC236}">
+                    <a16:creationId xmlns:a16="http://schemas.microsoft.com/office/drawing/2014/main" id="{0FE00938-E70D-4273-9B0F-1EBB063F295F}"/>
+                  </a:ext>
+                </a:extLst>
+              </p:cNvPr>
+              <p:cNvSpPr/>
+              <p:nvPr/>
+            </p:nvSpPr>
+            <p:spPr>
+              <a:xfrm rot="18054809">
+                <a:off x="1047905" y="2809102"/>
+                <a:ext cx="478599" cy="433348"/>
+              </a:xfrm>
+              <a:prstGeom prst="rect">
+                <a:avLst/>
+              </a:prstGeom>
+              <a:solidFill>
+                <a:schemeClr val="tx1">
+                  <a:lumMod val="95000"/>
+                  <a:lumOff val="5000"/>
+                </a:schemeClr>
+              </a:solidFill>
+            </p:spPr>
+            <p:style>
+              <a:lnRef idx="2">
+                <a:schemeClr val="accent1">
+                  <a:shade val="50000"/>
+                </a:schemeClr>
+              </a:lnRef>
+              <a:fillRef idx="1">
+                <a:schemeClr val="accent1"/>
+              </a:fillRef>
+              <a:effectRef idx="0">
+                <a:schemeClr val="accent1"/>
+              </a:effectRef>
+              <a:fontRef idx="minor">
+                <a:schemeClr val="lt1"/>
+              </a:fontRef>
+            </p:style>
+            <p:txBody>
+              <a:bodyPr rtlCol="0" anchor="ctr"/>
+              <a:lstStyle/>
+              <a:p>
+                <a:pPr algn="ctr"/>
+                <a:endParaRPr lang="en-US"/>
+              </a:p>
+            </p:txBody>
+          </p:sp>
+          <p:sp>
+            <p:nvSpPr>
+              <p:cNvPr id="12" name="Rectangle 11">
+                <a:extLst>
+                  <a:ext uri="{FF2B5EF4-FFF2-40B4-BE49-F238E27FC236}">
+                    <a16:creationId xmlns:a16="http://schemas.microsoft.com/office/drawing/2014/main" id="{29B3F658-7F20-41CB-82F4-CD1E40CCF915}"/>
+                  </a:ext>
+                </a:extLst>
+              </p:cNvPr>
+              <p:cNvSpPr/>
+              <p:nvPr/>
+            </p:nvSpPr>
+            <p:spPr>
+              <a:xfrm rot="18213472">
+                <a:off x="1412677" y="2715997"/>
+                <a:ext cx="221429" cy="45719"/>
+              </a:xfrm>
+              <a:prstGeom prst="rect">
+                <a:avLst/>
+              </a:prstGeom>
+              <a:solidFill>
+                <a:schemeClr val="tx1"/>
+              </a:solidFill>
+            </p:spPr>
+            <p:style>
+              <a:lnRef idx="2">
+                <a:schemeClr val="accent1">
+                  <a:shade val="50000"/>
+                </a:schemeClr>
+              </a:lnRef>
+              <a:fillRef idx="1">
+                <a:schemeClr val="accent1"/>
+              </a:fillRef>
+              <a:effectRef idx="0">
+                <a:schemeClr val="accent1"/>
+              </a:effectRef>
+              <a:fontRef idx="minor">
+                <a:schemeClr val="lt1"/>
+              </a:fontRef>
+            </p:style>
+            <p:txBody>
+              <a:bodyPr rtlCol="0" anchor="ctr"/>
+              <a:lstStyle/>
+              <a:p>
+                <a:pPr algn="ctr"/>
+                <a:endParaRPr lang="en-US"/>
+              </a:p>
+            </p:txBody>
+          </p:sp>
+          <p:sp>
+            <p:nvSpPr>
+              <p:cNvPr id="13" name="Rectangle 12">
+                <a:extLst>
+                  <a:ext uri="{FF2B5EF4-FFF2-40B4-BE49-F238E27FC236}">
+                    <a16:creationId xmlns:a16="http://schemas.microsoft.com/office/drawing/2014/main" id="{77B4914D-2AB2-49F4-8ACE-F669F9F6D678}"/>
+                  </a:ext>
+                </a:extLst>
+              </p:cNvPr>
+              <p:cNvSpPr/>
+              <p:nvPr/>
+            </p:nvSpPr>
+            <p:spPr>
+              <a:xfrm rot="18213472">
+                <a:off x="1514773" y="2779497"/>
+                <a:ext cx="221429" cy="45719"/>
+              </a:xfrm>
+              <a:prstGeom prst="rect">
+                <a:avLst/>
+              </a:prstGeom>
+              <a:solidFill>
+                <a:schemeClr val="tx1"/>
+              </a:solidFill>
+            </p:spPr>
+            <p:style>
+              <a:lnRef idx="2">
+                <a:schemeClr val="accent1">
+                  <a:shade val="50000"/>
+                </a:schemeClr>
+              </a:lnRef>
+              <a:fillRef idx="1">
+                <a:schemeClr val="accent1"/>
+              </a:fillRef>
+              <a:effectRef idx="0">
+                <a:schemeClr val="accent1"/>
+              </a:effectRef>
+              <a:fontRef idx="minor">
+                <a:schemeClr val="lt1"/>
+              </a:fontRef>
+            </p:style>
+            <p:txBody>
+              <a:bodyPr rtlCol="0" anchor="ctr"/>
+              <a:lstStyle/>
+              <a:p>
+                <a:pPr algn="ctr"/>
+                <a:endParaRPr lang="en-US"/>
+              </a:p>
+            </p:txBody>
+          </p:sp>
+        </p:grpSp>
+      </p:grpSp>
+      <p:sp>
+        <p:nvSpPr>
+          <p:cNvPr id="26" name="Rectangle 25">
+            <a:extLst>
+              <a:ext uri="{FF2B5EF4-FFF2-40B4-BE49-F238E27FC236}">
+                <a16:creationId xmlns:a16="http://schemas.microsoft.com/office/drawing/2014/main" id="{3363469C-B5E3-4850-A601-11AD41D4BBCB}"/>
+              </a:ext>
+            </a:extLst>
+          </p:cNvPr>
+          <p:cNvSpPr/>
+          <p:nvPr/>
+        </p:nvSpPr>
+        <p:spPr>
+          <a:xfrm rot="15064516">
+            <a:off x="9492362" y="3832303"/>
+            <a:ext cx="850988" cy="331313"/>
+          </a:xfrm>
+          <a:prstGeom prst="rect">
+            <a:avLst/>
+          </a:prstGeom>
+        </p:spPr>
+        <p:style>
+          <a:lnRef idx="2">
+            <a:schemeClr val="accent5">
+              <a:shade val="50000"/>
+            </a:schemeClr>
+          </a:lnRef>
+          <a:fillRef idx="1">
+            <a:schemeClr val="accent5"/>
+          </a:fillRef>
+          <a:effectRef idx="0">
+            <a:schemeClr val="accent5"/>
+          </a:effectRef>
+          <a:fontRef idx="minor">
+            <a:schemeClr val="lt1"/>
+          </a:fontRef>
+        </p:style>
+        <p:txBody>
+          <a:bodyPr rtlCol="0" anchor="ctr"/>
+          <a:lstStyle/>
+          <a:p>
+            <a:pPr algn="ctr"/>
+            <a:r>
+              <a:rPr lang="en-US" dirty="0"/>
+              <a:t> UBEC</a:t>
+            </a:r>
+          </a:p>
+        </p:txBody>
+      </p:sp>
+      <p:sp>
+        <p:nvSpPr>
+          <p:cNvPr id="27" name="Rectangle 26">
+            <a:extLst>
+              <a:ext uri="{FF2B5EF4-FFF2-40B4-BE49-F238E27FC236}">
+                <a16:creationId xmlns:a16="http://schemas.microsoft.com/office/drawing/2014/main" id="{04F83FCE-AF0E-4EAF-89D5-421E40656273}"/>
+              </a:ext>
+            </a:extLst>
+          </p:cNvPr>
+          <p:cNvSpPr/>
+          <p:nvPr/>
+        </p:nvSpPr>
+        <p:spPr>
+          <a:xfrm rot="3355565">
+            <a:off x="9665928" y="3308220"/>
+            <a:ext cx="175572" cy="336594"/>
+          </a:xfrm>
+          <a:prstGeom prst="rect">
+            <a:avLst/>
+          </a:prstGeom>
+          <a:solidFill>
+            <a:schemeClr val="accent6">
+              <a:lumMod val="40000"/>
+              <a:lumOff val="60000"/>
+            </a:schemeClr>
+          </a:solidFill>
+        </p:spPr>
+        <p:style>
+          <a:lnRef idx="2">
+            <a:schemeClr val="accent1">
+              <a:shade val="50000"/>
+            </a:schemeClr>
+          </a:lnRef>
+          <a:fillRef idx="1">
+            <a:schemeClr val="accent1"/>
+          </a:fillRef>
+          <a:effectRef idx="0">
+            <a:schemeClr val="accent1"/>
+          </a:effectRef>
+          <a:fontRef idx="minor">
+            <a:schemeClr val="lt1"/>
+          </a:fontRef>
+        </p:style>
+        <p:txBody>
+          <a:bodyPr rtlCol="0" anchor="ctr"/>
+          <a:lstStyle/>
+          <a:p>
+            <a:pPr algn="ctr"/>
+            <a:endParaRPr lang="en-US"/>
+          </a:p>
+        </p:txBody>
+      </p:sp>
+      <p:sp>
+        <p:nvSpPr>
+          <p:cNvPr id="29" name="Rectangle 28">
+            <a:extLst>
+              <a:ext uri="{FF2B5EF4-FFF2-40B4-BE49-F238E27FC236}">
+                <a16:creationId xmlns:a16="http://schemas.microsoft.com/office/drawing/2014/main" id="{75DA5D87-A5F5-41FF-9E5B-BA8DCA2D83B5}"/>
+              </a:ext>
+            </a:extLst>
+          </p:cNvPr>
+          <p:cNvSpPr/>
+          <p:nvPr/>
+        </p:nvSpPr>
+        <p:spPr>
+          <a:xfrm rot="20653546">
+            <a:off x="10693744" y="5042581"/>
+            <a:ext cx="64302" cy="784651"/>
+          </a:xfrm>
+          <a:prstGeom prst="rect">
+            <a:avLst/>
+          </a:prstGeom>
+          <a:solidFill>
+            <a:schemeClr val="accent4">
+              <a:lumMod val="60000"/>
+              <a:lumOff val="40000"/>
+            </a:schemeClr>
+          </a:solidFill>
+        </p:spPr>
+        <p:style>
+          <a:lnRef idx="2">
+            <a:schemeClr val="accent1">
+              <a:shade val="50000"/>
+            </a:schemeClr>
+          </a:lnRef>
+          <a:fillRef idx="1">
+            <a:schemeClr val="accent1"/>
+          </a:fillRef>
+          <a:effectRef idx="0">
+            <a:schemeClr val="accent1"/>
+          </a:effectRef>
+          <a:fontRef idx="minor">
+            <a:schemeClr val="lt1"/>
+          </a:fontRef>
+        </p:style>
+        <p:txBody>
+          <a:bodyPr rtlCol="0" anchor="ctr"/>
+          <a:lstStyle/>
+          <a:p>
+            <a:pPr algn="ctr"/>
+            <a:endParaRPr lang="en-US"/>
+          </a:p>
+        </p:txBody>
+      </p:sp>
+      <p:sp>
+        <p:nvSpPr>
+          <p:cNvPr id="30" name="Rectangle 29">
+            <a:extLst>
+              <a:ext uri="{FF2B5EF4-FFF2-40B4-BE49-F238E27FC236}">
+                <a16:creationId xmlns:a16="http://schemas.microsoft.com/office/drawing/2014/main" id="{20733B9B-7E8B-4845-B636-05948F6F81E0}"/>
+              </a:ext>
+            </a:extLst>
+          </p:cNvPr>
+          <p:cNvSpPr/>
+          <p:nvPr/>
+        </p:nvSpPr>
+        <p:spPr>
+          <a:xfrm>
+            <a:off x="10024535" y="2508710"/>
+            <a:ext cx="248778" cy="98118"/>
+          </a:xfrm>
+          <a:prstGeom prst="rect">
+            <a:avLst/>
+          </a:prstGeom>
+          <a:solidFill>
+            <a:srgbClr val="36F856"/>
+          </a:solidFill>
+        </p:spPr>
+        <p:style>
+          <a:lnRef idx="2">
+            <a:schemeClr val="accent1">
+              <a:shade val="50000"/>
+            </a:schemeClr>
+          </a:lnRef>
+          <a:fillRef idx="1">
+            <a:schemeClr val="accent1"/>
+          </a:fillRef>
+          <a:effectRef idx="0">
+            <a:schemeClr val="accent1"/>
+          </a:effectRef>
+          <a:fontRef idx="minor">
+            <a:schemeClr val="lt1"/>
+          </a:fontRef>
+        </p:style>
+        <p:txBody>
+          <a:bodyPr rtlCol="0" anchor="ctr"/>
+          <a:lstStyle/>
+          <a:p>
+            <a:pPr algn="ctr"/>
+            <a:endParaRPr lang="en-US"/>
+          </a:p>
+        </p:txBody>
+      </p:sp>
+      <p:grpSp>
+        <p:nvGrpSpPr>
+          <p:cNvPr id="31" name="Group 30">
+            <a:extLst>
+              <a:ext uri="{FF2B5EF4-FFF2-40B4-BE49-F238E27FC236}">
+                <a16:creationId xmlns:a16="http://schemas.microsoft.com/office/drawing/2014/main" id="{744AD4F3-A33E-447C-B6B1-BB4804E55FA9}"/>
+              </a:ext>
+            </a:extLst>
+          </p:cNvPr>
+          <p:cNvGrpSpPr/>
+          <p:nvPr/>
+        </p:nvGrpSpPr>
+        <p:grpSpPr>
+          <a:xfrm>
+            <a:off x="8599866" y="2592467"/>
+            <a:ext cx="549138" cy="600209"/>
+            <a:chOff x="8599866" y="2592467"/>
+            <a:chExt cx="549138" cy="600209"/>
+          </a:xfrm>
+        </p:grpSpPr>
+        <p:sp>
+          <p:nvSpPr>
+            <p:cNvPr id="32" name="Rectangle 31">
+              <a:extLst>
+                <a:ext uri="{FF2B5EF4-FFF2-40B4-BE49-F238E27FC236}">
+                  <a16:creationId xmlns:a16="http://schemas.microsoft.com/office/drawing/2014/main" id="{05A7CA1D-1BAC-48E6-B333-C8E69C238C03}"/>
+                </a:ext>
+              </a:extLst>
+            </p:cNvPr>
+            <p:cNvSpPr/>
+            <p:nvPr/>
+          </p:nvSpPr>
+          <p:spPr>
+            <a:xfrm>
+              <a:off x="8599866" y="2620374"/>
+              <a:ext cx="549138" cy="572302"/>
+            </a:xfrm>
+            <a:prstGeom prst="rect">
+              <a:avLst/>
+            </a:prstGeom>
+            <a:solidFill>
+              <a:schemeClr val="accent5"/>
+            </a:solidFill>
+            <a:ln>
+              <a:solidFill>
+                <a:srgbClr val="0070C0"/>
+              </a:solidFill>
+            </a:ln>
+          </p:spPr>
+          <p:style>
+            <a:lnRef idx="2">
+              <a:schemeClr val="accent1">
+                <a:shade val="50000"/>
+              </a:schemeClr>
+            </a:lnRef>
+            <a:fillRef idx="1">
+              <a:schemeClr val="accent1"/>
+            </a:fillRef>
+            <a:effectRef idx="0">
+              <a:schemeClr val="accent1"/>
+            </a:effectRef>
+            <a:fontRef idx="minor">
+              <a:schemeClr val="lt1"/>
+            </a:fontRef>
+          </p:style>
+          <p:txBody>
+            <a:bodyPr rtlCol="0" anchor="ctr"/>
+            <a:lstStyle/>
+            <a:p>
+              <a:pPr algn="ctr"/>
+              <a:r>
+                <a:rPr lang="en-US" sz="1200" dirty="0"/>
+                <a:t>YX</a:t>
+              </a:r>
+            </a:p>
+            <a:p>
+              <a:pPr algn="ctr"/>
+              <a:r>
+                <a:rPr lang="en-US" sz="1200" dirty="0"/>
+                <a:t>5200</a:t>
+              </a:r>
+            </a:p>
+          </p:txBody>
+        </p:sp>
+        <p:sp>
+          <p:nvSpPr>
+            <p:cNvPr id="33" name="Oval 32">
+              <a:extLst>
+                <a:ext uri="{FF2B5EF4-FFF2-40B4-BE49-F238E27FC236}">
+                  <a16:creationId xmlns:a16="http://schemas.microsoft.com/office/drawing/2014/main" id="{E41082DF-47E4-4746-9F65-F9CC44CB7624}"/>
+                </a:ext>
+              </a:extLst>
+            </p:cNvPr>
+            <p:cNvSpPr/>
+            <p:nvPr/>
+          </p:nvSpPr>
+          <p:spPr>
+            <a:xfrm>
+              <a:off x="8838064" y="2592467"/>
+              <a:ext cx="54186" cy="46399"/>
+            </a:xfrm>
+            <a:prstGeom prst="ellipse">
+              <a:avLst/>
+            </a:prstGeom>
+            <a:solidFill>
+              <a:schemeClr val="accent3">
+                <a:lumMod val="40000"/>
+                <a:lumOff val="60000"/>
+              </a:schemeClr>
+            </a:solidFill>
+            <a:ln>
+              <a:solidFill>
+                <a:schemeClr val="accent3">
+                  <a:lumMod val="40000"/>
+                  <a:lumOff val="60000"/>
+                </a:schemeClr>
+              </a:solidFill>
+            </a:ln>
+          </p:spPr>
+          <p:style>
+            <a:lnRef idx="2">
+              <a:schemeClr val="accent1">
+                <a:shade val="50000"/>
+              </a:schemeClr>
+            </a:lnRef>
+            <a:fillRef idx="1">
+              <a:schemeClr val="accent1"/>
+            </a:fillRef>
+            <a:effectRef idx="0">
+              <a:schemeClr val="accent1"/>
+            </a:effectRef>
+            <a:fontRef idx="minor">
+              <a:schemeClr val="lt1"/>
+            </a:fontRef>
+          </p:style>
+          <p:txBody>
+            <a:bodyPr rtlCol="0" anchor="ctr"/>
+            <a:lstStyle/>
+            <a:p>
+              <a:pPr algn="ctr"/>
+              <a:endParaRPr lang="en-US"/>
+            </a:p>
+          </p:txBody>
+        </p:sp>
+      </p:grpSp>
+      <p:grpSp>
+        <p:nvGrpSpPr>
+          <p:cNvPr id="34" name="Group 33">
+            <a:extLst>
+              <a:ext uri="{FF2B5EF4-FFF2-40B4-BE49-F238E27FC236}">
+                <a16:creationId xmlns:a16="http://schemas.microsoft.com/office/drawing/2014/main" id="{9BD12F2A-1262-45F6-9303-EA90AEA4C8CA}"/>
+              </a:ext>
+            </a:extLst>
+          </p:cNvPr>
+          <p:cNvGrpSpPr/>
+          <p:nvPr/>
+        </p:nvGrpSpPr>
+        <p:grpSpPr>
+          <a:xfrm rot="16019730">
+            <a:off x="9227780" y="4363881"/>
+            <a:ext cx="534377" cy="189534"/>
+            <a:chOff x="9382567" y="3220117"/>
+            <a:chExt cx="534377" cy="189534"/>
+          </a:xfrm>
+        </p:grpSpPr>
+        <p:sp>
+          <p:nvSpPr>
+            <p:cNvPr id="35" name="Rectangle 34">
+              <a:extLst>
+                <a:ext uri="{FF2B5EF4-FFF2-40B4-BE49-F238E27FC236}">
+                  <a16:creationId xmlns:a16="http://schemas.microsoft.com/office/drawing/2014/main" id="{1919EAF8-3FE6-4254-9BEE-C5331042D628}"/>
+                </a:ext>
+              </a:extLst>
+            </p:cNvPr>
+            <p:cNvSpPr/>
+            <p:nvPr/>
+          </p:nvSpPr>
+          <p:spPr>
+            <a:xfrm rot="20675816">
+              <a:off x="9382567" y="3230531"/>
+              <a:ext cx="517241" cy="179120"/>
+            </a:xfrm>
+            <a:prstGeom prst="rect">
+              <a:avLst/>
+            </a:prstGeom>
+          </p:spPr>
+          <p:style>
+            <a:lnRef idx="2">
+              <a:schemeClr val="accent1">
+                <a:shade val="50000"/>
+              </a:schemeClr>
+            </a:lnRef>
+            <a:fillRef idx="1">
+              <a:schemeClr val="accent1"/>
+            </a:fillRef>
+            <a:effectRef idx="0">
+              <a:schemeClr val="accent1"/>
+            </a:effectRef>
+            <a:fontRef idx="minor">
+              <a:schemeClr val="lt1"/>
+            </a:fontRef>
+          </p:style>
+          <p:txBody>
+            <a:bodyPr rtlCol="0" anchor="ctr"/>
+            <a:lstStyle/>
+            <a:p>
+              <a:pPr algn="ctr"/>
+              <a:r>
+                <a:rPr lang="en-US" sz="1400" dirty="0"/>
+                <a:t>125</a:t>
+              </a:r>
+            </a:p>
+          </p:txBody>
+        </p:sp>
+        <p:sp>
+          <p:nvSpPr>
+            <p:cNvPr id="36" name="Oval 35">
+              <a:extLst>
+                <a:ext uri="{FF2B5EF4-FFF2-40B4-BE49-F238E27FC236}">
+                  <a16:creationId xmlns:a16="http://schemas.microsoft.com/office/drawing/2014/main" id="{595B925E-A2CA-42F7-B52C-5017BAB5F06A}"/>
+                </a:ext>
+              </a:extLst>
+            </p:cNvPr>
+            <p:cNvSpPr/>
+            <p:nvPr/>
+          </p:nvSpPr>
+          <p:spPr>
+            <a:xfrm>
+              <a:off x="9862758" y="3220117"/>
+              <a:ext cx="54186" cy="46399"/>
+            </a:xfrm>
+            <a:prstGeom prst="ellipse">
+              <a:avLst/>
+            </a:prstGeom>
+            <a:solidFill>
+              <a:schemeClr val="accent3">
+                <a:lumMod val="40000"/>
+                <a:lumOff val="60000"/>
+              </a:schemeClr>
+            </a:solidFill>
+            <a:ln>
+              <a:solidFill>
+                <a:schemeClr val="accent3">
+                  <a:lumMod val="40000"/>
+                  <a:lumOff val="60000"/>
+                </a:schemeClr>
+              </a:solidFill>
+            </a:ln>
+          </p:spPr>
+          <p:style>
+            <a:lnRef idx="2">
+              <a:schemeClr val="accent1">
+                <a:shade val="50000"/>
+              </a:schemeClr>
+            </a:lnRef>
+            <a:fillRef idx="1">
+              <a:schemeClr val="accent1"/>
+            </a:fillRef>
+            <a:effectRef idx="0">
+              <a:schemeClr val="accent1"/>
+            </a:effectRef>
+            <a:fontRef idx="minor">
+              <a:schemeClr val="lt1"/>
+            </a:fontRef>
+          </p:style>
+          <p:txBody>
+            <a:bodyPr rtlCol="0" anchor="ctr"/>
+            <a:lstStyle/>
+            <a:p>
+              <a:pPr algn="ctr"/>
+              <a:endParaRPr lang="en-US"/>
+            </a:p>
+          </p:txBody>
+        </p:sp>
+      </p:grpSp>
+      <p:sp>
+        <p:nvSpPr>
+          <p:cNvPr id="38" name="TextBox 37">
+            <a:extLst>
+              <a:ext uri="{FF2B5EF4-FFF2-40B4-BE49-F238E27FC236}">
+                <a16:creationId xmlns:a16="http://schemas.microsoft.com/office/drawing/2014/main" id="{3640D38F-85CB-449C-B536-E537606B3102}"/>
+              </a:ext>
+            </a:extLst>
+          </p:cNvPr>
+          <p:cNvSpPr txBox="1"/>
+          <p:nvPr/>
+        </p:nvSpPr>
+        <p:spPr>
+          <a:xfrm rot="20266484">
+            <a:off x="9895418" y="4241706"/>
+            <a:ext cx="290464" cy="215444"/>
+          </a:xfrm>
+          <a:prstGeom prst="rect">
+            <a:avLst/>
+          </a:prstGeom>
+          <a:noFill/>
+        </p:spPr>
+        <p:txBody>
+          <a:bodyPr wrap="none" rtlCol="0">
+            <a:spAutoFit/>
+          </a:bodyPr>
+          <a:lstStyle/>
+          <a:p>
+            <a:r>
+              <a:rPr lang="en-US" sz="800" dirty="0">
+                <a:solidFill>
+                  <a:schemeClr val="bg1"/>
+                </a:solidFill>
+              </a:rPr>
+              <a:t>IN</a:t>
+            </a:r>
+          </a:p>
+        </p:txBody>
+      </p:sp>
+      <p:grpSp>
+        <p:nvGrpSpPr>
+          <p:cNvPr id="39" name="Group 38">
+            <a:extLst>
+              <a:ext uri="{FF2B5EF4-FFF2-40B4-BE49-F238E27FC236}">
+                <a16:creationId xmlns:a16="http://schemas.microsoft.com/office/drawing/2014/main" id="{EC8881DB-3E86-439C-9FDE-52D09AF68151}"/>
+              </a:ext>
+            </a:extLst>
+          </p:cNvPr>
+          <p:cNvGrpSpPr/>
+          <p:nvPr/>
+        </p:nvGrpSpPr>
+        <p:grpSpPr>
+          <a:xfrm rot="16019730">
+            <a:off x="9454507" y="5131573"/>
+            <a:ext cx="534377" cy="189534"/>
+            <a:chOff x="9382567" y="3220117"/>
+            <a:chExt cx="534377" cy="189534"/>
+          </a:xfrm>
+        </p:grpSpPr>
+        <p:sp>
+          <p:nvSpPr>
+            <p:cNvPr id="40" name="Rectangle 39">
+              <a:extLst>
+                <a:ext uri="{FF2B5EF4-FFF2-40B4-BE49-F238E27FC236}">
+                  <a16:creationId xmlns:a16="http://schemas.microsoft.com/office/drawing/2014/main" id="{BF652637-5C03-40F0-B695-30A6E3AB22A1}"/>
+                </a:ext>
+              </a:extLst>
+            </p:cNvPr>
+            <p:cNvSpPr/>
+            <p:nvPr/>
+          </p:nvSpPr>
+          <p:spPr>
+            <a:xfrm rot="20675816">
+              <a:off x="9382567" y="3230531"/>
+              <a:ext cx="517241" cy="179120"/>
+            </a:xfrm>
+            <a:prstGeom prst="rect">
+              <a:avLst/>
+            </a:prstGeom>
+          </p:spPr>
+          <p:style>
+            <a:lnRef idx="2">
+              <a:schemeClr val="accent1">
+                <a:shade val="50000"/>
+              </a:schemeClr>
+            </a:lnRef>
+            <a:fillRef idx="1">
+              <a:schemeClr val="accent1"/>
+            </a:fillRef>
+            <a:effectRef idx="0">
+              <a:schemeClr val="accent1"/>
+            </a:effectRef>
+            <a:fontRef idx="minor">
+              <a:schemeClr val="lt1"/>
+            </a:fontRef>
+          </p:style>
+          <p:txBody>
+            <a:bodyPr rtlCol="0" anchor="ctr"/>
+            <a:lstStyle/>
+            <a:p>
+              <a:pPr algn="ctr"/>
+              <a:r>
+                <a:rPr lang="en-US" sz="1200" dirty="0"/>
+                <a:t>KCX</a:t>
+              </a:r>
+            </a:p>
+          </p:txBody>
+        </p:sp>
+        <p:sp>
+          <p:nvSpPr>
+            <p:cNvPr id="41" name="Oval 40">
+              <a:extLst>
+                <a:ext uri="{FF2B5EF4-FFF2-40B4-BE49-F238E27FC236}">
+                  <a16:creationId xmlns:a16="http://schemas.microsoft.com/office/drawing/2014/main" id="{F24FD21A-F125-4BA5-A023-3A28F82D3892}"/>
+                </a:ext>
+              </a:extLst>
+            </p:cNvPr>
+            <p:cNvSpPr/>
+            <p:nvPr/>
+          </p:nvSpPr>
+          <p:spPr>
+            <a:xfrm>
+              <a:off x="9862758" y="3220117"/>
+              <a:ext cx="54186" cy="46399"/>
+            </a:xfrm>
+            <a:prstGeom prst="ellipse">
+              <a:avLst/>
+            </a:prstGeom>
+            <a:solidFill>
+              <a:schemeClr val="accent3">
+                <a:lumMod val="40000"/>
+                <a:lumOff val="60000"/>
+              </a:schemeClr>
+            </a:solidFill>
+            <a:ln>
+              <a:solidFill>
+                <a:schemeClr val="accent3">
+                  <a:lumMod val="40000"/>
+                  <a:lumOff val="60000"/>
+                </a:schemeClr>
+              </a:solidFill>
+            </a:ln>
+          </p:spPr>
+          <p:style>
+            <a:lnRef idx="2">
+              <a:schemeClr val="accent1">
+                <a:shade val="50000"/>
+              </a:schemeClr>
+            </a:lnRef>
+            <a:fillRef idx="1">
+              <a:schemeClr val="accent1"/>
+            </a:fillRef>
+            <a:effectRef idx="0">
+              <a:schemeClr val="accent1"/>
+            </a:effectRef>
+            <a:fontRef idx="minor">
+              <a:schemeClr val="lt1"/>
+            </a:fontRef>
+          </p:style>
+          <p:txBody>
+            <a:bodyPr rtlCol="0" anchor="ctr"/>
+            <a:lstStyle/>
+            <a:p>
+              <a:pPr algn="ctr"/>
+              <a:endParaRPr lang="en-US" sz="1200"/>
+            </a:p>
+          </p:txBody>
+        </p:sp>
+      </p:grpSp>
+      <p:sp>
+        <p:nvSpPr>
+          <p:cNvPr id="4" name="Rectangle 3">
+            <a:extLst>
+              <a:ext uri="{FF2B5EF4-FFF2-40B4-BE49-F238E27FC236}">
+                <a16:creationId xmlns:a16="http://schemas.microsoft.com/office/drawing/2014/main" id="{13495F2B-8FCE-446D-8B24-ACAE63D3707C}"/>
+              </a:ext>
+            </a:extLst>
+          </p:cNvPr>
+          <p:cNvSpPr/>
+          <p:nvPr/>
+        </p:nvSpPr>
+        <p:spPr>
+          <a:xfrm rot="5400000">
+            <a:off x="7853957" y="5102742"/>
+            <a:ext cx="1126941" cy="508003"/>
+          </a:xfrm>
+          <a:prstGeom prst="rect">
+            <a:avLst/>
+          </a:prstGeom>
+          <a:solidFill>
+            <a:schemeClr val="accent5"/>
+          </a:solidFill>
+          <a:ln>
+            <a:solidFill>
+              <a:schemeClr val="accent5"/>
+            </a:solidFill>
+          </a:ln>
+        </p:spPr>
+        <p:style>
+          <a:lnRef idx="2">
+            <a:schemeClr val="accent1">
+              <a:shade val="50000"/>
+            </a:schemeClr>
+          </a:lnRef>
+          <a:fillRef idx="1">
+            <a:schemeClr val="accent1"/>
+          </a:fillRef>
+          <a:effectRef idx="0">
+            <a:schemeClr val="accent1"/>
+          </a:effectRef>
+          <a:fontRef idx="minor">
+            <a:schemeClr val="lt1"/>
+          </a:fontRef>
+        </p:style>
+        <p:txBody>
+          <a:bodyPr rtlCol="0" anchor="ctr"/>
+          <a:lstStyle/>
+          <a:p>
+            <a:pPr algn="ctr"/>
+            <a:r>
+              <a:rPr lang="en-US" dirty="0"/>
+              <a:t>Prog </a:t>
+            </a:r>
+            <a:r>
+              <a:rPr lang="en-US" dirty="0" err="1"/>
+              <a:t>Ardu</a:t>
+            </a:r>
+            <a:endParaRPr lang="en-US" dirty="0"/>
+          </a:p>
+        </p:txBody>
+      </p:sp>
+      <p:cxnSp>
+        <p:nvCxnSpPr>
+          <p:cNvPr id="44" name="Straight Connector 43">
+            <a:extLst>
+              <a:ext uri="{FF2B5EF4-FFF2-40B4-BE49-F238E27FC236}">
+                <a16:creationId xmlns:a16="http://schemas.microsoft.com/office/drawing/2014/main" id="{590B4BA7-DFB4-4F73-8617-4CBE043770F3}"/>
+              </a:ext>
+            </a:extLst>
+          </p:cNvPr>
+          <p:cNvCxnSpPr>
+            <a:endCxn id="40" idx="0"/>
+          </p:cNvCxnSpPr>
+          <p:nvPr/>
+        </p:nvCxnSpPr>
+        <p:spPr>
+          <a:xfrm>
+            <a:off x="8653486" y="4962053"/>
+            <a:ext cx="988881" cy="300850"/>
+          </a:xfrm>
+          <a:prstGeom prst="line">
+            <a:avLst/>
+          </a:prstGeom>
+          <a:ln w="12700">
+            <a:solidFill>
+              <a:schemeClr val="tx1"/>
+            </a:solidFill>
+          </a:ln>
+        </p:spPr>
+        <p:style>
+          <a:lnRef idx="1">
+            <a:schemeClr val="accent1"/>
+          </a:lnRef>
+          <a:fillRef idx="0">
+            <a:schemeClr val="accent1"/>
+          </a:fillRef>
+          <a:effectRef idx="0">
+            <a:schemeClr val="accent1"/>
+          </a:effectRef>
+          <a:fontRef idx="minor">
+            <a:schemeClr val="tx1"/>
+          </a:fontRef>
+        </p:style>
+      </p:cxnSp>
+      <p:sp>
+        <p:nvSpPr>
+          <p:cNvPr id="45" name="TextBox 44">
+            <a:extLst>
+              <a:ext uri="{FF2B5EF4-FFF2-40B4-BE49-F238E27FC236}">
+                <a16:creationId xmlns:a16="http://schemas.microsoft.com/office/drawing/2014/main" id="{D1002E0D-FFDA-4212-A4C1-D47E37E7FB5C}"/>
+              </a:ext>
+            </a:extLst>
+          </p:cNvPr>
+          <p:cNvSpPr txBox="1"/>
+          <p:nvPr/>
+        </p:nvSpPr>
+        <p:spPr>
+          <a:xfrm>
+            <a:off x="8802618" y="5096123"/>
+            <a:ext cx="677237" cy="276999"/>
+          </a:xfrm>
+          <a:prstGeom prst="rect">
+            <a:avLst/>
+          </a:prstGeom>
+          <a:noFill/>
+        </p:spPr>
+        <p:txBody>
+          <a:bodyPr wrap="none" rtlCol="0">
+            <a:spAutoFit/>
+          </a:bodyPr>
+          <a:lstStyle/>
+          <a:p>
+            <a:r>
+              <a:rPr lang="en-US" sz="1200" dirty="0"/>
+              <a:t>3 wires</a:t>
+            </a:r>
+          </a:p>
+        </p:txBody>
+      </p:sp>
+      <p:sp>
+        <p:nvSpPr>
+          <p:cNvPr id="47" name="Rectangle: Rounded Corners 46">
+            <a:extLst>
+              <a:ext uri="{FF2B5EF4-FFF2-40B4-BE49-F238E27FC236}">
+                <a16:creationId xmlns:a16="http://schemas.microsoft.com/office/drawing/2014/main" id="{3D94BD1C-2593-49F2-BF89-6F318F52CB20}"/>
+              </a:ext>
+            </a:extLst>
+          </p:cNvPr>
+          <p:cNvSpPr/>
+          <p:nvPr/>
+        </p:nvSpPr>
+        <p:spPr>
+          <a:xfrm>
+            <a:off x="8350269" y="4787158"/>
+            <a:ext cx="134315" cy="180926"/>
+          </a:xfrm>
+          <a:prstGeom prst="roundRect">
+            <a:avLst/>
+          </a:prstGeom>
+          <a:solidFill>
+            <a:schemeClr val="bg1"/>
+          </a:solidFill>
+        </p:spPr>
+        <p:style>
+          <a:lnRef idx="2">
+            <a:schemeClr val="accent1">
+              <a:shade val="50000"/>
+            </a:schemeClr>
+          </a:lnRef>
+          <a:fillRef idx="1">
+            <a:schemeClr val="accent1"/>
+          </a:fillRef>
+          <a:effectRef idx="0">
+            <a:schemeClr val="accent1"/>
+          </a:effectRef>
+          <a:fontRef idx="minor">
+            <a:schemeClr val="lt1"/>
+          </a:fontRef>
+        </p:style>
+        <p:txBody>
+          <a:bodyPr rtlCol="0" anchor="ctr"/>
+          <a:lstStyle/>
+          <a:p>
+            <a:pPr algn="ctr"/>
+            <a:endParaRPr lang="en-US"/>
+          </a:p>
+        </p:txBody>
+      </p:sp>
+      <p:sp>
+        <p:nvSpPr>
+          <p:cNvPr id="49" name="Freeform: Shape 48">
+            <a:extLst>
+              <a:ext uri="{FF2B5EF4-FFF2-40B4-BE49-F238E27FC236}">
+                <a16:creationId xmlns:a16="http://schemas.microsoft.com/office/drawing/2014/main" id="{0171344A-A62F-440E-8A13-661F78F244AB}"/>
+              </a:ext>
+            </a:extLst>
+          </p:cNvPr>
+          <p:cNvSpPr/>
+          <p:nvPr/>
+        </p:nvSpPr>
+        <p:spPr>
+          <a:xfrm>
+            <a:off x="6394784" y="3783932"/>
+            <a:ext cx="2033628" cy="1004636"/>
+          </a:xfrm>
+          <a:custGeom>
+            <a:avLst/>
+            <a:gdLst>
+              <a:gd name="connsiteX0" fmla="*/ 2009274 w 2033628"/>
+              <a:gd name="connsiteY0" fmla="*/ 1004636 h 1004636"/>
+              <a:gd name="connsiteX1" fmla="*/ 1750595 w 2033628"/>
+              <a:gd name="connsiteY1" fmla="*/ 348915 h 1004636"/>
+              <a:gd name="connsiteX2" fmla="*/ 0 w 2033628"/>
+              <a:gd name="connsiteY2" fmla="*/ 0 h 1004636"/>
+            </a:gdLst>
+            <a:ahLst/>
+            <a:cxnLst>
+              <a:cxn ang="0">
+                <a:pos x="connsiteX0" y="connsiteY0"/>
+              </a:cxn>
+              <a:cxn ang="0">
+                <a:pos x="connsiteX1" y="connsiteY1"/>
+              </a:cxn>
+              <a:cxn ang="0">
+                <a:pos x="connsiteX2" y="connsiteY2"/>
+              </a:cxn>
+            </a:cxnLst>
+            <a:rect l="l" t="t" r="r" b="b"/>
+            <a:pathLst>
+              <a:path w="2033628" h="1004636">
+                <a:moveTo>
+                  <a:pt x="2009274" y="1004636"/>
+                </a:moveTo>
+                <a:cubicBezTo>
+                  <a:pt x="2047374" y="760495"/>
+                  <a:pt x="2085474" y="516354"/>
+                  <a:pt x="1750595" y="348915"/>
+                </a:cubicBezTo>
+                <a:cubicBezTo>
+                  <a:pt x="1415716" y="181476"/>
+                  <a:pt x="295776" y="60158"/>
+                  <a:pt x="0" y="0"/>
+                </a:cubicBezTo>
+              </a:path>
+            </a:pathLst>
+          </a:custGeom>
+          <a:noFill/>
+          <a:ln w="38100"/>
+        </p:spPr>
+        <p:style>
+          <a:lnRef idx="2">
+            <a:schemeClr val="accent1">
+              <a:shade val="50000"/>
+            </a:schemeClr>
+          </a:lnRef>
+          <a:fillRef idx="1">
+            <a:schemeClr val="accent1"/>
+          </a:fillRef>
+          <a:effectRef idx="0">
+            <a:schemeClr val="accent1"/>
+          </a:effectRef>
+          <a:fontRef idx="minor">
+            <a:schemeClr val="lt1"/>
+          </a:fontRef>
+        </p:style>
+        <p:txBody>
+          <a:bodyPr rtlCol="0" anchor="ctr"/>
+          <a:lstStyle/>
+          <a:p>
+            <a:pPr algn="ctr"/>
+            <a:endParaRPr lang="en-US"/>
+          </a:p>
+        </p:txBody>
+      </p:sp>
+      <p:sp>
+        <p:nvSpPr>
+          <p:cNvPr id="51" name="TextBox 50">
+            <a:extLst>
+              <a:ext uri="{FF2B5EF4-FFF2-40B4-BE49-F238E27FC236}">
+                <a16:creationId xmlns:a16="http://schemas.microsoft.com/office/drawing/2014/main" id="{89EA6A16-A414-41BA-ABBF-74B0C55D2D3C}"/>
+              </a:ext>
+            </a:extLst>
+          </p:cNvPr>
+          <p:cNvSpPr txBox="1"/>
+          <p:nvPr/>
+        </p:nvSpPr>
+        <p:spPr>
+          <a:xfrm>
+            <a:off x="7072979" y="3956310"/>
+            <a:ext cx="478016" cy="276999"/>
+          </a:xfrm>
+          <a:prstGeom prst="rect">
+            <a:avLst/>
+          </a:prstGeom>
+          <a:noFill/>
+        </p:spPr>
+        <p:txBody>
+          <a:bodyPr wrap="none" rtlCol="0">
+            <a:spAutoFit/>
+          </a:bodyPr>
+          <a:lstStyle/>
+          <a:p>
+            <a:r>
+              <a:rPr lang="en-US" sz="1200" dirty="0"/>
+              <a:t>USB</a:t>
+            </a:r>
+          </a:p>
+        </p:txBody>
+      </p:sp>
       <p:pic>
         <p:nvPicPr>
-          <p:cNvPr id="1030" name="Picture 6" descr="Bluetooth Speakers, ZoeeTree S1Pro Speaker Bluetooth Wireless with 20W HD Sound &amp; Deep Bass, IPX7 Waterproof Speaker with 36Hours, 100Ft Wireless Range, Portable Speakers for Home, Outdoors, Travel">
-            <a:extLst>
-              <a:ext uri="{FF2B5EF4-FFF2-40B4-BE49-F238E27FC236}">
-                <a16:creationId xmlns:a16="http://schemas.microsoft.com/office/drawing/2014/main" id="{B65D2C01-14EA-4E28-BAF3-C6C76097C604}"/>
+          <p:cNvPr id="1028" name="Picture 4" descr="Image result for free clip art laptop">
+            <a:extLst>
+              <a:ext uri="{FF2B5EF4-FFF2-40B4-BE49-F238E27FC236}">
+                <a16:creationId xmlns:a16="http://schemas.microsoft.com/office/drawing/2014/main" id="{7F60D823-696C-4383-A952-1755FFB2183A}"/>
               </a:ext>
             </a:extLst>
           </p:cNvPr>
@@ -12542,7 +14247,7 @@
           <p:nvPr/>
         </p:nvPicPr>
         <p:blipFill>
-          <a:blip r:embed="rId3">
+          <a:blip r:embed="rId2">
             <a:extLst>
               <a:ext uri="{28A0092B-C50C-407E-A947-70E740481C1C}">
                 <a14:useLocalDpi xmlns:a14="http://schemas.microsoft.com/office/drawing/2010/main" val="0"/>
@@ -12556,8 +14261,8 @@
         </p:blipFill>
         <p:spPr bwMode="auto">
           <a:xfrm>
-            <a:off x="5950234" y="4877621"/>
-            <a:ext cx="833438" cy="833438"/>
+            <a:off x="5358768" y="2991666"/>
+            <a:ext cx="1314450" cy="1219200"/>
           </a:xfrm>
           <a:prstGeom prst="rect">
             <a:avLst/>
@@ -12574,6 +14279,160 @@
           </a:extLst>
         </p:spPr>
       </p:pic>
+      <p:pic>
+        <p:nvPicPr>
+          <p:cNvPr id="1030" name="Picture 6" descr="Bluetooth Speakers, ZoeeTree S1Pro Speaker Bluetooth Wireless with 20W HD Sound &amp; Deep Bass, IPX7 Waterproof Speaker with 36Hours, 100Ft Wireless Range, Portable Speakers for Home, Outdoors, Travel">
+            <a:extLst>
+              <a:ext uri="{FF2B5EF4-FFF2-40B4-BE49-F238E27FC236}">
+                <a16:creationId xmlns:a16="http://schemas.microsoft.com/office/drawing/2014/main" id="{B65D2C01-14EA-4E28-BAF3-C6C76097C604}"/>
+              </a:ext>
+            </a:extLst>
+          </p:cNvPr>
+          <p:cNvPicPr>
+            <a:picLocks noChangeAspect="1" noChangeArrowheads="1"/>
+          </p:cNvPicPr>
+          <p:nvPr/>
+        </p:nvPicPr>
+        <p:blipFill>
+          <a:blip r:embed="rId3">
+            <a:extLst>
+              <a:ext uri="{28A0092B-C50C-407E-A947-70E740481C1C}">
+                <a14:useLocalDpi xmlns:a14="http://schemas.microsoft.com/office/drawing/2010/main" val="0"/>
+              </a:ext>
+            </a:extLst>
+          </a:blip>
+          <a:srcRect/>
+          <a:stretch>
+            <a:fillRect/>
+          </a:stretch>
+        </p:blipFill>
+        <p:spPr bwMode="auto">
+          <a:xfrm>
+            <a:off x="5950234" y="4877621"/>
+            <a:ext cx="833438" cy="833438"/>
+          </a:xfrm>
+          <a:prstGeom prst="rect">
+            <a:avLst/>
+          </a:prstGeom>
+          <a:noFill/>
+          <a:extLst>
+            <a:ext uri="{909E8E84-426E-40DD-AFC4-6F175D3DCCD1}">
+              <a14:hiddenFill xmlns:a14="http://schemas.microsoft.com/office/drawing/2010/main">
+                <a:solidFill>
+                  <a:srgbClr val="FFFFFF"/>
+                </a:solidFill>
+              </a14:hiddenFill>
+            </a:ext>
+          </a:extLst>
+        </p:spPr>
+      </p:pic>
+      <p:sp>
+        <p:nvSpPr>
+          <p:cNvPr id="48" name="Rectangle 47">
+            <a:extLst>
+              <a:ext uri="{FF2B5EF4-FFF2-40B4-BE49-F238E27FC236}">
+                <a16:creationId xmlns:a16="http://schemas.microsoft.com/office/drawing/2014/main" id="{56FD9913-0392-CC8F-538A-949EFE1C24BF}"/>
+              </a:ext>
+            </a:extLst>
+          </p:cNvPr>
+          <p:cNvSpPr/>
+          <p:nvPr/>
+        </p:nvSpPr>
+        <p:spPr>
+          <a:xfrm rot="4359892">
+            <a:off x="9600943" y="4852847"/>
+            <a:ext cx="1126941" cy="417140"/>
+          </a:xfrm>
+          <a:prstGeom prst="rect">
+            <a:avLst/>
+          </a:prstGeom>
+          <a:solidFill>
+            <a:schemeClr val="accent5"/>
+          </a:solidFill>
+          <a:ln>
+            <a:solidFill>
+              <a:schemeClr val="accent5"/>
+            </a:solidFill>
+          </a:ln>
+        </p:spPr>
+        <p:style>
+          <a:lnRef idx="2">
+            <a:schemeClr val="accent1">
+              <a:shade val="50000"/>
+            </a:schemeClr>
+          </a:lnRef>
+          <a:fillRef idx="1">
+            <a:schemeClr val="accent1"/>
+          </a:fillRef>
+          <a:effectRef idx="0">
+            <a:schemeClr val="accent1"/>
+          </a:effectRef>
+          <a:fontRef idx="minor">
+            <a:schemeClr val="lt1"/>
+          </a:fontRef>
+        </p:style>
+        <p:txBody>
+          <a:bodyPr rtlCol="0" anchor="ctr"/>
+          <a:lstStyle/>
+          <a:p>
+            <a:pPr algn="ctr"/>
+            <a:r>
+              <a:rPr lang="en-US" dirty="0" err="1"/>
+              <a:t>Ardu</a:t>
+            </a:r>
+            <a:endParaRPr lang="en-US" dirty="0"/>
+          </a:p>
+        </p:txBody>
+      </p:sp>
+      <p:sp>
+        <p:nvSpPr>
+          <p:cNvPr id="50" name="Rectangle: Rounded Corners 49">
+            <a:extLst>
+              <a:ext uri="{FF2B5EF4-FFF2-40B4-BE49-F238E27FC236}">
+                <a16:creationId xmlns:a16="http://schemas.microsoft.com/office/drawing/2014/main" id="{F9BC8C74-EF0E-6A1F-A1A6-275E11D49BB8}"/>
+              </a:ext>
+            </a:extLst>
+          </p:cNvPr>
+          <p:cNvSpPr/>
+          <p:nvPr/>
+        </p:nvSpPr>
+        <p:spPr>
+          <a:xfrm rot="20513597">
+            <a:off x="10237283" y="5471988"/>
+            <a:ext cx="134315" cy="180926"/>
+          </a:xfrm>
+          <a:prstGeom prst="roundRect">
+            <a:avLst/>
+          </a:prstGeom>
+          <a:solidFill>
+            <a:schemeClr val="bg1"/>
+          </a:solidFill>
+        </p:spPr>
+        <p:style>
+          <a:lnRef idx="2">
+            <a:schemeClr val="accent1">
+              <a:shade val="50000"/>
+            </a:schemeClr>
+          </a:lnRef>
+          <a:fillRef idx="1">
+            <a:schemeClr val="accent1"/>
+          </a:fillRef>
+          <a:effectRef idx="0">
+            <a:schemeClr val="accent1"/>
+          </a:effectRef>
+          <a:fontRef idx="minor">
+            <a:schemeClr val="lt1"/>
+          </a:fontRef>
+        </p:style>
+        <p:txBody>
+          <a:bodyPr rtlCol="0" anchor="ctr"/>
+          <a:lstStyle/>
+          <a:p>
+            <a:pPr algn="ctr"/>
+            <a:endParaRPr lang="en-US"/>
+          </a:p>
+        </p:txBody>
+      </p:sp>
     </p:spTree>
     <p:extLst>
       <p:ext uri="{BB962C8B-B14F-4D97-AF65-F5344CB8AC3E}">

--- a/BuildRubberBandGunSoftware.pptx
+++ b/BuildRubberBandGunSoftware.pptx
@@ -275,7 +275,7 @@
           <a:p>
             <a:fld id="{02AC24A9-CCB6-4F8D-B8DB-C2F3692CFA5A}" type="datetimeFigureOut">
               <a:rPr lang="en-US" smtClean="0"/>
-              <a:t>6/24/2022</a:t>
+              <a:t>6/26/2022</a:t>
             </a:fld>
             <a:endParaRPr lang="en-US" dirty="0"/>
           </a:p>
@@ -645,7 +645,7 @@
           <a:p>
             <a:fld id="{02AC24A9-CCB6-4F8D-B8DB-C2F3692CFA5A}" type="datetimeFigureOut">
               <a:rPr lang="en-US" smtClean="0"/>
-              <a:t>6/24/2022</a:t>
+              <a:t>6/26/2022</a:t>
             </a:fld>
             <a:endParaRPr lang="en-US"/>
           </a:p>
@@ -854,7 +854,7 @@
           <a:p>
             <a:fld id="{02AC24A9-CCB6-4F8D-B8DB-C2F3692CFA5A}" type="datetimeFigureOut">
               <a:rPr lang="en-US" smtClean="0"/>
-              <a:t>6/24/2022</a:t>
+              <a:t>6/26/2022</a:t>
             </a:fld>
             <a:endParaRPr lang="en-US"/>
           </a:p>
@@ -1324,7 +1324,7 @@
           <a:p>
             <a:fld id="{02AC24A9-CCB6-4F8D-B8DB-C2F3692CFA5A}" type="datetimeFigureOut">
               <a:rPr lang="en-US" smtClean="0"/>
-              <a:t>6/24/2022</a:t>
+              <a:t>6/26/2022</a:t>
             </a:fld>
             <a:endParaRPr lang="en-US"/>
           </a:p>
@@ -1778,7 +1778,7 @@
           <a:p>
             <a:fld id="{02AC24A9-CCB6-4F8D-B8DB-C2F3692CFA5A}" type="datetimeFigureOut">
               <a:rPr lang="en-US" smtClean="0"/>
-              <a:t>6/24/2022</a:t>
+              <a:t>6/26/2022</a:t>
             </a:fld>
             <a:endParaRPr lang="en-US"/>
           </a:p>
@@ -2310,7 +2310,7 @@
           <a:p>
             <a:fld id="{02AC24A9-CCB6-4F8D-B8DB-C2F3692CFA5A}" type="datetimeFigureOut">
               <a:rPr lang="en-US" smtClean="0"/>
-              <a:t>6/24/2022</a:t>
+              <a:t>6/26/2022</a:t>
             </a:fld>
             <a:endParaRPr lang="en-US"/>
           </a:p>
@@ -3009,7 +3009,7 @@
           <a:p>
             <a:fld id="{02AC24A9-CCB6-4F8D-B8DB-C2F3692CFA5A}" type="datetimeFigureOut">
               <a:rPr lang="en-US" smtClean="0"/>
-              <a:t>6/24/2022</a:t>
+              <a:t>6/26/2022</a:t>
             </a:fld>
             <a:endParaRPr lang="en-US"/>
           </a:p>
@@ -3338,7 +3338,7 @@
           <a:p>
             <a:fld id="{02AC24A9-CCB6-4F8D-B8DB-C2F3692CFA5A}" type="datetimeFigureOut">
               <a:rPr lang="en-US" smtClean="0"/>
-              <a:t>6/24/2022</a:t>
+              <a:t>6/26/2022</a:t>
             </a:fld>
             <a:endParaRPr lang="en-US"/>
           </a:p>
@@ -3451,7 +3451,7 @@
           <a:p>
             <a:fld id="{02AC24A9-CCB6-4F8D-B8DB-C2F3692CFA5A}" type="datetimeFigureOut">
               <a:rPr lang="en-US" smtClean="0"/>
-              <a:t>6/24/2022</a:t>
+              <a:t>6/26/2022</a:t>
             </a:fld>
             <a:endParaRPr lang="en-US"/>
           </a:p>
@@ -3946,7 +3946,7 @@
           <a:p>
             <a:fld id="{02AC24A9-CCB6-4F8D-B8DB-C2F3692CFA5A}" type="datetimeFigureOut">
               <a:rPr lang="en-US" smtClean="0"/>
-              <a:t>6/24/2022</a:t>
+              <a:t>6/26/2022</a:t>
             </a:fld>
             <a:endParaRPr lang="en-US" dirty="0"/>
           </a:p>
@@ -4423,7 +4423,7 @@
           <a:p>
             <a:fld id="{02AC24A9-CCB6-4F8D-B8DB-C2F3692CFA5A}" type="datetimeFigureOut">
               <a:rPr lang="en-US" smtClean="0"/>
-              <a:t>6/24/2022</a:t>
+              <a:t>6/26/2022</a:t>
             </a:fld>
             <a:endParaRPr lang="en-US"/>
           </a:p>
@@ -4666,7 +4666,7 @@
           <a:p>
             <a:fld id="{02AC24A9-CCB6-4F8D-B8DB-C2F3692CFA5A}" type="datetimeFigureOut">
               <a:rPr lang="en-US" smtClean="0"/>
-              <a:t>6/24/2022</a:t>
+              <a:t>6/26/2022</a:t>
             </a:fld>
             <a:endParaRPr lang="en-US"/>
           </a:p>
@@ -5258,7 +5258,7 @@
         <p:spPr>
           <a:xfrm>
             <a:off x="856209" y="1718697"/>
-            <a:ext cx="1492716" cy="369332"/>
+            <a:ext cx="1619739" cy="369332"/>
           </a:xfrm>
           <a:prstGeom prst="rect">
             <a:avLst/>
@@ -5272,12 +5272,8 @@
           <a:lstStyle/>
           <a:p>
             <a:r>
-              <a:rPr lang="en-US"/>
-              <a:t>24 Oct </a:t>
-            </a:r>
-            <a:r>
               <a:rPr lang="en-US" dirty="0"/>
-              <a:t>2020</a:t>
+              <a:t>24 June 2022</a:t>
             </a:r>
           </a:p>
         </p:txBody>
